--- a/files/CS373/GenerativeAITools/2023-09-Heroux-ScenariosPersonasContexts.pptx
+++ b/files/CS373/GenerativeAITools/2023-09-Heroux-ScenariosPersonasContexts.pptx
@@ -6,18 +6,16 @@
   </p:sldMasterIdLst>
   <p:sldIdLst>
     <p:sldId id="256" r:id="rId2"/>
-    <p:sldId id="257" r:id="rId3"/>
-    <p:sldId id="258" r:id="rId4"/>
-    <p:sldId id="268" r:id="rId5"/>
-    <p:sldId id="260" r:id="rId6"/>
-    <p:sldId id="261" r:id="rId7"/>
-    <p:sldId id="262" r:id="rId8"/>
-    <p:sldId id="263" r:id="rId9"/>
-    <p:sldId id="269" r:id="rId10"/>
-    <p:sldId id="270" r:id="rId11"/>
-    <p:sldId id="271" r:id="rId12"/>
-    <p:sldId id="265" r:id="rId13"/>
-    <p:sldId id="267" r:id="rId14"/>
+    <p:sldId id="268" r:id="rId3"/>
+    <p:sldId id="260" r:id="rId4"/>
+    <p:sldId id="261" r:id="rId5"/>
+    <p:sldId id="262" r:id="rId6"/>
+    <p:sldId id="263" r:id="rId7"/>
+    <p:sldId id="269" r:id="rId8"/>
+    <p:sldId id="270" r:id="rId9"/>
+    <p:sldId id="271" r:id="rId10"/>
+    <p:sldId id="265" r:id="rId11"/>
+    <p:sldId id="267" r:id="rId12"/>
   </p:sldIdLst>
   <p:sldSz cx="9144000" cy="6858000" type="screen4x3"/>
   <p:notesSz cx="6858000" cy="9144000"/>
@@ -136,7 +134,7 @@
 </file>
 
 <file path=ppt/diagrams/colors1.xml><?xml version="1.0" encoding="utf-8"?>
-<dgm:colorsDef xmlns:dgm="http://schemas.openxmlformats.org/drawingml/2006/diagram" xmlns:a="http://schemas.openxmlformats.org/drawingml/2006/main" uniqueId="urn:microsoft.com/office/officeart/2018/5/colors/Iconchunking_neutralicontext_colorful1">
+<dgm:colorsDef xmlns:dgm="http://schemas.openxmlformats.org/drawingml/2006/diagram" xmlns:a="http://schemas.openxmlformats.org/drawingml/2006/main" uniqueId="urn:microsoft.com/office/officeart/2018/5/colors/Iconchunking_neutralicon_colorful1">
   <dgm:title val=""/>
   <dgm:desc val=""/>
   <dgm:catLst>
@@ -1049,14 +1047,14 @@
     <dgm:effectClrLst/>
     <dgm:txLinClrLst/>
     <dgm:txFillClrLst meth="repeat">
-      <a:schemeClr val="bg1"/>
+      <a:schemeClr val="tx1"/>
     </dgm:txFillClrLst>
     <dgm:txEffectClrLst/>
   </dgm:styleLbl>
 </dgm:colorsDef>
 </file>
 
-<file path=ppt/diagrams/colors10.xml><?xml version="1.0" encoding="utf-8"?>
+<file path=ppt/diagrams/colors2.xml><?xml version="1.0" encoding="utf-8"?>
 <dgm:colorsDef xmlns:dgm="http://schemas.openxmlformats.org/drawingml/2006/diagram" xmlns:a="http://schemas.openxmlformats.org/drawingml/2006/main" uniqueId="urn:microsoft.com/office/officeart/2005/8/colors/colorful2">
   <dgm:title val=""/>
   <dgm:desc val=""/>
@@ -1838,7 +1836,7 @@
 </dgm:colorsDef>
 </file>
 
-<file path=ppt/diagrams/colors2.xml><?xml version="1.0" encoding="utf-8"?>
+<file path=ppt/diagrams/colors3.xml><?xml version="1.0" encoding="utf-8"?>
 <dgm:colorsDef xmlns:dgm="http://schemas.openxmlformats.org/drawingml/2006/diagram" xmlns:a="http://schemas.openxmlformats.org/drawingml/2006/main" uniqueId="urn:microsoft.com/office/officeart/2005/8/colors/colorful2">
   <dgm:title val=""/>
   <dgm:desc val=""/>
@@ -2620,927 +2618,6 @@
 </dgm:colorsDef>
 </file>
 
-<file path=ppt/diagrams/colors3.xml><?xml version="1.0" encoding="utf-8"?>
-<dgm:colorsDef xmlns:dgm="http://schemas.openxmlformats.org/drawingml/2006/diagram" xmlns:a="http://schemas.openxmlformats.org/drawingml/2006/main" uniqueId="urn:microsoft.com/office/officeart/2018/5/colors/Iconchunking_neutralicon_colorful1">
-  <dgm:title val=""/>
-  <dgm:desc val=""/>
-  <dgm:catLst>
-    <dgm:cat type="colorful" pri="10100"/>
-  </dgm:catLst>
-  <dgm:styleLbl name="node0">
-    <dgm:fillClrLst meth="repeat">
-      <a:schemeClr val="accent1"/>
-    </dgm:fillClrLst>
-    <dgm:linClrLst meth="repeat">
-      <a:schemeClr val="lt1"/>
-    </dgm:linClrLst>
-    <dgm:effectClrLst/>
-    <dgm:txLinClrLst/>
-    <dgm:txFillClrLst/>
-    <dgm:txEffectClrLst/>
-  </dgm:styleLbl>
-  <dgm:styleLbl name="node1">
-    <dgm:fillClrLst meth="repeat">
-      <a:schemeClr val="bg1"/>
-    </dgm:fillClrLst>
-    <dgm:linClrLst meth="repeat">
-      <a:schemeClr val="lt1">
-        <a:alpha val="0"/>
-      </a:schemeClr>
-    </dgm:linClrLst>
-    <dgm:effectClrLst/>
-    <dgm:txLinClrLst/>
-    <dgm:txFillClrLst meth="repeat">
-      <a:schemeClr val="dk1"/>
-    </dgm:txFillClrLst>
-    <dgm:txEffectClrLst/>
-  </dgm:styleLbl>
-  <dgm:styleLbl name="alignNode1">
-    <dgm:fillClrLst meth="repeat">
-      <a:schemeClr val="accent2"/>
-      <a:schemeClr val="accent3"/>
-      <a:schemeClr val="accent4"/>
-      <a:schemeClr val="accent5"/>
-      <a:schemeClr val="accent6"/>
-    </dgm:fillClrLst>
-    <dgm:linClrLst meth="repeat">
-      <a:schemeClr val="accent2"/>
-      <a:schemeClr val="accent3"/>
-      <a:schemeClr val="accent4"/>
-      <a:schemeClr val="accent5"/>
-      <a:schemeClr val="accent6"/>
-    </dgm:linClrLst>
-    <dgm:effectClrLst/>
-    <dgm:txLinClrLst/>
-    <dgm:txFillClrLst/>
-    <dgm:txEffectClrLst/>
-  </dgm:styleLbl>
-  <dgm:styleLbl name="lnNode1">
-    <dgm:fillClrLst meth="repeat">
-      <a:schemeClr val="accent2"/>
-      <a:schemeClr val="accent3"/>
-      <a:schemeClr val="accent4"/>
-      <a:schemeClr val="accent5"/>
-      <a:schemeClr val="accent6"/>
-    </dgm:fillClrLst>
-    <dgm:linClrLst meth="repeat">
-      <a:schemeClr val="lt1"/>
-    </dgm:linClrLst>
-    <dgm:effectClrLst/>
-    <dgm:txLinClrLst/>
-    <dgm:txFillClrLst/>
-    <dgm:txEffectClrLst/>
-  </dgm:styleLbl>
-  <dgm:styleLbl name="vennNode1">
-    <dgm:fillClrLst meth="repeat">
-      <a:schemeClr val="accent2">
-        <a:alpha val="50000"/>
-      </a:schemeClr>
-      <a:schemeClr val="accent3">
-        <a:alpha val="50000"/>
-      </a:schemeClr>
-      <a:schemeClr val="accent4">
-        <a:alpha val="50000"/>
-      </a:schemeClr>
-      <a:schemeClr val="accent5">
-        <a:alpha val="50000"/>
-      </a:schemeClr>
-      <a:schemeClr val="accent6">
-        <a:alpha val="50000"/>
-      </a:schemeClr>
-    </dgm:fillClrLst>
-    <dgm:linClrLst meth="repeat">
-      <a:schemeClr val="lt1"/>
-    </dgm:linClrLst>
-    <dgm:effectClrLst/>
-    <dgm:txLinClrLst/>
-    <dgm:txFillClrLst/>
-    <dgm:txEffectClrLst/>
-  </dgm:styleLbl>
-  <dgm:styleLbl name="node2">
-    <dgm:fillClrLst>
-      <a:schemeClr val="accent2"/>
-    </dgm:fillClrLst>
-    <dgm:linClrLst meth="repeat">
-      <a:schemeClr val="lt1"/>
-    </dgm:linClrLst>
-    <dgm:effectClrLst/>
-    <dgm:txLinClrLst/>
-    <dgm:txFillClrLst/>
-    <dgm:txEffectClrLst/>
-  </dgm:styleLbl>
-  <dgm:styleLbl name="node3">
-    <dgm:fillClrLst>
-      <a:schemeClr val="accent3"/>
-    </dgm:fillClrLst>
-    <dgm:linClrLst meth="repeat">
-      <a:schemeClr val="lt1"/>
-    </dgm:linClrLst>
-    <dgm:effectClrLst/>
-    <dgm:txLinClrLst/>
-    <dgm:txFillClrLst/>
-    <dgm:txEffectClrLst/>
-  </dgm:styleLbl>
-  <dgm:styleLbl name="node4">
-    <dgm:fillClrLst>
-      <a:schemeClr val="accent4"/>
-    </dgm:fillClrLst>
-    <dgm:linClrLst meth="repeat">
-      <a:schemeClr val="lt1"/>
-    </dgm:linClrLst>
-    <dgm:effectClrLst/>
-    <dgm:txLinClrLst/>
-    <dgm:txFillClrLst/>
-    <dgm:txEffectClrLst/>
-  </dgm:styleLbl>
-  <dgm:styleLbl name="fgImgPlace1">
-    <dgm:fillClrLst meth="repeat">
-      <a:schemeClr val="accent2">
-        <a:tint val="50000"/>
-      </a:schemeClr>
-      <a:schemeClr val="accent3">
-        <a:tint val="50000"/>
-      </a:schemeClr>
-      <a:schemeClr val="accent4">
-        <a:tint val="50000"/>
-      </a:schemeClr>
-      <a:schemeClr val="accent5">
-        <a:tint val="50000"/>
-      </a:schemeClr>
-      <a:schemeClr val="accent6">
-        <a:tint val="50000"/>
-      </a:schemeClr>
-    </dgm:fillClrLst>
-    <dgm:linClrLst meth="repeat">
-      <a:schemeClr val="lt1"/>
-    </dgm:linClrLst>
-    <dgm:effectClrLst/>
-    <dgm:txLinClrLst/>
-    <dgm:txFillClrLst meth="repeat">
-      <a:schemeClr val="lt1"/>
-    </dgm:txFillClrLst>
-    <dgm:txEffectClrLst/>
-  </dgm:styleLbl>
-  <dgm:styleLbl name="alignImgPlace1">
-    <dgm:fillClrLst>
-      <a:schemeClr val="accent1">
-        <a:tint val="50000"/>
-      </a:schemeClr>
-      <a:schemeClr val="accent2">
-        <a:tint val="20000"/>
-      </a:schemeClr>
-    </dgm:fillClrLst>
-    <dgm:linClrLst meth="repeat">
-      <a:schemeClr val="lt1"/>
-    </dgm:linClrLst>
-    <dgm:effectClrLst/>
-    <dgm:txLinClrLst/>
-    <dgm:txFillClrLst meth="repeat">
-      <a:schemeClr val="lt1"/>
-    </dgm:txFillClrLst>
-    <dgm:txEffectClrLst/>
-  </dgm:styleLbl>
-  <dgm:styleLbl name="bgImgPlace1">
-    <dgm:fillClrLst>
-      <a:schemeClr val="accent1">
-        <a:tint val="50000"/>
-      </a:schemeClr>
-      <a:schemeClr val="accent2">
-        <a:tint val="20000"/>
-      </a:schemeClr>
-    </dgm:fillClrLst>
-    <dgm:linClrLst meth="repeat">
-      <a:schemeClr val="lt1"/>
-    </dgm:linClrLst>
-    <dgm:effectClrLst/>
-    <dgm:txLinClrLst/>
-    <dgm:txFillClrLst meth="repeat">
-      <a:schemeClr val="lt1"/>
-    </dgm:txFillClrLst>
-    <dgm:txEffectClrLst/>
-  </dgm:styleLbl>
-  <dgm:styleLbl name="sibTrans2D1">
-    <dgm:fillClrLst meth="repeat">
-      <a:schemeClr val="accent2"/>
-      <a:schemeClr val="accent3"/>
-      <a:schemeClr val="accent4"/>
-      <a:schemeClr val="accent5"/>
-      <a:schemeClr val="accent6"/>
-    </dgm:fillClrLst>
-    <dgm:linClrLst meth="cycle">
-      <a:schemeClr val="lt1"/>
-    </dgm:linClrLst>
-    <dgm:effectClrLst/>
-    <dgm:txLinClrLst/>
-    <dgm:txFillClrLst/>
-    <dgm:txEffectClrLst/>
-  </dgm:styleLbl>
-  <dgm:styleLbl name="fgSibTrans2D1">
-    <dgm:fillClrLst meth="repeat">
-      <a:schemeClr val="accent2"/>
-      <a:schemeClr val="accent3"/>
-      <a:schemeClr val="accent4"/>
-      <a:schemeClr val="accent5"/>
-      <a:schemeClr val="accent6"/>
-    </dgm:fillClrLst>
-    <dgm:linClrLst meth="cycle">
-      <a:schemeClr val="lt1"/>
-    </dgm:linClrLst>
-    <dgm:effectClrLst/>
-    <dgm:txLinClrLst/>
-    <dgm:txFillClrLst meth="repeat">
-      <a:schemeClr val="lt1"/>
-    </dgm:txFillClrLst>
-    <dgm:txEffectClrLst/>
-  </dgm:styleLbl>
-  <dgm:styleLbl name="bgSibTrans2D1">
-    <dgm:fillClrLst meth="repeat">
-      <a:schemeClr val="accent2"/>
-      <a:schemeClr val="accent3"/>
-      <a:schemeClr val="accent4"/>
-      <a:schemeClr val="accent5"/>
-      <a:schemeClr val="accent6"/>
-    </dgm:fillClrLst>
-    <dgm:linClrLst meth="cycle">
-      <a:schemeClr val="lt1"/>
-    </dgm:linClrLst>
-    <dgm:effectClrLst/>
-    <dgm:txLinClrLst/>
-    <dgm:txFillClrLst meth="repeat">
-      <a:schemeClr val="lt1"/>
-    </dgm:txFillClrLst>
-    <dgm:txEffectClrLst/>
-  </dgm:styleLbl>
-  <dgm:styleLbl name="sibTrans1D1">
-    <dgm:fillClrLst meth="repeat">
-      <a:schemeClr val="accent2"/>
-      <a:schemeClr val="accent3"/>
-      <a:schemeClr val="accent4"/>
-      <a:schemeClr val="accent5"/>
-      <a:schemeClr val="accent6"/>
-    </dgm:fillClrLst>
-    <dgm:linClrLst meth="repeat">
-      <a:schemeClr val="accent2"/>
-      <a:schemeClr val="accent3"/>
-      <a:schemeClr val="accent4"/>
-      <a:schemeClr val="accent5"/>
-      <a:schemeClr val="accent6"/>
-    </dgm:linClrLst>
-    <dgm:effectClrLst/>
-    <dgm:txLinClrLst/>
-    <dgm:txFillClrLst meth="repeat">
-      <a:schemeClr val="tx1"/>
-    </dgm:txFillClrLst>
-    <dgm:txEffectClrLst/>
-  </dgm:styleLbl>
-  <dgm:styleLbl name="callout">
-    <dgm:fillClrLst meth="repeat">
-      <a:schemeClr val="accent2"/>
-    </dgm:fillClrLst>
-    <dgm:linClrLst meth="repeat">
-      <a:schemeClr val="accent2">
-        <a:tint val="50000"/>
-      </a:schemeClr>
-    </dgm:linClrLst>
-    <dgm:effectClrLst/>
-    <dgm:txLinClrLst/>
-    <dgm:txFillClrLst meth="repeat">
-      <a:schemeClr val="tx1"/>
-    </dgm:txFillClrLst>
-    <dgm:txEffectClrLst/>
-  </dgm:styleLbl>
-  <dgm:styleLbl name="asst0">
-    <dgm:fillClrLst meth="repeat">
-      <a:schemeClr val="accent1"/>
-    </dgm:fillClrLst>
-    <dgm:linClrLst meth="repeat">
-      <a:schemeClr val="lt1"/>
-    </dgm:linClrLst>
-    <dgm:effectClrLst/>
-    <dgm:txLinClrLst/>
-    <dgm:txFillClrLst/>
-    <dgm:txEffectClrLst/>
-  </dgm:styleLbl>
-  <dgm:styleLbl name="asst1">
-    <dgm:fillClrLst meth="repeat">
-      <a:schemeClr val="accent2"/>
-    </dgm:fillClrLst>
-    <dgm:linClrLst meth="repeat">
-      <a:schemeClr val="lt1"/>
-    </dgm:linClrLst>
-    <dgm:effectClrLst/>
-    <dgm:txLinClrLst/>
-    <dgm:txFillClrLst/>
-    <dgm:txEffectClrLst/>
-  </dgm:styleLbl>
-  <dgm:styleLbl name="asst2">
-    <dgm:fillClrLst>
-      <a:schemeClr val="accent3"/>
-    </dgm:fillClrLst>
-    <dgm:linClrLst meth="repeat">
-      <a:schemeClr val="lt1"/>
-    </dgm:linClrLst>
-    <dgm:effectClrLst/>
-    <dgm:txLinClrLst/>
-    <dgm:txFillClrLst/>
-    <dgm:txEffectClrLst/>
-  </dgm:styleLbl>
-  <dgm:styleLbl name="asst3">
-    <dgm:fillClrLst>
-      <a:schemeClr val="accent4"/>
-    </dgm:fillClrLst>
-    <dgm:linClrLst meth="repeat">
-      <a:schemeClr val="lt1"/>
-    </dgm:linClrLst>
-    <dgm:effectClrLst/>
-    <dgm:txLinClrLst/>
-    <dgm:txFillClrLst/>
-    <dgm:txEffectClrLst/>
-  </dgm:styleLbl>
-  <dgm:styleLbl name="asst4">
-    <dgm:fillClrLst>
-      <a:schemeClr val="accent5"/>
-    </dgm:fillClrLst>
-    <dgm:linClrLst meth="repeat">
-      <a:schemeClr val="lt1"/>
-    </dgm:linClrLst>
-    <dgm:effectClrLst/>
-    <dgm:txLinClrLst/>
-    <dgm:txFillClrLst/>
-    <dgm:txEffectClrLst/>
-  </dgm:styleLbl>
-  <dgm:styleLbl name="parChTrans2D1">
-    <dgm:fillClrLst meth="repeat">
-      <a:schemeClr val="accent2"/>
-    </dgm:fillClrLst>
-    <dgm:linClrLst meth="repeat">
-      <a:schemeClr val="lt1"/>
-    </dgm:linClrLst>
-    <dgm:effectClrLst/>
-    <dgm:txLinClrLst/>
-    <dgm:txFillClrLst meth="repeat">
-      <a:schemeClr val="lt1"/>
-    </dgm:txFillClrLst>
-    <dgm:txEffectClrLst/>
-  </dgm:styleLbl>
-  <dgm:styleLbl name="parChTrans2D2">
-    <dgm:fillClrLst meth="repeat">
-      <a:schemeClr val="accent3"/>
-    </dgm:fillClrLst>
-    <dgm:linClrLst meth="repeat">
-      <a:schemeClr val="lt1"/>
-    </dgm:linClrLst>
-    <dgm:effectClrLst/>
-    <dgm:txLinClrLst/>
-    <dgm:txFillClrLst/>
-    <dgm:txEffectClrLst/>
-  </dgm:styleLbl>
-  <dgm:styleLbl name="parChTrans2D3">
-    <dgm:fillClrLst meth="repeat">
-      <a:schemeClr val="accent4"/>
-    </dgm:fillClrLst>
-    <dgm:linClrLst meth="repeat">
-      <a:schemeClr val="lt1"/>
-    </dgm:linClrLst>
-    <dgm:effectClrLst/>
-    <dgm:txLinClrLst/>
-    <dgm:txFillClrLst/>
-    <dgm:txEffectClrLst/>
-  </dgm:styleLbl>
-  <dgm:styleLbl name="parChTrans2D4">
-    <dgm:fillClrLst meth="repeat">
-      <a:schemeClr val="accent5"/>
-    </dgm:fillClrLst>
-    <dgm:linClrLst meth="repeat">
-      <a:schemeClr val="lt1"/>
-    </dgm:linClrLst>
-    <dgm:effectClrLst/>
-    <dgm:txLinClrLst/>
-    <dgm:txFillClrLst meth="repeat">
-      <a:schemeClr val="lt1"/>
-    </dgm:txFillClrLst>
-    <dgm:txEffectClrLst/>
-  </dgm:styleLbl>
-  <dgm:styleLbl name="parChTrans1D1">
-    <dgm:fillClrLst meth="repeat">
-      <a:schemeClr val="accent2"/>
-    </dgm:fillClrLst>
-    <dgm:linClrLst meth="repeat">
-      <a:schemeClr val="accent1"/>
-    </dgm:linClrLst>
-    <dgm:effectClrLst/>
-    <dgm:txLinClrLst/>
-    <dgm:txFillClrLst meth="repeat">
-      <a:schemeClr val="tx1"/>
-    </dgm:txFillClrLst>
-    <dgm:txEffectClrLst/>
-  </dgm:styleLbl>
-  <dgm:styleLbl name="parChTrans1D2">
-    <dgm:fillClrLst meth="repeat">
-      <a:schemeClr val="accent3">
-        <a:tint val="90000"/>
-      </a:schemeClr>
-    </dgm:fillClrLst>
-    <dgm:linClrLst meth="repeat">
-      <a:schemeClr val="accent2"/>
-    </dgm:linClrLst>
-    <dgm:effectClrLst/>
-    <dgm:txLinClrLst/>
-    <dgm:txFillClrLst meth="repeat">
-      <a:schemeClr val="tx1"/>
-    </dgm:txFillClrLst>
-    <dgm:txEffectClrLst/>
-  </dgm:styleLbl>
-  <dgm:styleLbl name="parChTrans1D3">
-    <dgm:fillClrLst meth="repeat">
-      <a:schemeClr val="accent4">
-        <a:tint val="70000"/>
-      </a:schemeClr>
-    </dgm:fillClrLst>
-    <dgm:linClrLst meth="repeat">
-      <a:schemeClr val="accent3"/>
-    </dgm:linClrLst>
-    <dgm:effectClrLst/>
-    <dgm:txLinClrLst/>
-    <dgm:txFillClrLst meth="repeat">
-      <a:schemeClr val="tx1"/>
-    </dgm:txFillClrLst>
-    <dgm:txEffectClrLst/>
-  </dgm:styleLbl>
-  <dgm:styleLbl name="parChTrans1D4">
-    <dgm:fillClrLst meth="repeat">
-      <a:schemeClr val="accent5">
-        <a:tint val="50000"/>
-      </a:schemeClr>
-    </dgm:fillClrLst>
-    <dgm:linClrLst meth="repeat">
-      <a:schemeClr val="accent4"/>
-    </dgm:linClrLst>
-    <dgm:effectClrLst/>
-    <dgm:txLinClrLst/>
-    <dgm:txFillClrLst meth="repeat">
-      <a:schemeClr val="tx1"/>
-    </dgm:txFillClrLst>
-    <dgm:txEffectClrLst/>
-  </dgm:styleLbl>
-  <dgm:styleLbl name="fgAcc1">
-    <dgm:fillClrLst meth="repeat">
-      <a:schemeClr val="lt1">
-        <a:alpha val="90000"/>
-      </a:schemeClr>
-    </dgm:fillClrLst>
-    <dgm:linClrLst meth="repeat">
-      <a:schemeClr val="accent2"/>
-      <a:schemeClr val="accent3"/>
-      <a:schemeClr val="accent4"/>
-      <a:schemeClr val="accent5"/>
-      <a:schemeClr val="accent6"/>
-    </dgm:linClrLst>
-    <dgm:effectClrLst/>
-    <dgm:txLinClrLst/>
-    <dgm:txFillClrLst meth="repeat">
-      <a:schemeClr val="dk1"/>
-    </dgm:txFillClrLst>
-    <dgm:txEffectClrLst/>
-  </dgm:styleLbl>
-  <dgm:styleLbl name="conFgAcc1">
-    <dgm:fillClrLst meth="repeat">
-      <a:schemeClr val="lt1">
-        <a:alpha val="90000"/>
-      </a:schemeClr>
-    </dgm:fillClrLst>
-    <dgm:linClrLst meth="repeat">
-      <a:schemeClr val="accent2"/>
-      <a:schemeClr val="accent3"/>
-      <a:schemeClr val="accent4"/>
-      <a:schemeClr val="accent5"/>
-      <a:schemeClr val="accent6"/>
-    </dgm:linClrLst>
-    <dgm:effectClrLst/>
-    <dgm:txLinClrLst/>
-    <dgm:txFillClrLst meth="repeat">
-      <a:schemeClr val="dk1"/>
-    </dgm:txFillClrLst>
-    <dgm:txEffectClrLst/>
-  </dgm:styleLbl>
-  <dgm:styleLbl name="alignAcc1">
-    <dgm:fillClrLst meth="repeat">
-      <a:schemeClr val="lt1">
-        <a:alpha val="90000"/>
-      </a:schemeClr>
-    </dgm:fillClrLst>
-    <dgm:linClrLst meth="repeat">
-      <a:schemeClr val="accent2"/>
-      <a:schemeClr val="accent3"/>
-      <a:schemeClr val="accent4"/>
-      <a:schemeClr val="accent5"/>
-      <a:schemeClr val="accent6"/>
-    </dgm:linClrLst>
-    <dgm:effectClrLst/>
-    <dgm:txLinClrLst/>
-    <dgm:txFillClrLst meth="repeat">
-      <a:schemeClr val="dk1"/>
-    </dgm:txFillClrLst>
-    <dgm:txEffectClrLst/>
-  </dgm:styleLbl>
-  <dgm:styleLbl name="trAlignAcc1">
-    <dgm:fillClrLst meth="repeat">
-      <a:schemeClr val="lt1">
-        <a:alpha val="40000"/>
-      </a:schemeClr>
-    </dgm:fillClrLst>
-    <dgm:linClrLst meth="repeat">
-      <a:schemeClr val="accent1"/>
-    </dgm:linClrLst>
-    <dgm:effectClrLst/>
-    <dgm:txLinClrLst/>
-    <dgm:txFillClrLst meth="repeat">
-      <a:schemeClr val="dk1"/>
-    </dgm:txFillClrLst>
-    <dgm:txEffectClrLst/>
-  </dgm:styleLbl>
-  <dgm:styleLbl name="bgAcc1">
-    <dgm:fillClrLst meth="repeat">
-      <a:schemeClr val="lt1">
-        <a:alpha val="90000"/>
-      </a:schemeClr>
-    </dgm:fillClrLst>
-    <dgm:linClrLst meth="repeat">
-      <a:schemeClr val="accent2"/>
-      <a:schemeClr val="accent3"/>
-      <a:schemeClr val="accent4"/>
-      <a:schemeClr val="accent5"/>
-      <a:schemeClr val="accent6"/>
-    </dgm:linClrLst>
-    <dgm:effectClrLst/>
-    <dgm:txLinClrLst/>
-    <dgm:txFillClrLst meth="repeat">
-      <a:schemeClr val="dk1"/>
-    </dgm:txFillClrLst>
-    <dgm:txEffectClrLst/>
-  </dgm:styleLbl>
-  <dgm:styleLbl name="solidFgAcc1">
-    <dgm:fillClrLst meth="repeat">
-      <a:schemeClr val="lt1"/>
-    </dgm:fillClrLst>
-    <dgm:linClrLst meth="repeat">
-      <a:schemeClr val="accent2"/>
-      <a:schemeClr val="accent3"/>
-      <a:schemeClr val="accent4"/>
-      <a:schemeClr val="accent5"/>
-      <a:schemeClr val="accent6"/>
-    </dgm:linClrLst>
-    <dgm:effectClrLst/>
-    <dgm:txLinClrLst/>
-    <dgm:txFillClrLst meth="repeat">
-      <a:schemeClr val="dk1"/>
-    </dgm:txFillClrLst>
-    <dgm:txEffectClrLst/>
-  </dgm:styleLbl>
-  <dgm:styleLbl name="solidAlignAcc1">
-    <dgm:fillClrLst meth="repeat">
-      <a:schemeClr val="lt1"/>
-    </dgm:fillClrLst>
-    <dgm:linClrLst meth="repeat">
-      <a:schemeClr val="accent2"/>
-      <a:schemeClr val="accent3"/>
-      <a:schemeClr val="accent4"/>
-      <a:schemeClr val="accent5"/>
-      <a:schemeClr val="accent6"/>
-    </dgm:linClrLst>
-    <dgm:effectClrLst/>
-    <dgm:txLinClrLst/>
-    <dgm:txFillClrLst meth="repeat">
-      <a:schemeClr val="dk1"/>
-    </dgm:txFillClrLst>
-    <dgm:txEffectClrLst/>
-  </dgm:styleLbl>
-  <dgm:styleLbl name="solidBgAcc1">
-    <dgm:fillClrLst meth="repeat">
-      <a:schemeClr val="lt1"/>
-    </dgm:fillClrLst>
-    <dgm:linClrLst meth="repeat">
-      <a:schemeClr val="accent2"/>
-      <a:schemeClr val="accent3"/>
-      <a:schemeClr val="accent4"/>
-      <a:schemeClr val="accent5"/>
-      <a:schemeClr val="accent6"/>
-    </dgm:linClrLst>
-    <dgm:effectClrLst/>
-    <dgm:txLinClrLst/>
-    <dgm:txFillClrLst meth="repeat">
-      <a:schemeClr val="dk1"/>
-    </dgm:txFillClrLst>
-    <dgm:txEffectClrLst/>
-  </dgm:styleLbl>
-  <dgm:styleLbl name="fgAccFollowNode1">
-    <dgm:fillClrLst meth="repeat">
-      <a:schemeClr val="accent2">
-        <a:tint val="40000"/>
-        <a:alpha val="90000"/>
-      </a:schemeClr>
-      <a:schemeClr val="accent3">
-        <a:tint val="40000"/>
-        <a:alpha val="90000"/>
-      </a:schemeClr>
-      <a:schemeClr val="accent4">
-        <a:tint val="40000"/>
-        <a:alpha val="90000"/>
-      </a:schemeClr>
-      <a:schemeClr val="accent5">
-        <a:tint val="40000"/>
-        <a:alpha val="90000"/>
-      </a:schemeClr>
-      <a:schemeClr val="accent6">
-        <a:tint val="40000"/>
-        <a:alpha val="90000"/>
-      </a:schemeClr>
-    </dgm:fillClrLst>
-    <dgm:linClrLst meth="repeat">
-      <a:schemeClr val="accent2">
-        <a:tint val="40000"/>
-        <a:alpha val="90000"/>
-      </a:schemeClr>
-      <a:schemeClr val="accent3">
-        <a:tint val="40000"/>
-        <a:alpha val="90000"/>
-      </a:schemeClr>
-      <a:schemeClr val="accent4">
-        <a:tint val="40000"/>
-        <a:alpha val="90000"/>
-      </a:schemeClr>
-      <a:schemeClr val="accent5">
-        <a:tint val="40000"/>
-        <a:alpha val="90000"/>
-      </a:schemeClr>
-      <a:schemeClr val="accent6">
-        <a:tint val="40000"/>
-        <a:alpha val="90000"/>
-      </a:schemeClr>
-    </dgm:linClrLst>
-    <dgm:effectClrLst/>
-    <dgm:txLinClrLst/>
-    <dgm:txFillClrLst meth="repeat">
-      <a:schemeClr val="dk1"/>
-    </dgm:txFillClrLst>
-    <dgm:txEffectClrLst/>
-  </dgm:styleLbl>
-  <dgm:styleLbl name="alignAccFollowNode1">
-    <dgm:fillClrLst meth="repeat">
-      <a:schemeClr val="accent2">
-        <a:tint val="40000"/>
-        <a:alpha val="90000"/>
-      </a:schemeClr>
-      <a:schemeClr val="accent3">
-        <a:tint val="40000"/>
-        <a:alpha val="90000"/>
-      </a:schemeClr>
-      <a:schemeClr val="accent4">
-        <a:tint val="40000"/>
-        <a:alpha val="90000"/>
-      </a:schemeClr>
-      <a:schemeClr val="accent5">
-        <a:tint val="40000"/>
-        <a:alpha val="90000"/>
-      </a:schemeClr>
-      <a:schemeClr val="accent6">
-        <a:tint val="40000"/>
-        <a:alpha val="90000"/>
-      </a:schemeClr>
-    </dgm:fillClrLst>
-    <dgm:linClrLst meth="repeat">
-      <a:schemeClr val="accent2">
-        <a:tint val="40000"/>
-        <a:alpha val="90000"/>
-      </a:schemeClr>
-      <a:schemeClr val="accent3">
-        <a:tint val="40000"/>
-        <a:alpha val="90000"/>
-      </a:schemeClr>
-      <a:schemeClr val="accent4">
-        <a:tint val="40000"/>
-        <a:alpha val="90000"/>
-      </a:schemeClr>
-      <a:schemeClr val="accent5">
-        <a:tint val="40000"/>
-        <a:alpha val="90000"/>
-      </a:schemeClr>
-      <a:schemeClr val="accent6">
-        <a:tint val="40000"/>
-        <a:alpha val="90000"/>
-      </a:schemeClr>
-    </dgm:linClrLst>
-    <dgm:effectClrLst/>
-    <dgm:txLinClrLst/>
-    <dgm:txFillClrLst meth="repeat">
-      <a:schemeClr val="dk1"/>
-    </dgm:txFillClrLst>
-    <dgm:txEffectClrLst/>
-  </dgm:styleLbl>
-  <dgm:styleLbl name="bgAccFollowNode1">
-    <dgm:fillClrLst meth="repeat">
-      <a:schemeClr val="accent2">
-        <a:tint val="40000"/>
-        <a:alpha val="90000"/>
-      </a:schemeClr>
-      <a:schemeClr val="accent3">
-        <a:tint val="40000"/>
-        <a:alpha val="90000"/>
-      </a:schemeClr>
-      <a:schemeClr val="accent4">
-        <a:tint val="40000"/>
-        <a:alpha val="90000"/>
-      </a:schemeClr>
-      <a:schemeClr val="accent5">
-        <a:tint val="40000"/>
-        <a:alpha val="90000"/>
-      </a:schemeClr>
-      <a:schemeClr val="accent6">
-        <a:tint val="40000"/>
-        <a:alpha val="90000"/>
-      </a:schemeClr>
-    </dgm:fillClrLst>
-    <dgm:linClrLst meth="repeat">
-      <a:schemeClr val="accent2">
-        <a:tint val="40000"/>
-        <a:alpha val="90000"/>
-      </a:schemeClr>
-      <a:schemeClr val="accent3">
-        <a:tint val="40000"/>
-        <a:alpha val="90000"/>
-      </a:schemeClr>
-      <a:schemeClr val="accent4">
-        <a:tint val="40000"/>
-        <a:alpha val="90000"/>
-      </a:schemeClr>
-      <a:schemeClr val="accent5">
-        <a:tint val="40000"/>
-        <a:alpha val="90000"/>
-      </a:schemeClr>
-      <a:schemeClr val="accent6">
-        <a:tint val="40000"/>
-        <a:alpha val="90000"/>
-      </a:schemeClr>
-    </dgm:linClrLst>
-    <dgm:effectClrLst/>
-    <dgm:txLinClrLst/>
-    <dgm:txFillClrLst meth="repeat">
-      <a:schemeClr val="dk1"/>
-    </dgm:txFillClrLst>
-    <dgm:txEffectClrLst/>
-  </dgm:styleLbl>
-  <dgm:styleLbl name="fgAcc0">
-    <dgm:fillClrLst meth="repeat">
-      <a:schemeClr val="lt1">
-        <a:alpha val="90000"/>
-      </a:schemeClr>
-    </dgm:fillClrLst>
-    <dgm:linClrLst>
-      <a:schemeClr val="accent1"/>
-    </dgm:linClrLst>
-    <dgm:effectClrLst/>
-    <dgm:txLinClrLst/>
-    <dgm:txFillClrLst meth="repeat">
-      <a:schemeClr val="dk1"/>
-    </dgm:txFillClrLst>
-    <dgm:txEffectClrLst/>
-  </dgm:styleLbl>
-  <dgm:styleLbl name="fgAcc2">
-    <dgm:fillClrLst meth="repeat">
-      <a:schemeClr val="lt1">
-        <a:alpha val="90000"/>
-      </a:schemeClr>
-    </dgm:fillClrLst>
-    <dgm:linClrLst>
-      <a:schemeClr val="accent2"/>
-    </dgm:linClrLst>
-    <dgm:effectClrLst/>
-    <dgm:txLinClrLst/>
-    <dgm:txFillClrLst meth="repeat">
-      <a:schemeClr val="dk1"/>
-    </dgm:txFillClrLst>
-    <dgm:txEffectClrLst/>
-  </dgm:styleLbl>
-  <dgm:styleLbl name="fgAcc3">
-    <dgm:fillClrLst meth="repeat">
-      <a:schemeClr val="lt1">
-        <a:alpha val="90000"/>
-      </a:schemeClr>
-    </dgm:fillClrLst>
-    <dgm:linClrLst>
-      <a:schemeClr val="accent3"/>
-    </dgm:linClrLst>
-    <dgm:effectClrLst/>
-    <dgm:txLinClrLst/>
-    <dgm:txFillClrLst meth="repeat">
-      <a:schemeClr val="dk1"/>
-    </dgm:txFillClrLst>
-    <dgm:txEffectClrLst/>
-  </dgm:styleLbl>
-  <dgm:styleLbl name="fgAcc4">
-    <dgm:fillClrLst meth="repeat">
-      <a:schemeClr val="lt1">
-        <a:alpha val="90000"/>
-      </a:schemeClr>
-    </dgm:fillClrLst>
-    <dgm:linClrLst>
-      <a:schemeClr val="accent4"/>
-    </dgm:linClrLst>
-    <dgm:effectClrLst/>
-    <dgm:txLinClrLst/>
-    <dgm:txFillClrLst meth="repeat">
-      <a:schemeClr val="dk1"/>
-    </dgm:txFillClrLst>
-    <dgm:txEffectClrLst/>
-  </dgm:styleLbl>
-  <dgm:styleLbl name="bgShp">
-    <dgm:fillClrLst meth="repeat">
-      <a:schemeClr val="accent2"/>
-      <a:schemeClr val="accent3"/>
-      <a:schemeClr val="accent4"/>
-      <a:schemeClr val="accent5"/>
-      <a:schemeClr val="accent6"/>
-    </dgm:fillClrLst>
-    <dgm:linClrLst meth="repeat">
-      <a:schemeClr val="lt1">
-        <a:alpha val="0"/>
-      </a:schemeClr>
-    </dgm:linClrLst>
-    <dgm:effectClrLst/>
-    <dgm:txLinClrLst/>
-    <dgm:txFillClrLst/>
-    <dgm:txEffectClrLst/>
-  </dgm:styleLbl>
-  <dgm:styleLbl name="dkBgShp">
-    <dgm:fillClrLst meth="repeat">
-      <a:schemeClr val="accent2">
-        <a:shade val="90000"/>
-      </a:schemeClr>
-    </dgm:fillClrLst>
-    <dgm:linClrLst meth="repeat">
-      <a:schemeClr val="dk1"/>
-    </dgm:linClrLst>
-    <dgm:effectClrLst/>
-    <dgm:txLinClrLst/>
-    <dgm:txFillClrLst meth="repeat">
-      <a:schemeClr val="lt1"/>
-    </dgm:txFillClrLst>
-    <dgm:txEffectClrLst/>
-  </dgm:styleLbl>
-  <dgm:styleLbl name="trBgShp">
-    <dgm:fillClrLst meth="repeat">
-      <a:schemeClr val="accent1">
-        <a:tint val="50000"/>
-        <a:alpha val="40000"/>
-      </a:schemeClr>
-    </dgm:fillClrLst>
-    <dgm:linClrLst meth="repeat">
-      <a:schemeClr val="accent2"/>
-    </dgm:linClrLst>
-    <dgm:effectClrLst/>
-    <dgm:txLinClrLst/>
-    <dgm:txFillClrLst meth="repeat">
-      <a:schemeClr val="lt1"/>
-    </dgm:txFillClrLst>
-    <dgm:txEffectClrLst/>
-  </dgm:styleLbl>
-  <dgm:styleLbl name="fgShp">
-    <dgm:fillClrLst meth="repeat">
-      <a:schemeClr val="accent2">
-        <a:tint val="40000"/>
-      </a:schemeClr>
-    </dgm:fillClrLst>
-    <dgm:linClrLst meth="repeat">
-      <a:schemeClr val="lt1"/>
-    </dgm:linClrLst>
-    <dgm:effectClrLst/>
-    <dgm:txLinClrLst/>
-    <dgm:txFillClrLst meth="repeat">
-      <a:schemeClr val="dk1"/>
-    </dgm:txFillClrLst>
-    <dgm:txEffectClrLst/>
-  </dgm:styleLbl>
-  <dgm:styleLbl name="revTx">
-    <dgm:fillClrLst meth="repeat">
-      <a:schemeClr val="lt1">
-        <a:alpha val="0"/>
-      </a:schemeClr>
-    </dgm:fillClrLst>
-    <dgm:linClrLst meth="repeat">
-      <a:schemeClr val="dk1">
-        <a:alpha val="0"/>
-      </a:schemeClr>
-    </dgm:linClrLst>
-    <dgm:effectClrLst/>
-    <dgm:txLinClrLst/>
-    <dgm:txFillClrLst meth="repeat">
-      <a:schemeClr val="tx1"/>
-    </dgm:txFillClrLst>
-    <dgm:txEffectClrLst/>
-  </dgm:styleLbl>
-</dgm:colorsDef>
-</file>
-
 <file path=ppt/diagrams/colors4.xml><?xml version="1.0" encoding="utf-8"?>
 <dgm:colorsDef xmlns:dgm="http://schemas.openxmlformats.org/drawingml/2006/diagram" xmlns:a="http://schemas.openxmlformats.org/drawingml/2006/main" uniqueId="urn:microsoft.com/office/officeart/2005/8/colors/colorful2">
   <dgm:title val=""/>
@@ -7451,1453 +6528,7 @@
 </dgm:colorsDef>
 </file>
 
-<file path=ppt/diagrams/colors9.xml><?xml version="1.0" encoding="utf-8"?>
-<dgm:colorsDef xmlns:dgm="http://schemas.openxmlformats.org/drawingml/2006/diagram" xmlns:a="http://schemas.openxmlformats.org/drawingml/2006/main" uniqueId="urn:microsoft.com/office/officeart/2005/8/colors/colorful2">
-  <dgm:title val=""/>
-  <dgm:desc val=""/>
-  <dgm:catLst>
-    <dgm:cat type="colorful" pri="10200"/>
-  </dgm:catLst>
-  <dgm:styleLbl name="node0">
-    <dgm:fillClrLst meth="repeat">
-      <a:schemeClr val="accent1"/>
-    </dgm:fillClrLst>
-    <dgm:linClrLst meth="repeat">
-      <a:schemeClr val="lt1"/>
-    </dgm:linClrLst>
-    <dgm:effectClrLst/>
-    <dgm:txLinClrLst/>
-    <dgm:txFillClrLst/>
-    <dgm:txEffectClrLst/>
-  </dgm:styleLbl>
-  <dgm:styleLbl name="node1">
-    <dgm:fillClrLst>
-      <a:schemeClr val="accent2"/>
-      <a:schemeClr val="accent3"/>
-    </dgm:fillClrLst>
-    <dgm:linClrLst meth="repeat">
-      <a:schemeClr val="lt1"/>
-    </dgm:linClrLst>
-    <dgm:effectClrLst/>
-    <dgm:txLinClrLst/>
-    <dgm:txFillClrLst/>
-    <dgm:txEffectClrLst/>
-  </dgm:styleLbl>
-  <dgm:styleLbl name="alignNode1">
-    <dgm:fillClrLst>
-      <a:schemeClr val="accent2"/>
-      <a:schemeClr val="accent3"/>
-    </dgm:fillClrLst>
-    <dgm:linClrLst>
-      <a:schemeClr val="accent2"/>
-      <a:schemeClr val="accent3"/>
-    </dgm:linClrLst>
-    <dgm:effectClrLst/>
-    <dgm:txLinClrLst/>
-    <dgm:txFillClrLst/>
-    <dgm:txEffectClrLst/>
-  </dgm:styleLbl>
-  <dgm:styleLbl name="lnNode1">
-    <dgm:fillClrLst>
-      <a:schemeClr val="accent2"/>
-      <a:schemeClr val="accent3"/>
-    </dgm:fillClrLst>
-    <dgm:linClrLst meth="repeat">
-      <a:schemeClr val="lt1"/>
-    </dgm:linClrLst>
-    <dgm:effectClrLst/>
-    <dgm:txLinClrLst/>
-    <dgm:txFillClrLst/>
-    <dgm:txEffectClrLst/>
-  </dgm:styleLbl>
-  <dgm:styleLbl name="vennNode1">
-    <dgm:fillClrLst>
-      <a:schemeClr val="accent2">
-        <a:alpha val="50000"/>
-      </a:schemeClr>
-      <a:schemeClr val="accent3">
-        <a:alpha val="50000"/>
-      </a:schemeClr>
-    </dgm:fillClrLst>
-    <dgm:linClrLst meth="repeat">
-      <a:schemeClr val="lt1"/>
-    </dgm:linClrLst>
-    <dgm:effectClrLst/>
-    <dgm:txLinClrLst/>
-    <dgm:txFillClrLst/>
-    <dgm:txEffectClrLst/>
-  </dgm:styleLbl>
-  <dgm:styleLbl name="node2">
-    <dgm:fillClrLst>
-      <a:schemeClr val="accent3"/>
-    </dgm:fillClrLst>
-    <dgm:linClrLst meth="repeat">
-      <a:schemeClr val="lt1"/>
-    </dgm:linClrLst>
-    <dgm:effectClrLst/>
-    <dgm:txLinClrLst/>
-    <dgm:txFillClrLst/>
-    <dgm:txEffectClrLst/>
-  </dgm:styleLbl>
-  <dgm:styleLbl name="node3">
-    <dgm:fillClrLst>
-      <a:schemeClr val="accent4"/>
-    </dgm:fillClrLst>
-    <dgm:linClrLst meth="repeat">
-      <a:schemeClr val="lt1"/>
-    </dgm:linClrLst>
-    <dgm:effectClrLst/>
-    <dgm:txLinClrLst/>
-    <dgm:txFillClrLst/>
-    <dgm:txEffectClrLst/>
-  </dgm:styleLbl>
-  <dgm:styleLbl name="node4">
-    <dgm:fillClrLst>
-      <a:schemeClr val="accent5"/>
-    </dgm:fillClrLst>
-    <dgm:linClrLst meth="repeat">
-      <a:schemeClr val="lt1"/>
-    </dgm:linClrLst>
-    <dgm:effectClrLst/>
-    <dgm:txLinClrLst/>
-    <dgm:txFillClrLst/>
-    <dgm:txEffectClrLst/>
-  </dgm:styleLbl>
-  <dgm:styleLbl name="fgImgPlace1">
-    <dgm:fillClrLst>
-      <a:schemeClr val="accent2">
-        <a:tint val="50000"/>
-      </a:schemeClr>
-      <a:schemeClr val="accent3">
-        <a:tint val="50000"/>
-      </a:schemeClr>
-    </dgm:fillClrLst>
-    <dgm:linClrLst meth="repeat">
-      <a:schemeClr val="lt1"/>
-    </dgm:linClrLst>
-    <dgm:effectClrLst/>
-    <dgm:txLinClrLst/>
-    <dgm:txFillClrLst meth="repeat">
-      <a:schemeClr val="lt1"/>
-    </dgm:txFillClrLst>
-    <dgm:txEffectClrLst/>
-  </dgm:styleLbl>
-  <dgm:styleLbl name="alignImgPlace1">
-    <dgm:fillClrLst>
-      <a:schemeClr val="accent2">
-        <a:tint val="50000"/>
-      </a:schemeClr>
-      <a:schemeClr val="accent3">
-        <a:tint val="20000"/>
-      </a:schemeClr>
-    </dgm:fillClrLst>
-    <dgm:linClrLst meth="repeat">
-      <a:schemeClr val="lt1"/>
-    </dgm:linClrLst>
-    <dgm:effectClrLst/>
-    <dgm:txLinClrLst/>
-    <dgm:txFillClrLst meth="repeat">
-      <a:schemeClr val="lt1"/>
-    </dgm:txFillClrLst>
-    <dgm:txEffectClrLst/>
-  </dgm:styleLbl>
-  <dgm:styleLbl name="bgImgPlace1">
-    <dgm:fillClrLst>
-      <a:schemeClr val="accent2">
-        <a:tint val="50000"/>
-      </a:schemeClr>
-      <a:schemeClr val="accent3">
-        <a:tint val="20000"/>
-      </a:schemeClr>
-    </dgm:fillClrLst>
-    <dgm:linClrLst meth="repeat">
-      <a:schemeClr val="lt1"/>
-    </dgm:linClrLst>
-    <dgm:effectClrLst/>
-    <dgm:txLinClrLst/>
-    <dgm:txFillClrLst meth="repeat">
-      <a:schemeClr val="lt1"/>
-    </dgm:txFillClrLst>
-    <dgm:txEffectClrLst/>
-  </dgm:styleLbl>
-  <dgm:styleLbl name="sibTrans2D1">
-    <dgm:fillClrLst>
-      <a:schemeClr val="accent2"/>
-      <a:schemeClr val="accent3"/>
-    </dgm:fillClrLst>
-    <dgm:linClrLst meth="repeat">
-      <a:schemeClr val="lt1"/>
-    </dgm:linClrLst>
-    <dgm:effectClrLst/>
-    <dgm:txLinClrLst/>
-    <dgm:txFillClrLst/>
-    <dgm:txEffectClrLst/>
-  </dgm:styleLbl>
-  <dgm:styleLbl name="fgSibTrans2D1">
-    <dgm:fillClrLst>
-      <a:schemeClr val="accent2"/>
-      <a:schemeClr val="accent3"/>
-    </dgm:fillClrLst>
-    <dgm:linClrLst meth="repeat">
-      <a:schemeClr val="lt1"/>
-    </dgm:linClrLst>
-    <dgm:effectClrLst/>
-    <dgm:txLinClrLst/>
-    <dgm:txFillClrLst meth="repeat">
-      <a:schemeClr val="lt1"/>
-    </dgm:txFillClrLst>
-    <dgm:txEffectClrLst/>
-  </dgm:styleLbl>
-  <dgm:styleLbl name="bgSibTrans2D1">
-    <dgm:fillClrLst>
-      <a:schemeClr val="accent2"/>
-      <a:schemeClr val="accent3"/>
-    </dgm:fillClrLst>
-    <dgm:linClrLst meth="repeat">
-      <a:schemeClr val="lt1"/>
-    </dgm:linClrLst>
-    <dgm:effectClrLst/>
-    <dgm:txLinClrLst/>
-    <dgm:txFillClrLst meth="repeat">
-      <a:schemeClr val="lt1"/>
-    </dgm:txFillClrLst>
-    <dgm:txEffectClrLst/>
-  </dgm:styleLbl>
-  <dgm:styleLbl name="sibTrans1D1">
-    <dgm:fillClrLst/>
-    <dgm:linClrLst>
-      <a:schemeClr val="accent2"/>
-      <a:schemeClr val="accent3"/>
-    </dgm:linClrLst>
-    <dgm:effectClrLst/>
-    <dgm:txLinClrLst/>
-    <dgm:txFillClrLst meth="repeat">
-      <a:schemeClr val="tx1"/>
-    </dgm:txFillClrLst>
-    <dgm:txEffectClrLst/>
-  </dgm:styleLbl>
-  <dgm:styleLbl name="callout">
-    <dgm:fillClrLst meth="repeat">
-      <a:schemeClr val="accent2"/>
-    </dgm:fillClrLst>
-    <dgm:linClrLst meth="repeat">
-      <a:schemeClr val="accent2">
-        <a:tint val="50000"/>
-      </a:schemeClr>
-    </dgm:linClrLst>
-    <dgm:effectClrLst/>
-    <dgm:txLinClrLst/>
-    <dgm:txFillClrLst meth="repeat">
-      <a:schemeClr val="tx1"/>
-    </dgm:txFillClrLst>
-    <dgm:txEffectClrLst/>
-  </dgm:styleLbl>
-  <dgm:styleLbl name="asst0">
-    <dgm:fillClrLst meth="repeat">
-      <a:schemeClr val="accent2"/>
-    </dgm:fillClrLst>
-    <dgm:linClrLst meth="repeat">
-      <a:schemeClr val="lt1">
-        <a:shade val="80000"/>
-      </a:schemeClr>
-    </dgm:linClrLst>
-    <dgm:effectClrLst/>
-    <dgm:txLinClrLst/>
-    <dgm:txFillClrLst/>
-    <dgm:txEffectClrLst/>
-  </dgm:styleLbl>
-  <dgm:styleLbl name="asst1">
-    <dgm:fillClrLst meth="repeat">
-      <a:schemeClr val="accent3"/>
-    </dgm:fillClrLst>
-    <dgm:linClrLst meth="repeat">
-      <a:schemeClr val="lt1">
-        <a:shade val="80000"/>
-      </a:schemeClr>
-    </dgm:linClrLst>
-    <dgm:effectClrLst/>
-    <dgm:txLinClrLst/>
-    <dgm:txFillClrLst/>
-    <dgm:txEffectClrLst/>
-  </dgm:styleLbl>
-  <dgm:styleLbl name="asst2">
-    <dgm:fillClrLst>
-      <a:schemeClr val="accent4"/>
-    </dgm:fillClrLst>
-    <dgm:linClrLst meth="repeat">
-      <a:schemeClr val="lt1"/>
-    </dgm:linClrLst>
-    <dgm:effectClrLst/>
-    <dgm:txLinClrLst/>
-    <dgm:txFillClrLst/>
-    <dgm:txEffectClrLst/>
-  </dgm:styleLbl>
-  <dgm:styleLbl name="asst3">
-    <dgm:fillClrLst>
-      <a:schemeClr val="accent5"/>
-    </dgm:fillClrLst>
-    <dgm:linClrLst meth="repeat">
-      <a:schemeClr val="lt1"/>
-    </dgm:linClrLst>
-    <dgm:effectClrLst/>
-    <dgm:txLinClrLst/>
-    <dgm:txFillClrLst/>
-    <dgm:txEffectClrLst/>
-  </dgm:styleLbl>
-  <dgm:styleLbl name="asst4">
-    <dgm:fillClrLst>
-      <a:schemeClr val="accent6"/>
-    </dgm:fillClrLst>
-    <dgm:linClrLst meth="repeat">
-      <a:schemeClr val="lt1"/>
-    </dgm:linClrLst>
-    <dgm:effectClrLst/>
-    <dgm:txLinClrLst/>
-    <dgm:txFillClrLst/>
-    <dgm:txEffectClrLst/>
-  </dgm:styleLbl>
-  <dgm:styleLbl name="parChTrans2D1">
-    <dgm:fillClrLst meth="repeat">
-      <a:schemeClr val="accent2"/>
-    </dgm:fillClrLst>
-    <dgm:linClrLst meth="repeat">
-      <a:schemeClr val="lt1"/>
-    </dgm:linClrLst>
-    <dgm:effectClrLst/>
-    <dgm:txLinClrLst/>
-    <dgm:txFillClrLst meth="repeat">
-      <a:schemeClr val="lt1"/>
-    </dgm:txFillClrLst>
-    <dgm:txEffectClrLst/>
-  </dgm:styleLbl>
-  <dgm:styleLbl name="parChTrans2D2">
-    <dgm:fillClrLst meth="repeat">
-      <a:schemeClr val="accent3"/>
-    </dgm:fillClrLst>
-    <dgm:linClrLst meth="repeat">
-      <a:schemeClr val="lt1"/>
-    </dgm:linClrLst>
-    <dgm:effectClrLst/>
-    <dgm:txLinClrLst/>
-    <dgm:txFillClrLst/>
-    <dgm:txEffectClrLst/>
-  </dgm:styleLbl>
-  <dgm:styleLbl name="parChTrans2D3">
-    <dgm:fillClrLst meth="repeat">
-      <a:schemeClr val="accent4"/>
-    </dgm:fillClrLst>
-    <dgm:linClrLst meth="repeat">
-      <a:schemeClr val="lt1"/>
-    </dgm:linClrLst>
-    <dgm:effectClrLst/>
-    <dgm:txLinClrLst/>
-    <dgm:txFillClrLst/>
-    <dgm:txEffectClrLst/>
-  </dgm:styleLbl>
-  <dgm:styleLbl name="parChTrans2D4">
-    <dgm:fillClrLst meth="repeat">
-      <a:schemeClr val="accent5"/>
-    </dgm:fillClrLst>
-    <dgm:linClrLst meth="repeat">
-      <a:schemeClr val="lt1"/>
-    </dgm:linClrLst>
-    <dgm:effectClrLst/>
-    <dgm:txLinClrLst/>
-    <dgm:txFillClrLst meth="repeat">
-      <a:schemeClr val="lt1"/>
-    </dgm:txFillClrLst>
-    <dgm:txEffectClrLst/>
-  </dgm:styleLbl>
-  <dgm:styleLbl name="parChTrans1D1">
-    <dgm:fillClrLst meth="repeat">
-      <a:schemeClr val="accent2"/>
-    </dgm:fillClrLst>
-    <dgm:linClrLst meth="repeat">
-      <a:schemeClr val="accent2"/>
-    </dgm:linClrLst>
-    <dgm:effectClrLst/>
-    <dgm:txLinClrLst/>
-    <dgm:txFillClrLst meth="repeat">
-      <a:schemeClr val="tx1"/>
-    </dgm:txFillClrLst>
-    <dgm:txEffectClrLst/>
-  </dgm:styleLbl>
-  <dgm:styleLbl name="parChTrans1D2">
-    <dgm:fillClrLst meth="repeat">
-      <a:schemeClr val="accent2">
-        <a:tint val="90000"/>
-      </a:schemeClr>
-    </dgm:fillClrLst>
-    <dgm:linClrLst meth="repeat">
-      <a:schemeClr val="accent3"/>
-    </dgm:linClrLst>
-    <dgm:effectClrLst/>
-    <dgm:txLinClrLst/>
-    <dgm:txFillClrLst meth="repeat">
-      <a:schemeClr val="tx1"/>
-    </dgm:txFillClrLst>
-    <dgm:txEffectClrLst/>
-  </dgm:styleLbl>
-  <dgm:styleLbl name="parChTrans1D3">
-    <dgm:fillClrLst meth="repeat">
-      <a:schemeClr val="accent2">
-        <a:tint val="70000"/>
-      </a:schemeClr>
-    </dgm:fillClrLst>
-    <dgm:linClrLst meth="repeat">
-      <a:schemeClr val="accent4"/>
-    </dgm:linClrLst>
-    <dgm:effectClrLst/>
-    <dgm:txLinClrLst/>
-    <dgm:txFillClrLst meth="repeat">
-      <a:schemeClr val="tx1"/>
-    </dgm:txFillClrLst>
-    <dgm:txEffectClrLst/>
-  </dgm:styleLbl>
-  <dgm:styleLbl name="parChTrans1D4">
-    <dgm:fillClrLst meth="repeat">
-      <a:schemeClr val="accent2">
-        <a:tint val="50000"/>
-      </a:schemeClr>
-    </dgm:fillClrLst>
-    <dgm:linClrLst meth="repeat">
-      <a:schemeClr val="accent5"/>
-    </dgm:linClrLst>
-    <dgm:effectClrLst/>
-    <dgm:txLinClrLst/>
-    <dgm:txFillClrLst meth="repeat">
-      <a:schemeClr val="tx1"/>
-    </dgm:txFillClrLst>
-    <dgm:txEffectClrLst/>
-  </dgm:styleLbl>
-  <dgm:styleLbl name="fgAcc1">
-    <dgm:fillClrLst meth="repeat">
-      <a:schemeClr val="lt1">
-        <a:alpha val="90000"/>
-      </a:schemeClr>
-    </dgm:fillClrLst>
-    <dgm:linClrLst>
-      <a:schemeClr val="accent2"/>
-      <a:schemeClr val="accent3"/>
-    </dgm:linClrLst>
-    <dgm:effectClrLst/>
-    <dgm:txLinClrLst/>
-    <dgm:txFillClrLst meth="repeat">
-      <a:schemeClr val="dk1"/>
-    </dgm:txFillClrLst>
-    <dgm:txEffectClrLst/>
-  </dgm:styleLbl>
-  <dgm:styleLbl name="conFgAcc1">
-    <dgm:fillClrLst meth="repeat">
-      <a:schemeClr val="lt1">
-        <a:alpha val="90000"/>
-      </a:schemeClr>
-    </dgm:fillClrLst>
-    <dgm:linClrLst>
-      <a:schemeClr val="accent2"/>
-      <a:schemeClr val="accent3"/>
-    </dgm:linClrLst>
-    <dgm:effectClrLst/>
-    <dgm:txLinClrLst/>
-    <dgm:txFillClrLst meth="repeat">
-      <a:schemeClr val="dk1"/>
-    </dgm:txFillClrLst>
-    <dgm:txEffectClrLst/>
-  </dgm:styleLbl>
-  <dgm:styleLbl name="alignAcc1">
-    <dgm:fillClrLst meth="repeat">
-      <a:schemeClr val="lt1">
-        <a:alpha val="90000"/>
-      </a:schemeClr>
-    </dgm:fillClrLst>
-    <dgm:linClrLst>
-      <a:schemeClr val="accent2"/>
-      <a:schemeClr val="accent3"/>
-    </dgm:linClrLst>
-    <dgm:effectClrLst/>
-    <dgm:txLinClrLst/>
-    <dgm:txFillClrLst meth="repeat">
-      <a:schemeClr val="dk1"/>
-    </dgm:txFillClrLst>
-    <dgm:txEffectClrLst/>
-  </dgm:styleLbl>
-  <dgm:styleLbl name="trAlignAcc1">
-    <dgm:fillClrLst meth="repeat">
-      <a:schemeClr val="lt1">
-        <a:alpha val="40000"/>
-      </a:schemeClr>
-    </dgm:fillClrLst>
-    <dgm:linClrLst meth="repeat">
-      <a:schemeClr val="accent2"/>
-    </dgm:linClrLst>
-    <dgm:effectClrLst/>
-    <dgm:txLinClrLst/>
-    <dgm:txFillClrLst meth="repeat">
-      <a:schemeClr val="dk1"/>
-    </dgm:txFillClrLst>
-    <dgm:txEffectClrLst/>
-  </dgm:styleLbl>
-  <dgm:styleLbl name="bgAcc1">
-    <dgm:fillClrLst meth="repeat">
-      <a:schemeClr val="lt1">
-        <a:alpha val="90000"/>
-      </a:schemeClr>
-    </dgm:fillClrLst>
-    <dgm:linClrLst>
-      <a:schemeClr val="accent2"/>
-      <a:schemeClr val="accent3"/>
-    </dgm:linClrLst>
-    <dgm:effectClrLst/>
-    <dgm:txLinClrLst/>
-    <dgm:txFillClrLst meth="repeat">
-      <a:schemeClr val="dk1"/>
-    </dgm:txFillClrLst>
-    <dgm:txEffectClrLst/>
-  </dgm:styleLbl>
-  <dgm:styleLbl name="solidFgAcc1">
-    <dgm:fillClrLst meth="repeat">
-      <a:schemeClr val="lt1"/>
-    </dgm:fillClrLst>
-    <dgm:linClrLst>
-      <a:schemeClr val="accent2"/>
-      <a:schemeClr val="accent3"/>
-    </dgm:linClrLst>
-    <dgm:effectClrLst/>
-    <dgm:txLinClrLst/>
-    <dgm:txFillClrLst meth="repeat">
-      <a:schemeClr val="dk1"/>
-    </dgm:txFillClrLst>
-    <dgm:txEffectClrLst/>
-  </dgm:styleLbl>
-  <dgm:styleLbl name="solidAlignAcc1">
-    <dgm:fillClrLst meth="repeat">
-      <a:schemeClr val="lt1"/>
-    </dgm:fillClrLst>
-    <dgm:linClrLst>
-      <a:schemeClr val="accent2"/>
-      <a:schemeClr val="accent3"/>
-    </dgm:linClrLst>
-    <dgm:effectClrLst/>
-    <dgm:txLinClrLst/>
-    <dgm:txFillClrLst meth="repeat">
-      <a:schemeClr val="dk1"/>
-    </dgm:txFillClrLst>
-    <dgm:txEffectClrLst/>
-  </dgm:styleLbl>
-  <dgm:styleLbl name="solidBgAcc1">
-    <dgm:fillClrLst meth="repeat">
-      <a:schemeClr val="lt1"/>
-    </dgm:fillClrLst>
-    <dgm:linClrLst>
-      <a:schemeClr val="accent2"/>
-      <a:schemeClr val="accent3"/>
-    </dgm:linClrLst>
-    <dgm:effectClrLst/>
-    <dgm:txLinClrLst/>
-    <dgm:txFillClrLst meth="repeat">
-      <a:schemeClr val="dk1"/>
-    </dgm:txFillClrLst>
-    <dgm:txEffectClrLst/>
-  </dgm:styleLbl>
-  <dgm:styleLbl name="fgAccFollowNode1">
-    <dgm:fillClrLst>
-      <a:schemeClr val="accent2">
-        <a:tint val="40000"/>
-        <a:alpha val="90000"/>
-      </a:schemeClr>
-      <a:schemeClr val="accent3">
-        <a:tint val="40000"/>
-        <a:alpha val="90000"/>
-      </a:schemeClr>
-    </dgm:fillClrLst>
-    <dgm:linClrLst>
-      <a:schemeClr val="accent2">
-        <a:tint val="40000"/>
-        <a:alpha val="90000"/>
-      </a:schemeClr>
-      <a:schemeClr val="accent3">
-        <a:tint val="40000"/>
-        <a:alpha val="90000"/>
-      </a:schemeClr>
-    </dgm:linClrLst>
-    <dgm:effectClrLst/>
-    <dgm:txLinClrLst/>
-    <dgm:txFillClrLst meth="repeat">
-      <a:schemeClr val="dk1"/>
-    </dgm:txFillClrLst>
-    <dgm:txEffectClrLst/>
-  </dgm:styleLbl>
-  <dgm:styleLbl name="alignAccFollowNode1">
-    <dgm:fillClrLst>
-      <a:schemeClr val="accent2">
-        <a:tint val="40000"/>
-        <a:alpha val="90000"/>
-      </a:schemeClr>
-      <a:schemeClr val="accent3">
-        <a:tint val="40000"/>
-        <a:alpha val="90000"/>
-      </a:schemeClr>
-    </dgm:fillClrLst>
-    <dgm:linClrLst>
-      <a:schemeClr val="accent2">
-        <a:tint val="40000"/>
-        <a:alpha val="90000"/>
-      </a:schemeClr>
-      <a:schemeClr val="accent3">
-        <a:tint val="40000"/>
-        <a:alpha val="90000"/>
-      </a:schemeClr>
-    </dgm:linClrLst>
-    <dgm:effectClrLst/>
-    <dgm:txLinClrLst/>
-    <dgm:txFillClrLst meth="repeat">
-      <a:schemeClr val="dk1"/>
-    </dgm:txFillClrLst>
-    <dgm:txEffectClrLst/>
-  </dgm:styleLbl>
-  <dgm:styleLbl name="bgAccFollowNode1">
-    <dgm:fillClrLst>
-      <a:schemeClr val="accent2">
-        <a:tint val="40000"/>
-        <a:alpha val="90000"/>
-      </a:schemeClr>
-      <a:schemeClr val="accent3">
-        <a:tint val="40000"/>
-        <a:alpha val="90000"/>
-      </a:schemeClr>
-    </dgm:fillClrLst>
-    <dgm:linClrLst>
-      <a:schemeClr val="accent2">
-        <a:tint val="40000"/>
-        <a:alpha val="90000"/>
-      </a:schemeClr>
-      <a:schemeClr val="accent3">
-        <a:tint val="40000"/>
-        <a:alpha val="90000"/>
-      </a:schemeClr>
-    </dgm:linClrLst>
-    <dgm:effectClrLst/>
-    <dgm:txLinClrLst/>
-    <dgm:txFillClrLst meth="repeat">
-      <a:schemeClr val="dk1"/>
-    </dgm:txFillClrLst>
-    <dgm:txEffectClrLst/>
-  </dgm:styleLbl>
-  <dgm:styleLbl name="fgAcc0">
-    <dgm:fillClrLst meth="repeat">
-      <a:schemeClr val="lt1">
-        <a:alpha val="90000"/>
-      </a:schemeClr>
-    </dgm:fillClrLst>
-    <dgm:linClrLst>
-      <a:schemeClr val="accent1"/>
-    </dgm:linClrLst>
-    <dgm:effectClrLst/>
-    <dgm:txLinClrLst/>
-    <dgm:txFillClrLst meth="repeat">
-      <a:schemeClr val="dk1"/>
-    </dgm:txFillClrLst>
-    <dgm:txEffectClrLst/>
-  </dgm:styleLbl>
-  <dgm:styleLbl name="fgAcc2">
-    <dgm:fillClrLst meth="repeat">
-      <a:schemeClr val="lt1">
-        <a:alpha val="90000"/>
-      </a:schemeClr>
-    </dgm:fillClrLst>
-    <dgm:linClrLst>
-      <a:schemeClr val="accent3"/>
-    </dgm:linClrLst>
-    <dgm:effectClrLst/>
-    <dgm:txLinClrLst/>
-    <dgm:txFillClrLst meth="repeat">
-      <a:schemeClr val="dk1"/>
-    </dgm:txFillClrLst>
-    <dgm:txEffectClrLst/>
-  </dgm:styleLbl>
-  <dgm:styleLbl name="fgAcc3">
-    <dgm:fillClrLst meth="repeat">
-      <a:schemeClr val="lt1">
-        <a:alpha val="90000"/>
-      </a:schemeClr>
-    </dgm:fillClrLst>
-    <dgm:linClrLst>
-      <a:schemeClr val="accent4"/>
-    </dgm:linClrLst>
-    <dgm:effectClrLst/>
-    <dgm:txLinClrLst/>
-    <dgm:txFillClrLst meth="repeat">
-      <a:schemeClr val="dk1"/>
-    </dgm:txFillClrLst>
-    <dgm:txEffectClrLst/>
-  </dgm:styleLbl>
-  <dgm:styleLbl name="fgAcc4">
-    <dgm:fillClrLst meth="repeat">
-      <a:schemeClr val="lt1">
-        <a:alpha val="90000"/>
-      </a:schemeClr>
-    </dgm:fillClrLst>
-    <dgm:linClrLst>
-      <a:schemeClr val="accent5"/>
-    </dgm:linClrLst>
-    <dgm:effectClrLst/>
-    <dgm:txLinClrLst/>
-    <dgm:txFillClrLst meth="repeat">
-      <a:schemeClr val="dk1"/>
-    </dgm:txFillClrLst>
-    <dgm:txEffectClrLst/>
-  </dgm:styleLbl>
-  <dgm:styleLbl name="bgShp">
-    <dgm:fillClrLst meth="repeat">
-      <a:schemeClr val="accent2">
-        <a:tint val="40000"/>
-      </a:schemeClr>
-    </dgm:fillClrLst>
-    <dgm:linClrLst meth="repeat">
-      <a:schemeClr val="dk1"/>
-    </dgm:linClrLst>
-    <dgm:effectClrLst/>
-    <dgm:txLinClrLst/>
-    <dgm:txFillClrLst meth="repeat">
-      <a:schemeClr val="dk1"/>
-    </dgm:txFillClrLst>
-    <dgm:txEffectClrLst/>
-  </dgm:styleLbl>
-  <dgm:styleLbl name="dkBgShp">
-    <dgm:fillClrLst meth="repeat">
-      <a:schemeClr val="accent2">
-        <a:shade val="90000"/>
-      </a:schemeClr>
-    </dgm:fillClrLst>
-    <dgm:linClrLst meth="repeat">
-      <a:schemeClr val="dk1"/>
-    </dgm:linClrLst>
-    <dgm:effectClrLst/>
-    <dgm:txLinClrLst/>
-    <dgm:txFillClrLst meth="repeat">
-      <a:schemeClr val="lt1"/>
-    </dgm:txFillClrLst>
-    <dgm:txEffectClrLst/>
-  </dgm:styleLbl>
-  <dgm:styleLbl name="trBgShp">
-    <dgm:fillClrLst meth="repeat">
-      <a:schemeClr val="accent2">
-        <a:tint val="50000"/>
-        <a:alpha val="40000"/>
-      </a:schemeClr>
-    </dgm:fillClrLst>
-    <dgm:linClrLst meth="repeat">
-      <a:schemeClr val="accent2"/>
-    </dgm:linClrLst>
-    <dgm:effectClrLst/>
-    <dgm:txLinClrLst/>
-    <dgm:txFillClrLst meth="repeat">
-      <a:schemeClr val="lt1"/>
-    </dgm:txFillClrLst>
-    <dgm:txEffectClrLst/>
-  </dgm:styleLbl>
-  <dgm:styleLbl name="fgShp">
-    <dgm:fillClrLst meth="repeat">
-      <a:schemeClr val="accent2">
-        <a:tint val="40000"/>
-      </a:schemeClr>
-    </dgm:fillClrLst>
-    <dgm:linClrLst meth="repeat">
-      <a:schemeClr val="lt1"/>
-    </dgm:linClrLst>
-    <dgm:effectClrLst/>
-    <dgm:txLinClrLst/>
-    <dgm:txFillClrLst meth="repeat">
-      <a:schemeClr val="dk1"/>
-    </dgm:txFillClrLst>
-    <dgm:txEffectClrLst/>
-  </dgm:styleLbl>
-  <dgm:styleLbl name="revTx">
-    <dgm:fillClrLst meth="repeat">
-      <a:schemeClr val="lt1">
-        <a:alpha val="0"/>
-      </a:schemeClr>
-    </dgm:fillClrLst>
-    <dgm:linClrLst meth="repeat">
-      <a:schemeClr val="dk1">
-        <a:alpha val="0"/>
-      </a:schemeClr>
-    </dgm:linClrLst>
-    <dgm:effectClrLst/>
-    <dgm:txLinClrLst/>
-    <dgm:txFillClrLst meth="repeat">
-      <a:schemeClr val="tx1"/>
-    </dgm:txFillClrLst>
-    <dgm:txEffectClrLst/>
-  </dgm:styleLbl>
-</dgm:colorsDef>
-</file>
-
 <file path=ppt/diagrams/data1.xml><?xml version="1.0" encoding="utf-8"?>
-<dgm:dataModel xmlns:dgm="http://schemas.openxmlformats.org/drawingml/2006/diagram" xmlns:a="http://schemas.openxmlformats.org/drawingml/2006/main">
-  <dgm:ptLst>
-    <dgm:pt modelId="{28236F6B-FC45-454F-B888-A1A642FDC72D}" type="doc">
-      <dgm:prSet loTypeId="urn:microsoft.com/office/officeart/2018/2/layout/IconVerticalSolidList" loCatId="icon" qsTypeId="urn:microsoft.com/office/officeart/2005/8/quickstyle/simple1" qsCatId="simple" csTypeId="urn:microsoft.com/office/officeart/2018/5/colors/Iconchunking_neutralicontext_colorful1" csCatId="colorful" phldr="1"/>
-      <dgm:spPr/>
-      <dgm:t>
-        <a:bodyPr/>
-        <a:lstStyle/>
-        <a:p>
-          <a:endParaRPr lang="en-US"/>
-        </a:p>
-      </dgm:t>
-    </dgm:pt>
-    <dgm:pt modelId="{A19BA723-A15A-4049-B4B4-CE0D4ADD1BC6}">
-      <dgm:prSet/>
-      <dgm:spPr/>
-      <dgm:t>
-        <a:bodyPr/>
-        <a:lstStyle/>
-        <a:p>
-          <a:r>
-            <a:rPr lang="en-US" dirty="0"/>
-            <a:t>Introduced generative AI tools in the capstone course</a:t>
-          </a:r>
-        </a:p>
-      </dgm:t>
-    </dgm:pt>
-    <dgm:pt modelId="{B0DBB501-7E24-419C-987F-791D63320241}" type="parTrans" cxnId="{9C22AA74-9419-4F24-AD96-D31A1A90958F}">
-      <dgm:prSet/>
-      <dgm:spPr/>
-      <dgm:t>
-        <a:bodyPr/>
-        <a:lstStyle/>
-        <a:p>
-          <a:endParaRPr lang="en-US"/>
-        </a:p>
-      </dgm:t>
-    </dgm:pt>
-    <dgm:pt modelId="{A7D5AFA4-9697-4FA2-A994-4F0CA5364ABE}" type="sibTrans" cxnId="{9C22AA74-9419-4F24-AD96-D31A1A90958F}">
-      <dgm:prSet/>
-      <dgm:spPr/>
-      <dgm:t>
-        <a:bodyPr/>
-        <a:lstStyle/>
-        <a:p>
-          <a:endParaRPr lang="en-US"/>
-        </a:p>
-      </dgm:t>
-    </dgm:pt>
-    <dgm:pt modelId="{D8DC15EC-428A-4270-B404-E700C5D06959}">
-      <dgm:prSet/>
-      <dgm:spPr/>
-      <dgm:t>
-        <a:bodyPr/>
-        <a:lstStyle/>
-        <a:p>
-          <a:r>
-            <a:rPr lang="en-US" dirty="0"/>
-            <a:t>We experimented with ChatGPT and GitHub Copilot</a:t>
-          </a:r>
-        </a:p>
-      </dgm:t>
-    </dgm:pt>
-    <dgm:pt modelId="{C807DFB4-3BB7-4DC6-A6E2-81230728DACC}" type="parTrans" cxnId="{DFE63EE6-3360-40B7-A796-4C164BCBC1A4}">
-      <dgm:prSet/>
-      <dgm:spPr/>
-      <dgm:t>
-        <a:bodyPr/>
-        <a:lstStyle/>
-        <a:p>
-          <a:endParaRPr lang="en-US"/>
-        </a:p>
-      </dgm:t>
-    </dgm:pt>
-    <dgm:pt modelId="{6BA099BD-30C7-4ECE-85D0-20F7A78BCB38}" type="sibTrans" cxnId="{DFE63EE6-3360-40B7-A796-4C164BCBC1A4}">
-      <dgm:prSet/>
-      <dgm:spPr/>
-      <dgm:t>
-        <a:bodyPr/>
-        <a:lstStyle/>
-        <a:p>
-          <a:endParaRPr lang="en-US"/>
-        </a:p>
-      </dgm:t>
-    </dgm:pt>
-    <dgm:pt modelId="{5DAF5F1A-7FDF-42EF-81D9-F71D2B0711BE}">
-      <dgm:prSet/>
-      <dgm:spPr/>
-      <dgm:t>
-        <a:bodyPr/>
-        <a:lstStyle/>
-        <a:p>
-          <a:r>
-            <a:rPr lang="en-US" dirty="0"/>
-            <a:t>Summary of observations:</a:t>
-          </a:r>
-          <a:endParaRPr lang="en-US" dirty="0">
-            <a:hlinkClick xmlns:r="http://schemas.openxmlformats.org/officeDocument/2006/relationships" r:id="rId1"/>
-          </a:endParaRPr>
-        </a:p>
-        <a:p>
-          <a:r>
-            <a:rPr lang="en-US" dirty="0">
-              <a:hlinkClick xmlns:r="http://schemas.openxmlformats.org/officeDocument/2006/relationships" r:id="rId1"/>
-            </a:rPr>
-            <a:t>Embracing Generative AI Tools for Capstone</a:t>
-          </a:r>
-          <a:r>
-            <a:rPr lang="en-US" dirty="0"/>
-            <a:t>  </a:t>
-          </a:r>
-        </a:p>
-      </dgm:t>
-    </dgm:pt>
-    <dgm:pt modelId="{552E04BC-999D-4149-9446-418CB324685D}" type="parTrans" cxnId="{BC4D7F2E-AC22-47AD-BA7A-9D76542CD751}">
-      <dgm:prSet/>
-      <dgm:spPr/>
-      <dgm:t>
-        <a:bodyPr/>
-        <a:lstStyle/>
-        <a:p>
-          <a:endParaRPr lang="en-US"/>
-        </a:p>
-      </dgm:t>
-    </dgm:pt>
-    <dgm:pt modelId="{49486C90-33D6-40FC-9BB9-7DC8ECC7E16F}" type="sibTrans" cxnId="{BC4D7F2E-AC22-47AD-BA7A-9D76542CD751}">
-      <dgm:prSet/>
-      <dgm:spPr/>
-      <dgm:t>
-        <a:bodyPr/>
-        <a:lstStyle/>
-        <a:p>
-          <a:endParaRPr lang="en-US"/>
-        </a:p>
-      </dgm:t>
-    </dgm:pt>
-    <dgm:pt modelId="{77F0E212-E775-4843-BB92-ADC7FAD3C53C}" type="pres">
-      <dgm:prSet presAssocID="{28236F6B-FC45-454F-B888-A1A642FDC72D}" presName="root" presStyleCnt="0">
-        <dgm:presLayoutVars>
-          <dgm:dir/>
-          <dgm:resizeHandles val="exact"/>
-        </dgm:presLayoutVars>
-      </dgm:prSet>
-      <dgm:spPr/>
-    </dgm:pt>
-    <dgm:pt modelId="{0CF427DF-EE16-4CAD-8022-9A4C89912FE5}" type="pres">
-      <dgm:prSet presAssocID="{A19BA723-A15A-4049-B4B4-CE0D4ADD1BC6}" presName="compNode" presStyleCnt="0"/>
-      <dgm:spPr/>
-    </dgm:pt>
-    <dgm:pt modelId="{6C8611AC-D687-45DC-8500-F4C76EF98BDD}" type="pres">
-      <dgm:prSet presAssocID="{A19BA723-A15A-4049-B4B4-CE0D4ADD1BC6}" presName="bgRect" presStyleLbl="bgShp" presStyleIdx="0" presStyleCnt="3"/>
-      <dgm:spPr/>
-    </dgm:pt>
-    <dgm:pt modelId="{E004210F-E2A8-4E9B-97EA-D12219D7EB52}" type="pres">
-      <dgm:prSet presAssocID="{A19BA723-A15A-4049-B4B4-CE0D4ADD1BC6}" presName="iconRect" presStyleLbl="node1" presStyleIdx="0" presStyleCnt="3"/>
-      <dgm:spPr>
-        <a:blipFill>
-          <a:blip xmlns:r="http://schemas.openxmlformats.org/officeDocument/2006/relationships" r:embed="rId2">
-            <a:extLst>
-              <a:ext uri="{28A0092B-C50C-407E-A947-70E740481C1C}">
-                <a14:useLocalDpi xmlns:a14="http://schemas.microsoft.com/office/drawing/2010/main" val="0"/>
-              </a:ext>
-              <a:ext uri="{96DAC541-7B7A-43D3-8B79-37D633B846F1}">
-                <asvg:svgBlip xmlns:asvg="http://schemas.microsoft.com/office/drawing/2016/SVG/main" r:embed="rId3"/>
-              </a:ext>
-            </a:extLst>
-          </a:blip>
-          <a:stretch>
-            <a:fillRect/>
-          </a:stretch>
-        </a:blipFill>
-        <a:ln>
-          <a:noFill/>
-        </a:ln>
-      </dgm:spPr>
-      <dgm:extLst>
-        <a:ext uri="{E40237B7-FDA0-4F09-8148-C483321AD2D9}">
-          <dgm14:cNvPr xmlns:dgm14="http://schemas.microsoft.com/office/drawing/2010/diagram" id="0" name="" descr="Head with Gears"/>
-        </a:ext>
-      </dgm:extLst>
-    </dgm:pt>
-    <dgm:pt modelId="{CDE16BBB-DEFC-43EC-9503-F1C9E73E98D1}" type="pres">
-      <dgm:prSet presAssocID="{A19BA723-A15A-4049-B4B4-CE0D4ADD1BC6}" presName="spaceRect" presStyleCnt="0"/>
-      <dgm:spPr/>
-    </dgm:pt>
-    <dgm:pt modelId="{D133DF99-C01C-4C30-802B-BA16B73031B1}" type="pres">
-      <dgm:prSet presAssocID="{A19BA723-A15A-4049-B4B4-CE0D4ADD1BC6}" presName="parTx" presStyleLbl="revTx" presStyleIdx="0" presStyleCnt="3">
-        <dgm:presLayoutVars>
-          <dgm:chMax val="0"/>
-          <dgm:chPref val="0"/>
-        </dgm:presLayoutVars>
-      </dgm:prSet>
-      <dgm:spPr/>
-    </dgm:pt>
-    <dgm:pt modelId="{03B2B975-5601-4BEE-8138-1C89365DE568}" type="pres">
-      <dgm:prSet presAssocID="{A7D5AFA4-9697-4FA2-A994-4F0CA5364ABE}" presName="sibTrans" presStyleCnt="0"/>
-      <dgm:spPr/>
-    </dgm:pt>
-    <dgm:pt modelId="{FA6FD0AB-338C-40B1-B081-2422DCDBFB2A}" type="pres">
-      <dgm:prSet presAssocID="{D8DC15EC-428A-4270-B404-E700C5D06959}" presName="compNode" presStyleCnt="0"/>
-      <dgm:spPr/>
-    </dgm:pt>
-    <dgm:pt modelId="{F61F3676-5969-4527-8AF9-B844F043D3D3}" type="pres">
-      <dgm:prSet presAssocID="{D8DC15EC-428A-4270-B404-E700C5D06959}" presName="bgRect" presStyleLbl="bgShp" presStyleIdx="1" presStyleCnt="3"/>
-      <dgm:spPr/>
-    </dgm:pt>
-    <dgm:pt modelId="{04F0A8F8-F393-470F-8CBC-1CAC9E44DF33}" type="pres">
-      <dgm:prSet presAssocID="{D8DC15EC-428A-4270-B404-E700C5D06959}" presName="iconRect" presStyleLbl="node1" presStyleIdx="1" presStyleCnt="3"/>
-      <dgm:spPr>
-        <a:blipFill>
-          <a:blip xmlns:r="http://schemas.openxmlformats.org/officeDocument/2006/relationships" r:embed="rId4">
-            <a:extLst>
-              <a:ext uri="{28A0092B-C50C-407E-A947-70E740481C1C}">
-                <a14:useLocalDpi xmlns:a14="http://schemas.microsoft.com/office/drawing/2010/main" val="0"/>
-              </a:ext>
-              <a:ext uri="{96DAC541-7B7A-43D3-8B79-37D633B846F1}">
-                <asvg:svgBlip xmlns:asvg="http://schemas.microsoft.com/office/drawing/2016/SVG/main" r:embed="rId5"/>
-              </a:ext>
-            </a:extLst>
-          </a:blip>
-          <a:stretch>
-            <a:fillRect/>
-          </a:stretch>
-        </a:blipFill>
-        <a:ln>
-          <a:noFill/>
-        </a:ln>
-      </dgm:spPr>
-      <dgm:extLst>
-        <a:ext uri="{E40237B7-FDA0-4F09-8148-C483321AD2D9}">
-          <dgm14:cNvPr xmlns:dgm14="http://schemas.microsoft.com/office/drawing/2010/diagram" id="0" name="" descr="Scientist"/>
-        </a:ext>
-      </dgm:extLst>
-    </dgm:pt>
-    <dgm:pt modelId="{C6DE739D-E097-43A7-8C2A-00772408E5AA}" type="pres">
-      <dgm:prSet presAssocID="{D8DC15EC-428A-4270-B404-E700C5D06959}" presName="spaceRect" presStyleCnt="0"/>
-      <dgm:spPr/>
-    </dgm:pt>
-    <dgm:pt modelId="{A5A03BD4-D8EB-4968-8B7D-008E0DF3FCB6}" type="pres">
-      <dgm:prSet presAssocID="{D8DC15EC-428A-4270-B404-E700C5D06959}" presName="parTx" presStyleLbl="revTx" presStyleIdx="1" presStyleCnt="3">
-        <dgm:presLayoutVars>
-          <dgm:chMax val="0"/>
-          <dgm:chPref val="0"/>
-        </dgm:presLayoutVars>
-      </dgm:prSet>
-      <dgm:spPr/>
-    </dgm:pt>
-    <dgm:pt modelId="{B1FB6B8E-9D62-4109-AB51-6F19D5229F7C}" type="pres">
-      <dgm:prSet presAssocID="{6BA099BD-30C7-4ECE-85D0-20F7A78BCB38}" presName="sibTrans" presStyleCnt="0"/>
-      <dgm:spPr/>
-    </dgm:pt>
-    <dgm:pt modelId="{3520E868-24A0-4E7F-A092-57EA96673455}" type="pres">
-      <dgm:prSet presAssocID="{5DAF5F1A-7FDF-42EF-81D9-F71D2B0711BE}" presName="compNode" presStyleCnt="0"/>
-      <dgm:spPr/>
-    </dgm:pt>
-    <dgm:pt modelId="{A709B498-4B25-4F54-9EB2-0FF5475835B9}" type="pres">
-      <dgm:prSet presAssocID="{5DAF5F1A-7FDF-42EF-81D9-F71D2B0711BE}" presName="bgRect" presStyleLbl="bgShp" presStyleIdx="2" presStyleCnt="3"/>
-      <dgm:spPr/>
-    </dgm:pt>
-    <dgm:pt modelId="{E6EE22D1-1950-4509-9044-FF3A3CEB79BD}" type="pres">
-      <dgm:prSet presAssocID="{5DAF5F1A-7FDF-42EF-81D9-F71D2B0711BE}" presName="iconRect" presStyleLbl="node1" presStyleIdx="2" presStyleCnt="3"/>
-      <dgm:spPr>
-        <a:blipFill>
-          <a:blip xmlns:r="http://schemas.openxmlformats.org/officeDocument/2006/relationships" r:embed="rId6">
-            <a:extLst>
-              <a:ext uri="{28A0092B-C50C-407E-A947-70E740481C1C}">
-                <a14:useLocalDpi xmlns:a14="http://schemas.microsoft.com/office/drawing/2010/main" val="0"/>
-              </a:ext>
-              <a:ext uri="{96DAC541-7B7A-43D3-8B79-37D633B846F1}">
-                <asvg:svgBlip xmlns:asvg="http://schemas.microsoft.com/office/drawing/2016/SVG/main" r:embed="rId7"/>
-              </a:ext>
-            </a:extLst>
-          </a:blip>
-          <a:stretch>
-            <a:fillRect/>
-          </a:stretch>
-        </a:blipFill>
-        <a:ln>
-          <a:noFill/>
-        </a:ln>
-      </dgm:spPr>
-      <dgm:extLst>
-        <a:ext uri="{E40237B7-FDA0-4F09-8148-C483321AD2D9}">
-          <dgm14:cNvPr xmlns:dgm14="http://schemas.microsoft.com/office/drawing/2010/diagram" id="0" name="" descr="Link"/>
-        </a:ext>
-      </dgm:extLst>
-    </dgm:pt>
-    <dgm:pt modelId="{3084BE3A-ACC7-4B2B-8E58-FBFE0F8DE015}" type="pres">
-      <dgm:prSet presAssocID="{5DAF5F1A-7FDF-42EF-81D9-F71D2B0711BE}" presName="spaceRect" presStyleCnt="0"/>
-      <dgm:spPr/>
-    </dgm:pt>
-    <dgm:pt modelId="{DE80CF49-F07B-4967-AC30-712903447620}" type="pres">
-      <dgm:prSet presAssocID="{5DAF5F1A-7FDF-42EF-81D9-F71D2B0711BE}" presName="parTx" presStyleLbl="revTx" presStyleIdx="2" presStyleCnt="3">
-        <dgm:presLayoutVars>
-          <dgm:chMax val="0"/>
-          <dgm:chPref val="0"/>
-        </dgm:presLayoutVars>
-      </dgm:prSet>
-      <dgm:spPr/>
-    </dgm:pt>
-  </dgm:ptLst>
-  <dgm:cxnLst>
-    <dgm:cxn modelId="{83303E2A-508E-40B3-8675-3C7FEF43E80E}" type="presOf" srcId="{A19BA723-A15A-4049-B4B4-CE0D4ADD1BC6}" destId="{D133DF99-C01C-4C30-802B-BA16B73031B1}" srcOrd="0" destOrd="0" presId="urn:microsoft.com/office/officeart/2018/2/layout/IconVerticalSolidList"/>
-    <dgm:cxn modelId="{BC4D7F2E-AC22-47AD-BA7A-9D76542CD751}" srcId="{28236F6B-FC45-454F-B888-A1A642FDC72D}" destId="{5DAF5F1A-7FDF-42EF-81D9-F71D2B0711BE}" srcOrd="2" destOrd="0" parTransId="{552E04BC-999D-4149-9446-418CB324685D}" sibTransId="{49486C90-33D6-40FC-9BB9-7DC8ECC7E16F}"/>
-    <dgm:cxn modelId="{4AFB3B5C-2339-47B1-B2CA-E3822CB5F37D}" type="presOf" srcId="{D8DC15EC-428A-4270-B404-E700C5D06959}" destId="{A5A03BD4-D8EB-4968-8B7D-008E0DF3FCB6}" srcOrd="0" destOrd="0" presId="urn:microsoft.com/office/officeart/2018/2/layout/IconVerticalSolidList"/>
-    <dgm:cxn modelId="{7EC80371-E3F7-4C21-AB94-C77A341AA39B}" type="presOf" srcId="{28236F6B-FC45-454F-B888-A1A642FDC72D}" destId="{77F0E212-E775-4843-BB92-ADC7FAD3C53C}" srcOrd="0" destOrd="0" presId="urn:microsoft.com/office/officeart/2018/2/layout/IconVerticalSolidList"/>
-    <dgm:cxn modelId="{9C22AA74-9419-4F24-AD96-D31A1A90958F}" srcId="{28236F6B-FC45-454F-B888-A1A642FDC72D}" destId="{A19BA723-A15A-4049-B4B4-CE0D4ADD1BC6}" srcOrd="0" destOrd="0" parTransId="{B0DBB501-7E24-419C-987F-791D63320241}" sibTransId="{A7D5AFA4-9697-4FA2-A994-4F0CA5364ABE}"/>
-    <dgm:cxn modelId="{1FE73DC6-B761-40F4-B87D-FE86B67C5A52}" type="presOf" srcId="{5DAF5F1A-7FDF-42EF-81D9-F71D2B0711BE}" destId="{DE80CF49-F07B-4967-AC30-712903447620}" srcOrd="0" destOrd="0" presId="urn:microsoft.com/office/officeart/2018/2/layout/IconVerticalSolidList"/>
-    <dgm:cxn modelId="{DFE63EE6-3360-40B7-A796-4C164BCBC1A4}" srcId="{28236F6B-FC45-454F-B888-A1A642FDC72D}" destId="{D8DC15EC-428A-4270-B404-E700C5D06959}" srcOrd="1" destOrd="0" parTransId="{C807DFB4-3BB7-4DC6-A6E2-81230728DACC}" sibTransId="{6BA099BD-30C7-4ECE-85D0-20F7A78BCB38}"/>
-    <dgm:cxn modelId="{920B8145-66BF-465C-A8FC-891BE2CCD31E}" type="presParOf" srcId="{77F0E212-E775-4843-BB92-ADC7FAD3C53C}" destId="{0CF427DF-EE16-4CAD-8022-9A4C89912FE5}" srcOrd="0" destOrd="0" presId="urn:microsoft.com/office/officeart/2018/2/layout/IconVerticalSolidList"/>
-    <dgm:cxn modelId="{E25B7EE8-5E31-4E4B-857D-D52BA4C672E3}" type="presParOf" srcId="{0CF427DF-EE16-4CAD-8022-9A4C89912FE5}" destId="{6C8611AC-D687-45DC-8500-F4C76EF98BDD}" srcOrd="0" destOrd="0" presId="urn:microsoft.com/office/officeart/2018/2/layout/IconVerticalSolidList"/>
-    <dgm:cxn modelId="{686648EA-65EC-4836-A23D-19D93B0C28A6}" type="presParOf" srcId="{0CF427DF-EE16-4CAD-8022-9A4C89912FE5}" destId="{E004210F-E2A8-4E9B-97EA-D12219D7EB52}" srcOrd="1" destOrd="0" presId="urn:microsoft.com/office/officeart/2018/2/layout/IconVerticalSolidList"/>
-    <dgm:cxn modelId="{46BB32A2-0EE4-4146-910E-91E2AEE254F4}" type="presParOf" srcId="{0CF427DF-EE16-4CAD-8022-9A4C89912FE5}" destId="{CDE16BBB-DEFC-43EC-9503-F1C9E73E98D1}" srcOrd="2" destOrd="0" presId="urn:microsoft.com/office/officeart/2018/2/layout/IconVerticalSolidList"/>
-    <dgm:cxn modelId="{D618C70A-CFC0-47F6-BA07-1824BFC47B35}" type="presParOf" srcId="{0CF427DF-EE16-4CAD-8022-9A4C89912FE5}" destId="{D133DF99-C01C-4C30-802B-BA16B73031B1}" srcOrd="3" destOrd="0" presId="urn:microsoft.com/office/officeart/2018/2/layout/IconVerticalSolidList"/>
-    <dgm:cxn modelId="{E4AC397A-0A1A-4EAF-8BED-12239F368532}" type="presParOf" srcId="{77F0E212-E775-4843-BB92-ADC7FAD3C53C}" destId="{03B2B975-5601-4BEE-8138-1C89365DE568}" srcOrd="1" destOrd="0" presId="urn:microsoft.com/office/officeart/2018/2/layout/IconVerticalSolidList"/>
-    <dgm:cxn modelId="{C9EE2983-F329-47DE-81BE-DAFC8F79FBC2}" type="presParOf" srcId="{77F0E212-E775-4843-BB92-ADC7FAD3C53C}" destId="{FA6FD0AB-338C-40B1-B081-2422DCDBFB2A}" srcOrd="2" destOrd="0" presId="urn:microsoft.com/office/officeart/2018/2/layout/IconVerticalSolidList"/>
-    <dgm:cxn modelId="{EEC58EC2-90B8-4D14-B7B9-D4A1AD817DF0}" type="presParOf" srcId="{FA6FD0AB-338C-40B1-B081-2422DCDBFB2A}" destId="{F61F3676-5969-4527-8AF9-B844F043D3D3}" srcOrd="0" destOrd="0" presId="urn:microsoft.com/office/officeart/2018/2/layout/IconVerticalSolidList"/>
-    <dgm:cxn modelId="{E62CF7C3-4362-48F8-9D95-4A52B9693C99}" type="presParOf" srcId="{FA6FD0AB-338C-40B1-B081-2422DCDBFB2A}" destId="{04F0A8F8-F393-470F-8CBC-1CAC9E44DF33}" srcOrd="1" destOrd="0" presId="urn:microsoft.com/office/officeart/2018/2/layout/IconVerticalSolidList"/>
-    <dgm:cxn modelId="{C62B61E8-7816-48FF-8BA6-698BF0FB4923}" type="presParOf" srcId="{FA6FD0AB-338C-40B1-B081-2422DCDBFB2A}" destId="{C6DE739D-E097-43A7-8C2A-00772408E5AA}" srcOrd="2" destOrd="0" presId="urn:microsoft.com/office/officeart/2018/2/layout/IconVerticalSolidList"/>
-    <dgm:cxn modelId="{33FB3340-943F-4207-B6D3-CC29387F42F0}" type="presParOf" srcId="{FA6FD0AB-338C-40B1-B081-2422DCDBFB2A}" destId="{A5A03BD4-D8EB-4968-8B7D-008E0DF3FCB6}" srcOrd="3" destOrd="0" presId="urn:microsoft.com/office/officeart/2018/2/layout/IconVerticalSolidList"/>
-    <dgm:cxn modelId="{4979EC04-4C6E-4936-A9A8-A58D50F58AEC}" type="presParOf" srcId="{77F0E212-E775-4843-BB92-ADC7FAD3C53C}" destId="{B1FB6B8E-9D62-4109-AB51-6F19D5229F7C}" srcOrd="3" destOrd="0" presId="urn:microsoft.com/office/officeart/2018/2/layout/IconVerticalSolidList"/>
-    <dgm:cxn modelId="{707A2409-4D02-4964-80CB-50D260564CAB}" type="presParOf" srcId="{77F0E212-E775-4843-BB92-ADC7FAD3C53C}" destId="{3520E868-24A0-4E7F-A092-57EA96673455}" srcOrd="4" destOrd="0" presId="urn:microsoft.com/office/officeart/2018/2/layout/IconVerticalSolidList"/>
-    <dgm:cxn modelId="{E5C11A60-34A4-4425-AFBD-945A52219A00}" type="presParOf" srcId="{3520E868-24A0-4E7F-A092-57EA96673455}" destId="{A709B498-4B25-4F54-9EB2-0FF5475835B9}" srcOrd="0" destOrd="0" presId="urn:microsoft.com/office/officeart/2018/2/layout/IconVerticalSolidList"/>
-    <dgm:cxn modelId="{B0E68629-B963-4580-A691-7DF245153533}" type="presParOf" srcId="{3520E868-24A0-4E7F-A092-57EA96673455}" destId="{E6EE22D1-1950-4509-9044-FF3A3CEB79BD}" srcOrd="1" destOrd="0" presId="urn:microsoft.com/office/officeart/2018/2/layout/IconVerticalSolidList"/>
-    <dgm:cxn modelId="{19E56FE5-F174-4E9F-84AF-132D47F44832}" type="presParOf" srcId="{3520E868-24A0-4E7F-A092-57EA96673455}" destId="{3084BE3A-ACC7-4B2B-8E58-FBFE0F8DE015}" srcOrd="2" destOrd="0" presId="urn:microsoft.com/office/officeart/2018/2/layout/IconVerticalSolidList"/>
-    <dgm:cxn modelId="{00C0FD9A-1C36-48DB-A82C-1AEAA380A10D}" type="presParOf" srcId="{3520E868-24A0-4E7F-A092-57EA96673455}" destId="{DE80CF49-F07B-4967-AC30-712903447620}" srcOrd="3" destOrd="0" presId="urn:microsoft.com/office/officeart/2018/2/layout/IconVerticalSolidList"/>
-  </dgm:cxnLst>
-  <dgm:bg/>
-  <dgm:whole/>
-  <dgm:extLst>
-    <a:ext uri="http://schemas.microsoft.com/office/drawing/2008/diagram">
-      <dsp:dataModelExt xmlns:dsp="http://schemas.microsoft.com/office/drawing/2008/diagram" relId="rId6" minVer="http://schemas.openxmlformats.org/drawingml/2006/diagram"/>
-    </a:ext>
-  </dgm:extLst>
-</dgm:dataModel>
-</file>
-
-<file path=ppt/diagrams/data10.xml><?xml version="1.0" encoding="utf-8"?>
-<dgm:dataModel xmlns:dgm="http://schemas.openxmlformats.org/drawingml/2006/diagram" xmlns:a="http://schemas.openxmlformats.org/drawingml/2006/main">
-  <dgm:ptLst>
-    <dgm:pt modelId="{9E982C7D-0312-45E2-9937-C606B2676CBA}" type="doc">
-      <dgm:prSet loTypeId="urn:microsoft.com/office/officeart/2005/8/layout/default" loCatId="list" qsTypeId="urn:microsoft.com/office/officeart/2005/8/quickstyle/simple1" qsCatId="simple" csTypeId="urn:microsoft.com/office/officeart/2005/8/colors/colorful2" csCatId="colorful" phldr="1"/>
-      <dgm:spPr/>
-      <dgm:t>
-        <a:bodyPr/>
-        <a:lstStyle/>
-        <a:p>
-          <a:endParaRPr lang="en-US"/>
-        </a:p>
-      </dgm:t>
-    </dgm:pt>
-    <dgm:pt modelId="{380159C2-0A9E-40D9-9DB2-1B5B7AAED686}">
-      <dgm:prSet/>
-      <dgm:spPr/>
-      <dgm:t>
-        <a:bodyPr/>
-        <a:lstStyle/>
-        <a:p>
-          <a:r>
-            <a:rPr lang="en-US"/>
-            <a:t>We will embrace generative AI tools in this course</a:t>
-          </a:r>
-        </a:p>
-      </dgm:t>
-    </dgm:pt>
-    <dgm:pt modelId="{1F24B112-C9E2-4CB4-A84F-404B229C4698}" type="parTrans" cxnId="{C99D0FE2-2C76-47DE-AE63-1DE650F000E5}">
-      <dgm:prSet/>
-      <dgm:spPr/>
-      <dgm:t>
-        <a:bodyPr/>
-        <a:lstStyle/>
-        <a:p>
-          <a:endParaRPr lang="en-US"/>
-        </a:p>
-      </dgm:t>
-    </dgm:pt>
-    <dgm:pt modelId="{024E5A7E-CCE4-4FD6-929D-B8D80BC9B653}" type="sibTrans" cxnId="{C99D0FE2-2C76-47DE-AE63-1DE650F000E5}">
-      <dgm:prSet/>
-      <dgm:spPr/>
-      <dgm:t>
-        <a:bodyPr/>
-        <a:lstStyle/>
-        <a:p>
-          <a:endParaRPr lang="en-US"/>
-        </a:p>
-      </dgm:t>
-    </dgm:pt>
-    <dgm:pt modelId="{41FCFAAB-7D6C-4AF1-A7DA-D41997A64567}">
-      <dgm:prSet/>
-      <dgm:spPr/>
-      <dgm:t>
-        <a:bodyPr/>
-        <a:lstStyle/>
-        <a:p>
-          <a:r>
-            <a:rPr lang="en-US" dirty="0"/>
-            <a:t>You must take responsibility for the content of your papers &amp; presentations </a:t>
-          </a:r>
-        </a:p>
-      </dgm:t>
-    </dgm:pt>
-    <dgm:pt modelId="{86202BC1-4884-42DC-AD0A-0A11CAEB2C63}" type="parTrans" cxnId="{E6F8125D-15B7-464F-876B-B2D4DDCB6DBB}">
-      <dgm:prSet/>
-      <dgm:spPr/>
-      <dgm:t>
-        <a:bodyPr/>
-        <a:lstStyle/>
-        <a:p>
-          <a:endParaRPr lang="en-US"/>
-        </a:p>
-      </dgm:t>
-    </dgm:pt>
-    <dgm:pt modelId="{EFDCADF5-49D9-4C0E-9269-FE065F3FB61F}" type="sibTrans" cxnId="{E6F8125D-15B7-464F-876B-B2D4DDCB6DBB}">
-      <dgm:prSet/>
-      <dgm:spPr/>
-      <dgm:t>
-        <a:bodyPr/>
-        <a:lstStyle/>
-        <a:p>
-          <a:endParaRPr lang="en-US"/>
-        </a:p>
-      </dgm:t>
-    </dgm:pt>
-    <dgm:pt modelId="{B5B7440F-19C0-47FA-A819-C9FFDADCD365}">
-      <dgm:prSet/>
-      <dgm:spPr/>
-      <dgm:t>
-        <a:bodyPr/>
-        <a:lstStyle/>
-        <a:p>
-          <a:r>
-            <a:rPr lang="en-US" dirty="0"/>
-            <a:t>Generative AI tools can only be used to accelerate the finding and learning process, not replace it </a:t>
-          </a:r>
-        </a:p>
-      </dgm:t>
-    </dgm:pt>
-    <dgm:pt modelId="{B42969D7-8FE7-49E4-9451-E00F958511AF}" type="parTrans" cxnId="{ECCF9E63-20A6-401F-9CA8-812A017FA9D7}">
-      <dgm:prSet/>
-      <dgm:spPr/>
-      <dgm:t>
-        <a:bodyPr/>
-        <a:lstStyle/>
-        <a:p>
-          <a:endParaRPr lang="en-US"/>
-        </a:p>
-      </dgm:t>
-    </dgm:pt>
-    <dgm:pt modelId="{90CB62FF-80A6-41B2-8CFA-79B105C10142}" type="sibTrans" cxnId="{ECCF9E63-20A6-401F-9CA8-812A017FA9D7}">
-      <dgm:prSet/>
-      <dgm:spPr/>
-      <dgm:t>
-        <a:bodyPr/>
-        <a:lstStyle/>
-        <a:p>
-          <a:endParaRPr lang="en-US"/>
-        </a:p>
-      </dgm:t>
-    </dgm:pt>
-    <dgm:pt modelId="{87D4AFFD-A8A3-E24C-98DE-D1827B79445D}" type="pres">
-      <dgm:prSet presAssocID="{9E982C7D-0312-45E2-9937-C606B2676CBA}" presName="diagram" presStyleCnt="0">
-        <dgm:presLayoutVars>
-          <dgm:dir/>
-          <dgm:resizeHandles val="exact"/>
-        </dgm:presLayoutVars>
-      </dgm:prSet>
-      <dgm:spPr/>
-    </dgm:pt>
-    <dgm:pt modelId="{CD431E1F-5D6D-3D4F-A108-A1D75063E398}" type="pres">
-      <dgm:prSet presAssocID="{380159C2-0A9E-40D9-9DB2-1B5B7AAED686}" presName="node" presStyleLbl="node1" presStyleIdx="0" presStyleCnt="3">
-        <dgm:presLayoutVars>
-          <dgm:bulletEnabled val="1"/>
-        </dgm:presLayoutVars>
-      </dgm:prSet>
-      <dgm:spPr/>
-    </dgm:pt>
-    <dgm:pt modelId="{825B89A5-BB2D-A44E-AFF1-D4E16F7730E7}" type="pres">
-      <dgm:prSet presAssocID="{024E5A7E-CCE4-4FD6-929D-B8D80BC9B653}" presName="sibTrans" presStyleCnt="0"/>
-      <dgm:spPr/>
-    </dgm:pt>
-    <dgm:pt modelId="{4E7C8030-DD47-0649-B861-1B661637147F}" type="pres">
-      <dgm:prSet presAssocID="{41FCFAAB-7D6C-4AF1-A7DA-D41997A64567}" presName="node" presStyleLbl="node1" presStyleIdx="1" presStyleCnt="3">
-        <dgm:presLayoutVars>
-          <dgm:bulletEnabled val="1"/>
-        </dgm:presLayoutVars>
-      </dgm:prSet>
-      <dgm:spPr/>
-    </dgm:pt>
-    <dgm:pt modelId="{C6ADFEC5-6A74-C54F-B4A5-C88C6CFAA528}" type="pres">
-      <dgm:prSet presAssocID="{EFDCADF5-49D9-4C0E-9269-FE065F3FB61F}" presName="sibTrans" presStyleCnt="0"/>
-      <dgm:spPr/>
-    </dgm:pt>
-    <dgm:pt modelId="{78AD606A-AAA1-5C46-8091-3E0C7BE7E769}" type="pres">
-      <dgm:prSet presAssocID="{B5B7440F-19C0-47FA-A819-C9FFDADCD365}" presName="node" presStyleLbl="node1" presStyleIdx="2" presStyleCnt="3">
-        <dgm:presLayoutVars>
-          <dgm:bulletEnabled val="1"/>
-        </dgm:presLayoutVars>
-      </dgm:prSet>
-      <dgm:spPr/>
-    </dgm:pt>
-  </dgm:ptLst>
-  <dgm:cxnLst>
-    <dgm:cxn modelId="{28317E2D-08D6-6F41-8E8A-96B94C5BD07C}" type="presOf" srcId="{41FCFAAB-7D6C-4AF1-A7DA-D41997A64567}" destId="{4E7C8030-DD47-0649-B861-1B661637147F}" srcOrd="0" destOrd="0" presId="urn:microsoft.com/office/officeart/2005/8/layout/default"/>
-    <dgm:cxn modelId="{30FA6F4D-099C-284B-B899-1B7655C7261C}" type="presOf" srcId="{380159C2-0A9E-40D9-9DB2-1B5B7AAED686}" destId="{CD431E1F-5D6D-3D4F-A108-A1D75063E398}" srcOrd="0" destOrd="0" presId="urn:microsoft.com/office/officeart/2005/8/layout/default"/>
-    <dgm:cxn modelId="{E6F8125D-15B7-464F-876B-B2D4DDCB6DBB}" srcId="{9E982C7D-0312-45E2-9937-C606B2676CBA}" destId="{41FCFAAB-7D6C-4AF1-A7DA-D41997A64567}" srcOrd="1" destOrd="0" parTransId="{86202BC1-4884-42DC-AD0A-0A11CAEB2C63}" sibTransId="{EFDCADF5-49D9-4C0E-9269-FE065F3FB61F}"/>
-    <dgm:cxn modelId="{ECCF9E63-20A6-401F-9CA8-812A017FA9D7}" srcId="{9E982C7D-0312-45E2-9937-C606B2676CBA}" destId="{B5B7440F-19C0-47FA-A819-C9FFDADCD365}" srcOrd="2" destOrd="0" parTransId="{B42969D7-8FE7-49E4-9451-E00F958511AF}" sibTransId="{90CB62FF-80A6-41B2-8CFA-79B105C10142}"/>
-    <dgm:cxn modelId="{74B2659D-30E1-F044-AE6E-F842A013E7D5}" type="presOf" srcId="{9E982C7D-0312-45E2-9937-C606B2676CBA}" destId="{87D4AFFD-A8A3-E24C-98DE-D1827B79445D}" srcOrd="0" destOrd="0" presId="urn:microsoft.com/office/officeart/2005/8/layout/default"/>
-    <dgm:cxn modelId="{8E2263C3-21C5-FE47-A401-5AC65D80EC42}" type="presOf" srcId="{B5B7440F-19C0-47FA-A819-C9FFDADCD365}" destId="{78AD606A-AAA1-5C46-8091-3E0C7BE7E769}" srcOrd="0" destOrd="0" presId="urn:microsoft.com/office/officeart/2005/8/layout/default"/>
-    <dgm:cxn modelId="{C99D0FE2-2C76-47DE-AE63-1DE650F000E5}" srcId="{9E982C7D-0312-45E2-9937-C606B2676CBA}" destId="{380159C2-0A9E-40D9-9DB2-1B5B7AAED686}" srcOrd="0" destOrd="0" parTransId="{1F24B112-C9E2-4CB4-A84F-404B229C4698}" sibTransId="{024E5A7E-CCE4-4FD6-929D-B8D80BC9B653}"/>
-    <dgm:cxn modelId="{8784A5A4-D35F-8349-86EA-4A48438B0CD0}" type="presParOf" srcId="{87D4AFFD-A8A3-E24C-98DE-D1827B79445D}" destId="{CD431E1F-5D6D-3D4F-A108-A1D75063E398}" srcOrd="0" destOrd="0" presId="urn:microsoft.com/office/officeart/2005/8/layout/default"/>
-    <dgm:cxn modelId="{209B5F52-410D-E446-B1CE-EDC17181D52A}" type="presParOf" srcId="{87D4AFFD-A8A3-E24C-98DE-D1827B79445D}" destId="{825B89A5-BB2D-A44E-AFF1-D4E16F7730E7}" srcOrd="1" destOrd="0" presId="urn:microsoft.com/office/officeart/2005/8/layout/default"/>
-    <dgm:cxn modelId="{0889EB7D-2731-0A40-A9B7-90B6722CA95E}" type="presParOf" srcId="{87D4AFFD-A8A3-E24C-98DE-D1827B79445D}" destId="{4E7C8030-DD47-0649-B861-1B661637147F}" srcOrd="2" destOrd="0" presId="urn:microsoft.com/office/officeart/2005/8/layout/default"/>
-    <dgm:cxn modelId="{DEA63B18-DC24-1D42-B309-FA1A5B98CFAA}" type="presParOf" srcId="{87D4AFFD-A8A3-E24C-98DE-D1827B79445D}" destId="{C6ADFEC5-6A74-C54F-B4A5-C88C6CFAA528}" srcOrd="3" destOrd="0" presId="urn:microsoft.com/office/officeart/2005/8/layout/default"/>
-    <dgm:cxn modelId="{9DD8A46D-7C62-134A-A801-42CE3B001E7D}" type="presParOf" srcId="{87D4AFFD-A8A3-E24C-98DE-D1827B79445D}" destId="{78AD606A-AAA1-5C46-8091-3E0C7BE7E769}" srcOrd="4" destOrd="0" presId="urn:microsoft.com/office/officeart/2005/8/layout/default"/>
-  </dgm:cxnLst>
-  <dgm:bg/>
-  <dgm:whole/>
-  <dgm:extLst>
-    <a:ext uri="http://schemas.microsoft.com/office/drawing/2008/diagram">
-      <dsp:dataModelExt xmlns:dsp="http://schemas.microsoft.com/office/drawing/2008/diagram" relId="rId6" minVer="http://schemas.openxmlformats.org/drawingml/2006/diagram"/>
-    </a:ext>
-  </dgm:extLst>
-</dgm:dataModel>
-</file>
-
-<file path=ppt/diagrams/data2.xml><?xml version="1.0" encoding="utf-8"?>
-<dgm:dataModel xmlns:dgm="http://schemas.openxmlformats.org/drawingml/2006/diagram" xmlns:a="http://schemas.openxmlformats.org/drawingml/2006/main">
-  <dgm:ptLst>
-    <dgm:pt modelId="{BB90E906-30D2-4388-90C9-44B8333D7762}" type="doc">
-      <dgm:prSet loTypeId="urn:microsoft.com/office/officeart/2005/8/layout/vList2" loCatId="list" qsTypeId="urn:microsoft.com/office/officeart/2005/8/quickstyle/simple1" qsCatId="simple" csTypeId="urn:microsoft.com/office/officeart/2005/8/colors/colorful2" csCatId="colorful" phldr="1"/>
-      <dgm:spPr/>
-      <dgm:t>
-        <a:bodyPr/>
-        <a:lstStyle/>
-        <a:p>
-          <a:endParaRPr lang="en-US"/>
-        </a:p>
-      </dgm:t>
-    </dgm:pt>
-    <dgm:pt modelId="{9F83366B-FABF-4046-823D-07B17806ED8A}">
-      <dgm:prSet custT="1"/>
-      <dgm:spPr/>
-      <dgm:t>
-        <a:bodyPr/>
-        <a:lstStyle/>
-        <a:p>
-          <a:r>
-            <a:rPr lang="en-US" sz="4400" dirty="0"/>
-            <a:t>Build on past experiences</a:t>
-          </a:r>
-        </a:p>
-      </dgm:t>
-    </dgm:pt>
-    <dgm:pt modelId="{551419A5-5EFF-4297-AF1C-6BF02ABB644F}" type="parTrans" cxnId="{B51C7487-442D-4B3B-867F-3B584BEB6372}">
-      <dgm:prSet/>
-      <dgm:spPr/>
-      <dgm:t>
-        <a:bodyPr/>
-        <a:lstStyle/>
-        <a:p>
-          <a:endParaRPr lang="en-US" sz="1400"/>
-        </a:p>
-      </dgm:t>
-    </dgm:pt>
-    <dgm:pt modelId="{24B165C7-54DD-40B0-8C50-92965B33E1AF}" type="sibTrans" cxnId="{B51C7487-442D-4B3B-867F-3B584BEB6372}">
-      <dgm:prSet/>
-      <dgm:spPr/>
-      <dgm:t>
-        <a:bodyPr/>
-        <a:lstStyle/>
-        <a:p>
-          <a:endParaRPr lang="en-US" sz="1400"/>
-        </a:p>
-      </dgm:t>
-    </dgm:pt>
-    <dgm:pt modelId="{B17BF49E-12B2-4799-B116-466D6E3787FB}">
-      <dgm:prSet custT="1"/>
-      <dgm:spPr/>
-      <dgm:t>
-        <a:bodyPr/>
-        <a:lstStyle/>
-        <a:p>
-          <a:r>
-            <a:rPr lang="en-US" sz="4400" dirty="0"/>
-            <a:t>Explore personas with ChatGPT</a:t>
-          </a:r>
-        </a:p>
-      </dgm:t>
-    </dgm:pt>
-    <dgm:pt modelId="{6FF20648-0005-47EE-B8A9-0206B3F47BE5}" type="parTrans" cxnId="{CE06B0D4-0368-4620-8DC0-81B6831FF588}">
-      <dgm:prSet/>
-      <dgm:spPr/>
-      <dgm:t>
-        <a:bodyPr/>
-        <a:lstStyle/>
-        <a:p>
-          <a:endParaRPr lang="en-US" sz="1400"/>
-        </a:p>
-      </dgm:t>
-    </dgm:pt>
-    <dgm:pt modelId="{457B8826-6F1B-4393-9223-93C4D0338B01}" type="sibTrans" cxnId="{CE06B0D4-0368-4620-8DC0-81B6831FF588}">
-      <dgm:prSet/>
-      <dgm:spPr/>
-      <dgm:t>
-        <a:bodyPr/>
-        <a:lstStyle/>
-        <a:p>
-          <a:endParaRPr lang="en-US" sz="1400"/>
-        </a:p>
-      </dgm:t>
-    </dgm:pt>
-    <dgm:pt modelId="{F01E5F51-850A-A24E-A4B6-48A681E60A5A}" type="pres">
-      <dgm:prSet presAssocID="{BB90E906-30D2-4388-90C9-44B8333D7762}" presName="linear" presStyleCnt="0">
-        <dgm:presLayoutVars>
-          <dgm:animLvl val="lvl"/>
-          <dgm:resizeHandles val="exact"/>
-        </dgm:presLayoutVars>
-      </dgm:prSet>
-      <dgm:spPr/>
-    </dgm:pt>
-    <dgm:pt modelId="{58A717C6-CCCF-804A-93F8-6A45463385F8}" type="pres">
-      <dgm:prSet presAssocID="{9F83366B-FABF-4046-823D-07B17806ED8A}" presName="parentText" presStyleLbl="node1" presStyleIdx="0" presStyleCnt="2">
-        <dgm:presLayoutVars>
-          <dgm:chMax val="0"/>
-          <dgm:bulletEnabled val="1"/>
-        </dgm:presLayoutVars>
-      </dgm:prSet>
-      <dgm:spPr/>
-    </dgm:pt>
-    <dgm:pt modelId="{B7A66E57-7DE9-4740-B47E-1A48D52ABD74}" type="pres">
-      <dgm:prSet presAssocID="{24B165C7-54DD-40B0-8C50-92965B33E1AF}" presName="spacer" presStyleCnt="0"/>
-      <dgm:spPr/>
-    </dgm:pt>
-    <dgm:pt modelId="{F4A4629A-FD07-D446-9CD6-18650108A78A}" type="pres">
-      <dgm:prSet presAssocID="{B17BF49E-12B2-4799-B116-466D6E3787FB}" presName="parentText" presStyleLbl="node1" presStyleIdx="1" presStyleCnt="2">
-        <dgm:presLayoutVars>
-          <dgm:chMax val="0"/>
-          <dgm:bulletEnabled val="1"/>
-        </dgm:presLayoutVars>
-      </dgm:prSet>
-      <dgm:spPr/>
-    </dgm:pt>
-  </dgm:ptLst>
-  <dgm:cxnLst>
-    <dgm:cxn modelId="{8210225B-00C4-8245-A0C5-7337722BFB57}" type="presOf" srcId="{9F83366B-FABF-4046-823D-07B17806ED8A}" destId="{58A717C6-CCCF-804A-93F8-6A45463385F8}" srcOrd="0" destOrd="0" presId="urn:microsoft.com/office/officeart/2005/8/layout/vList2"/>
-    <dgm:cxn modelId="{B51C7487-442D-4B3B-867F-3B584BEB6372}" srcId="{BB90E906-30D2-4388-90C9-44B8333D7762}" destId="{9F83366B-FABF-4046-823D-07B17806ED8A}" srcOrd="0" destOrd="0" parTransId="{551419A5-5EFF-4297-AF1C-6BF02ABB644F}" sibTransId="{24B165C7-54DD-40B0-8C50-92965B33E1AF}"/>
-    <dgm:cxn modelId="{6EDC89CD-091C-AB47-ADF4-FFD7BC9F6E10}" type="presOf" srcId="{BB90E906-30D2-4388-90C9-44B8333D7762}" destId="{F01E5F51-850A-A24E-A4B6-48A681E60A5A}" srcOrd="0" destOrd="0" presId="urn:microsoft.com/office/officeart/2005/8/layout/vList2"/>
-    <dgm:cxn modelId="{CE06B0D4-0368-4620-8DC0-81B6831FF588}" srcId="{BB90E906-30D2-4388-90C9-44B8333D7762}" destId="{B17BF49E-12B2-4799-B116-466D6E3787FB}" srcOrd="1" destOrd="0" parTransId="{6FF20648-0005-47EE-B8A9-0206B3F47BE5}" sibTransId="{457B8826-6F1B-4393-9223-93C4D0338B01}"/>
-    <dgm:cxn modelId="{B79C92EE-DEBB-E74F-B876-8AD1CE0DF372}" type="presOf" srcId="{B17BF49E-12B2-4799-B116-466D6E3787FB}" destId="{F4A4629A-FD07-D446-9CD6-18650108A78A}" srcOrd="0" destOrd="0" presId="urn:microsoft.com/office/officeart/2005/8/layout/vList2"/>
-    <dgm:cxn modelId="{4709A76E-BE58-8548-846D-352EE498CC68}" type="presParOf" srcId="{F01E5F51-850A-A24E-A4B6-48A681E60A5A}" destId="{58A717C6-CCCF-804A-93F8-6A45463385F8}" srcOrd="0" destOrd="0" presId="urn:microsoft.com/office/officeart/2005/8/layout/vList2"/>
-    <dgm:cxn modelId="{2C95F673-5847-684B-AB94-70A49E9961BB}" type="presParOf" srcId="{F01E5F51-850A-A24E-A4B6-48A681E60A5A}" destId="{B7A66E57-7DE9-4740-B47E-1A48D52ABD74}" srcOrd="1" destOrd="0" presId="urn:microsoft.com/office/officeart/2005/8/layout/vList2"/>
-    <dgm:cxn modelId="{61A111C4-574D-EF4B-83D3-855D648545E6}" type="presParOf" srcId="{F01E5F51-850A-A24E-A4B6-48A681E60A5A}" destId="{F4A4629A-FD07-D446-9CD6-18650108A78A}" srcOrd="2" destOrd="0" presId="urn:microsoft.com/office/officeart/2005/8/layout/vList2"/>
-  </dgm:cxnLst>
-  <dgm:bg/>
-  <dgm:whole/>
-  <dgm:extLst>
-    <a:ext uri="http://schemas.microsoft.com/office/drawing/2008/diagram">
-      <dsp:dataModelExt xmlns:dsp="http://schemas.microsoft.com/office/drawing/2008/diagram" relId="rId6" minVer="http://schemas.openxmlformats.org/drawingml/2006/diagram"/>
-    </a:ext>
-  </dgm:extLst>
-</dgm:dataModel>
-</file>
-
-<file path=ppt/diagrams/data3.xml><?xml version="1.0" encoding="utf-8"?>
 <dgm:dataModel xmlns:dgm="http://schemas.openxmlformats.org/drawingml/2006/diagram" xmlns:a="http://schemas.openxmlformats.org/drawingml/2006/main">
   <dgm:ptLst>
     <dgm:pt modelId="{0F2786A8-B834-42AC-BFDE-09BC240CAC86}" type="doc">
@@ -9329,7 +6960,7 @@
 </dgm:dataModel>
 </file>
 
-<file path=ppt/diagrams/data4.xml><?xml version="1.0" encoding="utf-8"?>
+<file path=ppt/diagrams/data2.xml><?xml version="1.0" encoding="utf-8"?>
 <dgm:dataModel xmlns:dgm="http://schemas.openxmlformats.org/drawingml/2006/diagram" xmlns:a="http://schemas.openxmlformats.org/drawingml/2006/main">
   <dgm:ptLst>
     <dgm:pt modelId="{A6C62296-4C18-480B-8C37-040442C558A1}" type="doc">
@@ -9570,7 +7201,7 @@
 </dgm:dataModel>
 </file>
 
-<file path=ppt/diagrams/data5.xml><?xml version="1.0" encoding="utf-8"?>
+<file path=ppt/diagrams/data3.xml><?xml version="1.0" encoding="utf-8"?>
 <dgm:dataModel xmlns:dgm="http://schemas.openxmlformats.org/drawingml/2006/diagram" xmlns:a="http://schemas.openxmlformats.org/drawingml/2006/main">
   <dgm:ptLst>
     <dgm:pt modelId="{95A247BD-CBA1-446F-B0A7-9E676209D104}" type="doc">
@@ -9758,7 +7389,7 @@
 </dgm:dataModel>
 </file>
 
-<file path=ppt/diagrams/data6.xml><?xml version="1.0" encoding="utf-8"?>
+<file path=ppt/diagrams/data4.xml><?xml version="1.0" encoding="utf-8"?>
 <dgm:dataModel xmlns:dgm="http://schemas.openxmlformats.org/drawingml/2006/diagram" xmlns:a="http://schemas.openxmlformats.org/drawingml/2006/main">
   <dgm:ptLst>
     <dgm:pt modelId="{6E927E25-F128-4D7A-927F-0FBC621037F0}" type="doc">
@@ -9896,7 +7527,7 @@
 </dgm:dataModel>
 </file>
 
-<file path=ppt/diagrams/data7.xml><?xml version="1.0" encoding="utf-8"?>
+<file path=ppt/diagrams/data5.xml><?xml version="1.0" encoding="utf-8"?>
 <dgm:dataModel xmlns:dgm="http://schemas.openxmlformats.org/drawingml/2006/diagram" xmlns:a="http://schemas.openxmlformats.org/drawingml/2006/main">
   <dgm:ptLst>
     <dgm:pt modelId="{B55AA218-55BC-4F9B-A565-44D634653E4D}" type="doc">
@@ -10137,7 +7768,7 @@
 </dgm:dataModel>
 </file>
 
-<file path=ppt/diagrams/data8.xml><?xml version="1.0" encoding="utf-8"?>
+<file path=ppt/diagrams/data6.xml><?xml version="1.0" encoding="utf-8"?>
 <dgm:dataModel xmlns:dgm="http://schemas.openxmlformats.org/drawingml/2006/diagram" xmlns:a="http://schemas.openxmlformats.org/drawingml/2006/main">
   <dgm:ptLst>
     <dgm:pt modelId="{2F316C60-90D7-445E-95F4-620BBB78A1E9}" type="doc">
@@ -10608,7 +8239,7 @@
 </dgm:dataModel>
 </file>
 
-<file path=ppt/diagrams/data9.xml><?xml version="1.0" encoding="utf-8"?>
+<file path=ppt/diagrams/data7.xml><?xml version="1.0" encoding="utf-8"?>
 <dgm:dataModel xmlns:dgm="http://schemas.openxmlformats.org/drawingml/2006/diagram" xmlns:a="http://schemas.openxmlformats.org/drawingml/2006/main">
   <dgm:ptLst>
     <dgm:pt modelId="{0AABB347-1E63-4F2C-AED9-7CDCBE28516F}" type="doc">
@@ -10796,905 +8427,195 @@
 </dgm:dataModel>
 </file>
 
-<file path=ppt/diagrams/drawing1.xml><?xml version="1.0" encoding="utf-8"?>
-<dsp:drawing xmlns:dgm="http://schemas.openxmlformats.org/drawingml/2006/diagram" xmlns:dsp="http://schemas.microsoft.com/office/drawing/2008/diagram" xmlns:a="http://schemas.openxmlformats.org/drawingml/2006/main">
-  <dsp:spTree>
-    <dsp:nvGrpSpPr>
-      <dsp:cNvPr id="0" name=""/>
-      <dsp:cNvGrpSpPr/>
-    </dsp:nvGrpSpPr>
-    <dsp:grpSpPr/>
-    <dsp:sp modelId="{6C8611AC-D687-45DC-8500-F4C76EF98BDD}">
-      <dsp:nvSpPr>
-        <dsp:cNvPr id="0" name=""/>
-        <dsp:cNvSpPr/>
-      </dsp:nvSpPr>
-      <dsp:spPr>
-        <a:xfrm>
-          <a:off x="0" y="531"/>
-          <a:ext cx="7886700" cy="1244702"/>
-        </a:xfrm>
-        <a:prstGeom prst="roundRect">
-          <a:avLst>
-            <a:gd name="adj" fmla="val 10000"/>
-          </a:avLst>
-        </a:prstGeom>
-        <a:solidFill>
-          <a:schemeClr val="accent2">
-            <a:hueOff val="0"/>
-            <a:satOff val="0"/>
-            <a:lumOff val="0"/>
-            <a:alphaOff val="0"/>
-          </a:schemeClr>
-        </a:solidFill>
-        <a:ln>
-          <a:noFill/>
-        </a:ln>
-        <a:effectLst/>
-      </dsp:spPr>
-      <dsp:style>
-        <a:lnRef idx="0">
-          <a:scrgbClr r="0" g="0" b="0"/>
-        </a:lnRef>
-        <a:fillRef idx="1">
-          <a:scrgbClr r="0" g="0" b="0"/>
-        </a:fillRef>
-        <a:effectRef idx="0">
-          <a:scrgbClr r="0" g="0" b="0"/>
-        </a:effectRef>
-        <a:fontRef idx="minor"/>
-      </dsp:style>
-    </dsp:sp>
-    <dsp:sp modelId="{E004210F-E2A8-4E9B-97EA-D12219D7EB52}">
-      <dsp:nvSpPr>
-        <dsp:cNvPr id="0" name=""/>
-        <dsp:cNvSpPr/>
-      </dsp:nvSpPr>
-      <dsp:spPr>
-        <a:xfrm>
-          <a:off x="376522" y="280590"/>
-          <a:ext cx="684586" cy="684586"/>
-        </a:xfrm>
-        <a:prstGeom prst="rect">
-          <a:avLst/>
-        </a:prstGeom>
-        <a:blipFill>
-          <a:blip xmlns:r="http://schemas.openxmlformats.org/officeDocument/2006/relationships" r:embed="rId1">
-            <a:extLst>
-              <a:ext uri="{28A0092B-C50C-407E-A947-70E740481C1C}">
-                <a14:useLocalDpi xmlns:a14="http://schemas.microsoft.com/office/drawing/2010/main" val="0"/>
-              </a:ext>
-              <a:ext uri="{96DAC541-7B7A-43D3-8B79-37D633B846F1}">
-                <asvg:svgBlip xmlns:asvg="http://schemas.microsoft.com/office/drawing/2016/SVG/main" r:embed="rId2"/>
-              </a:ext>
-            </a:extLst>
-          </a:blip>
-          <a:stretch>
-            <a:fillRect/>
-          </a:stretch>
-        </a:blipFill>
-        <a:ln w="25400" cap="flat" cmpd="sng" algn="ctr">
-          <a:noFill/>
-          <a:prstDash val="solid"/>
-        </a:ln>
-        <a:effectLst/>
-      </dsp:spPr>
-      <dsp:style>
-        <a:lnRef idx="2">
-          <a:scrgbClr r="0" g="0" b="0"/>
-        </a:lnRef>
-        <a:fillRef idx="1">
-          <a:scrgbClr r="0" g="0" b="0"/>
-        </a:fillRef>
-        <a:effectRef idx="0">
-          <a:scrgbClr r="0" g="0" b="0"/>
-        </a:effectRef>
-        <a:fontRef idx="minor">
-          <a:schemeClr val="lt1"/>
-        </a:fontRef>
-      </dsp:style>
-    </dsp:sp>
-    <dsp:sp modelId="{D133DF99-C01C-4C30-802B-BA16B73031B1}">
-      <dsp:nvSpPr>
-        <dsp:cNvPr id="0" name=""/>
-        <dsp:cNvSpPr/>
-      </dsp:nvSpPr>
-      <dsp:spPr>
-        <a:xfrm>
-          <a:off x="1437631" y="531"/>
-          <a:ext cx="6449068" cy="1244702"/>
-        </a:xfrm>
-        <a:prstGeom prst="rect">
-          <a:avLst/>
-        </a:prstGeom>
-        <a:noFill/>
-        <a:ln>
-          <a:noFill/>
-        </a:ln>
-        <a:effectLst/>
-      </dsp:spPr>
-      <dsp:style>
-        <a:lnRef idx="0">
-          <a:scrgbClr r="0" g="0" b="0"/>
-        </a:lnRef>
-        <a:fillRef idx="0">
-          <a:scrgbClr r="0" g="0" b="0"/>
-        </a:fillRef>
-        <a:effectRef idx="0">
-          <a:scrgbClr r="0" g="0" b="0"/>
-        </a:effectRef>
-        <a:fontRef idx="minor"/>
-      </dsp:style>
-      <dsp:txBody>
-        <a:bodyPr spcFirstLastPara="0" vert="horz" wrap="square" lIns="131731" tIns="131731" rIns="131731" bIns="131731" numCol="1" spcCol="1270" anchor="ctr" anchorCtr="0">
-          <a:noAutofit/>
-        </a:bodyPr>
+<file path=ppt/diagrams/data8.xml><?xml version="1.0" encoding="utf-8"?>
+<dgm:dataModel xmlns:dgm="http://schemas.openxmlformats.org/drawingml/2006/diagram" xmlns:a="http://schemas.openxmlformats.org/drawingml/2006/main">
+  <dgm:ptLst>
+    <dgm:pt modelId="{9E982C7D-0312-45E2-9937-C606B2676CBA}" type="doc">
+      <dgm:prSet loTypeId="urn:microsoft.com/office/officeart/2005/8/layout/default" loCatId="list" qsTypeId="urn:microsoft.com/office/officeart/2005/8/quickstyle/simple1" qsCatId="simple" csTypeId="urn:microsoft.com/office/officeart/2005/8/colors/colorful2" csCatId="colorful" phldr="1"/>
+      <dgm:spPr/>
+      <dgm:t>
+        <a:bodyPr/>
         <a:lstStyle/>
         <a:p>
-          <a:pPr marL="0" lvl="0" indent="0" algn="l" defTabSz="1111250">
-            <a:lnSpc>
-              <a:spcPct val="90000"/>
-            </a:lnSpc>
-            <a:spcBef>
-              <a:spcPct val="0"/>
-            </a:spcBef>
-            <a:spcAft>
-              <a:spcPct val="35000"/>
-            </a:spcAft>
-            <a:buNone/>
-          </a:pPr>
-          <a:r>
-            <a:rPr lang="en-US" sz="2500" kern="1200" dirty="0"/>
-            <a:t>Introduced generative AI tools in the capstone course</a:t>
-          </a:r>
+          <a:endParaRPr lang="en-US"/>
         </a:p>
-      </dsp:txBody>
-      <dsp:txXfrm>
-        <a:off x="1437631" y="531"/>
-        <a:ext cx="6449068" cy="1244702"/>
-      </dsp:txXfrm>
-    </dsp:sp>
-    <dsp:sp modelId="{F61F3676-5969-4527-8AF9-B844F043D3D3}">
-      <dsp:nvSpPr>
-        <dsp:cNvPr id="0" name=""/>
-        <dsp:cNvSpPr/>
-      </dsp:nvSpPr>
-      <dsp:spPr>
-        <a:xfrm>
-          <a:off x="0" y="1556410"/>
-          <a:ext cx="7886700" cy="1244702"/>
-        </a:xfrm>
-        <a:prstGeom prst="roundRect">
-          <a:avLst>
-            <a:gd name="adj" fmla="val 10000"/>
-          </a:avLst>
-        </a:prstGeom>
-        <a:solidFill>
-          <a:schemeClr val="accent3">
-            <a:hueOff val="0"/>
-            <a:satOff val="0"/>
-            <a:lumOff val="0"/>
-            <a:alphaOff val="0"/>
-          </a:schemeClr>
-        </a:solidFill>
-        <a:ln>
-          <a:noFill/>
-        </a:ln>
-        <a:effectLst/>
-      </dsp:spPr>
-      <dsp:style>
-        <a:lnRef idx="0">
-          <a:scrgbClr r="0" g="0" b="0"/>
-        </a:lnRef>
-        <a:fillRef idx="1">
-          <a:scrgbClr r="0" g="0" b="0"/>
-        </a:fillRef>
-        <a:effectRef idx="0">
-          <a:scrgbClr r="0" g="0" b="0"/>
-        </a:effectRef>
-        <a:fontRef idx="minor"/>
-      </dsp:style>
-    </dsp:sp>
-    <dsp:sp modelId="{04F0A8F8-F393-470F-8CBC-1CAC9E44DF33}">
-      <dsp:nvSpPr>
-        <dsp:cNvPr id="0" name=""/>
-        <dsp:cNvSpPr/>
-      </dsp:nvSpPr>
-      <dsp:spPr>
-        <a:xfrm>
-          <a:off x="376522" y="1836468"/>
-          <a:ext cx="684586" cy="684586"/>
-        </a:xfrm>
-        <a:prstGeom prst="rect">
-          <a:avLst/>
-        </a:prstGeom>
-        <a:blipFill>
-          <a:blip xmlns:r="http://schemas.openxmlformats.org/officeDocument/2006/relationships" r:embed="rId3">
-            <a:extLst>
-              <a:ext uri="{28A0092B-C50C-407E-A947-70E740481C1C}">
-                <a14:useLocalDpi xmlns:a14="http://schemas.microsoft.com/office/drawing/2010/main" val="0"/>
-              </a:ext>
-              <a:ext uri="{96DAC541-7B7A-43D3-8B79-37D633B846F1}">
-                <asvg:svgBlip xmlns:asvg="http://schemas.microsoft.com/office/drawing/2016/SVG/main" r:embed="rId4"/>
-              </a:ext>
-            </a:extLst>
-          </a:blip>
-          <a:stretch>
-            <a:fillRect/>
-          </a:stretch>
-        </a:blipFill>
-        <a:ln w="25400" cap="flat" cmpd="sng" algn="ctr">
-          <a:noFill/>
-          <a:prstDash val="solid"/>
-        </a:ln>
-        <a:effectLst/>
-      </dsp:spPr>
-      <dsp:style>
-        <a:lnRef idx="2">
-          <a:scrgbClr r="0" g="0" b="0"/>
-        </a:lnRef>
-        <a:fillRef idx="1">
-          <a:scrgbClr r="0" g="0" b="0"/>
-        </a:fillRef>
-        <a:effectRef idx="0">
-          <a:scrgbClr r="0" g="0" b="0"/>
-        </a:effectRef>
-        <a:fontRef idx="minor">
-          <a:schemeClr val="lt1"/>
-        </a:fontRef>
-      </dsp:style>
-    </dsp:sp>
-    <dsp:sp modelId="{A5A03BD4-D8EB-4968-8B7D-008E0DF3FCB6}">
-      <dsp:nvSpPr>
-        <dsp:cNvPr id="0" name=""/>
-        <dsp:cNvSpPr/>
-      </dsp:nvSpPr>
-      <dsp:spPr>
-        <a:xfrm>
-          <a:off x="1437631" y="1556410"/>
-          <a:ext cx="6449068" cy="1244702"/>
-        </a:xfrm>
-        <a:prstGeom prst="rect">
-          <a:avLst/>
-        </a:prstGeom>
-        <a:noFill/>
-        <a:ln>
-          <a:noFill/>
-        </a:ln>
-        <a:effectLst/>
-      </dsp:spPr>
-      <dsp:style>
-        <a:lnRef idx="0">
-          <a:scrgbClr r="0" g="0" b="0"/>
-        </a:lnRef>
-        <a:fillRef idx="0">
-          <a:scrgbClr r="0" g="0" b="0"/>
-        </a:fillRef>
-        <a:effectRef idx="0">
-          <a:scrgbClr r="0" g="0" b="0"/>
-        </a:effectRef>
-        <a:fontRef idx="minor"/>
-      </dsp:style>
-      <dsp:txBody>
-        <a:bodyPr spcFirstLastPara="0" vert="horz" wrap="square" lIns="131731" tIns="131731" rIns="131731" bIns="131731" numCol="1" spcCol="1270" anchor="ctr" anchorCtr="0">
-          <a:noAutofit/>
-        </a:bodyPr>
+      </dgm:t>
+    </dgm:pt>
+    <dgm:pt modelId="{380159C2-0A9E-40D9-9DB2-1B5B7AAED686}">
+      <dgm:prSet/>
+      <dgm:spPr/>
+      <dgm:t>
+        <a:bodyPr/>
         <a:lstStyle/>
         <a:p>
-          <a:pPr marL="0" lvl="0" indent="0" algn="l" defTabSz="1111250">
-            <a:lnSpc>
-              <a:spcPct val="90000"/>
-            </a:lnSpc>
-            <a:spcBef>
-              <a:spcPct val="0"/>
-            </a:spcBef>
-            <a:spcAft>
-              <a:spcPct val="35000"/>
-            </a:spcAft>
-            <a:buNone/>
-          </a:pPr>
           <a:r>
-            <a:rPr lang="en-US" sz="2500" kern="1200" dirty="0"/>
-            <a:t>We experimented with ChatGPT and GitHub Copilot</a:t>
-          </a:r>
-        </a:p>
-      </dsp:txBody>
-      <dsp:txXfrm>
-        <a:off x="1437631" y="1556410"/>
-        <a:ext cx="6449068" cy="1244702"/>
-      </dsp:txXfrm>
-    </dsp:sp>
-    <dsp:sp modelId="{A709B498-4B25-4F54-9EB2-0FF5475835B9}">
-      <dsp:nvSpPr>
-        <dsp:cNvPr id="0" name=""/>
-        <dsp:cNvSpPr/>
-      </dsp:nvSpPr>
-      <dsp:spPr>
-        <a:xfrm>
-          <a:off x="0" y="3112289"/>
-          <a:ext cx="7886700" cy="1244702"/>
-        </a:xfrm>
-        <a:prstGeom prst="roundRect">
-          <a:avLst>
-            <a:gd name="adj" fmla="val 10000"/>
-          </a:avLst>
-        </a:prstGeom>
-        <a:solidFill>
-          <a:schemeClr val="accent4">
-            <a:hueOff val="0"/>
-            <a:satOff val="0"/>
-            <a:lumOff val="0"/>
-            <a:alphaOff val="0"/>
-          </a:schemeClr>
-        </a:solidFill>
-        <a:ln>
-          <a:noFill/>
-        </a:ln>
-        <a:effectLst/>
-      </dsp:spPr>
-      <dsp:style>
-        <a:lnRef idx="0">
-          <a:scrgbClr r="0" g="0" b="0"/>
-        </a:lnRef>
-        <a:fillRef idx="1">
-          <a:scrgbClr r="0" g="0" b="0"/>
-        </a:fillRef>
-        <a:effectRef idx="0">
-          <a:scrgbClr r="0" g="0" b="0"/>
-        </a:effectRef>
-        <a:fontRef idx="minor"/>
-      </dsp:style>
-    </dsp:sp>
-    <dsp:sp modelId="{E6EE22D1-1950-4509-9044-FF3A3CEB79BD}">
-      <dsp:nvSpPr>
-        <dsp:cNvPr id="0" name=""/>
-        <dsp:cNvSpPr/>
-      </dsp:nvSpPr>
-      <dsp:spPr>
-        <a:xfrm>
-          <a:off x="376522" y="3392347"/>
-          <a:ext cx="684586" cy="684586"/>
-        </a:xfrm>
-        <a:prstGeom prst="rect">
-          <a:avLst/>
-        </a:prstGeom>
-        <a:blipFill>
-          <a:blip xmlns:r="http://schemas.openxmlformats.org/officeDocument/2006/relationships" r:embed="rId5">
-            <a:extLst>
-              <a:ext uri="{28A0092B-C50C-407E-A947-70E740481C1C}">
-                <a14:useLocalDpi xmlns:a14="http://schemas.microsoft.com/office/drawing/2010/main" val="0"/>
-              </a:ext>
-              <a:ext uri="{96DAC541-7B7A-43D3-8B79-37D633B846F1}">
-                <asvg:svgBlip xmlns:asvg="http://schemas.microsoft.com/office/drawing/2016/SVG/main" r:embed="rId6"/>
-              </a:ext>
-            </a:extLst>
-          </a:blip>
-          <a:stretch>
-            <a:fillRect/>
-          </a:stretch>
-        </a:blipFill>
-        <a:ln w="25400" cap="flat" cmpd="sng" algn="ctr">
-          <a:noFill/>
-          <a:prstDash val="solid"/>
-        </a:ln>
-        <a:effectLst/>
-      </dsp:spPr>
-      <dsp:style>
-        <a:lnRef idx="2">
-          <a:scrgbClr r="0" g="0" b="0"/>
-        </a:lnRef>
-        <a:fillRef idx="1">
-          <a:scrgbClr r="0" g="0" b="0"/>
-        </a:fillRef>
-        <a:effectRef idx="0">
-          <a:scrgbClr r="0" g="0" b="0"/>
-        </a:effectRef>
-        <a:fontRef idx="minor">
-          <a:schemeClr val="lt1"/>
-        </a:fontRef>
-      </dsp:style>
-    </dsp:sp>
-    <dsp:sp modelId="{DE80CF49-F07B-4967-AC30-712903447620}">
-      <dsp:nvSpPr>
-        <dsp:cNvPr id="0" name=""/>
-        <dsp:cNvSpPr/>
-      </dsp:nvSpPr>
-      <dsp:spPr>
-        <a:xfrm>
-          <a:off x="1437631" y="3112289"/>
-          <a:ext cx="6449068" cy="1244702"/>
-        </a:xfrm>
-        <a:prstGeom prst="rect">
-          <a:avLst/>
-        </a:prstGeom>
-        <a:noFill/>
-        <a:ln>
-          <a:noFill/>
-        </a:ln>
-        <a:effectLst/>
-      </dsp:spPr>
-      <dsp:style>
-        <a:lnRef idx="0">
-          <a:scrgbClr r="0" g="0" b="0"/>
-        </a:lnRef>
-        <a:fillRef idx="0">
-          <a:scrgbClr r="0" g="0" b="0"/>
-        </a:fillRef>
-        <a:effectRef idx="0">
-          <a:scrgbClr r="0" g="0" b="0"/>
-        </a:effectRef>
-        <a:fontRef idx="minor"/>
-      </dsp:style>
-      <dsp:txBody>
-        <a:bodyPr spcFirstLastPara="0" vert="horz" wrap="square" lIns="131731" tIns="131731" rIns="131731" bIns="131731" numCol="1" spcCol="1270" anchor="ctr" anchorCtr="0">
-          <a:noAutofit/>
-        </a:bodyPr>
-        <a:lstStyle/>
-        <a:p>
-          <a:pPr marL="0" lvl="0" indent="0" algn="l" defTabSz="1111250">
-            <a:lnSpc>
-              <a:spcPct val="90000"/>
-            </a:lnSpc>
-            <a:spcBef>
-              <a:spcPct val="0"/>
-            </a:spcBef>
-            <a:spcAft>
-              <a:spcPct val="35000"/>
-            </a:spcAft>
-            <a:buNone/>
-          </a:pPr>
-          <a:r>
-            <a:rPr lang="en-US" sz="2500" kern="1200" dirty="0"/>
-            <a:t>Summary of observations:</a:t>
-          </a:r>
-          <a:endParaRPr lang="en-US" sz="2500" kern="1200" dirty="0">
-            <a:hlinkClick xmlns:r="http://schemas.openxmlformats.org/officeDocument/2006/relationships" r:id="rId7"/>
-          </a:endParaRPr>
-        </a:p>
-        <a:p>
-          <a:pPr marL="0" lvl="0" indent="0" algn="l" defTabSz="1111250">
-            <a:lnSpc>
-              <a:spcPct val="90000"/>
-            </a:lnSpc>
-            <a:spcBef>
-              <a:spcPct val="0"/>
-            </a:spcBef>
-            <a:spcAft>
-              <a:spcPct val="35000"/>
-            </a:spcAft>
-            <a:buNone/>
-          </a:pPr>
-          <a:r>
-            <a:rPr lang="en-US" sz="2500" kern="1200" dirty="0">
-              <a:hlinkClick xmlns:r="http://schemas.openxmlformats.org/officeDocument/2006/relationships" r:id="rId7"/>
-            </a:rPr>
-            <a:t>Embracing Generative AI Tools for Capstone</a:t>
-          </a:r>
-          <a:r>
-            <a:rPr lang="en-US" sz="2500" kern="1200" dirty="0"/>
-            <a:t>  </a:t>
-          </a:r>
-        </a:p>
-      </dsp:txBody>
-      <dsp:txXfrm>
-        <a:off x="1437631" y="3112289"/>
-        <a:ext cx="6449068" cy="1244702"/>
-      </dsp:txXfrm>
-    </dsp:sp>
-  </dsp:spTree>
-</dsp:drawing>
-</file>
-
-<file path=ppt/diagrams/drawing10.xml><?xml version="1.0" encoding="utf-8"?>
-<dsp:drawing xmlns:dgm="http://schemas.openxmlformats.org/drawingml/2006/diagram" xmlns:dsp="http://schemas.microsoft.com/office/drawing/2008/diagram" xmlns:a="http://schemas.openxmlformats.org/drawingml/2006/main">
-  <dsp:spTree>
-    <dsp:nvGrpSpPr>
-      <dsp:cNvPr id="0" name=""/>
-      <dsp:cNvGrpSpPr/>
-    </dsp:nvGrpSpPr>
-    <dsp:grpSpPr/>
-    <dsp:sp modelId="{CD431E1F-5D6D-3D4F-A108-A1D75063E398}">
-      <dsp:nvSpPr>
-        <dsp:cNvPr id="0" name=""/>
-        <dsp:cNvSpPr/>
-      </dsp:nvSpPr>
-      <dsp:spPr>
-        <a:xfrm>
-          <a:off x="757092" y="1992"/>
-          <a:ext cx="3034531" cy="1820718"/>
-        </a:xfrm>
-        <a:prstGeom prst="rect">
-          <a:avLst/>
-        </a:prstGeom>
-        <a:solidFill>
-          <a:schemeClr val="accent2">
-            <a:hueOff val="0"/>
-            <a:satOff val="0"/>
-            <a:lumOff val="0"/>
-            <a:alphaOff val="0"/>
-          </a:schemeClr>
-        </a:solidFill>
-        <a:ln w="25400" cap="flat" cmpd="sng" algn="ctr">
-          <a:solidFill>
-            <a:schemeClr val="lt1">
-              <a:hueOff val="0"/>
-              <a:satOff val="0"/>
-              <a:lumOff val="0"/>
-              <a:alphaOff val="0"/>
-            </a:schemeClr>
-          </a:solidFill>
-          <a:prstDash val="solid"/>
-        </a:ln>
-        <a:effectLst/>
-      </dsp:spPr>
-      <dsp:style>
-        <a:lnRef idx="2">
-          <a:scrgbClr r="0" g="0" b="0"/>
-        </a:lnRef>
-        <a:fillRef idx="1">
-          <a:scrgbClr r="0" g="0" b="0"/>
-        </a:fillRef>
-        <a:effectRef idx="0">
-          <a:scrgbClr r="0" g="0" b="0"/>
-        </a:effectRef>
-        <a:fontRef idx="minor">
-          <a:schemeClr val="lt1"/>
-        </a:fontRef>
-      </dsp:style>
-      <dsp:txBody>
-        <a:bodyPr spcFirstLastPara="0" vert="horz" wrap="square" lIns="87630" tIns="87630" rIns="87630" bIns="87630" numCol="1" spcCol="1270" anchor="ctr" anchorCtr="0">
-          <a:noAutofit/>
-        </a:bodyPr>
-        <a:lstStyle/>
-        <a:p>
-          <a:pPr marL="0" lvl="0" indent="0" algn="ctr" defTabSz="1022350">
-            <a:lnSpc>
-              <a:spcPct val="90000"/>
-            </a:lnSpc>
-            <a:spcBef>
-              <a:spcPct val="0"/>
-            </a:spcBef>
-            <a:spcAft>
-              <a:spcPct val="35000"/>
-            </a:spcAft>
-            <a:buNone/>
-          </a:pPr>
-          <a:r>
-            <a:rPr lang="en-US" sz="2300" kern="1200"/>
+            <a:rPr lang="en-US"/>
             <a:t>We will embrace generative AI tools in this course</a:t>
           </a:r>
         </a:p>
-      </dsp:txBody>
-      <dsp:txXfrm>
-        <a:off x="757092" y="1992"/>
-        <a:ext cx="3034531" cy="1820718"/>
-      </dsp:txXfrm>
-    </dsp:sp>
-    <dsp:sp modelId="{4E7C8030-DD47-0649-B861-1B661637147F}">
-      <dsp:nvSpPr>
-        <dsp:cNvPr id="0" name=""/>
-        <dsp:cNvSpPr/>
-      </dsp:nvSpPr>
-      <dsp:spPr>
-        <a:xfrm>
-          <a:off x="4095076" y="1992"/>
-          <a:ext cx="3034531" cy="1820718"/>
-        </a:xfrm>
-        <a:prstGeom prst="rect">
-          <a:avLst/>
-        </a:prstGeom>
-        <a:solidFill>
-          <a:schemeClr val="accent2">
-            <a:hueOff val="2340760"/>
-            <a:satOff val="-2919"/>
-            <a:lumOff val="686"/>
-            <a:alphaOff val="0"/>
-          </a:schemeClr>
-        </a:solidFill>
-        <a:ln w="25400" cap="flat" cmpd="sng" algn="ctr">
-          <a:solidFill>
-            <a:schemeClr val="lt1">
-              <a:hueOff val="0"/>
-              <a:satOff val="0"/>
-              <a:lumOff val="0"/>
-              <a:alphaOff val="0"/>
-            </a:schemeClr>
-          </a:solidFill>
-          <a:prstDash val="solid"/>
-        </a:ln>
-        <a:effectLst/>
-      </dsp:spPr>
-      <dsp:style>
-        <a:lnRef idx="2">
-          <a:scrgbClr r="0" g="0" b="0"/>
-        </a:lnRef>
-        <a:fillRef idx="1">
-          <a:scrgbClr r="0" g="0" b="0"/>
-        </a:fillRef>
-        <a:effectRef idx="0">
-          <a:scrgbClr r="0" g="0" b="0"/>
-        </a:effectRef>
-        <a:fontRef idx="minor">
-          <a:schemeClr val="lt1"/>
-        </a:fontRef>
-      </dsp:style>
-      <dsp:txBody>
-        <a:bodyPr spcFirstLastPara="0" vert="horz" wrap="square" lIns="87630" tIns="87630" rIns="87630" bIns="87630" numCol="1" spcCol="1270" anchor="ctr" anchorCtr="0">
-          <a:noAutofit/>
-        </a:bodyPr>
+      </dgm:t>
+    </dgm:pt>
+    <dgm:pt modelId="{1F24B112-C9E2-4CB4-A84F-404B229C4698}" type="parTrans" cxnId="{C99D0FE2-2C76-47DE-AE63-1DE650F000E5}">
+      <dgm:prSet/>
+      <dgm:spPr/>
+      <dgm:t>
+        <a:bodyPr/>
         <a:lstStyle/>
         <a:p>
-          <a:pPr marL="0" lvl="0" indent="0" algn="ctr" defTabSz="1022350">
-            <a:lnSpc>
-              <a:spcPct val="90000"/>
-            </a:lnSpc>
-            <a:spcBef>
-              <a:spcPct val="0"/>
-            </a:spcBef>
-            <a:spcAft>
-              <a:spcPct val="35000"/>
-            </a:spcAft>
-            <a:buNone/>
-          </a:pPr>
+          <a:endParaRPr lang="en-US"/>
+        </a:p>
+      </dgm:t>
+    </dgm:pt>
+    <dgm:pt modelId="{024E5A7E-CCE4-4FD6-929D-B8D80BC9B653}" type="sibTrans" cxnId="{C99D0FE2-2C76-47DE-AE63-1DE650F000E5}">
+      <dgm:prSet/>
+      <dgm:spPr/>
+      <dgm:t>
+        <a:bodyPr/>
+        <a:lstStyle/>
+        <a:p>
+          <a:endParaRPr lang="en-US"/>
+        </a:p>
+      </dgm:t>
+    </dgm:pt>
+    <dgm:pt modelId="{41FCFAAB-7D6C-4AF1-A7DA-D41997A64567}">
+      <dgm:prSet/>
+      <dgm:spPr/>
+      <dgm:t>
+        <a:bodyPr/>
+        <a:lstStyle/>
+        <a:p>
           <a:r>
-            <a:rPr lang="en-US" sz="2300" kern="1200" dirty="0"/>
+            <a:rPr lang="en-US" dirty="0"/>
             <a:t>You must take responsibility for the content of your papers &amp; presentations </a:t>
           </a:r>
         </a:p>
-      </dsp:txBody>
-      <dsp:txXfrm>
-        <a:off x="4095076" y="1992"/>
-        <a:ext cx="3034531" cy="1820718"/>
-      </dsp:txXfrm>
-    </dsp:sp>
-    <dsp:sp modelId="{78AD606A-AAA1-5C46-8091-3E0C7BE7E769}">
-      <dsp:nvSpPr>
-        <dsp:cNvPr id="0" name=""/>
-        <dsp:cNvSpPr/>
-      </dsp:nvSpPr>
-      <dsp:spPr>
-        <a:xfrm>
-          <a:off x="2426084" y="2126164"/>
-          <a:ext cx="3034531" cy="1820718"/>
-        </a:xfrm>
-        <a:prstGeom prst="rect">
-          <a:avLst/>
-        </a:prstGeom>
-        <a:solidFill>
-          <a:schemeClr val="accent2">
-            <a:hueOff val="4681520"/>
-            <a:satOff val="-5839"/>
-            <a:lumOff val="1373"/>
-            <a:alphaOff val="0"/>
-          </a:schemeClr>
-        </a:solidFill>
-        <a:ln w="25400" cap="flat" cmpd="sng" algn="ctr">
-          <a:solidFill>
-            <a:schemeClr val="lt1">
-              <a:hueOff val="0"/>
-              <a:satOff val="0"/>
-              <a:lumOff val="0"/>
-              <a:alphaOff val="0"/>
-            </a:schemeClr>
-          </a:solidFill>
-          <a:prstDash val="solid"/>
-        </a:ln>
-        <a:effectLst/>
-      </dsp:spPr>
-      <dsp:style>
-        <a:lnRef idx="2">
-          <a:scrgbClr r="0" g="0" b="0"/>
-        </a:lnRef>
-        <a:fillRef idx="1">
-          <a:scrgbClr r="0" g="0" b="0"/>
-        </a:fillRef>
-        <a:effectRef idx="0">
-          <a:scrgbClr r="0" g="0" b="0"/>
-        </a:effectRef>
-        <a:fontRef idx="minor">
-          <a:schemeClr val="lt1"/>
-        </a:fontRef>
-      </dsp:style>
-      <dsp:txBody>
-        <a:bodyPr spcFirstLastPara="0" vert="horz" wrap="square" lIns="87630" tIns="87630" rIns="87630" bIns="87630" numCol="1" spcCol="1270" anchor="ctr" anchorCtr="0">
-          <a:noAutofit/>
-        </a:bodyPr>
+      </dgm:t>
+    </dgm:pt>
+    <dgm:pt modelId="{86202BC1-4884-42DC-AD0A-0A11CAEB2C63}" type="parTrans" cxnId="{E6F8125D-15B7-464F-876B-B2D4DDCB6DBB}">
+      <dgm:prSet/>
+      <dgm:spPr/>
+      <dgm:t>
+        <a:bodyPr/>
         <a:lstStyle/>
         <a:p>
-          <a:pPr marL="0" lvl="0" indent="0" algn="ctr" defTabSz="1022350">
-            <a:lnSpc>
-              <a:spcPct val="90000"/>
-            </a:lnSpc>
-            <a:spcBef>
-              <a:spcPct val="0"/>
-            </a:spcBef>
-            <a:spcAft>
-              <a:spcPct val="35000"/>
-            </a:spcAft>
-            <a:buNone/>
-          </a:pPr>
+          <a:endParaRPr lang="en-US"/>
+        </a:p>
+      </dgm:t>
+    </dgm:pt>
+    <dgm:pt modelId="{EFDCADF5-49D9-4C0E-9269-FE065F3FB61F}" type="sibTrans" cxnId="{E6F8125D-15B7-464F-876B-B2D4DDCB6DBB}">
+      <dgm:prSet/>
+      <dgm:spPr/>
+      <dgm:t>
+        <a:bodyPr/>
+        <a:lstStyle/>
+        <a:p>
+          <a:endParaRPr lang="en-US"/>
+        </a:p>
+      </dgm:t>
+    </dgm:pt>
+    <dgm:pt modelId="{B5B7440F-19C0-47FA-A819-C9FFDADCD365}">
+      <dgm:prSet/>
+      <dgm:spPr/>
+      <dgm:t>
+        <a:bodyPr/>
+        <a:lstStyle/>
+        <a:p>
           <a:r>
-            <a:rPr lang="en-US" sz="2300" kern="1200" dirty="0"/>
+            <a:rPr lang="en-US" dirty="0"/>
             <a:t>Generative AI tools can only be used to accelerate the finding and learning process, not replace it </a:t>
           </a:r>
         </a:p>
-      </dsp:txBody>
-      <dsp:txXfrm>
-        <a:off x="2426084" y="2126164"/>
-        <a:ext cx="3034531" cy="1820718"/>
-      </dsp:txXfrm>
-    </dsp:sp>
-  </dsp:spTree>
-</dsp:drawing>
+      </dgm:t>
+    </dgm:pt>
+    <dgm:pt modelId="{B42969D7-8FE7-49E4-9451-E00F958511AF}" type="parTrans" cxnId="{ECCF9E63-20A6-401F-9CA8-812A017FA9D7}">
+      <dgm:prSet/>
+      <dgm:spPr/>
+      <dgm:t>
+        <a:bodyPr/>
+        <a:lstStyle/>
+        <a:p>
+          <a:endParaRPr lang="en-US"/>
+        </a:p>
+      </dgm:t>
+    </dgm:pt>
+    <dgm:pt modelId="{90CB62FF-80A6-41B2-8CFA-79B105C10142}" type="sibTrans" cxnId="{ECCF9E63-20A6-401F-9CA8-812A017FA9D7}">
+      <dgm:prSet/>
+      <dgm:spPr/>
+      <dgm:t>
+        <a:bodyPr/>
+        <a:lstStyle/>
+        <a:p>
+          <a:endParaRPr lang="en-US"/>
+        </a:p>
+      </dgm:t>
+    </dgm:pt>
+    <dgm:pt modelId="{87D4AFFD-A8A3-E24C-98DE-D1827B79445D}" type="pres">
+      <dgm:prSet presAssocID="{9E982C7D-0312-45E2-9937-C606B2676CBA}" presName="diagram" presStyleCnt="0">
+        <dgm:presLayoutVars>
+          <dgm:dir/>
+          <dgm:resizeHandles val="exact"/>
+        </dgm:presLayoutVars>
+      </dgm:prSet>
+      <dgm:spPr/>
+    </dgm:pt>
+    <dgm:pt modelId="{CD431E1F-5D6D-3D4F-A108-A1D75063E398}" type="pres">
+      <dgm:prSet presAssocID="{380159C2-0A9E-40D9-9DB2-1B5B7AAED686}" presName="node" presStyleLbl="node1" presStyleIdx="0" presStyleCnt="3">
+        <dgm:presLayoutVars>
+          <dgm:bulletEnabled val="1"/>
+        </dgm:presLayoutVars>
+      </dgm:prSet>
+      <dgm:spPr/>
+    </dgm:pt>
+    <dgm:pt modelId="{825B89A5-BB2D-A44E-AFF1-D4E16F7730E7}" type="pres">
+      <dgm:prSet presAssocID="{024E5A7E-CCE4-4FD6-929D-B8D80BC9B653}" presName="sibTrans" presStyleCnt="0"/>
+      <dgm:spPr/>
+    </dgm:pt>
+    <dgm:pt modelId="{4E7C8030-DD47-0649-B861-1B661637147F}" type="pres">
+      <dgm:prSet presAssocID="{41FCFAAB-7D6C-4AF1-A7DA-D41997A64567}" presName="node" presStyleLbl="node1" presStyleIdx="1" presStyleCnt="3">
+        <dgm:presLayoutVars>
+          <dgm:bulletEnabled val="1"/>
+        </dgm:presLayoutVars>
+      </dgm:prSet>
+      <dgm:spPr/>
+    </dgm:pt>
+    <dgm:pt modelId="{C6ADFEC5-6A74-C54F-B4A5-C88C6CFAA528}" type="pres">
+      <dgm:prSet presAssocID="{EFDCADF5-49D9-4C0E-9269-FE065F3FB61F}" presName="sibTrans" presStyleCnt="0"/>
+      <dgm:spPr/>
+    </dgm:pt>
+    <dgm:pt modelId="{78AD606A-AAA1-5C46-8091-3E0C7BE7E769}" type="pres">
+      <dgm:prSet presAssocID="{B5B7440F-19C0-47FA-A819-C9FFDADCD365}" presName="node" presStyleLbl="node1" presStyleIdx="2" presStyleCnt="3">
+        <dgm:presLayoutVars>
+          <dgm:bulletEnabled val="1"/>
+        </dgm:presLayoutVars>
+      </dgm:prSet>
+      <dgm:spPr/>
+    </dgm:pt>
+  </dgm:ptLst>
+  <dgm:cxnLst>
+    <dgm:cxn modelId="{28317E2D-08D6-6F41-8E8A-96B94C5BD07C}" type="presOf" srcId="{41FCFAAB-7D6C-4AF1-A7DA-D41997A64567}" destId="{4E7C8030-DD47-0649-B861-1B661637147F}" srcOrd="0" destOrd="0" presId="urn:microsoft.com/office/officeart/2005/8/layout/default"/>
+    <dgm:cxn modelId="{30FA6F4D-099C-284B-B899-1B7655C7261C}" type="presOf" srcId="{380159C2-0A9E-40D9-9DB2-1B5B7AAED686}" destId="{CD431E1F-5D6D-3D4F-A108-A1D75063E398}" srcOrd="0" destOrd="0" presId="urn:microsoft.com/office/officeart/2005/8/layout/default"/>
+    <dgm:cxn modelId="{E6F8125D-15B7-464F-876B-B2D4DDCB6DBB}" srcId="{9E982C7D-0312-45E2-9937-C606B2676CBA}" destId="{41FCFAAB-7D6C-4AF1-A7DA-D41997A64567}" srcOrd="1" destOrd="0" parTransId="{86202BC1-4884-42DC-AD0A-0A11CAEB2C63}" sibTransId="{EFDCADF5-49D9-4C0E-9269-FE065F3FB61F}"/>
+    <dgm:cxn modelId="{ECCF9E63-20A6-401F-9CA8-812A017FA9D7}" srcId="{9E982C7D-0312-45E2-9937-C606B2676CBA}" destId="{B5B7440F-19C0-47FA-A819-C9FFDADCD365}" srcOrd="2" destOrd="0" parTransId="{B42969D7-8FE7-49E4-9451-E00F958511AF}" sibTransId="{90CB62FF-80A6-41B2-8CFA-79B105C10142}"/>
+    <dgm:cxn modelId="{74B2659D-30E1-F044-AE6E-F842A013E7D5}" type="presOf" srcId="{9E982C7D-0312-45E2-9937-C606B2676CBA}" destId="{87D4AFFD-A8A3-E24C-98DE-D1827B79445D}" srcOrd="0" destOrd="0" presId="urn:microsoft.com/office/officeart/2005/8/layout/default"/>
+    <dgm:cxn modelId="{8E2263C3-21C5-FE47-A401-5AC65D80EC42}" type="presOf" srcId="{B5B7440F-19C0-47FA-A819-C9FFDADCD365}" destId="{78AD606A-AAA1-5C46-8091-3E0C7BE7E769}" srcOrd="0" destOrd="0" presId="urn:microsoft.com/office/officeart/2005/8/layout/default"/>
+    <dgm:cxn modelId="{C99D0FE2-2C76-47DE-AE63-1DE650F000E5}" srcId="{9E982C7D-0312-45E2-9937-C606B2676CBA}" destId="{380159C2-0A9E-40D9-9DB2-1B5B7AAED686}" srcOrd="0" destOrd="0" parTransId="{1F24B112-C9E2-4CB4-A84F-404B229C4698}" sibTransId="{024E5A7E-CCE4-4FD6-929D-B8D80BC9B653}"/>
+    <dgm:cxn modelId="{8784A5A4-D35F-8349-86EA-4A48438B0CD0}" type="presParOf" srcId="{87D4AFFD-A8A3-E24C-98DE-D1827B79445D}" destId="{CD431E1F-5D6D-3D4F-A108-A1D75063E398}" srcOrd="0" destOrd="0" presId="urn:microsoft.com/office/officeart/2005/8/layout/default"/>
+    <dgm:cxn modelId="{209B5F52-410D-E446-B1CE-EDC17181D52A}" type="presParOf" srcId="{87D4AFFD-A8A3-E24C-98DE-D1827B79445D}" destId="{825B89A5-BB2D-A44E-AFF1-D4E16F7730E7}" srcOrd="1" destOrd="0" presId="urn:microsoft.com/office/officeart/2005/8/layout/default"/>
+    <dgm:cxn modelId="{0889EB7D-2731-0A40-A9B7-90B6722CA95E}" type="presParOf" srcId="{87D4AFFD-A8A3-E24C-98DE-D1827B79445D}" destId="{4E7C8030-DD47-0649-B861-1B661637147F}" srcOrd="2" destOrd="0" presId="urn:microsoft.com/office/officeart/2005/8/layout/default"/>
+    <dgm:cxn modelId="{DEA63B18-DC24-1D42-B309-FA1A5B98CFAA}" type="presParOf" srcId="{87D4AFFD-A8A3-E24C-98DE-D1827B79445D}" destId="{C6ADFEC5-6A74-C54F-B4A5-C88C6CFAA528}" srcOrd="3" destOrd="0" presId="urn:microsoft.com/office/officeart/2005/8/layout/default"/>
+    <dgm:cxn modelId="{9DD8A46D-7C62-134A-A801-42CE3B001E7D}" type="presParOf" srcId="{87D4AFFD-A8A3-E24C-98DE-D1827B79445D}" destId="{78AD606A-AAA1-5C46-8091-3E0C7BE7E769}" srcOrd="4" destOrd="0" presId="urn:microsoft.com/office/officeart/2005/8/layout/default"/>
+  </dgm:cxnLst>
+  <dgm:bg/>
+  <dgm:whole/>
+  <dgm:extLst>
+    <a:ext uri="http://schemas.microsoft.com/office/drawing/2008/diagram">
+      <dsp:dataModelExt xmlns:dsp="http://schemas.microsoft.com/office/drawing/2008/diagram" relId="rId6" minVer="http://schemas.openxmlformats.org/drawingml/2006/diagram"/>
+    </a:ext>
+  </dgm:extLst>
+</dgm:dataModel>
 </file>
 
-<file path=ppt/diagrams/drawing2.xml><?xml version="1.0" encoding="utf-8"?>
-<dsp:drawing xmlns:dgm="http://schemas.openxmlformats.org/drawingml/2006/diagram" xmlns:dsp="http://schemas.microsoft.com/office/drawing/2008/diagram" xmlns:a="http://schemas.openxmlformats.org/drawingml/2006/main">
-  <dsp:spTree>
-    <dsp:nvGrpSpPr>
-      <dsp:cNvPr id="0" name=""/>
-      <dsp:cNvGrpSpPr/>
-    </dsp:nvGrpSpPr>
-    <dsp:grpSpPr/>
-    <dsp:sp modelId="{58A717C6-CCCF-804A-93F8-6A45463385F8}">
-      <dsp:nvSpPr>
-        <dsp:cNvPr id="0" name=""/>
-        <dsp:cNvSpPr/>
-      </dsp:nvSpPr>
-      <dsp:spPr>
-        <a:xfrm>
-          <a:off x="0" y="868361"/>
-          <a:ext cx="7886700" cy="1216800"/>
-        </a:xfrm>
-        <a:prstGeom prst="roundRect">
-          <a:avLst/>
-        </a:prstGeom>
-        <a:solidFill>
-          <a:schemeClr val="accent2">
-            <a:hueOff val="0"/>
-            <a:satOff val="0"/>
-            <a:lumOff val="0"/>
-            <a:alphaOff val="0"/>
-          </a:schemeClr>
-        </a:solidFill>
-        <a:ln w="25400" cap="flat" cmpd="sng" algn="ctr">
-          <a:solidFill>
-            <a:schemeClr val="lt1">
-              <a:hueOff val="0"/>
-              <a:satOff val="0"/>
-              <a:lumOff val="0"/>
-              <a:alphaOff val="0"/>
-            </a:schemeClr>
-          </a:solidFill>
-          <a:prstDash val="solid"/>
-        </a:ln>
-        <a:effectLst/>
-      </dsp:spPr>
-      <dsp:style>
-        <a:lnRef idx="2">
-          <a:scrgbClr r="0" g="0" b="0"/>
-        </a:lnRef>
-        <a:fillRef idx="1">
-          <a:scrgbClr r="0" g="0" b="0"/>
-        </a:fillRef>
-        <a:effectRef idx="0">
-          <a:scrgbClr r="0" g="0" b="0"/>
-        </a:effectRef>
-        <a:fontRef idx="minor">
-          <a:schemeClr val="lt1"/>
-        </a:fontRef>
-      </dsp:style>
-      <dsp:txBody>
-        <a:bodyPr spcFirstLastPara="0" vert="horz" wrap="square" lIns="167640" tIns="167640" rIns="167640" bIns="167640" numCol="1" spcCol="1270" anchor="ctr" anchorCtr="0">
-          <a:noAutofit/>
-        </a:bodyPr>
-        <a:lstStyle/>
-        <a:p>
-          <a:pPr marL="0" lvl="0" indent="0" algn="l" defTabSz="1955800">
-            <a:lnSpc>
-              <a:spcPct val="90000"/>
-            </a:lnSpc>
-            <a:spcBef>
-              <a:spcPct val="0"/>
-            </a:spcBef>
-            <a:spcAft>
-              <a:spcPct val="35000"/>
-            </a:spcAft>
-            <a:buNone/>
-          </a:pPr>
-          <a:r>
-            <a:rPr lang="en-US" sz="4400" kern="1200" dirty="0"/>
-            <a:t>Build on past experiences</a:t>
-          </a:r>
-        </a:p>
-      </dsp:txBody>
-      <dsp:txXfrm>
-        <a:off x="59399" y="927760"/>
-        <a:ext cx="7767902" cy="1098002"/>
-      </dsp:txXfrm>
-    </dsp:sp>
-    <dsp:sp modelId="{F4A4629A-FD07-D446-9CD6-18650108A78A}">
-      <dsp:nvSpPr>
-        <dsp:cNvPr id="0" name=""/>
-        <dsp:cNvSpPr/>
-      </dsp:nvSpPr>
-      <dsp:spPr>
-        <a:xfrm>
-          <a:off x="0" y="2272362"/>
-          <a:ext cx="7886700" cy="1216800"/>
-        </a:xfrm>
-        <a:prstGeom prst="roundRect">
-          <a:avLst/>
-        </a:prstGeom>
-        <a:solidFill>
-          <a:schemeClr val="accent2">
-            <a:hueOff val="4681520"/>
-            <a:satOff val="-5839"/>
-            <a:lumOff val="1373"/>
-            <a:alphaOff val="0"/>
-          </a:schemeClr>
-        </a:solidFill>
-        <a:ln w="25400" cap="flat" cmpd="sng" algn="ctr">
-          <a:solidFill>
-            <a:schemeClr val="lt1">
-              <a:hueOff val="0"/>
-              <a:satOff val="0"/>
-              <a:lumOff val="0"/>
-              <a:alphaOff val="0"/>
-            </a:schemeClr>
-          </a:solidFill>
-          <a:prstDash val="solid"/>
-        </a:ln>
-        <a:effectLst/>
-      </dsp:spPr>
-      <dsp:style>
-        <a:lnRef idx="2">
-          <a:scrgbClr r="0" g="0" b="0"/>
-        </a:lnRef>
-        <a:fillRef idx="1">
-          <a:scrgbClr r="0" g="0" b="0"/>
-        </a:fillRef>
-        <a:effectRef idx="0">
-          <a:scrgbClr r="0" g="0" b="0"/>
-        </a:effectRef>
-        <a:fontRef idx="minor">
-          <a:schemeClr val="lt1"/>
-        </a:fontRef>
-      </dsp:style>
-      <dsp:txBody>
-        <a:bodyPr spcFirstLastPara="0" vert="horz" wrap="square" lIns="167640" tIns="167640" rIns="167640" bIns="167640" numCol="1" spcCol="1270" anchor="ctr" anchorCtr="0">
-          <a:noAutofit/>
-        </a:bodyPr>
-        <a:lstStyle/>
-        <a:p>
-          <a:pPr marL="0" lvl="0" indent="0" algn="l" defTabSz="1955800">
-            <a:lnSpc>
-              <a:spcPct val="90000"/>
-            </a:lnSpc>
-            <a:spcBef>
-              <a:spcPct val="0"/>
-            </a:spcBef>
-            <a:spcAft>
-              <a:spcPct val="35000"/>
-            </a:spcAft>
-            <a:buNone/>
-          </a:pPr>
-          <a:r>
-            <a:rPr lang="en-US" sz="4400" kern="1200" dirty="0"/>
-            <a:t>Explore personas with ChatGPT</a:t>
-          </a:r>
-        </a:p>
-      </dsp:txBody>
-      <dsp:txXfrm>
-        <a:off x="59399" y="2331761"/>
-        <a:ext cx="7767902" cy="1098002"/>
-      </dsp:txXfrm>
-    </dsp:sp>
-  </dsp:spTree>
-</dsp:drawing>
-</file>
-
-<file path=ppt/diagrams/drawing3.xml><?xml version="1.0" encoding="utf-8"?>
+<file path=ppt/diagrams/drawing1.xml><?xml version="1.0" encoding="utf-8"?>
 <dsp:drawing xmlns:dgm="http://schemas.openxmlformats.org/drawingml/2006/diagram" xmlns:dsp="http://schemas.microsoft.com/office/drawing/2008/diagram" xmlns:a="http://schemas.openxmlformats.org/drawingml/2006/main">
   <dsp:spTree>
     <dsp:nvGrpSpPr>
@@ -12302,7 +9223,7 @@
 </dsp:drawing>
 </file>
 
-<file path=ppt/diagrams/drawing4.xml><?xml version="1.0" encoding="utf-8"?>
+<file path=ppt/diagrams/drawing2.xml><?xml version="1.0" encoding="utf-8"?>
 <dsp:drawing xmlns:dgm="http://schemas.openxmlformats.org/drawingml/2006/diagram" xmlns:dsp="http://schemas.microsoft.com/office/drawing/2008/diagram" xmlns:a="http://schemas.openxmlformats.org/drawingml/2006/main">
   <dsp:spTree>
     <dsp:nvGrpSpPr>
@@ -12701,7 +9622,7 @@
 </dsp:drawing>
 </file>
 
-<file path=ppt/diagrams/drawing5.xml><?xml version="1.0" encoding="utf-8"?>
+<file path=ppt/diagrams/drawing3.xml><?xml version="1.0" encoding="utf-8"?>
 <dsp:drawing xmlns:dgm="http://schemas.openxmlformats.org/drawingml/2006/diagram" xmlns:dsp="http://schemas.microsoft.com/office/drawing/2008/diagram" xmlns:a="http://schemas.openxmlformats.org/drawingml/2006/main">
   <dsp:spTree>
     <dsp:nvGrpSpPr>
@@ -12944,7 +9865,7 @@
 </dsp:drawing>
 </file>
 
-<file path=ppt/diagrams/drawing6.xml><?xml version="1.0" encoding="utf-8"?>
+<file path=ppt/diagrams/drawing4.xml><?xml version="1.0" encoding="utf-8"?>
 <dsp:drawing xmlns:dgm="http://schemas.openxmlformats.org/drawingml/2006/diagram" xmlns:dsp="http://schemas.microsoft.com/office/drawing/2008/diagram" xmlns:a="http://schemas.openxmlformats.org/drawingml/2006/main">
   <dsp:spTree>
     <dsp:nvGrpSpPr>
@@ -13110,7 +10031,7 @@
 </dsp:drawing>
 </file>
 
-<file path=ppt/diagrams/drawing7.xml><?xml version="1.0" encoding="utf-8"?>
+<file path=ppt/diagrams/drawing5.xml><?xml version="1.0" encoding="utf-8"?>
 <dsp:drawing xmlns:dgm="http://schemas.openxmlformats.org/drawingml/2006/diagram" xmlns:dsp="http://schemas.microsoft.com/office/drawing/2008/diagram" xmlns:a="http://schemas.openxmlformats.org/drawingml/2006/main">
   <dsp:spTree>
     <dsp:nvGrpSpPr>
@@ -13509,7 +10430,7 @@
 </dsp:drawing>
 </file>
 
-<file path=ppt/diagrams/drawing8.xml><?xml version="1.0" encoding="utf-8"?>
+<file path=ppt/diagrams/drawing6.xml><?xml version="1.0" encoding="utf-8"?>
 <dsp:drawing xmlns:dgm="http://schemas.openxmlformats.org/drawingml/2006/diagram" xmlns:dsp="http://schemas.microsoft.com/office/drawing/2008/diagram" xmlns:a="http://schemas.openxmlformats.org/drawingml/2006/main">
   <dsp:spTree>
     <dsp:nvGrpSpPr>
@@ -14021,7 +10942,7 @@
 </dsp:drawing>
 </file>
 
-<file path=ppt/diagrams/drawing9.xml><?xml version="1.0" encoding="utf-8"?>
+<file path=ppt/diagrams/drawing7.xml><?xml version="1.0" encoding="utf-8"?>
 <dsp:drawing xmlns:dgm="http://schemas.openxmlformats.org/drawingml/2006/diagram" xmlns:dsp="http://schemas.microsoft.com/office/drawing/2008/diagram" xmlns:a="http://schemas.openxmlformats.org/drawingml/2006/main">
   <dsp:spTree>
     <dsp:nvGrpSpPr>
@@ -14264,615 +11185,250 @@
 </dsp:drawing>
 </file>
 
-<file path=ppt/diagrams/layout1.xml><?xml version="1.0" encoding="utf-8"?>
-<dgm:layoutDef xmlns:dgm="http://schemas.openxmlformats.org/drawingml/2006/diagram" xmlns:a="http://schemas.openxmlformats.org/drawingml/2006/main" uniqueId="urn:microsoft.com/office/officeart/2018/2/layout/IconVerticalSolidList">
-  <dgm:title val="Icon Vertical Solid List"/>
-  <dgm:desc val="Use to show a series of visuals from top to bottom with Level 1 or Level 1 and Level 2 text grouped in a shape. Works best with icons or small pictures with lengthier descriptions."/>
-  <dgm:catLst>
-    <dgm:cat type="icon" pri="500"/>
-  </dgm:catLst>
-  <dgm:sampData useDef="1">
-    <dgm:dataModel>
-      <dgm:ptLst/>
-      <dgm:bg/>
-      <dgm:whole/>
-    </dgm:dataModel>
-  </dgm:sampData>
-  <dgm:styleData useDef="1">
-    <dgm:dataModel>
-      <dgm:ptLst/>
-      <dgm:bg/>
-      <dgm:whole/>
-    </dgm:dataModel>
-  </dgm:styleData>
-  <dgm:clrData useDef="1">
-    <dgm:dataModel>
-      <dgm:ptLst/>
-      <dgm:bg/>
-      <dgm:whole/>
-    </dgm:dataModel>
-  </dgm:clrData>
-  <dgm:layoutNode name="root">
-    <dgm:varLst>
-      <dgm:dir/>
-      <dgm:resizeHandles val="exact"/>
-    </dgm:varLst>
-    <dgm:choose name="Name0">
-      <dgm:if name="Name1" axis="self" func="var" arg="dir" op="equ" val="norm">
-        <dgm:alg type="lin">
-          <dgm:param type="linDir" val="fromT"/>
-          <dgm:param type="nodeHorzAlign" val="l"/>
-        </dgm:alg>
-      </dgm:if>
-      <dgm:else name="Name2">
-        <dgm:alg type="lin">
-          <dgm:param type="linDir" val="fromT"/>
-          <dgm:param type="nodeHorzAlign" val="r"/>
-        </dgm:alg>
-      </dgm:else>
-    </dgm:choose>
-    <dgm:shape xmlns:r="http://schemas.openxmlformats.org/officeDocument/2006/relationships" r:blip="">
-      <dgm:adjLst/>
-    </dgm:shape>
-    <dgm:presOf/>
-    <dgm:choose name="Name3">
-      <dgm:if name="Name4" axis="ch" ptType="node" func="cnt" op="lte" val="3">
-        <dgm:constrLst>
-          <dgm:constr type="h" for="ch" forName="compNode" refType="h" fact="0.3"/>
-          <dgm:constr type="w" for="ch" forName="compNode" refType="w"/>
-          <dgm:constr type="h" for="ch" forName="sibTrans" refType="h" refFor="ch" refForName="compNode" fact="0.25"/>
-          <dgm:constr type="primFontSz" for="des" forName="parTx" val="25"/>
-          <dgm:constr type="primFontSz" for="des" forName="desTx" refType="primFontSz" refFor="des" refForName="parTx" op="lte" fact="0.75"/>
-          <dgm:constr type="h" for="des" forName="compNode" op="equ"/>
-          <dgm:constr type="h" for="des" forName="bgRect" op="equ"/>
-          <dgm:constr type="h" for="des" forName="iconRect" op="equ"/>
-          <dgm:constr type="w" for="des" forName="iconRect" op="equ"/>
-          <dgm:constr type="h" for="des" forName="spaceRect" op="equ"/>
-          <dgm:constr type="h" for="des" forName="parTx" op="equ"/>
-          <dgm:constr type="h" for="des" forName="desTx" op="equ"/>
-        </dgm:constrLst>
-      </dgm:if>
-      <dgm:if name="Name5" axis="ch" ptType="node" func="cnt" op="lte" val="4">
-        <dgm:constrLst>
-          <dgm:constr type="h" for="ch" forName="compNode" refType="h" fact="0.3"/>
-          <dgm:constr type="w" for="ch" forName="compNode" refType="w"/>
-          <dgm:constr type="h" for="ch" forName="sibTrans" refType="h" refFor="ch" refForName="compNode" fact="0.25"/>
-          <dgm:constr type="primFontSz" for="des" forName="parTx" val="22"/>
-          <dgm:constr type="primFontSz" for="des" forName="desTx" refType="primFontSz" refFor="des" refForName="parTx" op="lte" fact="0.75"/>
-          <dgm:constr type="h" for="des" forName="compNode" op="equ"/>
-          <dgm:constr type="h" for="des" forName="bgRect" op="equ"/>
-          <dgm:constr type="h" for="des" forName="iconRect" op="equ"/>
-          <dgm:constr type="w" for="des" forName="iconRect" op="equ"/>
-          <dgm:constr type="h" for="des" forName="spaceRect" op="equ"/>
-          <dgm:constr type="h" for="des" forName="parTx" op="equ"/>
-          <dgm:constr type="h" for="des" forName="desTx" op="equ"/>
-        </dgm:constrLst>
-      </dgm:if>
-      <dgm:if name="Name6" axis="ch" ptType="node" func="cnt" op="lte" val="6">
-        <dgm:constrLst>
-          <dgm:constr type="h" for="ch" forName="compNode" refType="h" fact="0.3"/>
-          <dgm:constr type="w" for="ch" forName="compNode" refType="w"/>
-          <dgm:constr type="h" for="ch" forName="sibTrans" refType="h" refFor="ch" refForName="compNode" fact="0.25"/>
-          <dgm:constr type="primFontSz" for="des" forName="parTx" val="19"/>
-          <dgm:constr type="primFontSz" for="des" forName="desTx" refType="primFontSz" refFor="des" refForName="parTx" op="lte" fact="0.75"/>
-          <dgm:constr type="h" for="des" forName="compNode" op="equ"/>
-          <dgm:constr type="h" for="des" forName="bgRect" op="equ"/>
-          <dgm:constr type="h" for="des" forName="iconRect" op="equ"/>
-          <dgm:constr type="w" for="des" forName="iconRect" op="equ"/>
-          <dgm:constr type="h" for="des" forName="spaceRect" op="equ"/>
-          <dgm:constr type="h" for="des" forName="parTx" op="equ"/>
-          <dgm:constr type="h" for="des" forName="desTx" op="equ"/>
-        </dgm:constrLst>
-      </dgm:if>
-      <dgm:else name="Name7">
-        <dgm:constrLst>
-          <dgm:constr type="h" for="ch" forName="compNode" refType="h" fact="0.3"/>
-          <dgm:constr type="w" for="ch" forName="compNode" refType="w"/>
-          <dgm:constr type="h" for="ch" forName="sibTrans" refType="h" refFor="ch" refForName="compNode" fact="0.25"/>
-          <dgm:constr type="primFontSz" for="des" forName="parTx" val="16"/>
-          <dgm:constr type="primFontSz" for="des" forName="desTx" refType="primFontSz" refFor="des" refForName="parTx" op="lte" fact="0.75"/>
-          <dgm:constr type="h" for="des" forName="compNode" op="equ"/>
-          <dgm:constr type="h" for="des" forName="bgRect" op="equ"/>
-          <dgm:constr type="h" for="des" forName="iconRect" op="equ"/>
-          <dgm:constr type="w" for="des" forName="iconRect" op="equ"/>
-          <dgm:constr type="h" for="des" forName="spaceRect" op="equ"/>
-          <dgm:constr type="h" for="des" forName="parTx" op="equ"/>
-          <dgm:constr type="h" for="des" forName="desTx" op="equ"/>
-        </dgm:constrLst>
-      </dgm:else>
-    </dgm:choose>
-    <dgm:ruleLst>
-      <dgm:rule type="h" for="ch" forName="compNode" val="0" fact="NaN" max="NaN"/>
-    </dgm:ruleLst>
-    <dgm:forEach name="Name8" axis="ch" ptType="node">
-      <dgm:layoutNode name="compNode">
-        <dgm:alg type="composite"/>
-        <dgm:shape xmlns:r="http://schemas.openxmlformats.org/officeDocument/2006/relationships" r:blip="">
-          <dgm:adjLst/>
-        </dgm:shape>
-        <dgm:presOf axis="self"/>
-        <dgm:choose name="Name9">
-          <dgm:if name="Name10" axis="ch" ptType="node" func="cnt" op="gte" val="1">
-            <dgm:constrLst>
-              <dgm:constr type="w" for="ch" forName="bgRect" refType="w"/>
-              <dgm:constr type="h" for="ch" forName="bgRect" refType="h"/>
-              <dgm:constr type="l" for="ch" forName="bgRect"/>
-              <dgm:constr type="t" for="ch" forName="bgRect"/>
-              <dgm:constr type="h" for="ch" forName="iconRect" refType="h" fact="0.55"/>
-              <dgm:constr type="w" for="ch" forName="iconRect" refType="h" refFor="ch" refForName="iconRect"/>
-              <dgm:constr type="l" for="ch" forName="iconRect" refType="h" refFor="ch" refForName="iconRect" fact="0.55"/>
-              <dgm:constr type="ctrY" for="ch" forName="iconRect" refType="ctrY" refFor="ch" refForName="bgRect"/>
-              <dgm:constr type="w" for="ch" forName="spaceRect" refType="l" refFor="ch" refForName="iconRect"/>
-              <dgm:constr type="h" for="ch" forName="spaceRect" refType="h"/>
-              <dgm:constr type="l" for="ch" forName="spaceRect" refType="r" refFor="ch" refForName="iconRect"/>
-              <dgm:constr type="t" for="ch" forName="spaceRect"/>
-              <dgm:constr type="w" for="ch" forName="parTx" refType="w" fact="0.45"/>
-              <dgm:constr type="h" for="ch" forName="parTx" refType="h"/>
-              <dgm:constr type="l" for="ch" forName="parTx" refType="r" refFor="ch" refForName="spaceRect"/>
-              <dgm:constr type="t" for="ch" forName="parTx"/>
-              <dgm:constr type="h" for="ch" forName="desTx" refType="h"/>
-              <dgm:constr type="l" for="ch" forName="desTx" refType="r" refFor="ch" refForName="parTx"/>
-              <dgm:constr type="t" for="ch" forName="desTx"/>
-            </dgm:constrLst>
-          </dgm:if>
-          <dgm:else name="Name11">
-            <dgm:constrLst>
-              <dgm:constr type="w" for="ch" forName="bgRect" refType="w"/>
-              <dgm:constr type="h" for="ch" forName="bgRect" refType="h"/>
-              <dgm:constr type="l" for="ch" forName="bgRect"/>
-              <dgm:constr type="t" for="ch" forName="bgRect"/>
-              <dgm:constr type="h" for="ch" forName="iconRect" refType="h" fact="0.55"/>
-              <dgm:constr type="w" for="ch" forName="iconRect" refType="h" refFor="ch" refForName="iconRect"/>
-              <dgm:constr type="l" for="ch" forName="iconRect" refType="h" refFor="ch" refForName="iconRect" fact="0.55"/>
-              <dgm:constr type="ctrY" for="ch" forName="iconRect" refType="ctrY" refFor="ch" refForName="bgRect"/>
-              <dgm:constr type="w" for="ch" forName="spaceRect" refType="l" refFor="ch" refForName="iconRect"/>
-              <dgm:constr type="h" for="ch" forName="spaceRect" refType="h"/>
-              <dgm:constr type="l" for="ch" forName="spaceRect" refType="r" refFor="ch" refForName="iconRect"/>
-              <dgm:constr type="t" for="ch" forName="spaceRect"/>
-              <dgm:constr type="h" for="ch" forName="parTx" refType="h"/>
-              <dgm:constr type="l" for="ch" forName="parTx" refType="r" refFor="ch" refForName="spaceRect"/>
-              <dgm:constr type="t" for="ch" forName="parTx"/>
-            </dgm:constrLst>
-          </dgm:else>
-        </dgm:choose>
-        <dgm:ruleLst>
-          <dgm:rule type="h" val="INF" fact="NaN" max="NaN"/>
-        </dgm:ruleLst>
-        <dgm:layoutNode name="bgRect" styleLbl="bgShp">
-          <dgm:alg type="sp"/>
-          <dgm:shape xmlns:r="http://schemas.openxmlformats.org/officeDocument/2006/relationships" type="roundRect" r:blip="">
-            <dgm:adjLst>
-              <dgm:adj idx="1" val="0.1"/>
-            </dgm:adjLst>
-          </dgm:shape>
-          <dgm:presOf/>
-          <dgm:constrLst/>
-          <dgm:ruleLst/>
-        </dgm:layoutNode>
-        <dgm:layoutNode name="iconRect" styleLbl="node1">
-          <dgm:alg type="sp"/>
-          <dgm:shape xmlns:r="http://schemas.openxmlformats.org/officeDocument/2006/relationships" type="rect" r:blip="" blipPhldr="1">
-            <dgm:adjLst/>
-          </dgm:shape>
-          <dgm:presOf/>
-          <dgm:constrLst/>
-          <dgm:ruleLst/>
-        </dgm:layoutNode>
-        <dgm:layoutNode name="spaceRect">
-          <dgm:alg type="sp"/>
-          <dgm:shape xmlns:r="http://schemas.openxmlformats.org/officeDocument/2006/relationships" r:blip="">
-            <dgm:adjLst/>
-          </dgm:shape>
-          <dgm:presOf/>
-          <dgm:constrLst/>
-          <dgm:ruleLst/>
-        </dgm:layoutNode>
-        <dgm:layoutNode name="parTx" styleLbl="revTx">
-          <dgm:varLst>
-            <dgm:chMax val="0"/>
-            <dgm:chPref val="0"/>
-          </dgm:varLst>
-          <dgm:alg type="tx">
-            <dgm:param type="txAnchorVert" val="mid"/>
-            <dgm:param type="parTxLTRAlign" val="l"/>
-            <dgm:param type="shpTxLTRAlignCh" val="l"/>
-            <dgm:param type="parTxRTLAlign" val="r"/>
-            <dgm:param type="shpTxRTLAlignCh" val="r"/>
-          </dgm:alg>
-          <dgm:shape xmlns:r="http://schemas.openxmlformats.org/officeDocument/2006/relationships" type="rect" r:blip="">
-            <dgm:adjLst/>
-          </dgm:shape>
-          <dgm:presOf axis="self" ptType="node"/>
-          <dgm:constrLst>
-            <dgm:constr type="lMarg" refType="h" fact="0.3"/>
-            <dgm:constr type="rMarg" refType="h" fact="0.3"/>
-            <dgm:constr type="tMarg" refType="h" fact="0.3"/>
-            <dgm:constr type="bMarg" refType="h" fact="0.3"/>
-          </dgm:constrLst>
-          <dgm:ruleLst>
-            <dgm:rule type="primFontSz" val="14" fact="NaN" max="NaN"/>
-            <dgm:rule type="h" val="INF" fact="NaN" max="NaN"/>
-          </dgm:ruleLst>
-        </dgm:layoutNode>
-        <dgm:choose name="Name12">
-          <dgm:if name="Name13" axis="ch" ptType="node" func="cnt" op="gte" val="1">
-            <dgm:layoutNode name="desTx" styleLbl="revTx">
-              <dgm:varLst/>
-              <dgm:alg type="tx">
-                <dgm:param type="txAnchorVertCh" val="mid"/>
-                <dgm:param type="parTxLTRAlign" val="l"/>
-                <dgm:param type="shpTxLTRAlignCh" val="l"/>
-                <dgm:param type="parTxRTLAlign" val="r"/>
-                <dgm:param type="shpTxRTLAlignCh" val="r"/>
-                <dgm:param type="stBulletLvl" val="0"/>
-              </dgm:alg>
-              <dgm:shape xmlns:r="http://schemas.openxmlformats.org/officeDocument/2006/relationships" type="rect" r:blip="">
-                <dgm:adjLst/>
-              </dgm:shape>
-              <dgm:presOf axis="des" ptType="node"/>
-              <dgm:constrLst>
-                <dgm:constr type="primFontSz" val="18"/>
-                <dgm:constr type="secFontSz" refType="primFontSz"/>
-                <dgm:constr type="lMarg" refType="h" fact="0.3"/>
-                <dgm:constr type="rMarg" refType="h" fact="0.3"/>
-                <dgm:constr type="tMarg" refType="h" fact="0.3"/>
-                <dgm:constr type="bMarg" refType="h" fact="0.3"/>
-              </dgm:constrLst>
-              <dgm:ruleLst>
-                <dgm:rule type="primFontSz" val="11" fact="NaN" max="NaN"/>
-              </dgm:ruleLst>
-            </dgm:layoutNode>
-          </dgm:if>
-          <dgm:else name="Name14"/>
-        </dgm:choose>
-      </dgm:layoutNode>
-      <dgm:forEach name="Name15" axis="followSib" ptType="sibTrans" cnt="1">
-        <dgm:layoutNode name="sibTrans">
-          <dgm:alg type="sp"/>
-          <dgm:shape xmlns:r="http://schemas.openxmlformats.org/officeDocument/2006/relationships" r:blip="">
-            <dgm:adjLst/>
-          </dgm:shape>
-          <dgm:presOf axis="self"/>
-          <dgm:constrLst/>
-          <dgm:ruleLst/>
-        </dgm:layoutNode>
-      </dgm:forEach>
-    </dgm:forEach>
-  </dgm:layoutNode>
-  <dgm:extLst>
-    <a:ext uri="{68A01E43-0DF5-4B5B-8FA6-DAF915123BFB}">
-      <dgm1612:lstStyle xmlns:dgm1612="http://schemas.microsoft.com/office/drawing/2016/12/diagram">
-        <a:lvl1pPr>
-          <a:lnSpc>
-            <a:spcPct val="100000"/>
-          </a:lnSpc>
-        </a:lvl1pPr>
-        <a:lvl2pPr>
-          <a:lnSpc>
-            <a:spcPct val="100000"/>
-          </a:lnSpc>
-        </a:lvl2pPr>
-      </dgm1612:lstStyle>
-    </a:ext>
-  </dgm:extLst>
-</dgm:layoutDef>
+<file path=ppt/diagrams/drawing8.xml><?xml version="1.0" encoding="utf-8"?>
+<dsp:drawing xmlns:dgm="http://schemas.openxmlformats.org/drawingml/2006/diagram" xmlns:dsp="http://schemas.microsoft.com/office/drawing/2008/diagram" xmlns:a="http://schemas.openxmlformats.org/drawingml/2006/main">
+  <dsp:spTree>
+    <dsp:nvGrpSpPr>
+      <dsp:cNvPr id="0" name=""/>
+      <dsp:cNvGrpSpPr/>
+    </dsp:nvGrpSpPr>
+    <dsp:grpSpPr/>
+    <dsp:sp modelId="{CD431E1F-5D6D-3D4F-A108-A1D75063E398}">
+      <dsp:nvSpPr>
+        <dsp:cNvPr id="0" name=""/>
+        <dsp:cNvSpPr/>
+      </dsp:nvSpPr>
+      <dsp:spPr>
+        <a:xfrm>
+          <a:off x="757092" y="1992"/>
+          <a:ext cx="3034531" cy="1820718"/>
+        </a:xfrm>
+        <a:prstGeom prst="rect">
+          <a:avLst/>
+        </a:prstGeom>
+        <a:solidFill>
+          <a:schemeClr val="accent2">
+            <a:hueOff val="0"/>
+            <a:satOff val="0"/>
+            <a:lumOff val="0"/>
+            <a:alphaOff val="0"/>
+          </a:schemeClr>
+        </a:solidFill>
+        <a:ln w="25400" cap="flat" cmpd="sng" algn="ctr">
+          <a:solidFill>
+            <a:schemeClr val="lt1">
+              <a:hueOff val="0"/>
+              <a:satOff val="0"/>
+              <a:lumOff val="0"/>
+              <a:alphaOff val="0"/>
+            </a:schemeClr>
+          </a:solidFill>
+          <a:prstDash val="solid"/>
+        </a:ln>
+        <a:effectLst/>
+      </dsp:spPr>
+      <dsp:style>
+        <a:lnRef idx="2">
+          <a:scrgbClr r="0" g="0" b="0"/>
+        </a:lnRef>
+        <a:fillRef idx="1">
+          <a:scrgbClr r="0" g="0" b="0"/>
+        </a:fillRef>
+        <a:effectRef idx="0">
+          <a:scrgbClr r="0" g="0" b="0"/>
+        </a:effectRef>
+        <a:fontRef idx="minor">
+          <a:schemeClr val="lt1"/>
+        </a:fontRef>
+      </dsp:style>
+      <dsp:txBody>
+        <a:bodyPr spcFirstLastPara="0" vert="horz" wrap="square" lIns="87630" tIns="87630" rIns="87630" bIns="87630" numCol="1" spcCol="1270" anchor="ctr" anchorCtr="0">
+          <a:noAutofit/>
+        </a:bodyPr>
+        <a:lstStyle/>
+        <a:p>
+          <a:pPr marL="0" lvl="0" indent="0" algn="ctr" defTabSz="1022350">
+            <a:lnSpc>
+              <a:spcPct val="90000"/>
+            </a:lnSpc>
+            <a:spcBef>
+              <a:spcPct val="0"/>
+            </a:spcBef>
+            <a:spcAft>
+              <a:spcPct val="35000"/>
+            </a:spcAft>
+            <a:buNone/>
+          </a:pPr>
+          <a:r>
+            <a:rPr lang="en-US" sz="2300" kern="1200"/>
+            <a:t>We will embrace generative AI tools in this course</a:t>
+          </a:r>
+        </a:p>
+      </dsp:txBody>
+      <dsp:txXfrm>
+        <a:off x="757092" y="1992"/>
+        <a:ext cx="3034531" cy="1820718"/>
+      </dsp:txXfrm>
+    </dsp:sp>
+    <dsp:sp modelId="{4E7C8030-DD47-0649-B861-1B661637147F}">
+      <dsp:nvSpPr>
+        <dsp:cNvPr id="0" name=""/>
+        <dsp:cNvSpPr/>
+      </dsp:nvSpPr>
+      <dsp:spPr>
+        <a:xfrm>
+          <a:off x="4095076" y="1992"/>
+          <a:ext cx="3034531" cy="1820718"/>
+        </a:xfrm>
+        <a:prstGeom prst="rect">
+          <a:avLst/>
+        </a:prstGeom>
+        <a:solidFill>
+          <a:schemeClr val="accent2">
+            <a:hueOff val="2340760"/>
+            <a:satOff val="-2919"/>
+            <a:lumOff val="686"/>
+            <a:alphaOff val="0"/>
+          </a:schemeClr>
+        </a:solidFill>
+        <a:ln w="25400" cap="flat" cmpd="sng" algn="ctr">
+          <a:solidFill>
+            <a:schemeClr val="lt1">
+              <a:hueOff val="0"/>
+              <a:satOff val="0"/>
+              <a:lumOff val="0"/>
+              <a:alphaOff val="0"/>
+            </a:schemeClr>
+          </a:solidFill>
+          <a:prstDash val="solid"/>
+        </a:ln>
+        <a:effectLst/>
+      </dsp:spPr>
+      <dsp:style>
+        <a:lnRef idx="2">
+          <a:scrgbClr r="0" g="0" b="0"/>
+        </a:lnRef>
+        <a:fillRef idx="1">
+          <a:scrgbClr r="0" g="0" b="0"/>
+        </a:fillRef>
+        <a:effectRef idx="0">
+          <a:scrgbClr r="0" g="0" b="0"/>
+        </a:effectRef>
+        <a:fontRef idx="minor">
+          <a:schemeClr val="lt1"/>
+        </a:fontRef>
+      </dsp:style>
+      <dsp:txBody>
+        <a:bodyPr spcFirstLastPara="0" vert="horz" wrap="square" lIns="87630" tIns="87630" rIns="87630" bIns="87630" numCol="1" spcCol="1270" anchor="ctr" anchorCtr="0">
+          <a:noAutofit/>
+        </a:bodyPr>
+        <a:lstStyle/>
+        <a:p>
+          <a:pPr marL="0" lvl="0" indent="0" algn="ctr" defTabSz="1022350">
+            <a:lnSpc>
+              <a:spcPct val="90000"/>
+            </a:lnSpc>
+            <a:spcBef>
+              <a:spcPct val="0"/>
+            </a:spcBef>
+            <a:spcAft>
+              <a:spcPct val="35000"/>
+            </a:spcAft>
+            <a:buNone/>
+          </a:pPr>
+          <a:r>
+            <a:rPr lang="en-US" sz="2300" kern="1200" dirty="0"/>
+            <a:t>You must take responsibility for the content of your papers &amp; presentations </a:t>
+          </a:r>
+        </a:p>
+      </dsp:txBody>
+      <dsp:txXfrm>
+        <a:off x="4095076" y="1992"/>
+        <a:ext cx="3034531" cy="1820718"/>
+      </dsp:txXfrm>
+    </dsp:sp>
+    <dsp:sp modelId="{78AD606A-AAA1-5C46-8091-3E0C7BE7E769}">
+      <dsp:nvSpPr>
+        <dsp:cNvPr id="0" name=""/>
+        <dsp:cNvSpPr/>
+      </dsp:nvSpPr>
+      <dsp:spPr>
+        <a:xfrm>
+          <a:off x="2426084" y="2126164"/>
+          <a:ext cx="3034531" cy="1820718"/>
+        </a:xfrm>
+        <a:prstGeom prst="rect">
+          <a:avLst/>
+        </a:prstGeom>
+        <a:solidFill>
+          <a:schemeClr val="accent2">
+            <a:hueOff val="4681520"/>
+            <a:satOff val="-5839"/>
+            <a:lumOff val="1373"/>
+            <a:alphaOff val="0"/>
+          </a:schemeClr>
+        </a:solidFill>
+        <a:ln w="25400" cap="flat" cmpd="sng" algn="ctr">
+          <a:solidFill>
+            <a:schemeClr val="lt1">
+              <a:hueOff val="0"/>
+              <a:satOff val="0"/>
+              <a:lumOff val="0"/>
+              <a:alphaOff val="0"/>
+            </a:schemeClr>
+          </a:solidFill>
+          <a:prstDash val="solid"/>
+        </a:ln>
+        <a:effectLst/>
+      </dsp:spPr>
+      <dsp:style>
+        <a:lnRef idx="2">
+          <a:scrgbClr r="0" g="0" b="0"/>
+        </a:lnRef>
+        <a:fillRef idx="1">
+          <a:scrgbClr r="0" g="0" b="0"/>
+        </a:fillRef>
+        <a:effectRef idx="0">
+          <a:scrgbClr r="0" g="0" b="0"/>
+        </a:effectRef>
+        <a:fontRef idx="minor">
+          <a:schemeClr val="lt1"/>
+        </a:fontRef>
+      </dsp:style>
+      <dsp:txBody>
+        <a:bodyPr spcFirstLastPara="0" vert="horz" wrap="square" lIns="87630" tIns="87630" rIns="87630" bIns="87630" numCol="1" spcCol="1270" anchor="ctr" anchorCtr="0">
+          <a:noAutofit/>
+        </a:bodyPr>
+        <a:lstStyle/>
+        <a:p>
+          <a:pPr marL="0" lvl="0" indent="0" algn="ctr" defTabSz="1022350">
+            <a:lnSpc>
+              <a:spcPct val="90000"/>
+            </a:lnSpc>
+            <a:spcBef>
+              <a:spcPct val="0"/>
+            </a:spcBef>
+            <a:spcAft>
+              <a:spcPct val="35000"/>
+            </a:spcAft>
+            <a:buNone/>
+          </a:pPr>
+          <a:r>
+            <a:rPr lang="en-US" sz="2300" kern="1200" dirty="0"/>
+            <a:t>Generative AI tools can only be used to accelerate the finding and learning process, not replace it </a:t>
+          </a:r>
+        </a:p>
+      </dsp:txBody>
+      <dsp:txXfrm>
+        <a:off x="2426084" y="2126164"/>
+        <a:ext cx="3034531" cy="1820718"/>
+      </dsp:txXfrm>
+    </dsp:sp>
+  </dsp:spTree>
+</dsp:drawing>
 </file>
 
-<file path=ppt/diagrams/layout10.xml><?xml version="1.0" encoding="utf-8"?>
-<dgm:layoutDef xmlns:dgm="http://schemas.openxmlformats.org/drawingml/2006/diagram" xmlns:a="http://schemas.openxmlformats.org/drawingml/2006/main" uniqueId="urn:microsoft.com/office/officeart/2005/8/layout/default">
-  <dgm:title val=""/>
-  <dgm:desc val=""/>
-  <dgm:catLst>
-    <dgm:cat type="list" pri="400"/>
-  </dgm:catLst>
-  <dgm:sampData>
-    <dgm:dataModel>
-      <dgm:ptLst>
-        <dgm:pt modelId="0" type="doc"/>
-        <dgm:pt modelId="1">
-          <dgm:prSet phldr="1"/>
-        </dgm:pt>
-        <dgm:pt modelId="2">
-          <dgm:prSet phldr="1"/>
-        </dgm:pt>
-        <dgm:pt modelId="3">
-          <dgm:prSet phldr="1"/>
-        </dgm:pt>
-        <dgm:pt modelId="4">
-          <dgm:prSet phldr="1"/>
-        </dgm:pt>
-        <dgm:pt modelId="5">
-          <dgm:prSet phldr="1"/>
-        </dgm:pt>
-      </dgm:ptLst>
-      <dgm:cxnLst>
-        <dgm:cxn modelId="6" srcId="0" destId="1" srcOrd="0" destOrd="0"/>
-        <dgm:cxn modelId="7" srcId="0" destId="2" srcOrd="1" destOrd="0"/>
-        <dgm:cxn modelId="8" srcId="0" destId="3" srcOrd="2" destOrd="0"/>
-        <dgm:cxn modelId="9" srcId="0" destId="4" srcOrd="3" destOrd="0"/>
-        <dgm:cxn modelId="10" srcId="0" destId="5" srcOrd="4" destOrd="0"/>
-      </dgm:cxnLst>
-      <dgm:bg/>
-      <dgm:whole/>
-    </dgm:dataModel>
-  </dgm:sampData>
-  <dgm:styleData>
-    <dgm:dataModel>
-      <dgm:ptLst>
-        <dgm:pt modelId="0" type="doc"/>
-        <dgm:pt modelId="1"/>
-        <dgm:pt modelId="2"/>
-      </dgm:ptLst>
-      <dgm:cxnLst>
-        <dgm:cxn modelId="3" srcId="0" destId="1" srcOrd="0" destOrd="0"/>
-        <dgm:cxn modelId="4" srcId="0" destId="2" srcOrd="1" destOrd="0"/>
-      </dgm:cxnLst>
-      <dgm:bg/>
-      <dgm:whole/>
-    </dgm:dataModel>
-  </dgm:styleData>
-  <dgm:clrData>
-    <dgm:dataModel>
-      <dgm:ptLst>
-        <dgm:pt modelId="0" type="doc"/>
-        <dgm:pt modelId="1"/>
-        <dgm:pt modelId="2"/>
-        <dgm:pt modelId="3"/>
-        <dgm:pt modelId="4"/>
-        <dgm:pt modelId="5"/>
-        <dgm:pt modelId="6"/>
-      </dgm:ptLst>
-      <dgm:cxnLst>
-        <dgm:cxn modelId="7" srcId="0" destId="1" srcOrd="0" destOrd="0"/>
-        <dgm:cxn modelId="8" srcId="0" destId="2" srcOrd="1" destOrd="0"/>
-        <dgm:cxn modelId="9" srcId="0" destId="3" srcOrd="2" destOrd="0"/>
-        <dgm:cxn modelId="10" srcId="0" destId="4" srcOrd="3" destOrd="0"/>
-        <dgm:cxn modelId="11" srcId="0" destId="5" srcOrd="4" destOrd="0"/>
-        <dgm:cxn modelId="12" srcId="0" destId="6" srcOrd="5" destOrd="0"/>
-      </dgm:cxnLst>
-      <dgm:bg/>
-      <dgm:whole/>
-    </dgm:dataModel>
-  </dgm:clrData>
-  <dgm:layoutNode name="diagram">
-    <dgm:varLst>
-      <dgm:dir/>
-      <dgm:resizeHandles val="exact"/>
-    </dgm:varLst>
-    <dgm:choose name="Name0">
-      <dgm:if name="Name1" func="var" arg="dir" op="equ" val="norm">
-        <dgm:alg type="snake">
-          <dgm:param type="grDir" val="tL"/>
-          <dgm:param type="flowDir" val="row"/>
-          <dgm:param type="contDir" val="sameDir"/>
-          <dgm:param type="off" val="ctr"/>
-        </dgm:alg>
-      </dgm:if>
-      <dgm:else name="Name2">
-        <dgm:alg type="snake">
-          <dgm:param type="grDir" val="tR"/>
-          <dgm:param type="flowDir" val="row"/>
-          <dgm:param type="contDir" val="sameDir"/>
-          <dgm:param type="off" val="ctr"/>
-        </dgm:alg>
-      </dgm:else>
-    </dgm:choose>
-    <dgm:shape xmlns:r="http://schemas.openxmlformats.org/officeDocument/2006/relationships" r:blip="">
-      <dgm:adjLst/>
-    </dgm:shape>
-    <dgm:presOf/>
-    <dgm:constrLst>
-      <dgm:constr type="w" for="ch" forName="node" refType="w"/>
-      <dgm:constr type="h" for="ch" forName="node" refType="w" refFor="ch" refForName="node" fact="0.6"/>
-      <dgm:constr type="w" for="ch" forName="sibTrans" refType="w" refFor="ch" refForName="node" fact="0.1"/>
-      <dgm:constr type="sp" refType="w" refFor="ch" refForName="sibTrans"/>
-      <dgm:constr type="primFontSz" for="ch" forName="node" op="equ" val="65"/>
-    </dgm:constrLst>
-    <dgm:ruleLst/>
-    <dgm:forEach name="Name3" axis="ch" ptType="node">
-      <dgm:layoutNode name="node">
-        <dgm:varLst>
-          <dgm:bulletEnabled val="1"/>
-        </dgm:varLst>
-        <dgm:alg type="tx"/>
-        <dgm:shape xmlns:r="http://schemas.openxmlformats.org/officeDocument/2006/relationships" type="rect" r:blip="">
-          <dgm:adjLst/>
-        </dgm:shape>
-        <dgm:presOf axis="desOrSelf" ptType="node"/>
-        <dgm:constrLst>
-          <dgm:constr type="lMarg" refType="primFontSz" fact="0.3"/>
-          <dgm:constr type="rMarg" refType="primFontSz" fact="0.3"/>
-          <dgm:constr type="tMarg" refType="primFontSz" fact="0.3"/>
-          <dgm:constr type="bMarg" refType="primFontSz" fact="0.3"/>
-        </dgm:constrLst>
-        <dgm:ruleLst>
-          <dgm:rule type="primFontSz" val="5" fact="NaN" max="NaN"/>
-        </dgm:ruleLst>
-      </dgm:layoutNode>
-      <dgm:forEach name="Name4" axis="followSib" ptType="sibTrans" cnt="1">
-        <dgm:layoutNode name="sibTrans">
-          <dgm:alg type="sp"/>
-          <dgm:shape xmlns:r="http://schemas.openxmlformats.org/officeDocument/2006/relationships" r:blip="">
-            <dgm:adjLst/>
-          </dgm:shape>
-          <dgm:presOf/>
-          <dgm:constrLst/>
-          <dgm:ruleLst/>
-        </dgm:layoutNode>
-      </dgm:forEach>
-    </dgm:forEach>
-  </dgm:layoutNode>
-</dgm:layoutDef>
-</file>
-
-<file path=ppt/diagrams/layout2.xml><?xml version="1.0" encoding="utf-8"?>
-<dgm:layoutDef xmlns:dgm="http://schemas.openxmlformats.org/drawingml/2006/diagram" xmlns:a="http://schemas.openxmlformats.org/drawingml/2006/main" uniqueId="urn:microsoft.com/office/officeart/2005/8/layout/vList2">
-  <dgm:title val=""/>
-  <dgm:desc val=""/>
-  <dgm:catLst>
-    <dgm:cat type="list" pri="3000"/>
-    <dgm:cat type="convert" pri="1000"/>
-  </dgm:catLst>
-  <dgm:sampData>
-    <dgm:dataModel>
-      <dgm:ptLst>
-        <dgm:pt modelId="0" type="doc"/>
-        <dgm:pt modelId="1">
-          <dgm:prSet phldr="1"/>
-        </dgm:pt>
-        <dgm:pt modelId="11">
-          <dgm:prSet phldr="1"/>
-        </dgm:pt>
-        <dgm:pt modelId="2">
-          <dgm:prSet phldr="1"/>
-        </dgm:pt>
-        <dgm:pt modelId="21">
-          <dgm:prSet phldr="1"/>
-        </dgm:pt>
-      </dgm:ptLst>
-      <dgm:cxnLst>
-        <dgm:cxn modelId="4" srcId="0" destId="1" srcOrd="0" destOrd="0"/>
-        <dgm:cxn modelId="5" srcId="0" destId="2" srcOrd="1" destOrd="0"/>
-        <dgm:cxn modelId="12" srcId="1" destId="11" srcOrd="0" destOrd="0"/>
-        <dgm:cxn modelId="23" srcId="2" destId="21" srcOrd="0" destOrd="0"/>
-      </dgm:cxnLst>
-      <dgm:bg/>
-      <dgm:whole/>
-    </dgm:dataModel>
-  </dgm:sampData>
-  <dgm:styleData>
-    <dgm:dataModel>
-      <dgm:ptLst>
-        <dgm:pt modelId="0" type="doc"/>
-        <dgm:pt modelId="1"/>
-        <dgm:pt modelId="2"/>
-      </dgm:ptLst>
-      <dgm:cxnLst>
-        <dgm:cxn modelId="3" srcId="0" destId="1" srcOrd="0" destOrd="0"/>
-        <dgm:cxn modelId="4" srcId="0" destId="2" srcOrd="1" destOrd="0"/>
-      </dgm:cxnLst>
-      <dgm:bg/>
-      <dgm:whole/>
-    </dgm:dataModel>
-  </dgm:styleData>
-  <dgm:clrData>
-    <dgm:dataModel>
-      <dgm:ptLst>
-        <dgm:pt modelId="0" type="doc"/>
-        <dgm:pt modelId="1"/>
-        <dgm:pt modelId="2"/>
-        <dgm:pt modelId="3"/>
-        <dgm:pt modelId="4"/>
-      </dgm:ptLst>
-      <dgm:cxnLst>
-        <dgm:cxn modelId="5" srcId="0" destId="1" srcOrd="0" destOrd="0"/>
-        <dgm:cxn modelId="6" srcId="0" destId="2" srcOrd="1" destOrd="0"/>
-        <dgm:cxn modelId="7" srcId="0" destId="3" srcOrd="2" destOrd="0"/>
-        <dgm:cxn modelId="8" srcId="0" destId="4" srcOrd="3" destOrd="0"/>
-      </dgm:cxnLst>
-      <dgm:bg/>
-      <dgm:whole/>
-    </dgm:dataModel>
-  </dgm:clrData>
-  <dgm:layoutNode name="linear">
-    <dgm:varLst>
-      <dgm:animLvl val="lvl"/>
-      <dgm:resizeHandles val="exact"/>
-    </dgm:varLst>
-    <dgm:alg type="lin">
-      <dgm:param type="linDir" val="fromT"/>
-      <dgm:param type="vertAlign" val="mid"/>
-    </dgm:alg>
-    <dgm:shape xmlns:r="http://schemas.openxmlformats.org/officeDocument/2006/relationships" r:blip="">
-      <dgm:adjLst/>
-    </dgm:shape>
-    <dgm:presOf/>
-    <dgm:constrLst>
-      <dgm:constr type="w" for="ch" forName="parentText" refType="w"/>
-      <dgm:constr type="h" for="ch" forName="parentText" refType="primFontSz" refFor="ch" refForName="parentText" fact="0.52"/>
-      <dgm:constr type="w" for="ch" forName="childText" refType="w"/>
-      <dgm:constr type="h" for="ch" forName="childText" refType="primFontSz" refFor="ch" refForName="parentText" fact="0.46"/>
-      <dgm:constr type="h" for="ch" forName="parentText" op="equ"/>
-      <dgm:constr type="primFontSz" for="ch" forName="parentText" op="equ" val="65"/>
-      <dgm:constr type="primFontSz" for="ch" forName="childText" refType="primFontSz" refFor="ch" refForName="parentText" op="equ"/>
-      <dgm:constr type="h" for="ch" forName="spacer" refType="primFontSz" refFor="ch" refForName="parentText" fact="0.08"/>
-    </dgm:constrLst>
-    <dgm:ruleLst>
-      <dgm:rule type="primFontSz" for="ch" forName="parentText" val="5" fact="NaN" max="NaN"/>
-    </dgm:ruleLst>
-    <dgm:forEach name="Name0" axis="ch" ptType="node">
-      <dgm:layoutNode name="parentText" styleLbl="node1">
-        <dgm:varLst>
-          <dgm:chMax val="0"/>
-          <dgm:bulletEnabled val="1"/>
-        </dgm:varLst>
-        <dgm:alg type="tx">
-          <dgm:param type="parTxLTRAlign" val="l"/>
-          <dgm:param type="parTxRTLAlign" val="r"/>
-        </dgm:alg>
-        <dgm:shape xmlns:r="http://schemas.openxmlformats.org/officeDocument/2006/relationships" type="roundRect" r:blip="">
-          <dgm:adjLst/>
-        </dgm:shape>
-        <dgm:presOf axis="self"/>
-        <dgm:constrLst>
-          <dgm:constr type="tMarg" refType="primFontSz" fact="0.3"/>
-          <dgm:constr type="bMarg" refType="primFontSz" fact="0.3"/>
-          <dgm:constr type="lMarg" refType="primFontSz" fact="0.3"/>
-          <dgm:constr type="rMarg" refType="primFontSz" fact="0.3"/>
-        </dgm:constrLst>
-        <dgm:ruleLst>
-          <dgm:rule type="h" val="INF" fact="NaN" max="NaN"/>
-        </dgm:ruleLst>
-      </dgm:layoutNode>
-      <dgm:choose name="Name1">
-        <dgm:if name="Name2" axis="ch" ptType="node" func="cnt" op="gte" val="1">
-          <dgm:layoutNode name="childText" styleLbl="revTx">
-            <dgm:varLst>
-              <dgm:bulletEnabled val="1"/>
-            </dgm:varLst>
-            <dgm:alg type="tx">
-              <dgm:param type="stBulletLvl" val="1"/>
-              <dgm:param type="lnSpAfChP" val="20"/>
-            </dgm:alg>
-            <dgm:shape xmlns:r="http://schemas.openxmlformats.org/officeDocument/2006/relationships" type="rect" r:blip="">
-              <dgm:adjLst/>
-            </dgm:shape>
-            <dgm:presOf axis="des" ptType="node"/>
-            <dgm:constrLst>
-              <dgm:constr type="tMarg" refType="primFontSz" fact="0.1"/>
-              <dgm:constr type="bMarg" refType="primFontSz" fact="0.1"/>
-              <dgm:constr type="lMarg" refType="w" fact="0.09"/>
-            </dgm:constrLst>
-            <dgm:ruleLst>
-              <dgm:rule type="h" val="INF" fact="NaN" max="NaN"/>
-            </dgm:ruleLst>
-          </dgm:layoutNode>
-        </dgm:if>
-        <dgm:else name="Name3">
-          <dgm:choose name="Name4">
-            <dgm:if name="Name5" axis="par ch" ptType="doc node" func="cnt" op="gte" val="2">
-              <dgm:forEach name="Name6" axis="followSib" ptType="sibTrans" cnt="1">
-                <dgm:layoutNode name="spacer">
-                  <dgm:alg type="sp"/>
-                  <dgm:shape xmlns:r="http://schemas.openxmlformats.org/officeDocument/2006/relationships" r:blip="">
-                    <dgm:adjLst/>
-                  </dgm:shape>
-                  <dgm:presOf/>
-                  <dgm:constrLst/>
-                  <dgm:ruleLst/>
-                </dgm:layoutNode>
-              </dgm:forEach>
-            </dgm:if>
-            <dgm:else name="Name7"/>
-          </dgm:choose>
-        </dgm:else>
-      </dgm:choose>
-    </dgm:forEach>
-  </dgm:layoutNode>
-</dgm:layoutDef>
-</file>
-
-<file path=ppt/diagrams/layout3.xml><?xml version="1.0" encoding="utf-8"?>
+<file path=ppt/diagrams/layout1.xml><?xml version="1.0" encoding="utf-8"?>
 <dgm:layoutDef xmlns:dgm="http://schemas.openxmlformats.org/drawingml/2006/diagram" xmlns:a="http://schemas.openxmlformats.org/drawingml/2006/main" uniqueId="urn:microsoft.com/office/officeart/2018/5/layout/IconCircleLabelList">
   <dgm:title val="Icon Circle Label List"/>
   <dgm:desc val="Use to show non-sequential or grouped chunks of information accompanied by a related visuals. Works best with icons or small pictures with short text captions."/>
@@ -15087,7 +11643,7 @@
 </dgm:layoutDef>
 </file>
 
-<file path=ppt/diagrams/layout4.xml><?xml version="1.0" encoding="utf-8"?>
+<file path=ppt/diagrams/layout2.xml><?xml version="1.0" encoding="utf-8"?>
 <dgm:layoutDef xmlns:dgm="http://schemas.openxmlformats.org/drawingml/2006/diagram" xmlns:a="http://schemas.openxmlformats.org/drawingml/2006/main" uniqueId="urn:microsoft.com/office/officeart/2005/8/layout/hierarchy1">
   <dgm:title val=""/>
   <dgm:desc val=""/>
@@ -15650,7 +12206,7 @@
 </dgm:layoutDef>
 </file>
 
-<file path=ppt/diagrams/layout5.xml><?xml version="1.0" encoding="utf-8"?>
+<file path=ppt/diagrams/layout3.xml><?xml version="1.0" encoding="utf-8"?>
 <dgm:layoutDef xmlns:dgm="http://schemas.openxmlformats.org/drawingml/2006/diagram" xmlns:a="http://schemas.openxmlformats.org/drawingml/2006/main" uniqueId="urn:microsoft.com/office/officeart/2005/8/layout/default">
   <dgm:title val=""/>
   <dgm:desc val=""/>
@@ -15797,7 +12353,7 @@
 </dgm:layoutDef>
 </file>
 
-<file path=ppt/diagrams/layout6.xml><?xml version="1.0" encoding="utf-8"?>
+<file path=ppt/diagrams/layout4.xml><?xml version="1.0" encoding="utf-8"?>
 <dgm:layoutDef xmlns:dgm="http://schemas.openxmlformats.org/drawingml/2006/diagram" xmlns:a="http://schemas.openxmlformats.org/drawingml/2006/main" uniqueId="urn:microsoft.com/office/officeart/2005/8/layout/vList2">
   <dgm:title val=""/>
   <dgm:desc val=""/>
@@ -15964,7 +12520,7 @@
 </dgm:layoutDef>
 </file>
 
-<file path=ppt/diagrams/layout7.xml><?xml version="1.0" encoding="utf-8"?>
+<file path=ppt/diagrams/layout5.xml><?xml version="1.0" encoding="utf-8"?>
 <dgm:layoutDef xmlns:dgm="http://schemas.openxmlformats.org/drawingml/2006/diagram" xmlns:a="http://schemas.openxmlformats.org/drawingml/2006/main" uniqueId="urn:microsoft.com/office/officeart/2005/8/layout/hierarchy1">
   <dgm:title val=""/>
   <dgm:desc val=""/>
@@ -16527,7 +13083,7 @@
 </dgm:layoutDef>
 </file>
 
-<file path=ppt/diagrams/layout8.xml><?xml version="1.0" encoding="utf-8"?>
+<file path=ppt/diagrams/layout6.xml><?xml version="1.0" encoding="utf-8"?>
 <dgm:layoutDef xmlns:dgm="http://schemas.openxmlformats.org/drawingml/2006/diagram" xmlns:a="http://schemas.openxmlformats.org/drawingml/2006/main" uniqueId="urn:microsoft.com/office/officeart/2005/8/layout/vList2">
   <dgm:title val=""/>
   <dgm:desc val=""/>
@@ -16694,7 +13250,154 @@
 </dgm:layoutDef>
 </file>
 
-<file path=ppt/diagrams/layout9.xml><?xml version="1.0" encoding="utf-8"?>
+<file path=ppt/diagrams/layout7.xml><?xml version="1.0" encoding="utf-8"?>
+<dgm:layoutDef xmlns:dgm="http://schemas.openxmlformats.org/drawingml/2006/diagram" xmlns:a="http://schemas.openxmlformats.org/drawingml/2006/main" uniqueId="urn:microsoft.com/office/officeart/2005/8/layout/default">
+  <dgm:title val=""/>
+  <dgm:desc val=""/>
+  <dgm:catLst>
+    <dgm:cat type="list" pri="400"/>
+  </dgm:catLst>
+  <dgm:sampData>
+    <dgm:dataModel>
+      <dgm:ptLst>
+        <dgm:pt modelId="0" type="doc"/>
+        <dgm:pt modelId="1">
+          <dgm:prSet phldr="1"/>
+        </dgm:pt>
+        <dgm:pt modelId="2">
+          <dgm:prSet phldr="1"/>
+        </dgm:pt>
+        <dgm:pt modelId="3">
+          <dgm:prSet phldr="1"/>
+        </dgm:pt>
+        <dgm:pt modelId="4">
+          <dgm:prSet phldr="1"/>
+        </dgm:pt>
+        <dgm:pt modelId="5">
+          <dgm:prSet phldr="1"/>
+        </dgm:pt>
+      </dgm:ptLst>
+      <dgm:cxnLst>
+        <dgm:cxn modelId="6" srcId="0" destId="1" srcOrd="0" destOrd="0"/>
+        <dgm:cxn modelId="7" srcId="0" destId="2" srcOrd="1" destOrd="0"/>
+        <dgm:cxn modelId="8" srcId="0" destId="3" srcOrd="2" destOrd="0"/>
+        <dgm:cxn modelId="9" srcId="0" destId="4" srcOrd="3" destOrd="0"/>
+        <dgm:cxn modelId="10" srcId="0" destId="5" srcOrd="4" destOrd="0"/>
+      </dgm:cxnLst>
+      <dgm:bg/>
+      <dgm:whole/>
+    </dgm:dataModel>
+  </dgm:sampData>
+  <dgm:styleData>
+    <dgm:dataModel>
+      <dgm:ptLst>
+        <dgm:pt modelId="0" type="doc"/>
+        <dgm:pt modelId="1"/>
+        <dgm:pt modelId="2"/>
+      </dgm:ptLst>
+      <dgm:cxnLst>
+        <dgm:cxn modelId="3" srcId="0" destId="1" srcOrd="0" destOrd="0"/>
+        <dgm:cxn modelId="4" srcId="0" destId="2" srcOrd="1" destOrd="0"/>
+      </dgm:cxnLst>
+      <dgm:bg/>
+      <dgm:whole/>
+    </dgm:dataModel>
+  </dgm:styleData>
+  <dgm:clrData>
+    <dgm:dataModel>
+      <dgm:ptLst>
+        <dgm:pt modelId="0" type="doc"/>
+        <dgm:pt modelId="1"/>
+        <dgm:pt modelId="2"/>
+        <dgm:pt modelId="3"/>
+        <dgm:pt modelId="4"/>
+        <dgm:pt modelId="5"/>
+        <dgm:pt modelId="6"/>
+      </dgm:ptLst>
+      <dgm:cxnLst>
+        <dgm:cxn modelId="7" srcId="0" destId="1" srcOrd="0" destOrd="0"/>
+        <dgm:cxn modelId="8" srcId="0" destId="2" srcOrd="1" destOrd="0"/>
+        <dgm:cxn modelId="9" srcId="0" destId="3" srcOrd="2" destOrd="0"/>
+        <dgm:cxn modelId="10" srcId="0" destId="4" srcOrd="3" destOrd="0"/>
+        <dgm:cxn modelId="11" srcId="0" destId="5" srcOrd="4" destOrd="0"/>
+        <dgm:cxn modelId="12" srcId="0" destId="6" srcOrd="5" destOrd="0"/>
+      </dgm:cxnLst>
+      <dgm:bg/>
+      <dgm:whole/>
+    </dgm:dataModel>
+  </dgm:clrData>
+  <dgm:layoutNode name="diagram">
+    <dgm:varLst>
+      <dgm:dir/>
+      <dgm:resizeHandles val="exact"/>
+    </dgm:varLst>
+    <dgm:choose name="Name0">
+      <dgm:if name="Name1" func="var" arg="dir" op="equ" val="norm">
+        <dgm:alg type="snake">
+          <dgm:param type="grDir" val="tL"/>
+          <dgm:param type="flowDir" val="row"/>
+          <dgm:param type="contDir" val="sameDir"/>
+          <dgm:param type="off" val="ctr"/>
+        </dgm:alg>
+      </dgm:if>
+      <dgm:else name="Name2">
+        <dgm:alg type="snake">
+          <dgm:param type="grDir" val="tR"/>
+          <dgm:param type="flowDir" val="row"/>
+          <dgm:param type="contDir" val="sameDir"/>
+          <dgm:param type="off" val="ctr"/>
+        </dgm:alg>
+      </dgm:else>
+    </dgm:choose>
+    <dgm:shape xmlns:r="http://schemas.openxmlformats.org/officeDocument/2006/relationships" r:blip="">
+      <dgm:adjLst/>
+    </dgm:shape>
+    <dgm:presOf/>
+    <dgm:constrLst>
+      <dgm:constr type="w" for="ch" forName="node" refType="w"/>
+      <dgm:constr type="h" for="ch" forName="node" refType="w" refFor="ch" refForName="node" fact="0.6"/>
+      <dgm:constr type="w" for="ch" forName="sibTrans" refType="w" refFor="ch" refForName="node" fact="0.1"/>
+      <dgm:constr type="sp" refType="w" refFor="ch" refForName="sibTrans"/>
+      <dgm:constr type="primFontSz" for="ch" forName="node" op="equ" val="65"/>
+    </dgm:constrLst>
+    <dgm:ruleLst/>
+    <dgm:forEach name="Name3" axis="ch" ptType="node">
+      <dgm:layoutNode name="node">
+        <dgm:varLst>
+          <dgm:bulletEnabled val="1"/>
+        </dgm:varLst>
+        <dgm:alg type="tx"/>
+        <dgm:shape xmlns:r="http://schemas.openxmlformats.org/officeDocument/2006/relationships" type="rect" r:blip="">
+          <dgm:adjLst/>
+        </dgm:shape>
+        <dgm:presOf axis="desOrSelf" ptType="node"/>
+        <dgm:constrLst>
+          <dgm:constr type="lMarg" refType="primFontSz" fact="0.3"/>
+          <dgm:constr type="rMarg" refType="primFontSz" fact="0.3"/>
+          <dgm:constr type="tMarg" refType="primFontSz" fact="0.3"/>
+          <dgm:constr type="bMarg" refType="primFontSz" fact="0.3"/>
+        </dgm:constrLst>
+        <dgm:ruleLst>
+          <dgm:rule type="primFontSz" val="5" fact="NaN" max="NaN"/>
+        </dgm:ruleLst>
+      </dgm:layoutNode>
+      <dgm:forEach name="Name4" axis="followSib" ptType="sibTrans" cnt="1">
+        <dgm:layoutNode name="sibTrans">
+          <dgm:alg type="sp"/>
+          <dgm:shape xmlns:r="http://schemas.openxmlformats.org/officeDocument/2006/relationships" r:blip="">
+            <dgm:adjLst/>
+          </dgm:shape>
+          <dgm:presOf/>
+          <dgm:constrLst/>
+          <dgm:ruleLst/>
+        </dgm:layoutNode>
+      </dgm:forEach>
+    </dgm:forEach>
+  </dgm:layoutNode>
+</dgm:layoutDef>
+</file>
+
+<file path=ppt/diagrams/layout8.xml><?xml version="1.0" encoding="utf-8"?>
 <dgm:layoutDef xmlns:dgm="http://schemas.openxmlformats.org/drawingml/2006/diagram" xmlns:a="http://schemas.openxmlformats.org/drawingml/2006/main" uniqueId="urn:microsoft.com/office/officeart/2005/8/layout/default">
   <dgm:title val=""/>
   <dgm:desc val=""/>
@@ -17875,1040 +14578,6 @@
 </dgm:styleDef>
 </file>
 
-<file path=ppt/diagrams/quickStyle10.xml><?xml version="1.0" encoding="utf-8"?>
-<dgm:styleDef xmlns:dgm="http://schemas.openxmlformats.org/drawingml/2006/diagram" xmlns:a="http://schemas.openxmlformats.org/drawingml/2006/main" uniqueId="urn:microsoft.com/office/officeart/2005/8/quickstyle/simple1">
-  <dgm:title val=""/>
-  <dgm:desc val=""/>
-  <dgm:catLst>
-    <dgm:cat type="simple" pri="10100"/>
-  </dgm:catLst>
-  <dgm:scene3d>
-    <a:camera prst="orthographicFront"/>
-    <a:lightRig rig="threePt" dir="t"/>
-  </dgm:scene3d>
-  <dgm:styleLbl name="node0">
-    <dgm:scene3d>
-      <a:camera prst="orthographicFront"/>
-      <a:lightRig rig="threePt" dir="t"/>
-    </dgm:scene3d>
-    <dgm:sp3d/>
-    <dgm:txPr/>
-    <dgm:style>
-      <a:lnRef idx="2">
-        <a:scrgbClr r="0" g="0" b="0"/>
-      </a:lnRef>
-      <a:fillRef idx="1">
-        <a:scrgbClr r="0" g="0" b="0"/>
-      </a:fillRef>
-      <a:effectRef idx="0">
-        <a:scrgbClr r="0" g="0" b="0"/>
-      </a:effectRef>
-      <a:fontRef idx="minor">
-        <a:schemeClr val="lt1"/>
-      </a:fontRef>
-    </dgm:style>
-  </dgm:styleLbl>
-  <dgm:styleLbl name="lnNode1">
-    <dgm:scene3d>
-      <a:camera prst="orthographicFront"/>
-      <a:lightRig rig="threePt" dir="t"/>
-    </dgm:scene3d>
-    <dgm:sp3d/>
-    <dgm:txPr/>
-    <dgm:style>
-      <a:lnRef idx="2">
-        <a:scrgbClr r="0" g="0" b="0"/>
-      </a:lnRef>
-      <a:fillRef idx="1">
-        <a:scrgbClr r="0" g="0" b="0"/>
-      </a:fillRef>
-      <a:effectRef idx="0">
-        <a:scrgbClr r="0" g="0" b="0"/>
-      </a:effectRef>
-      <a:fontRef idx="minor">
-        <a:schemeClr val="lt1"/>
-      </a:fontRef>
-    </dgm:style>
-  </dgm:styleLbl>
-  <dgm:styleLbl name="vennNode1">
-    <dgm:scene3d>
-      <a:camera prst="orthographicFront"/>
-      <a:lightRig rig="threePt" dir="t"/>
-    </dgm:scene3d>
-    <dgm:sp3d/>
-    <dgm:txPr/>
-    <dgm:style>
-      <a:lnRef idx="2">
-        <a:scrgbClr r="0" g="0" b="0"/>
-      </a:lnRef>
-      <a:fillRef idx="1">
-        <a:scrgbClr r="0" g="0" b="0"/>
-      </a:fillRef>
-      <a:effectRef idx="0">
-        <a:scrgbClr r="0" g="0" b="0"/>
-      </a:effectRef>
-      <a:fontRef idx="minor">
-        <a:schemeClr val="tx1"/>
-      </a:fontRef>
-    </dgm:style>
-  </dgm:styleLbl>
-  <dgm:styleLbl name="alignNode1">
-    <dgm:scene3d>
-      <a:camera prst="orthographicFront"/>
-      <a:lightRig rig="threePt" dir="t"/>
-    </dgm:scene3d>
-    <dgm:sp3d/>
-    <dgm:txPr/>
-    <dgm:style>
-      <a:lnRef idx="2">
-        <a:scrgbClr r="0" g="0" b="0"/>
-      </a:lnRef>
-      <a:fillRef idx="1">
-        <a:scrgbClr r="0" g="0" b="0"/>
-      </a:fillRef>
-      <a:effectRef idx="0">
-        <a:scrgbClr r="0" g="0" b="0"/>
-      </a:effectRef>
-      <a:fontRef idx="minor">
-        <a:schemeClr val="lt1"/>
-      </a:fontRef>
-    </dgm:style>
-  </dgm:styleLbl>
-  <dgm:styleLbl name="node1">
-    <dgm:scene3d>
-      <a:camera prst="orthographicFront"/>
-      <a:lightRig rig="threePt" dir="t"/>
-    </dgm:scene3d>
-    <dgm:sp3d/>
-    <dgm:txPr/>
-    <dgm:style>
-      <a:lnRef idx="2">
-        <a:scrgbClr r="0" g="0" b="0"/>
-      </a:lnRef>
-      <a:fillRef idx="1">
-        <a:scrgbClr r="0" g="0" b="0"/>
-      </a:fillRef>
-      <a:effectRef idx="0">
-        <a:scrgbClr r="0" g="0" b="0"/>
-      </a:effectRef>
-      <a:fontRef idx="minor">
-        <a:schemeClr val="lt1"/>
-      </a:fontRef>
-    </dgm:style>
-  </dgm:styleLbl>
-  <dgm:styleLbl name="node2">
-    <dgm:scene3d>
-      <a:camera prst="orthographicFront"/>
-      <a:lightRig rig="threePt" dir="t"/>
-    </dgm:scene3d>
-    <dgm:sp3d/>
-    <dgm:txPr/>
-    <dgm:style>
-      <a:lnRef idx="2">
-        <a:scrgbClr r="0" g="0" b="0"/>
-      </a:lnRef>
-      <a:fillRef idx="1">
-        <a:scrgbClr r="0" g="0" b="0"/>
-      </a:fillRef>
-      <a:effectRef idx="0">
-        <a:scrgbClr r="0" g="0" b="0"/>
-      </a:effectRef>
-      <a:fontRef idx="minor">
-        <a:schemeClr val="lt1"/>
-      </a:fontRef>
-    </dgm:style>
-  </dgm:styleLbl>
-  <dgm:styleLbl name="node3">
-    <dgm:scene3d>
-      <a:camera prst="orthographicFront"/>
-      <a:lightRig rig="threePt" dir="t"/>
-    </dgm:scene3d>
-    <dgm:sp3d/>
-    <dgm:txPr/>
-    <dgm:style>
-      <a:lnRef idx="2">
-        <a:scrgbClr r="0" g="0" b="0"/>
-      </a:lnRef>
-      <a:fillRef idx="1">
-        <a:scrgbClr r="0" g="0" b="0"/>
-      </a:fillRef>
-      <a:effectRef idx="0">
-        <a:scrgbClr r="0" g="0" b="0"/>
-      </a:effectRef>
-      <a:fontRef idx="minor">
-        <a:schemeClr val="lt1"/>
-      </a:fontRef>
-    </dgm:style>
-  </dgm:styleLbl>
-  <dgm:styleLbl name="node4">
-    <dgm:scene3d>
-      <a:camera prst="orthographicFront"/>
-      <a:lightRig rig="threePt" dir="t"/>
-    </dgm:scene3d>
-    <dgm:sp3d/>
-    <dgm:txPr/>
-    <dgm:style>
-      <a:lnRef idx="2">
-        <a:scrgbClr r="0" g="0" b="0"/>
-      </a:lnRef>
-      <a:fillRef idx="1">
-        <a:scrgbClr r="0" g="0" b="0"/>
-      </a:fillRef>
-      <a:effectRef idx="0">
-        <a:scrgbClr r="0" g="0" b="0"/>
-      </a:effectRef>
-      <a:fontRef idx="minor">
-        <a:schemeClr val="lt1"/>
-      </a:fontRef>
-    </dgm:style>
-  </dgm:styleLbl>
-  <dgm:styleLbl name="fgImgPlace1">
-    <dgm:scene3d>
-      <a:camera prst="orthographicFront"/>
-      <a:lightRig rig="threePt" dir="t"/>
-    </dgm:scene3d>
-    <dgm:sp3d/>
-    <dgm:txPr/>
-    <dgm:style>
-      <a:lnRef idx="2">
-        <a:scrgbClr r="0" g="0" b="0"/>
-      </a:lnRef>
-      <a:fillRef idx="1">
-        <a:scrgbClr r="0" g="0" b="0"/>
-      </a:fillRef>
-      <a:effectRef idx="0">
-        <a:scrgbClr r="0" g="0" b="0"/>
-      </a:effectRef>
-      <a:fontRef idx="minor"/>
-    </dgm:style>
-  </dgm:styleLbl>
-  <dgm:styleLbl name="alignImgPlace1">
-    <dgm:scene3d>
-      <a:camera prst="orthographicFront"/>
-      <a:lightRig rig="threePt" dir="t"/>
-    </dgm:scene3d>
-    <dgm:sp3d/>
-    <dgm:txPr/>
-    <dgm:style>
-      <a:lnRef idx="2">
-        <a:scrgbClr r="0" g="0" b="0"/>
-      </a:lnRef>
-      <a:fillRef idx="1">
-        <a:scrgbClr r="0" g="0" b="0"/>
-      </a:fillRef>
-      <a:effectRef idx="0">
-        <a:scrgbClr r="0" g="0" b="0"/>
-      </a:effectRef>
-      <a:fontRef idx="minor"/>
-    </dgm:style>
-  </dgm:styleLbl>
-  <dgm:styleLbl name="bgImgPlace1">
-    <dgm:scene3d>
-      <a:camera prst="orthographicFront"/>
-      <a:lightRig rig="threePt" dir="t"/>
-    </dgm:scene3d>
-    <dgm:sp3d/>
-    <dgm:txPr/>
-    <dgm:style>
-      <a:lnRef idx="2">
-        <a:scrgbClr r="0" g="0" b="0"/>
-      </a:lnRef>
-      <a:fillRef idx="1">
-        <a:scrgbClr r="0" g="0" b="0"/>
-      </a:fillRef>
-      <a:effectRef idx="0">
-        <a:scrgbClr r="0" g="0" b="0"/>
-      </a:effectRef>
-      <a:fontRef idx="minor"/>
-    </dgm:style>
-  </dgm:styleLbl>
-  <dgm:styleLbl name="sibTrans2D1">
-    <dgm:scene3d>
-      <a:camera prst="orthographicFront"/>
-      <a:lightRig rig="threePt" dir="t"/>
-    </dgm:scene3d>
-    <dgm:sp3d/>
-    <dgm:txPr/>
-    <dgm:style>
-      <a:lnRef idx="0">
-        <a:scrgbClr r="0" g="0" b="0"/>
-      </a:lnRef>
-      <a:fillRef idx="1">
-        <a:scrgbClr r="0" g="0" b="0"/>
-      </a:fillRef>
-      <a:effectRef idx="0">
-        <a:scrgbClr r="0" g="0" b="0"/>
-      </a:effectRef>
-      <a:fontRef idx="minor">
-        <a:schemeClr val="lt1"/>
-      </a:fontRef>
-    </dgm:style>
-  </dgm:styleLbl>
-  <dgm:styleLbl name="fgSibTrans2D1">
-    <dgm:scene3d>
-      <a:camera prst="orthographicFront"/>
-      <a:lightRig rig="threePt" dir="t"/>
-    </dgm:scene3d>
-    <dgm:sp3d/>
-    <dgm:txPr/>
-    <dgm:style>
-      <a:lnRef idx="0">
-        <a:scrgbClr r="0" g="0" b="0"/>
-      </a:lnRef>
-      <a:fillRef idx="1">
-        <a:scrgbClr r="0" g="0" b="0"/>
-      </a:fillRef>
-      <a:effectRef idx="0">
-        <a:scrgbClr r="0" g="0" b="0"/>
-      </a:effectRef>
-      <a:fontRef idx="minor">
-        <a:schemeClr val="lt1"/>
-      </a:fontRef>
-    </dgm:style>
-  </dgm:styleLbl>
-  <dgm:styleLbl name="bgSibTrans2D1">
-    <dgm:scene3d>
-      <a:camera prst="orthographicFront"/>
-      <a:lightRig rig="threePt" dir="t"/>
-    </dgm:scene3d>
-    <dgm:sp3d/>
-    <dgm:txPr/>
-    <dgm:style>
-      <a:lnRef idx="0">
-        <a:scrgbClr r="0" g="0" b="0"/>
-      </a:lnRef>
-      <a:fillRef idx="1">
-        <a:scrgbClr r="0" g="0" b="0"/>
-      </a:fillRef>
-      <a:effectRef idx="0">
-        <a:scrgbClr r="0" g="0" b="0"/>
-      </a:effectRef>
-      <a:fontRef idx="minor">
-        <a:schemeClr val="lt1"/>
-      </a:fontRef>
-    </dgm:style>
-  </dgm:styleLbl>
-  <dgm:styleLbl name="sibTrans1D1">
-    <dgm:scene3d>
-      <a:camera prst="orthographicFront"/>
-      <a:lightRig rig="threePt" dir="t"/>
-    </dgm:scene3d>
-    <dgm:sp3d/>
-    <dgm:txPr/>
-    <dgm:style>
-      <a:lnRef idx="1">
-        <a:scrgbClr r="0" g="0" b="0"/>
-      </a:lnRef>
-      <a:fillRef idx="0">
-        <a:scrgbClr r="0" g="0" b="0"/>
-      </a:fillRef>
-      <a:effectRef idx="0">
-        <a:scrgbClr r="0" g="0" b="0"/>
-      </a:effectRef>
-      <a:fontRef idx="minor"/>
-    </dgm:style>
-  </dgm:styleLbl>
-  <dgm:styleLbl name="callout">
-    <dgm:scene3d>
-      <a:camera prst="orthographicFront"/>
-      <a:lightRig rig="threePt" dir="t"/>
-    </dgm:scene3d>
-    <dgm:sp3d/>
-    <dgm:txPr/>
-    <dgm:style>
-      <a:lnRef idx="2">
-        <a:scrgbClr r="0" g="0" b="0"/>
-      </a:lnRef>
-      <a:fillRef idx="1">
-        <a:scrgbClr r="0" g="0" b="0"/>
-      </a:fillRef>
-      <a:effectRef idx="0">
-        <a:scrgbClr r="0" g="0" b="0"/>
-      </a:effectRef>
-      <a:fontRef idx="minor"/>
-    </dgm:style>
-  </dgm:styleLbl>
-  <dgm:styleLbl name="asst0">
-    <dgm:scene3d>
-      <a:camera prst="orthographicFront"/>
-      <a:lightRig rig="threePt" dir="t"/>
-    </dgm:scene3d>
-    <dgm:sp3d/>
-    <dgm:txPr/>
-    <dgm:style>
-      <a:lnRef idx="2">
-        <a:scrgbClr r="0" g="0" b="0"/>
-      </a:lnRef>
-      <a:fillRef idx="1">
-        <a:scrgbClr r="0" g="0" b="0"/>
-      </a:fillRef>
-      <a:effectRef idx="0">
-        <a:scrgbClr r="0" g="0" b="0"/>
-      </a:effectRef>
-      <a:fontRef idx="minor">
-        <a:schemeClr val="lt1"/>
-      </a:fontRef>
-    </dgm:style>
-  </dgm:styleLbl>
-  <dgm:styleLbl name="asst1">
-    <dgm:scene3d>
-      <a:camera prst="orthographicFront"/>
-      <a:lightRig rig="threePt" dir="t"/>
-    </dgm:scene3d>
-    <dgm:sp3d/>
-    <dgm:txPr/>
-    <dgm:style>
-      <a:lnRef idx="2">
-        <a:scrgbClr r="0" g="0" b="0"/>
-      </a:lnRef>
-      <a:fillRef idx="1">
-        <a:scrgbClr r="0" g="0" b="0"/>
-      </a:fillRef>
-      <a:effectRef idx="0">
-        <a:scrgbClr r="0" g="0" b="0"/>
-      </a:effectRef>
-      <a:fontRef idx="minor">
-        <a:schemeClr val="lt1"/>
-      </a:fontRef>
-    </dgm:style>
-  </dgm:styleLbl>
-  <dgm:styleLbl name="asst2">
-    <dgm:scene3d>
-      <a:camera prst="orthographicFront"/>
-      <a:lightRig rig="threePt" dir="t"/>
-    </dgm:scene3d>
-    <dgm:sp3d/>
-    <dgm:txPr/>
-    <dgm:style>
-      <a:lnRef idx="2">
-        <a:scrgbClr r="0" g="0" b="0"/>
-      </a:lnRef>
-      <a:fillRef idx="1">
-        <a:scrgbClr r="0" g="0" b="0"/>
-      </a:fillRef>
-      <a:effectRef idx="0">
-        <a:scrgbClr r="0" g="0" b="0"/>
-      </a:effectRef>
-      <a:fontRef idx="minor">
-        <a:schemeClr val="lt1"/>
-      </a:fontRef>
-    </dgm:style>
-  </dgm:styleLbl>
-  <dgm:styleLbl name="asst3">
-    <dgm:scene3d>
-      <a:camera prst="orthographicFront"/>
-      <a:lightRig rig="threePt" dir="t"/>
-    </dgm:scene3d>
-    <dgm:sp3d/>
-    <dgm:txPr/>
-    <dgm:style>
-      <a:lnRef idx="2">
-        <a:scrgbClr r="0" g="0" b="0"/>
-      </a:lnRef>
-      <a:fillRef idx="1">
-        <a:scrgbClr r="0" g="0" b="0"/>
-      </a:fillRef>
-      <a:effectRef idx="0">
-        <a:scrgbClr r="0" g="0" b="0"/>
-      </a:effectRef>
-      <a:fontRef idx="minor">
-        <a:schemeClr val="lt1"/>
-      </a:fontRef>
-    </dgm:style>
-  </dgm:styleLbl>
-  <dgm:styleLbl name="asst4">
-    <dgm:scene3d>
-      <a:camera prst="orthographicFront"/>
-      <a:lightRig rig="threePt" dir="t"/>
-    </dgm:scene3d>
-    <dgm:sp3d/>
-    <dgm:txPr/>
-    <dgm:style>
-      <a:lnRef idx="2">
-        <a:scrgbClr r="0" g="0" b="0"/>
-      </a:lnRef>
-      <a:fillRef idx="1">
-        <a:scrgbClr r="0" g="0" b="0"/>
-      </a:fillRef>
-      <a:effectRef idx="0">
-        <a:scrgbClr r="0" g="0" b="0"/>
-      </a:effectRef>
-      <a:fontRef idx="minor">
-        <a:schemeClr val="lt1"/>
-      </a:fontRef>
-    </dgm:style>
-  </dgm:styleLbl>
-  <dgm:styleLbl name="parChTrans2D1">
-    <dgm:scene3d>
-      <a:camera prst="orthographicFront"/>
-      <a:lightRig rig="threePt" dir="t"/>
-    </dgm:scene3d>
-    <dgm:sp3d/>
-    <dgm:txPr/>
-    <dgm:style>
-      <a:lnRef idx="2">
-        <a:scrgbClr r="0" g="0" b="0"/>
-      </a:lnRef>
-      <a:fillRef idx="1">
-        <a:scrgbClr r="0" g="0" b="0"/>
-      </a:fillRef>
-      <a:effectRef idx="0">
-        <a:scrgbClr r="0" g="0" b="0"/>
-      </a:effectRef>
-      <a:fontRef idx="minor">
-        <a:schemeClr val="lt1"/>
-      </a:fontRef>
-    </dgm:style>
-  </dgm:styleLbl>
-  <dgm:styleLbl name="parChTrans2D2">
-    <dgm:scene3d>
-      <a:camera prst="orthographicFront"/>
-      <a:lightRig rig="threePt" dir="t"/>
-    </dgm:scene3d>
-    <dgm:sp3d/>
-    <dgm:txPr/>
-    <dgm:style>
-      <a:lnRef idx="2">
-        <a:scrgbClr r="0" g="0" b="0"/>
-      </a:lnRef>
-      <a:fillRef idx="1">
-        <a:scrgbClr r="0" g="0" b="0"/>
-      </a:fillRef>
-      <a:effectRef idx="0">
-        <a:scrgbClr r="0" g="0" b="0"/>
-      </a:effectRef>
-      <a:fontRef idx="minor">
-        <a:schemeClr val="lt1"/>
-      </a:fontRef>
-    </dgm:style>
-  </dgm:styleLbl>
-  <dgm:styleLbl name="parChTrans2D3">
-    <dgm:scene3d>
-      <a:camera prst="orthographicFront"/>
-      <a:lightRig rig="threePt" dir="t"/>
-    </dgm:scene3d>
-    <dgm:sp3d/>
-    <dgm:txPr/>
-    <dgm:style>
-      <a:lnRef idx="2">
-        <a:scrgbClr r="0" g="0" b="0"/>
-      </a:lnRef>
-      <a:fillRef idx="1">
-        <a:scrgbClr r="0" g="0" b="0"/>
-      </a:fillRef>
-      <a:effectRef idx="0">
-        <a:scrgbClr r="0" g="0" b="0"/>
-      </a:effectRef>
-      <a:fontRef idx="minor">
-        <a:schemeClr val="lt1"/>
-      </a:fontRef>
-    </dgm:style>
-  </dgm:styleLbl>
-  <dgm:styleLbl name="parChTrans2D4">
-    <dgm:scene3d>
-      <a:camera prst="orthographicFront"/>
-      <a:lightRig rig="threePt" dir="t"/>
-    </dgm:scene3d>
-    <dgm:sp3d/>
-    <dgm:txPr/>
-    <dgm:style>
-      <a:lnRef idx="2">
-        <a:scrgbClr r="0" g="0" b="0"/>
-      </a:lnRef>
-      <a:fillRef idx="1">
-        <a:scrgbClr r="0" g="0" b="0"/>
-      </a:fillRef>
-      <a:effectRef idx="0">
-        <a:scrgbClr r="0" g="0" b="0"/>
-      </a:effectRef>
-      <a:fontRef idx="minor">
-        <a:schemeClr val="lt1"/>
-      </a:fontRef>
-    </dgm:style>
-  </dgm:styleLbl>
-  <dgm:styleLbl name="parChTrans1D1">
-    <dgm:scene3d>
-      <a:camera prst="orthographicFront"/>
-      <a:lightRig rig="threePt" dir="t"/>
-    </dgm:scene3d>
-    <dgm:sp3d/>
-    <dgm:txPr/>
-    <dgm:style>
-      <a:lnRef idx="2">
-        <a:scrgbClr r="0" g="0" b="0"/>
-      </a:lnRef>
-      <a:fillRef idx="0">
-        <a:scrgbClr r="0" g="0" b="0"/>
-      </a:fillRef>
-      <a:effectRef idx="0">
-        <a:scrgbClr r="0" g="0" b="0"/>
-      </a:effectRef>
-      <a:fontRef idx="minor"/>
-    </dgm:style>
-  </dgm:styleLbl>
-  <dgm:styleLbl name="parChTrans1D2">
-    <dgm:scene3d>
-      <a:camera prst="orthographicFront"/>
-      <a:lightRig rig="threePt" dir="t"/>
-    </dgm:scene3d>
-    <dgm:sp3d/>
-    <dgm:txPr/>
-    <dgm:style>
-      <a:lnRef idx="2">
-        <a:scrgbClr r="0" g="0" b="0"/>
-      </a:lnRef>
-      <a:fillRef idx="0">
-        <a:scrgbClr r="0" g="0" b="0"/>
-      </a:fillRef>
-      <a:effectRef idx="0">
-        <a:scrgbClr r="0" g="0" b="0"/>
-      </a:effectRef>
-      <a:fontRef idx="minor"/>
-    </dgm:style>
-  </dgm:styleLbl>
-  <dgm:styleLbl name="parChTrans1D3">
-    <dgm:scene3d>
-      <a:camera prst="orthographicFront"/>
-      <a:lightRig rig="threePt" dir="t"/>
-    </dgm:scene3d>
-    <dgm:sp3d/>
-    <dgm:txPr/>
-    <dgm:style>
-      <a:lnRef idx="2">
-        <a:scrgbClr r="0" g="0" b="0"/>
-      </a:lnRef>
-      <a:fillRef idx="0">
-        <a:scrgbClr r="0" g="0" b="0"/>
-      </a:fillRef>
-      <a:effectRef idx="0">
-        <a:scrgbClr r="0" g="0" b="0"/>
-      </a:effectRef>
-      <a:fontRef idx="minor"/>
-    </dgm:style>
-  </dgm:styleLbl>
-  <dgm:styleLbl name="parChTrans1D4">
-    <dgm:scene3d>
-      <a:camera prst="orthographicFront"/>
-      <a:lightRig rig="threePt" dir="t"/>
-    </dgm:scene3d>
-    <dgm:sp3d/>
-    <dgm:txPr/>
-    <dgm:style>
-      <a:lnRef idx="2">
-        <a:scrgbClr r="0" g="0" b="0"/>
-      </a:lnRef>
-      <a:fillRef idx="0">
-        <a:scrgbClr r="0" g="0" b="0"/>
-      </a:fillRef>
-      <a:effectRef idx="0">
-        <a:scrgbClr r="0" g="0" b="0"/>
-      </a:effectRef>
-      <a:fontRef idx="minor"/>
-    </dgm:style>
-  </dgm:styleLbl>
-  <dgm:styleLbl name="fgAcc1">
-    <dgm:scene3d>
-      <a:camera prst="orthographicFront"/>
-      <a:lightRig rig="threePt" dir="t"/>
-    </dgm:scene3d>
-    <dgm:sp3d/>
-    <dgm:txPr/>
-    <dgm:style>
-      <a:lnRef idx="2">
-        <a:scrgbClr r="0" g="0" b="0"/>
-      </a:lnRef>
-      <a:fillRef idx="1">
-        <a:scrgbClr r="0" g="0" b="0"/>
-      </a:fillRef>
-      <a:effectRef idx="0">
-        <a:scrgbClr r="0" g="0" b="0"/>
-      </a:effectRef>
-      <a:fontRef idx="minor"/>
-    </dgm:style>
-  </dgm:styleLbl>
-  <dgm:styleLbl name="conFgAcc1">
-    <dgm:scene3d>
-      <a:camera prst="orthographicFront"/>
-      <a:lightRig rig="threePt" dir="t"/>
-    </dgm:scene3d>
-    <dgm:sp3d/>
-    <dgm:txPr/>
-    <dgm:style>
-      <a:lnRef idx="2">
-        <a:scrgbClr r="0" g="0" b="0"/>
-      </a:lnRef>
-      <a:fillRef idx="1">
-        <a:scrgbClr r="0" g="0" b="0"/>
-      </a:fillRef>
-      <a:effectRef idx="0">
-        <a:scrgbClr r="0" g="0" b="0"/>
-      </a:effectRef>
-      <a:fontRef idx="minor"/>
-    </dgm:style>
-  </dgm:styleLbl>
-  <dgm:styleLbl name="alignAcc1">
-    <dgm:scene3d>
-      <a:camera prst="orthographicFront"/>
-      <a:lightRig rig="threePt" dir="t"/>
-    </dgm:scene3d>
-    <dgm:sp3d/>
-    <dgm:txPr/>
-    <dgm:style>
-      <a:lnRef idx="2">
-        <a:scrgbClr r="0" g="0" b="0"/>
-      </a:lnRef>
-      <a:fillRef idx="1">
-        <a:scrgbClr r="0" g="0" b="0"/>
-      </a:fillRef>
-      <a:effectRef idx="0">
-        <a:scrgbClr r="0" g="0" b="0"/>
-      </a:effectRef>
-      <a:fontRef idx="minor"/>
-    </dgm:style>
-  </dgm:styleLbl>
-  <dgm:styleLbl name="trAlignAcc1">
-    <dgm:scene3d>
-      <a:camera prst="orthographicFront"/>
-      <a:lightRig rig="threePt" dir="t"/>
-    </dgm:scene3d>
-    <dgm:sp3d/>
-    <dgm:txPr/>
-    <dgm:style>
-      <a:lnRef idx="1">
-        <a:scrgbClr r="0" g="0" b="0"/>
-      </a:lnRef>
-      <a:fillRef idx="1">
-        <a:scrgbClr r="0" g="0" b="0"/>
-      </a:fillRef>
-      <a:effectRef idx="0">
-        <a:scrgbClr r="0" g="0" b="0"/>
-      </a:effectRef>
-      <a:fontRef idx="minor"/>
-    </dgm:style>
-  </dgm:styleLbl>
-  <dgm:styleLbl name="bgAcc1">
-    <dgm:scene3d>
-      <a:camera prst="orthographicFront"/>
-      <a:lightRig rig="threePt" dir="t"/>
-    </dgm:scene3d>
-    <dgm:sp3d/>
-    <dgm:txPr/>
-    <dgm:style>
-      <a:lnRef idx="2">
-        <a:scrgbClr r="0" g="0" b="0"/>
-      </a:lnRef>
-      <a:fillRef idx="1">
-        <a:scrgbClr r="0" g="0" b="0"/>
-      </a:fillRef>
-      <a:effectRef idx="0">
-        <a:scrgbClr r="0" g="0" b="0"/>
-      </a:effectRef>
-      <a:fontRef idx="minor"/>
-    </dgm:style>
-  </dgm:styleLbl>
-  <dgm:styleLbl name="solidFgAcc1">
-    <dgm:scene3d>
-      <a:camera prst="orthographicFront"/>
-      <a:lightRig rig="threePt" dir="t"/>
-    </dgm:scene3d>
-    <dgm:sp3d/>
-    <dgm:txPr/>
-    <dgm:style>
-      <a:lnRef idx="2">
-        <a:scrgbClr r="0" g="0" b="0"/>
-      </a:lnRef>
-      <a:fillRef idx="1">
-        <a:scrgbClr r="0" g="0" b="0"/>
-      </a:fillRef>
-      <a:effectRef idx="0">
-        <a:scrgbClr r="0" g="0" b="0"/>
-      </a:effectRef>
-      <a:fontRef idx="minor"/>
-    </dgm:style>
-  </dgm:styleLbl>
-  <dgm:styleLbl name="solidAlignAcc1">
-    <dgm:scene3d>
-      <a:camera prst="orthographicFront"/>
-      <a:lightRig rig="threePt" dir="t"/>
-    </dgm:scene3d>
-    <dgm:sp3d/>
-    <dgm:txPr/>
-    <dgm:style>
-      <a:lnRef idx="2">
-        <a:scrgbClr r="0" g="0" b="0"/>
-      </a:lnRef>
-      <a:fillRef idx="1">
-        <a:scrgbClr r="0" g="0" b="0"/>
-      </a:fillRef>
-      <a:effectRef idx="0">
-        <a:scrgbClr r="0" g="0" b="0"/>
-      </a:effectRef>
-      <a:fontRef idx="minor"/>
-    </dgm:style>
-  </dgm:styleLbl>
-  <dgm:styleLbl name="solidBgAcc1">
-    <dgm:scene3d>
-      <a:camera prst="orthographicFront"/>
-      <a:lightRig rig="threePt" dir="t"/>
-    </dgm:scene3d>
-    <dgm:sp3d/>
-    <dgm:txPr/>
-    <dgm:style>
-      <a:lnRef idx="2">
-        <a:scrgbClr r="0" g="0" b="0"/>
-      </a:lnRef>
-      <a:fillRef idx="1">
-        <a:scrgbClr r="0" g="0" b="0"/>
-      </a:fillRef>
-      <a:effectRef idx="0">
-        <a:scrgbClr r="0" g="0" b="0"/>
-      </a:effectRef>
-      <a:fontRef idx="minor"/>
-    </dgm:style>
-  </dgm:styleLbl>
-  <dgm:styleLbl name="fgAccFollowNode1">
-    <dgm:scene3d>
-      <a:camera prst="orthographicFront"/>
-      <a:lightRig rig="threePt" dir="t"/>
-    </dgm:scene3d>
-    <dgm:sp3d/>
-    <dgm:txPr/>
-    <dgm:style>
-      <a:lnRef idx="2">
-        <a:scrgbClr r="0" g="0" b="0"/>
-      </a:lnRef>
-      <a:fillRef idx="1">
-        <a:scrgbClr r="0" g="0" b="0"/>
-      </a:fillRef>
-      <a:effectRef idx="0">
-        <a:scrgbClr r="0" g="0" b="0"/>
-      </a:effectRef>
-      <a:fontRef idx="minor"/>
-    </dgm:style>
-  </dgm:styleLbl>
-  <dgm:styleLbl name="alignAccFollowNode1">
-    <dgm:scene3d>
-      <a:camera prst="orthographicFront"/>
-      <a:lightRig rig="threePt" dir="t"/>
-    </dgm:scene3d>
-    <dgm:sp3d/>
-    <dgm:txPr/>
-    <dgm:style>
-      <a:lnRef idx="2">
-        <a:scrgbClr r="0" g="0" b="0"/>
-      </a:lnRef>
-      <a:fillRef idx="1">
-        <a:scrgbClr r="0" g="0" b="0"/>
-      </a:fillRef>
-      <a:effectRef idx="0">
-        <a:scrgbClr r="0" g="0" b="0"/>
-      </a:effectRef>
-      <a:fontRef idx="minor"/>
-    </dgm:style>
-  </dgm:styleLbl>
-  <dgm:styleLbl name="bgAccFollowNode1">
-    <dgm:scene3d>
-      <a:camera prst="orthographicFront"/>
-      <a:lightRig rig="threePt" dir="t"/>
-    </dgm:scene3d>
-    <dgm:sp3d/>
-    <dgm:txPr/>
-    <dgm:style>
-      <a:lnRef idx="2">
-        <a:scrgbClr r="0" g="0" b="0"/>
-      </a:lnRef>
-      <a:fillRef idx="1">
-        <a:scrgbClr r="0" g="0" b="0"/>
-      </a:fillRef>
-      <a:effectRef idx="0">
-        <a:scrgbClr r="0" g="0" b="0"/>
-      </a:effectRef>
-      <a:fontRef idx="minor"/>
-    </dgm:style>
-  </dgm:styleLbl>
-  <dgm:styleLbl name="fgAcc0">
-    <dgm:scene3d>
-      <a:camera prst="orthographicFront"/>
-      <a:lightRig rig="threePt" dir="t"/>
-    </dgm:scene3d>
-    <dgm:sp3d/>
-    <dgm:txPr/>
-    <dgm:style>
-      <a:lnRef idx="2">
-        <a:scrgbClr r="0" g="0" b="0"/>
-      </a:lnRef>
-      <a:fillRef idx="1">
-        <a:scrgbClr r="0" g="0" b="0"/>
-      </a:fillRef>
-      <a:effectRef idx="0">
-        <a:scrgbClr r="0" g="0" b="0"/>
-      </a:effectRef>
-      <a:fontRef idx="minor"/>
-    </dgm:style>
-  </dgm:styleLbl>
-  <dgm:styleLbl name="fgAcc2">
-    <dgm:scene3d>
-      <a:camera prst="orthographicFront"/>
-      <a:lightRig rig="threePt" dir="t"/>
-    </dgm:scene3d>
-    <dgm:sp3d/>
-    <dgm:txPr/>
-    <dgm:style>
-      <a:lnRef idx="2">
-        <a:scrgbClr r="0" g="0" b="0"/>
-      </a:lnRef>
-      <a:fillRef idx="1">
-        <a:scrgbClr r="0" g="0" b="0"/>
-      </a:fillRef>
-      <a:effectRef idx="0">
-        <a:scrgbClr r="0" g="0" b="0"/>
-      </a:effectRef>
-      <a:fontRef idx="minor"/>
-    </dgm:style>
-  </dgm:styleLbl>
-  <dgm:styleLbl name="fgAcc3">
-    <dgm:scene3d>
-      <a:camera prst="orthographicFront"/>
-      <a:lightRig rig="threePt" dir="t"/>
-    </dgm:scene3d>
-    <dgm:sp3d/>
-    <dgm:txPr/>
-    <dgm:style>
-      <a:lnRef idx="2">
-        <a:scrgbClr r="0" g="0" b="0"/>
-      </a:lnRef>
-      <a:fillRef idx="1">
-        <a:scrgbClr r="0" g="0" b="0"/>
-      </a:fillRef>
-      <a:effectRef idx="0">
-        <a:scrgbClr r="0" g="0" b="0"/>
-      </a:effectRef>
-      <a:fontRef idx="minor"/>
-    </dgm:style>
-  </dgm:styleLbl>
-  <dgm:styleLbl name="fgAcc4">
-    <dgm:scene3d>
-      <a:camera prst="orthographicFront"/>
-      <a:lightRig rig="threePt" dir="t"/>
-    </dgm:scene3d>
-    <dgm:sp3d/>
-    <dgm:txPr/>
-    <dgm:style>
-      <a:lnRef idx="2">
-        <a:scrgbClr r="0" g="0" b="0"/>
-      </a:lnRef>
-      <a:fillRef idx="1">
-        <a:scrgbClr r="0" g="0" b="0"/>
-      </a:fillRef>
-      <a:effectRef idx="0">
-        <a:scrgbClr r="0" g="0" b="0"/>
-      </a:effectRef>
-      <a:fontRef idx="minor"/>
-    </dgm:style>
-  </dgm:styleLbl>
-  <dgm:styleLbl name="bgShp">
-    <dgm:scene3d>
-      <a:camera prst="orthographicFront"/>
-      <a:lightRig rig="threePt" dir="t"/>
-    </dgm:scene3d>
-    <dgm:sp3d/>
-    <dgm:txPr/>
-    <dgm:style>
-      <a:lnRef idx="0">
-        <a:scrgbClr r="0" g="0" b="0"/>
-      </a:lnRef>
-      <a:fillRef idx="1">
-        <a:scrgbClr r="0" g="0" b="0"/>
-      </a:fillRef>
-      <a:effectRef idx="0">
-        <a:scrgbClr r="0" g="0" b="0"/>
-      </a:effectRef>
-      <a:fontRef idx="minor"/>
-    </dgm:style>
-  </dgm:styleLbl>
-  <dgm:styleLbl name="dkBgShp">
-    <dgm:scene3d>
-      <a:camera prst="orthographicFront"/>
-      <a:lightRig rig="threePt" dir="t"/>
-    </dgm:scene3d>
-    <dgm:sp3d/>
-    <dgm:txPr/>
-    <dgm:style>
-      <a:lnRef idx="0">
-        <a:scrgbClr r="0" g="0" b="0"/>
-      </a:lnRef>
-      <a:fillRef idx="1">
-        <a:scrgbClr r="0" g="0" b="0"/>
-      </a:fillRef>
-      <a:effectRef idx="0">
-        <a:scrgbClr r="0" g="0" b="0"/>
-      </a:effectRef>
-      <a:fontRef idx="minor"/>
-    </dgm:style>
-  </dgm:styleLbl>
-  <dgm:styleLbl name="trBgShp">
-    <dgm:scene3d>
-      <a:camera prst="orthographicFront"/>
-      <a:lightRig rig="threePt" dir="t"/>
-    </dgm:scene3d>
-    <dgm:sp3d/>
-    <dgm:txPr/>
-    <dgm:style>
-      <a:lnRef idx="0">
-        <a:scrgbClr r="0" g="0" b="0"/>
-      </a:lnRef>
-      <a:fillRef idx="1">
-        <a:scrgbClr r="0" g="0" b="0"/>
-      </a:fillRef>
-      <a:effectRef idx="0">
-        <a:scrgbClr r="0" g="0" b="0"/>
-      </a:effectRef>
-      <a:fontRef idx="minor"/>
-    </dgm:style>
-  </dgm:styleLbl>
-  <dgm:styleLbl name="fgShp">
-    <dgm:scene3d>
-      <a:camera prst="orthographicFront"/>
-      <a:lightRig rig="threePt" dir="t"/>
-    </dgm:scene3d>
-    <dgm:sp3d/>
-    <dgm:txPr/>
-    <dgm:style>
-      <a:lnRef idx="2">
-        <a:scrgbClr r="0" g="0" b="0"/>
-      </a:lnRef>
-      <a:fillRef idx="1">
-        <a:scrgbClr r="0" g="0" b="0"/>
-      </a:fillRef>
-      <a:effectRef idx="0">
-        <a:scrgbClr r="0" g="0" b="0"/>
-      </a:effectRef>
-      <a:fontRef idx="minor"/>
-    </dgm:style>
-  </dgm:styleLbl>
-  <dgm:styleLbl name="revTx">
-    <dgm:scene3d>
-      <a:camera prst="orthographicFront"/>
-      <a:lightRig rig="threePt" dir="t"/>
-    </dgm:scene3d>
-    <dgm:sp3d/>
-    <dgm:txPr/>
-    <dgm:style>
-      <a:lnRef idx="0">
-        <a:scrgbClr r="0" g="0" b="0"/>
-      </a:lnRef>
-      <a:fillRef idx="0">
-        <a:scrgbClr r="0" g="0" b="0"/>
-      </a:fillRef>
-      <a:effectRef idx="0">
-        <a:scrgbClr r="0" g="0" b="0"/>
-      </a:effectRef>
-      <a:fontRef idx="minor"/>
-    </dgm:style>
-  </dgm:styleLbl>
-</dgm:styleDef>
-</file>
-
 <file path=ppt/diagrams/quickStyle2.xml><?xml version="1.0" encoding="utf-8"?>
 <dgm:styleDef xmlns:dgm="http://schemas.openxmlformats.org/drawingml/2006/diagram" xmlns:a="http://schemas.openxmlformats.org/drawingml/2006/main" uniqueId="urn:microsoft.com/office/officeart/2005/8/quickstyle/simple1">
   <dgm:title val=""/>
@@ -25114,1040 +20783,6 @@
 </file>
 
 <file path=ppt/diagrams/quickStyle8.xml><?xml version="1.0" encoding="utf-8"?>
-<dgm:styleDef xmlns:dgm="http://schemas.openxmlformats.org/drawingml/2006/diagram" xmlns:a="http://schemas.openxmlformats.org/drawingml/2006/main" uniqueId="urn:microsoft.com/office/officeart/2005/8/quickstyle/simple1">
-  <dgm:title val=""/>
-  <dgm:desc val=""/>
-  <dgm:catLst>
-    <dgm:cat type="simple" pri="10100"/>
-  </dgm:catLst>
-  <dgm:scene3d>
-    <a:camera prst="orthographicFront"/>
-    <a:lightRig rig="threePt" dir="t"/>
-  </dgm:scene3d>
-  <dgm:styleLbl name="node0">
-    <dgm:scene3d>
-      <a:camera prst="orthographicFront"/>
-      <a:lightRig rig="threePt" dir="t"/>
-    </dgm:scene3d>
-    <dgm:sp3d/>
-    <dgm:txPr/>
-    <dgm:style>
-      <a:lnRef idx="2">
-        <a:scrgbClr r="0" g="0" b="0"/>
-      </a:lnRef>
-      <a:fillRef idx="1">
-        <a:scrgbClr r="0" g="0" b="0"/>
-      </a:fillRef>
-      <a:effectRef idx="0">
-        <a:scrgbClr r="0" g="0" b="0"/>
-      </a:effectRef>
-      <a:fontRef idx="minor">
-        <a:schemeClr val="lt1"/>
-      </a:fontRef>
-    </dgm:style>
-  </dgm:styleLbl>
-  <dgm:styleLbl name="lnNode1">
-    <dgm:scene3d>
-      <a:camera prst="orthographicFront"/>
-      <a:lightRig rig="threePt" dir="t"/>
-    </dgm:scene3d>
-    <dgm:sp3d/>
-    <dgm:txPr/>
-    <dgm:style>
-      <a:lnRef idx="2">
-        <a:scrgbClr r="0" g="0" b="0"/>
-      </a:lnRef>
-      <a:fillRef idx="1">
-        <a:scrgbClr r="0" g="0" b="0"/>
-      </a:fillRef>
-      <a:effectRef idx="0">
-        <a:scrgbClr r="0" g="0" b="0"/>
-      </a:effectRef>
-      <a:fontRef idx="minor">
-        <a:schemeClr val="lt1"/>
-      </a:fontRef>
-    </dgm:style>
-  </dgm:styleLbl>
-  <dgm:styleLbl name="vennNode1">
-    <dgm:scene3d>
-      <a:camera prst="orthographicFront"/>
-      <a:lightRig rig="threePt" dir="t"/>
-    </dgm:scene3d>
-    <dgm:sp3d/>
-    <dgm:txPr/>
-    <dgm:style>
-      <a:lnRef idx="2">
-        <a:scrgbClr r="0" g="0" b="0"/>
-      </a:lnRef>
-      <a:fillRef idx="1">
-        <a:scrgbClr r="0" g="0" b="0"/>
-      </a:fillRef>
-      <a:effectRef idx="0">
-        <a:scrgbClr r="0" g="0" b="0"/>
-      </a:effectRef>
-      <a:fontRef idx="minor">
-        <a:schemeClr val="tx1"/>
-      </a:fontRef>
-    </dgm:style>
-  </dgm:styleLbl>
-  <dgm:styleLbl name="alignNode1">
-    <dgm:scene3d>
-      <a:camera prst="orthographicFront"/>
-      <a:lightRig rig="threePt" dir="t"/>
-    </dgm:scene3d>
-    <dgm:sp3d/>
-    <dgm:txPr/>
-    <dgm:style>
-      <a:lnRef idx="2">
-        <a:scrgbClr r="0" g="0" b="0"/>
-      </a:lnRef>
-      <a:fillRef idx="1">
-        <a:scrgbClr r="0" g="0" b="0"/>
-      </a:fillRef>
-      <a:effectRef idx="0">
-        <a:scrgbClr r="0" g="0" b="0"/>
-      </a:effectRef>
-      <a:fontRef idx="minor">
-        <a:schemeClr val="lt1"/>
-      </a:fontRef>
-    </dgm:style>
-  </dgm:styleLbl>
-  <dgm:styleLbl name="node1">
-    <dgm:scene3d>
-      <a:camera prst="orthographicFront"/>
-      <a:lightRig rig="threePt" dir="t"/>
-    </dgm:scene3d>
-    <dgm:sp3d/>
-    <dgm:txPr/>
-    <dgm:style>
-      <a:lnRef idx="2">
-        <a:scrgbClr r="0" g="0" b="0"/>
-      </a:lnRef>
-      <a:fillRef idx="1">
-        <a:scrgbClr r="0" g="0" b="0"/>
-      </a:fillRef>
-      <a:effectRef idx="0">
-        <a:scrgbClr r="0" g="0" b="0"/>
-      </a:effectRef>
-      <a:fontRef idx="minor">
-        <a:schemeClr val="lt1"/>
-      </a:fontRef>
-    </dgm:style>
-  </dgm:styleLbl>
-  <dgm:styleLbl name="node2">
-    <dgm:scene3d>
-      <a:camera prst="orthographicFront"/>
-      <a:lightRig rig="threePt" dir="t"/>
-    </dgm:scene3d>
-    <dgm:sp3d/>
-    <dgm:txPr/>
-    <dgm:style>
-      <a:lnRef idx="2">
-        <a:scrgbClr r="0" g="0" b="0"/>
-      </a:lnRef>
-      <a:fillRef idx="1">
-        <a:scrgbClr r="0" g="0" b="0"/>
-      </a:fillRef>
-      <a:effectRef idx="0">
-        <a:scrgbClr r="0" g="0" b="0"/>
-      </a:effectRef>
-      <a:fontRef idx="minor">
-        <a:schemeClr val="lt1"/>
-      </a:fontRef>
-    </dgm:style>
-  </dgm:styleLbl>
-  <dgm:styleLbl name="node3">
-    <dgm:scene3d>
-      <a:camera prst="orthographicFront"/>
-      <a:lightRig rig="threePt" dir="t"/>
-    </dgm:scene3d>
-    <dgm:sp3d/>
-    <dgm:txPr/>
-    <dgm:style>
-      <a:lnRef idx="2">
-        <a:scrgbClr r="0" g="0" b="0"/>
-      </a:lnRef>
-      <a:fillRef idx="1">
-        <a:scrgbClr r="0" g="0" b="0"/>
-      </a:fillRef>
-      <a:effectRef idx="0">
-        <a:scrgbClr r="0" g="0" b="0"/>
-      </a:effectRef>
-      <a:fontRef idx="minor">
-        <a:schemeClr val="lt1"/>
-      </a:fontRef>
-    </dgm:style>
-  </dgm:styleLbl>
-  <dgm:styleLbl name="node4">
-    <dgm:scene3d>
-      <a:camera prst="orthographicFront"/>
-      <a:lightRig rig="threePt" dir="t"/>
-    </dgm:scene3d>
-    <dgm:sp3d/>
-    <dgm:txPr/>
-    <dgm:style>
-      <a:lnRef idx="2">
-        <a:scrgbClr r="0" g="0" b="0"/>
-      </a:lnRef>
-      <a:fillRef idx="1">
-        <a:scrgbClr r="0" g="0" b="0"/>
-      </a:fillRef>
-      <a:effectRef idx="0">
-        <a:scrgbClr r="0" g="0" b="0"/>
-      </a:effectRef>
-      <a:fontRef idx="minor">
-        <a:schemeClr val="lt1"/>
-      </a:fontRef>
-    </dgm:style>
-  </dgm:styleLbl>
-  <dgm:styleLbl name="fgImgPlace1">
-    <dgm:scene3d>
-      <a:camera prst="orthographicFront"/>
-      <a:lightRig rig="threePt" dir="t"/>
-    </dgm:scene3d>
-    <dgm:sp3d/>
-    <dgm:txPr/>
-    <dgm:style>
-      <a:lnRef idx="2">
-        <a:scrgbClr r="0" g="0" b="0"/>
-      </a:lnRef>
-      <a:fillRef idx="1">
-        <a:scrgbClr r="0" g="0" b="0"/>
-      </a:fillRef>
-      <a:effectRef idx="0">
-        <a:scrgbClr r="0" g="0" b="0"/>
-      </a:effectRef>
-      <a:fontRef idx="minor"/>
-    </dgm:style>
-  </dgm:styleLbl>
-  <dgm:styleLbl name="alignImgPlace1">
-    <dgm:scene3d>
-      <a:camera prst="orthographicFront"/>
-      <a:lightRig rig="threePt" dir="t"/>
-    </dgm:scene3d>
-    <dgm:sp3d/>
-    <dgm:txPr/>
-    <dgm:style>
-      <a:lnRef idx="2">
-        <a:scrgbClr r="0" g="0" b="0"/>
-      </a:lnRef>
-      <a:fillRef idx="1">
-        <a:scrgbClr r="0" g="0" b="0"/>
-      </a:fillRef>
-      <a:effectRef idx="0">
-        <a:scrgbClr r="0" g="0" b="0"/>
-      </a:effectRef>
-      <a:fontRef idx="minor"/>
-    </dgm:style>
-  </dgm:styleLbl>
-  <dgm:styleLbl name="bgImgPlace1">
-    <dgm:scene3d>
-      <a:camera prst="orthographicFront"/>
-      <a:lightRig rig="threePt" dir="t"/>
-    </dgm:scene3d>
-    <dgm:sp3d/>
-    <dgm:txPr/>
-    <dgm:style>
-      <a:lnRef idx="2">
-        <a:scrgbClr r="0" g="0" b="0"/>
-      </a:lnRef>
-      <a:fillRef idx="1">
-        <a:scrgbClr r="0" g="0" b="0"/>
-      </a:fillRef>
-      <a:effectRef idx="0">
-        <a:scrgbClr r="0" g="0" b="0"/>
-      </a:effectRef>
-      <a:fontRef idx="minor"/>
-    </dgm:style>
-  </dgm:styleLbl>
-  <dgm:styleLbl name="sibTrans2D1">
-    <dgm:scene3d>
-      <a:camera prst="orthographicFront"/>
-      <a:lightRig rig="threePt" dir="t"/>
-    </dgm:scene3d>
-    <dgm:sp3d/>
-    <dgm:txPr/>
-    <dgm:style>
-      <a:lnRef idx="0">
-        <a:scrgbClr r="0" g="0" b="0"/>
-      </a:lnRef>
-      <a:fillRef idx="1">
-        <a:scrgbClr r="0" g="0" b="0"/>
-      </a:fillRef>
-      <a:effectRef idx="0">
-        <a:scrgbClr r="0" g="0" b="0"/>
-      </a:effectRef>
-      <a:fontRef idx="minor">
-        <a:schemeClr val="lt1"/>
-      </a:fontRef>
-    </dgm:style>
-  </dgm:styleLbl>
-  <dgm:styleLbl name="fgSibTrans2D1">
-    <dgm:scene3d>
-      <a:camera prst="orthographicFront"/>
-      <a:lightRig rig="threePt" dir="t"/>
-    </dgm:scene3d>
-    <dgm:sp3d/>
-    <dgm:txPr/>
-    <dgm:style>
-      <a:lnRef idx="0">
-        <a:scrgbClr r="0" g="0" b="0"/>
-      </a:lnRef>
-      <a:fillRef idx="1">
-        <a:scrgbClr r="0" g="0" b="0"/>
-      </a:fillRef>
-      <a:effectRef idx="0">
-        <a:scrgbClr r="0" g="0" b="0"/>
-      </a:effectRef>
-      <a:fontRef idx="minor">
-        <a:schemeClr val="lt1"/>
-      </a:fontRef>
-    </dgm:style>
-  </dgm:styleLbl>
-  <dgm:styleLbl name="bgSibTrans2D1">
-    <dgm:scene3d>
-      <a:camera prst="orthographicFront"/>
-      <a:lightRig rig="threePt" dir="t"/>
-    </dgm:scene3d>
-    <dgm:sp3d/>
-    <dgm:txPr/>
-    <dgm:style>
-      <a:lnRef idx="0">
-        <a:scrgbClr r="0" g="0" b="0"/>
-      </a:lnRef>
-      <a:fillRef idx="1">
-        <a:scrgbClr r="0" g="0" b="0"/>
-      </a:fillRef>
-      <a:effectRef idx="0">
-        <a:scrgbClr r="0" g="0" b="0"/>
-      </a:effectRef>
-      <a:fontRef idx="minor">
-        <a:schemeClr val="lt1"/>
-      </a:fontRef>
-    </dgm:style>
-  </dgm:styleLbl>
-  <dgm:styleLbl name="sibTrans1D1">
-    <dgm:scene3d>
-      <a:camera prst="orthographicFront"/>
-      <a:lightRig rig="threePt" dir="t"/>
-    </dgm:scene3d>
-    <dgm:sp3d/>
-    <dgm:txPr/>
-    <dgm:style>
-      <a:lnRef idx="1">
-        <a:scrgbClr r="0" g="0" b="0"/>
-      </a:lnRef>
-      <a:fillRef idx="0">
-        <a:scrgbClr r="0" g="0" b="0"/>
-      </a:fillRef>
-      <a:effectRef idx="0">
-        <a:scrgbClr r="0" g="0" b="0"/>
-      </a:effectRef>
-      <a:fontRef idx="minor"/>
-    </dgm:style>
-  </dgm:styleLbl>
-  <dgm:styleLbl name="callout">
-    <dgm:scene3d>
-      <a:camera prst="orthographicFront"/>
-      <a:lightRig rig="threePt" dir="t"/>
-    </dgm:scene3d>
-    <dgm:sp3d/>
-    <dgm:txPr/>
-    <dgm:style>
-      <a:lnRef idx="2">
-        <a:scrgbClr r="0" g="0" b="0"/>
-      </a:lnRef>
-      <a:fillRef idx="1">
-        <a:scrgbClr r="0" g="0" b="0"/>
-      </a:fillRef>
-      <a:effectRef idx="0">
-        <a:scrgbClr r="0" g="0" b="0"/>
-      </a:effectRef>
-      <a:fontRef idx="minor"/>
-    </dgm:style>
-  </dgm:styleLbl>
-  <dgm:styleLbl name="asst0">
-    <dgm:scene3d>
-      <a:camera prst="orthographicFront"/>
-      <a:lightRig rig="threePt" dir="t"/>
-    </dgm:scene3d>
-    <dgm:sp3d/>
-    <dgm:txPr/>
-    <dgm:style>
-      <a:lnRef idx="2">
-        <a:scrgbClr r="0" g="0" b="0"/>
-      </a:lnRef>
-      <a:fillRef idx="1">
-        <a:scrgbClr r="0" g="0" b="0"/>
-      </a:fillRef>
-      <a:effectRef idx="0">
-        <a:scrgbClr r="0" g="0" b="0"/>
-      </a:effectRef>
-      <a:fontRef idx="minor">
-        <a:schemeClr val="lt1"/>
-      </a:fontRef>
-    </dgm:style>
-  </dgm:styleLbl>
-  <dgm:styleLbl name="asst1">
-    <dgm:scene3d>
-      <a:camera prst="orthographicFront"/>
-      <a:lightRig rig="threePt" dir="t"/>
-    </dgm:scene3d>
-    <dgm:sp3d/>
-    <dgm:txPr/>
-    <dgm:style>
-      <a:lnRef idx="2">
-        <a:scrgbClr r="0" g="0" b="0"/>
-      </a:lnRef>
-      <a:fillRef idx="1">
-        <a:scrgbClr r="0" g="0" b="0"/>
-      </a:fillRef>
-      <a:effectRef idx="0">
-        <a:scrgbClr r="0" g="0" b="0"/>
-      </a:effectRef>
-      <a:fontRef idx="minor">
-        <a:schemeClr val="lt1"/>
-      </a:fontRef>
-    </dgm:style>
-  </dgm:styleLbl>
-  <dgm:styleLbl name="asst2">
-    <dgm:scene3d>
-      <a:camera prst="orthographicFront"/>
-      <a:lightRig rig="threePt" dir="t"/>
-    </dgm:scene3d>
-    <dgm:sp3d/>
-    <dgm:txPr/>
-    <dgm:style>
-      <a:lnRef idx="2">
-        <a:scrgbClr r="0" g="0" b="0"/>
-      </a:lnRef>
-      <a:fillRef idx="1">
-        <a:scrgbClr r="0" g="0" b="0"/>
-      </a:fillRef>
-      <a:effectRef idx="0">
-        <a:scrgbClr r="0" g="0" b="0"/>
-      </a:effectRef>
-      <a:fontRef idx="minor">
-        <a:schemeClr val="lt1"/>
-      </a:fontRef>
-    </dgm:style>
-  </dgm:styleLbl>
-  <dgm:styleLbl name="asst3">
-    <dgm:scene3d>
-      <a:camera prst="orthographicFront"/>
-      <a:lightRig rig="threePt" dir="t"/>
-    </dgm:scene3d>
-    <dgm:sp3d/>
-    <dgm:txPr/>
-    <dgm:style>
-      <a:lnRef idx="2">
-        <a:scrgbClr r="0" g="0" b="0"/>
-      </a:lnRef>
-      <a:fillRef idx="1">
-        <a:scrgbClr r="0" g="0" b="0"/>
-      </a:fillRef>
-      <a:effectRef idx="0">
-        <a:scrgbClr r="0" g="0" b="0"/>
-      </a:effectRef>
-      <a:fontRef idx="minor">
-        <a:schemeClr val="lt1"/>
-      </a:fontRef>
-    </dgm:style>
-  </dgm:styleLbl>
-  <dgm:styleLbl name="asst4">
-    <dgm:scene3d>
-      <a:camera prst="orthographicFront"/>
-      <a:lightRig rig="threePt" dir="t"/>
-    </dgm:scene3d>
-    <dgm:sp3d/>
-    <dgm:txPr/>
-    <dgm:style>
-      <a:lnRef idx="2">
-        <a:scrgbClr r="0" g="0" b="0"/>
-      </a:lnRef>
-      <a:fillRef idx="1">
-        <a:scrgbClr r="0" g="0" b="0"/>
-      </a:fillRef>
-      <a:effectRef idx="0">
-        <a:scrgbClr r="0" g="0" b="0"/>
-      </a:effectRef>
-      <a:fontRef idx="minor">
-        <a:schemeClr val="lt1"/>
-      </a:fontRef>
-    </dgm:style>
-  </dgm:styleLbl>
-  <dgm:styleLbl name="parChTrans2D1">
-    <dgm:scene3d>
-      <a:camera prst="orthographicFront"/>
-      <a:lightRig rig="threePt" dir="t"/>
-    </dgm:scene3d>
-    <dgm:sp3d/>
-    <dgm:txPr/>
-    <dgm:style>
-      <a:lnRef idx="2">
-        <a:scrgbClr r="0" g="0" b="0"/>
-      </a:lnRef>
-      <a:fillRef idx="1">
-        <a:scrgbClr r="0" g="0" b="0"/>
-      </a:fillRef>
-      <a:effectRef idx="0">
-        <a:scrgbClr r="0" g="0" b="0"/>
-      </a:effectRef>
-      <a:fontRef idx="minor">
-        <a:schemeClr val="lt1"/>
-      </a:fontRef>
-    </dgm:style>
-  </dgm:styleLbl>
-  <dgm:styleLbl name="parChTrans2D2">
-    <dgm:scene3d>
-      <a:camera prst="orthographicFront"/>
-      <a:lightRig rig="threePt" dir="t"/>
-    </dgm:scene3d>
-    <dgm:sp3d/>
-    <dgm:txPr/>
-    <dgm:style>
-      <a:lnRef idx="2">
-        <a:scrgbClr r="0" g="0" b="0"/>
-      </a:lnRef>
-      <a:fillRef idx="1">
-        <a:scrgbClr r="0" g="0" b="0"/>
-      </a:fillRef>
-      <a:effectRef idx="0">
-        <a:scrgbClr r="0" g="0" b="0"/>
-      </a:effectRef>
-      <a:fontRef idx="minor">
-        <a:schemeClr val="lt1"/>
-      </a:fontRef>
-    </dgm:style>
-  </dgm:styleLbl>
-  <dgm:styleLbl name="parChTrans2D3">
-    <dgm:scene3d>
-      <a:camera prst="orthographicFront"/>
-      <a:lightRig rig="threePt" dir="t"/>
-    </dgm:scene3d>
-    <dgm:sp3d/>
-    <dgm:txPr/>
-    <dgm:style>
-      <a:lnRef idx="2">
-        <a:scrgbClr r="0" g="0" b="0"/>
-      </a:lnRef>
-      <a:fillRef idx="1">
-        <a:scrgbClr r="0" g="0" b="0"/>
-      </a:fillRef>
-      <a:effectRef idx="0">
-        <a:scrgbClr r="0" g="0" b="0"/>
-      </a:effectRef>
-      <a:fontRef idx="minor">
-        <a:schemeClr val="lt1"/>
-      </a:fontRef>
-    </dgm:style>
-  </dgm:styleLbl>
-  <dgm:styleLbl name="parChTrans2D4">
-    <dgm:scene3d>
-      <a:camera prst="orthographicFront"/>
-      <a:lightRig rig="threePt" dir="t"/>
-    </dgm:scene3d>
-    <dgm:sp3d/>
-    <dgm:txPr/>
-    <dgm:style>
-      <a:lnRef idx="2">
-        <a:scrgbClr r="0" g="0" b="0"/>
-      </a:lnRef>
-      <a:fillRef idx="1">
-        <a:scrgbClr r="0" g="0" b="0"/>
-      </a:fillRef>
-      <a:effectRef idx="0">
-        <a:scrgbClr r="0" g="0" b="0"/>
-      </a:effectRef>
-      <a:fontRef idx="minor">
-        <a:schemeClr val="lt1"/>
-      </a:fontRef>
-    </dgm:style>
-  </dgm:styleLbl>
-  <dgm:styleLbl name="parChTrans1D1">
-    <dgm:scene3d>
-      <a:camera prst="orthographicFront"/>
-      <a:lightRig rig="threePt" dir="t"/>
-    </dgm:scene3d>
-    <dgm:sp3d/>
-    <dgm:txPr/>
-    <dgm:style>
-      <a:lnRef idx="2">
-        <a:scrgbClr r="0" g="0" b="0"/>
-      </a:lnRef>
-      <a:fillRef idx="0">
-        <a:scrgbClr r="0" g="0" b="0"/>
-      </a:fillRef>
-      <a:effectRef idx="0">
-        <a:scrgbClr r="0" g="0" b="0"/>
-      </a:effectRef>
-      <a:fontRef idx="minor"/>
-    </dgm:style>
-  </dgm:styleLbl>
-  <dgm:styleLbl name="parChTrans1D2">
-    <dgm:scene3d>
-      <a:camera prst="orthographicFront"/>
-      <a:lightRig rig="threePt" dir="t"/>
-    </dgm:scene3d>
-    <dgm:sp3d/>
-    <dgm:txPr/>
-    <dgm:style>
-      <a:lnRef idx="2">
-        <a:scrgbClr r="0" g="0" b="0"/>
-      </a:lnRef>
-      <a:fillRef idx="0">
-        <a:scrgbClr r="0" g="0" b="0"/>
-      </a:fillRef>
-      <a:effectRef idx="0">
-        <a:scrgbClr r="0" g="0" b="0"/>
-      </a:effectRef>
-      <a:fontRef idx="minor"/>
-    </dgm:style>
-  </dgm:styleLbl>
-  <dgm:styleLbl name="parChTrans1D3">
-    <dgm:scene3d>
-      <a:camera prst="orthographicFront"/>
-      <a:lightRig rig="threePt" dir="t"/>
-    </dgm:scene3d>
-    <dgm:sp3d/>
-    <dgm:txPr/>
-    <dgm:style>
-      <a:lnRef idx="2">
-        <a:scrgbClr r="0" g="0" b="0"/>
-      </a:lnRef>
-      <a:fillRef idx="0">
-        <a:scrgbClr r="0" g="0" b="0"/>
-      </a:fillRef>
-      <a:effectRef idx="0">
-        <a:scrgbClr r="0" g="0" b="0"/>
-      </a:effectRef>
-      <a:fontRef idx="minor"/>
-    </dgm:style>
-  </dgm:styleLbl>
-  <dgm:styleLbl name="parChTrans1D4">
-    <dgm:scene3d>
-      <a:camera prst="orthographicFront"/>
-      <a:lightRig rig="threePt" dir="t"/>
-    </dgm:scene3d>
-    <dgm:sp3d/>
-    <dgm:txPr/>
-    <dgm:style>
-      <a:lnRef idx="2">
-        <a:scrgbClr r="0" g="0" b="0"/>
-      </a:lnRef>
-      <a:fillRef idx="0">
-        <a:scrgbClr r="0" g="0" b="0"/>
-      </a:fillRef>
-      <a:effectRef idx="0">
-        <a:scrgbClr r="0" g="0" b="0"/>
-      </a:effectRef>
-      <a:fontRef idx="minor"/>
-    </dgm:style>
-  </dgm:styleLbl>
-  <dgm:styleLbl name="fgAcc1">
-    <dgm:scene3d>
-      <a:camera prst="orthographicFront"/>
-      <a:lightRig rig="threePt" dir="t"/>
-    </dgm:scene3d>
-    <dgm:sp3d/>
-    <dgm:txPr/>
-    <dgm:style>
-      <a:lnRef idx="2">
-        <a:scrgbClr r="0" g="0" b="0"/>
-      </a:lnRef>
-      <a:fillRef idx="1">
-        <a:scrgbClr r="0" g="0" b="0"/>
-      </a:fillRef>
-      <a:effectRef idx="0">
-        <a:scrgbClr r="0" g="0" b="0"/>
-      </a:effectRef>
-      <a:fontRef idx="minor"/>
-    </dgm:style>
-  </dgm:styleLbl>
-  <dgm:styleLbl name="conFgAcc1">
-    <dgm:scene3d>
-      <a:camera prst="orthographicFront"/>
-      <a:lightRig rig="threePt" dir="t"/>
-    </dgm:scene3d>
-    <dgm:sp3d/>
-    <dgm:txPr/>
-    <dgm:style>
-      <a:lnRef idx="2">
-        <a:scrgbClr r="0" g="0" b="0"/>
-      </a:lnRef>
-      <a:fillRef idx="1">
-        <a:scrgbClr r="0" g="0" b="0"/>
-      </a:fillRef>
-      <a:effectRef idx="0">
-        <a:scrgbClr r="0" g="0" b="0"/>
-      </a:effectRef>
-      <a:fontRef idx="minor"/>
-    </dgm:style>
-  </dgm:styleLbl>
-  <dgm:styleLbl name="alignAcc1">
-    <dgm:scene3d>
-      <a:camera prst="orthographicFront"/>
-      <a:lightRig rig="threePt" dir="t"/>
-    </dgm:scene3d>
-    <dgm:sp3d/>
-    <dgm:txPr/>
-    <dgm:style>
-      <a:lnRef idx="2">
-        <a:scrgbClr r="0" g="0" b="0"/>
-      </a:lnRef>
-      <a:fillRef idx="1">
-        <a:scrgbClr r="0" g="0" b="0"/>
-      </a:fillRef>
-      <a:effectRef idx="0">
-        <a:scrgbClr r="0" g="0" b="0"/>
-      </a:effectRef>
-      <a:fontRef idx="minor"/>
-    </dgm:style>
-  </dgm:styleLbl>
-  <dgm:styleLbl name="trAlignAcc1">
-    <dgm:scene3d>
-      <a:camera prst="orthographicFront"/>
-      <a:lightRig rig="threePt" dir="t"/>
-    </dgm:scene3d>
-    <dgm:sp3d/>
-    <dgm:txPr/>
-    <dgm:style>
-      <a:lnRef idx="1">
-        <a:scrgbClr r="0" g="0" b="0"/>
-      </a:lnRef>
-      <a:fillRef idx="1">
-        <a:scrgbClr r="0" g="0" b="0"/>
-      </a:fillRef>
-      <a:effectRef idx="0">
-        <a:scrgbClr r="0" g="0" b="0"/>
-      </a:effectRef>
-      <a:fontRef idx="minor"/>
-    </dgm:style>
-  </dgm:styleLbl>
-  <dgm:styleLbl name="bgAcc1">
-    <dgm:scene3d>
-      <a:camera prst="orthographicFront"/>
-      <a:lightRig rig="threePt" dir="t"/>
-    </dgm:scene3d>
-    <dgm:sp3d/>
-    <dgm:txPr/>
-    <dgm:style>
-      <a:lnRef idx="2">
-        <a:scrgbClr r="0" g="0" b="0"/>
-      </a:lnRef>
-      <a:fillRef idx="1">
-        <a:scrgbClr r="0" g="0" b="0"/>
-      </a:fillRef>
-      <a:effectRef idx="0">
-        <a:scrgbClr r="0" g="0" b="0"/>
-      </a:effectRef>
-      <a:fontRef idx="minor"/>
-    </dgm:style>
-  </dgm:styleLbl>
-  <dgm:styleLbl name="solidFgAcc1">
-    <dgm:scene3d>
-      <a:camera prst="orthographicFront"/>
-      <a:lightRig rig="threePt" dir="t"/>
-    </dgm:scene3d>
-    <dgm:sp3d/>
-    <dgm:txPr/>
-    <dgm:style>
-      <a:lnRef idx="2">
-        <a:scrgbClr r="0" g="0" b="0"/>
-      </a:lnRef>
-      <a:fillRef idx="1">
-        <a:scrgbClr r="0" g="0" b="0"/>
-      </a:fillRef>
-      <a:effectRef idx="0">
-        <a:scrgbClr r="0" g="0" b="0"/>
-      </a:effectRef>
-      <a:fontRef idx="minor"/>
-    </dgm:style>
-  </dgm:styleLbl>
-  <dgm:styleLbl name="solidAlignAcc1">
-    <dgm:scene3d>
-      <a:camera prst="orthographicFront"/>
-      <a:lightRig rig="threePt" dir="t"/>
-    </dgm:scene3d>
-    <dgm:sp3d/>
-    <dgm:txPr/>
-    <dgm:style>
-      <a:lnRef idx="2">
-        <a:scrgbClr r="0" g="0" b="0"/>
-      </a:lnRef>
-      <a:fillRef idx="1">
-        <a:scrgbClr r="0" g="0" b="0"/>
-      </a:fillRef>
-      <a:effectRef idx="0">
-        <a:scrgbClr r="0" g="0" b="0"/>
-      </a:effectRef>
-      <a:fontRef idx="minor"/>
-    </dgm:style>
-  </dgm:styleLbl>
-  <dgm:styleLbl name="solidBgAcc1">
-    <dgm:scene3d>
-      <a:camera prst="orthographicFront"/>
-      <a:lightRig rig="threePt" dir="t"/>
-    </dgm:scene3d>
-    <dgm:sp3d/>
-    <dgm:txPr/>
-    <dgm:style>
-      <a:lnRef idx="2">
-        <a:scrgbClr r="0" g="0" b="0"/>
-      </a:lnRef>
-      <a:fillRef idx="1">
-        <a:scrgbClr r="0" g="0" b="0"/>
-      </a:fillRef>
-      <a:effectRef idx="0">
-        <a:scrgbClr r="0" g="0" b="0"/>
-      </a:effectRef>
-      <a:fontRef idx="minor"/>
-    </dgm:style>
-  </dgm:styleLbl>
-  <dgm:styleLbl name="fgAccFollowNode1">
-    <dgm:scene3d>
-      <a:camera prst="orthographicFront"/>
-      <a:lightRig rig="threePt" dir="t"/>
-    </dgm:scene3d>
-    <dgm:sp3d/>
-    <dgm:txPr/>
-    <dgm:style>
-      <a:lnRef idx="2">
-        <a:scrgbClr r="0" g="0" b="0"/>
-      </a:lnRef>
-      <a:fillRef idx="1">
-        <a:scrgbClr r="0" g="0" b="0"/>
-      </a:fillRef>
-      <a:effectRef idx="0">
-        <a:scrgbClr r="0" g="0" b="0"/>
-      </a:effectRef>
-      <a:fontRef idx="minor"/>
-    </dgm:style>
-  </dgm:styleLbl>
-  <dgm:styleLbl name="alignAccFollowNode1">
-    <dgm:scene3d>
-      <a:camera prst="orthographicFront"/>
-      <a:lightRig rig="threePt" dir="t"/>
-    </dgm:scene3d>
-    <dgm:sp3d/>
-    <dgm:txPr/>
-    <dgm:style>
-      <a:lnRef idx="2">
-        <a:scrgbClr r="0" g="0" b="0"/>
-      </a:lnRef>
-      <a:fillRef idx="1">
-        <a:scrgbClr r="0" g="0" b="0"/>
-      </a:fillRef>
-      <a:effectRef idx="0">
-        <a:scrgbClr r="0" g="0" b="0"/>
-      </a:effectRef>
-      <a:fontRef idx="minor"/>
-    </dgm:style>
-  </dgm:styleLbl>
-  <dgm:styleLbl name="bgAccFollowNode1">
-    <dgm:scene3d>
-      <a:camera prst="orthographicFront"/>
-      <a:lightRig rig="threePt" dir="t"/>
-    </dgm:scene3d>
-    <dgm:sp3d/>
-    <dgm:txPr/>
-    <dgm:style>
-      <a:lnRef idx="2">
-        <a:scrgbClr r="0" g="0" b="0"/>
-      </a:lnRef>
-      <a:fillRef idx="1">
-        <a:scrgbClr r="0" g="0" b="0"/>
-      </a:fillRef>
-      <a:effectRef idx="0">
-        <a:scrgbClr r="0" g="0" b="0"/>
-      </a:effectRef>
-      <a:fontRef idx="minor"/>
-    </dgm:style>
-  </dgm:styleLbl>
-  <dgm:styleLbl name="fgAcc0">
-    <dgm:scene3d>
-      <a:camera prst="orthographicFront"/>
-      <a:lightRig rig="threePt" dir="t"/>
-    </dgm:scene3d>
-    <dgm:sp3d/>
-    <dgm:txPr/>
-    <dgm:style>
-      <a:lnRef idx="2">
-        <a:scrgbClr r="0" g="0" b="0"/>
-      </a:lnRef>
-      <a:fillRef idx="1">
-        <a:scrgbClr r="0" g="0" b="0"/>
-      </a:fillRef>
-      <a:effectRef idx="0">
-        <a:scrgbClr r="0" g="0" b="0"/>
-      </a:effectRef>
-      <a:fontRef idx="minor"/>
-    </dgm:style>
-  </dgm:styleLbl>
-  <dgm:styleLbl name="fgAcc2">
-    <dgm:scene3d>
-      <a:camera prst="orthographicFront"/>
-      <a:lightRig rig="threePt" dir="t"/>
-    </dgm:scene3d>
-    <dgm:sp3d/>
-    <dgm:txPr/>
-    <dgm:style>
-      <a:lnRef idx="2">
-        <a:scrgbClr r="0" g="0" b="0"/>
-      </a:lnRef>
-      <a:fillRef idx="1">
-        <a:scrgbClr r="0" g="0" b="0"/>
-      </a:fillRef>
-      <a:effectRef idx="0">
-        <a:scrgbClr r="0" g="0" b="0"/>
-      </a:effectRef>
-      <a:fontRef idx="minor"/>
-    </dgm:style>
-  </dgm:styleLbl>
-  <dgm:styleLbl name="fgAcc3">
-    <dgm:scene3d>
-      <a:camera prst="orthographicFront"/>
-      <a:lightRig rig="threePt" dir="t"/>
-    </dgm:scene3d>
-    <dgm:sp3d/>
-    <dgm:txPr/>
-    <dgm:style>
-      <a:lnRef idx="2">
-        <a:scrgbClr r="0" g="0" b="0"/>
-      </a:lnRef>
-      <a:fillRef idx="1">
-        <a:scrgbClr r="0" g="0" b="0"/>
-      </a:fillRef>
-      <a:effectRef idx="0">
-        <a:scrgbClr r="0" g="0" b="0"/>
-      </a:effectRef>
-      <a:fontRef idx="minor"/>
-    </dgm:style>
-  </dgm:styleLbl>
-  <dgm:styleLbl name="fgAcc4">
-    <dgm:scene3d>
-      <a:camera prst="orthographicFront"/>
-      <a:lightRig rig="threePt" dir="t"/>
-    </dgm:scene3d>
-    <dgm:sp3d/>
-    <dgm:txPr/>
-    <dgm:style>
-      <a:lnRef idx="2">
-        <a:scrgbClr r="0" g="0" b="0"/>
-      </a:lnRef>
-      <a:fillRef idx="1">
-        <a:scrgbClr r="0" g="0" b="0"/>
-      </a:fillRef>
-      <a:effectRef idx="0">
-        <a:scrgbClr r="0" g="0" b="0"/>
-      </a:effectRef>
-      <a:fontRef idx="minor"/>
-    </dgm:style>
-  </dgm:styleLbl>
-  <dgm:styleLbl name="bgShp">
-    <dgm:scene3d>
-      <a:camera prst="orthographicFront"/>
-      <a:lightRig rig="threePt" dir="t"/>
-    </dgm:scene3d>
-    <dgm:sp3d/>
-    <dgm:txPr/>
-    <dgm:style>
-      <a:lnRef idx="0">
-        <a:scrgbClr r="0" g="0" b="0"/>
-      </a:lnRef>
-      <a:fillRef idx="1">
-        <a:scrgbClr r="0" g="0" b="0"/>
-      </a:fillRef>
-      <a:effectRef idx="0">
-        <a:scrgbClr r="0" g="0" b="0"/>
-      </a:effectRef>
-      <a:fontRef idx="minor"/>
-    </dgm:style>
-  </dgm:styleLbl>
-  <dgm:styleLbl name="dkBgShp">
-    <dgm:scene3d>
-      <a:camera prst="orthographicFront"/>
-      <a:lightRig rig="threePt" dir="t"/>
-    </dgm:scene3d>
-    <dgm:sp3d/>
-    <dgm:txPr/>
-    <dgm:style>
-      <a:lnRef idx="0">
-        <a:scrgbClr r="0" g="0" b="0"/>
-      </a:lnRef>
-      <a:fillRef idx="1">
-        <a:scrgbClr r="0" g="0" b="0"/>
-      </a:fillRef>
-      <a:effectRef idx="0">
-        <a:scrgbClr r="0" g="0" b="0"/>
-      </a:effectRef>
-      <a:fontRef idx="minor"/>
-    </dgm:style>
-  </dgm:styleLbl>
-  <dgm:styleLbl name="trBgShp">
-    <dgm:scene3d>
-      <a:camera prst="orthographicFront"/>
-      <a:lightRig rig="threePt" dir="t"/>
-    </dgm:scene3d>
-    <dgm:sp3d/>
-    <dgm:txPr/>
-    <dgm:style>
-      <a:lnRef idx="0">
-        <a:scrgbClr r="0" g="0" b="0"/>
-      </a:lnRef>
-      <a:fillRef idx="1">
-        <a:scrgbClr r="0" g="0" b="0"/>
-      </a:fillRef>
-      <a:effectRef idx="0">
-        <a:scrgbClr r="0" g="0" b="0"/>
-      </a:effectRef>
-      <a:fontRef idx="minor"/>
-    </dgm:style>
-  </dgm:styleLbl>
-  <dgm:styleLbl name="fgShp">
-    <dgm:scene3d>
-      <a:camera prst="orthographicFront"/>
-      <a:lightRig rig="threePt" dir="t"/>
-    </dgm:scene3d>
-    <dgm:sp3d/>
-    <dgm:txPr/>
-    <dgm:style>
-      <a:lnRef idx="2">
-        <a:scrgbClr r="0" g="0" b="0"/>
-      </a:lnRef>
-      <a:fillRef idx="1">
-        <a:scrgbClr r="0" g="0" b="0"/>
-      </a:fillRef>
-      <a:effectRef idx="0">
-        <a:scrgbClr r="0" g="0" b="0"/>
-      </a:effectRef>
-      <a:fontRef idx="minor"/>
-    </dgm:style>
-  </dgm:styleLbl>
-  <dgm:styleLbl name="revTx">
-    <dgm:scene3d>
-      <a:camera prst="orthographicFront"/>
-      <a:lightRig rig="threePt" dir="t"/>
-    </dgm:scene3d>
-    <dgm:sp3d/>
-    <dgm:txPr/>
-    <dgm:style>
-      <a:lnRef idx="0">
-        <a:scrgbClr r="0" g="0" b="0"/>
-      </a:lnRef>
-      <a:fillRef idx="0">
-        <a:scrgbClr r="0" g="0" b="0"/>
-      </a:fillRef>
-      <a:effectRef idx="0">
-        <a:scrgbClr r="0" g="0" b="0"/>
-      </a:effectRef>
-      <a:fontRef idx="minor"/>
-    </dgm:style>
-  </dgm:styleLbl>
-</dgm:styleDef>
-</file>
-
-<file path=ppt/diagrams/quickStyle9.xml><?xml version="1.0" encoding="utf-8"?>
 <dgm:styleDef xmlns:dgm="http://schemas.openxmlformats.org/drawingml/2006/diagram" xmlns:a="http://schemas.openxmlformats.org/drawingml/2006/main" uniqueId="urn:microsoft.com/office/officeart/2005/8/quickstyle/simple1">
   <dgm:title val=""/>
   <dgm:desc val=""/>
@@ -27360,7 +21995,7 @@
           <a:p>
             <a:fld id="{5BCAD085-E8A6-8845-BD4E-CB4CCA059FC4}" type="datetimeFigureOut">
               <a:rPr lang="en-US" smtClean="0"/>
-              <a:t>8/27/23</a:t>
+              <a:t>1/17/24</a:t>
             </a:fld>
             <a:endParaRPr lang="en-US"/>
           </a:p>
@@ -27528,7 +22163,7 @@
           <a:p>
             <a:fld id="{5BCAD085-E8A6-8845-BD4E-CB4CCA059FC4}" type="datetimeFigureOut">
               <a:rPr lang="en-US" smtClean="0"/>
-              <a:t>8/27/23</a:t>
+              <a:t>1/17/24</a:t>
             </a:fld>
             <a:endParaRPr lang="en-US"/>
           </a:p>
@@ -27706,7 +22341,7 @@
           <a:p>
             <a:fld id="{5BCAD085-E8A6-8845-BD4E-CB4CCA059FC4}" type="datetimeFigureOut">
               <a:rPr lang="en-US" smtClean="0"/>
-              <a:t>8/27/23</a:t>
+              <a:t>1/17/24</a:t>
             </a:fld>
             <a:endParaRPr lang="en-US"/>
           </a:p>
@@ -27874,7 +22509,7 @@
           <a:p>
             <a:fld id="{5BCAD085-E8A6-8845-BD4E-CB4CCA059FC4}" type="datetimeFigureOut">
               <a:rPr lang="en-US" smtClean="0"/>
-              <a:t>8/27/23</a:t>
+              <a:t>1/17/24</a:t>
             </a:fld>
             <a:endParaRPr lang="en-US"/>
           </a:p>
@@ -28119,7 +22754,7 @@
           <a:p>
             <a:fld id="{5BCAD085-E8A6-8845-BD4E-CB4CCA059FC4}" type="datetimeFigureOut">
               <a:rPr lang="en-US" smtClean="0"/>
-              <a:t>8/27/23</a:t>
+              <a:t>1/17/24</a:t>
             </a:fld>
             <a:endParaRPr lang="en-US"/>
           </a:p>
@@ -28404,7 +23039,7 @@
           <a:p>
             <a:fld id="{5BCAD085-E8A6-8845-BD4E-CB4CCA059FC4}" type="datetimeFigureOut">
               <a:rPr lang="en-US" smtClean="0"/>
-              <a:t>8/27/23</a:t>
+              <a:t>1/17/24</a:t>
             </a:fld>
             <a:endParaRPr lang="en-US"/>
           </a:p>
@@ -28823,7 +23458,7 @@
           <a:p>
             <a:fld id="{5BCAD085-E8A6-8845-BD4E-CB4CCA059FC4}" type="datetimeFigureOut">
               <a:rPr lang="en-US" smtClean="0"/>
-              <a:t>8/27/23</a:t>
+              <a:t>1/17/24</a:t>
             </a:fld>
             <a:endParaRPr lang="en-US"/>
           </a:p>
@@ -28940,7 +23575,7 @@
           <a:p>
             <a:fld id="{5BCAD085-E8A6-8845-BD4E-CB4CCA059FC4}" type="datetimeFigureOut">
               <a:rPr lang="en-US" smtClean="0"/>
-              <a:t>8/27/23</a:t>
+              <a:t>1/17/24</a:t>
             </a:fld>
             <a:endParaRPr lang="en-US"/>
           </a:p>
@@ -29035,7 +23670,7 @@
           <a:p>
             <a:fld id="{5BCAD085-E8A6-8845-BD4E-CB4CCA059FC4}" type="datetimeFigureOut">
               <a:rPr lang="en-US" smtClean="0"/>
-              <a:t>8/27/23</a:t>
+              <a:t>1/17/24</a:t>
             </a:fld>
             <a:endParaRPr lang="en-US"/>
           </a:p>
@@ -29310,7 +23945,7 @@
           <a:p>
             <a:fld id="{5BCAD085-E8A6-8845-BD4E-CB4CCA059FC4}" type="datetimeFigureOut">
               <a:rPr lang="en-US" smtClean="0"/>
-              <a:t>8/27/23</a:t>
+              <a:t>1/17/24</a:t>
             </a:fld>
             <a:endParaRPr lang="en-US"/>
           </a:p>
@@ -29562,7 +24197,7 @@
           <a:p>
             <a:fld id="{5BCAD085-E8A6-8845-BD4E-CB4CCA059FC4}" type="datetimeFigureOut">
               <a:rPr lang="en-US" smtClean="0"/>
-              <a:t>8/27/23</a:t>
+              <a:t>1/17/24</a:t>
             </a:fld>
             <a:endParaRPr lang="en-US"/>
           </a:p>
@@ -29773,7 +24408,7 @@
           <a:p>
             <a:fld id="{5BCAD085-E8A6-8845-BD4E-CB4CCA059FC4}" type="datetimeFigureOut">
               <a:rPr lang="en-US" smtClean="0"/>
-              <a:t>8/27/23</a:t>
+              <a:t>1/17/24</a:t>
             </a:fld>
             <a:endParaRPr lang="en-US"/>
           </a:p>
@@ -31092,998 +25727,6 @@
 <file path=ppt/slides/slide10.xml><?xml version="1.0" encoding="utf-8"?>
 <p:sld xmlns:a="http://schemas.openxmlformats.org/drawingml/2006/main" xmlns:r="http://schemas.openxmlformats.org/officeDocument/2006/relationships" xmlns:p="http://schemas.openxmlformats.org/presentationml/2006/main">
   <p:cSld>
-    <p:spTree>
-      <p:nvGrpSpPr>
-        <p:cNvPr id="1" name=""/>
-        <p:cNvGrpSpPr/>
-        <p:nvPr/>
-      </p:nvGrpSpPr>
-      <p:grpSpPr>
-        <a:xfrm>
-          <a:off x="0" y="0"/>
-          <a:ext cx="0" cy="0"/>
-          <a:chOff x="0" y="0"/>
-          <a:chExt cx="0" cy="0"/>
-        </a:xfrm>
-      </p:grpSpPr>
-      <p:sp>
-        <p:nvSpPr>
-          <p:cNvPr id="2" name="Title 1">
-            <a:extLst>
-              <a:ext uri="{FF2B5EF4-FFF2-40B4-BE49-F238E27FC236}">
-                <a16:creationId xmlns:a16="http://schemas.microsoft.com/office/drawing/2014/main" id="{252CCE77-7ADD-4335-6A0D-B7BA40F28BBF}"/>
-              </a:ext>
-            </a:extLst>
-          </p:cNvPr>
-          <p:cNvSpPr>
-            <a:spLocks noGrp="1"/>
-          </p:cNvSpPr>
-          <p:nvPr>
-            <p:ph type="title"/>
-          </p:nvPr>
-        </p:nvSpPr>
-        <p:spPr/>
-        <p:txBody>
-          <a:bodyPr>
-            <a:normAutofit fontScale="90000"/>
-          </a:bodyPr>
-          <a:lstStyle/>
-          <a:p>
-            <a:r>
-              <a:rPr lang="en-US" sz="1800" b="1" dirty="0">
-                <a:effectLst/>
-                <a:latin typeface="Calibri" panose="020F0502020204030204" pitchFamily="34" charset="0"/>
-              </a:rPr>
-              <a:t>Scenario: Suggest capstone course research topic</a:t>
-            </a:r>
-            <a:br>
-              <a:rPr lang="en-US" sz="1800" b="1" dirty="0">
-                <a:effectLst/>
-                <a:latin typeface="Calibri" panose="020F0502020204030204" pitchFamily="34" charset="0"/>
-              </a:rPr>
-            </a:br>
-            <a:r>
-              <a:rPr lang="en-US" sz="1800" dirty="0">
-                <a:effectLst/>
-                <a:latin typeface="Calibri" panose="020F0502020204030204" pitchFamily="34" charset="0"/>
-              </a:rPr>
-              <a:t>---- Copy and paste into ChatGPT 4.0 text window (</a:t>
-            </a:r>
-            <a:r>
-              <a:rPr lang="en-US" sz="1800" dirty="0">
-                <a:solidFill>
-                  <a:srgbClr val="0260BF"/>
-                </a:solidFill>
-                <a:effectLst/>
-                <a:latin typeface="Calibri" panose="020F0502020204030204" pitchFamily="34" charset="0"/>
-              </a:rPr>
-              <a:t>https://</a:t>
-            </a:r>
-            <a:r>
-              <a:rPr lang="en-US" sz="1800" dirty="0" err="1">
-                <a:solidFill>
-                  <a:srgbClr val="0260BF"/>
-                </a:solidFill>
-                <a:effectLst/>
-                <a:latin typeface="Calibri" panose="020F0502020204030204" pitchFamily="34" charset="0"/>
-              </a:rPr>
-              <a:t>chat.openai.com</a:t>
-            </a:r>
-            <a:r>
-              <a:rPr lang="en-US" sz="1800" dirty="0">
-                <a:solidFill>
-                  <a:srgbClr val="0260BF"/>
-                </a:solidFill>
-                <a:effectLst/>
-                <a:latin typeface="Calibri" panose="020F0502020204030204" pitchFamily="34" charset="0"/>
-              </a:rPr>
-              <a:t>/?model=gpt-4</a:t>
-            </a:r>
-            <a:r>
-              <a:rPr lang="en-US" sz="1800" dirty="0">
-                <a:effectLst/>
-                <a:latin typeface="Calibri" panose="020F0502020204030204" pitchFamily="34" charset="0"/>
-              </a:rPr>
-              <a:t>) ---- </a:t>
-            </a:r>
-            <a:br>
-              <a:rPr lang="en-US" sz="900" dirty="0"/>
-            </a:br>
-            <a:r>
-              <a:rPr lang="en-US" sz="1800" b="1" dirty="0">
-                <a:effectLst/>
-                <a:latin typeface="Calibri" panose="020F0502020204030204" pitchFamily="34" charset="0"/>
-              </a:rPr>
-              <a:t>s </a:t>
-            </a:r>
-            <a:endParaRPr lang="en-US" dirty="0"/>
-          </a:p>
-        </p:txBody>
-      </p:sp>
-      <p:sp>
-        <p:nvSpPr>
-          <p:cNvPr id="3" name="Content Placeholder 2">
-            <a:extLst>
-              <a:ext uri="{FF2B5EF4-FFF2-40B4-BE49-F238E27FC236}">
-                <a16:creationId xmlns:a16="http://schemas.microsoft.com/office/drawing/2014/main" id="{D61CD088-9323-347E-F2C8-9342E14F0720}"/>
-              </a:ext>
-            </a:extLst>
-          </p:cNvPr>
-          <p:cNvSpPr>
-            <a:spLocks noGrp="1"/>
-          </p:cNvSpPr>
-          <p:nvPr>
-            <p:ph idx="1"/>
-          </p:nvPr>
-        </p:nvSpPr>
-        <p:spPr/>
-        <p:txBody>
-          <a:bodyPr>
-            <a:normAutofit fontScale="92500" lnSpcReduction="20000"/>
-          </a:bodyPr>
-          <a:lstStyle/>
-          <a:p>
-            <a:pPr marL="0" indent="0">
-              <a:buNone/>
-            </a:pPr>
-            <a:r>
-              <a:rPr lang="en-US" sz="1800" dirty="0">
-                <a:effectLst/>
-                <a:latin typeface="Calibri" panose="020F0502020204030204" pitchFamily="34" charset="0"/>
-              </a:rPr>
-              <a:t>Persona</a:t>
-            </a:r>
-            <a:br>
-              <a:rPr lang="en-US" sz="1800" dirty="0">
-                <a:effectLst/>
-                <a:latin typeface="Calibri" panose="020F0502020204030204" pitchFamily="34" charset="0"/>
-              </a:rPr>
-            </a:br>
-            <a:r>
-              <a:rPr lang="en-US" sz="1800" dirty="0">
-                <a:effectLst/>
-                <a:latin typeface="Calibri" panose="020F0502020204030204" pitchFamily="34" charset="0"/>
-              </a:rPr>
-              <a:t>Name: Mike Herman</a:t>
-            </a:r>
-            <a:br>
-              <a:rPr lang="en-US" sz="1800" dirty="0">
-                <a:effectLst/>
-                <a:latin typeface="Calibri" panose="020F0502020204030204" pitchFamily="34" charset="0"/>
-              </a:rPr>
-            </a:br>
-            <a:r>
-              <a:rPr lang="en-US" sz="1800" dirty="0">
-                <a:effectLst/>
-                <a:latin typeface="Calibri" panose="020F0502020204030204" pitchFamily="34" charset="0"/>
-              </a:rPr>
-              <a:t>Coursework: Intro to computer science, software development, algorithms, computer organization, databases, computer ethics, agile software development, differential and integral calculus, intro psychology, intro social science</a:t>
-            </a:r>
-            <a:br>
-              <a:rPr lang="en-US" sz="1800" dirty="0">
-                <a:effectLst/>
-                <a:latin typeface="Calibri" panose="020F0502020204030204" pitchFamily="34" charset="0"/>
-              </a:rPr>
-            </a:br>
-            <a:r>
-              <a:rPr lang="en-US" sz="1800" dirty="0">
-                <a:effectLst/>
-                <a:latin typeface="Calibri" panose="020F0502020204030204" pitchFamily="34" charset="0"/>
-              </a:rPr>
-              <a:t>Interests: Computer gaming, chess, baseball, new ideas in technology</a:t>
-            </a:r>
-            <a:br>
-              <a:rPr lang="en-US" sz="1800" dirty="0">
-                <a:effectLst/>
-                <a:latin typeface="Calibri" panose="020F0502020204030204" pitchFamily="34" charset="0"/>
-              </a:rPr>
-            </a:br>
-            <a:r>
-              <a:rPr lang="en-US" sz="1800" dirty="0">
-                <a:effectLst/>
-                <a:latin typeface="Calibri" panose="020F0502020204030204" pitchFamily="34" charset="0"/>
-              </a:rPr>
-              <a:t>Things I don’t find interesting: Cooking, sophisticated movies, loud music </a:t>
-            </a:r>
-            <a:endParaRPr lang="en-US" dirty="0"/>
-          </a:p>
-          <a:p>
-            <a:pPr marL="0" indent="0">
-              <a:buNone/>
-            </a:pPr>
-            <a:endParaRPr lang="en-US" sz="1800" dirty="0">
-              <a:effectLst/>
-              <a:latin typeface="Calibri" panose="020F0502020204030204" pitchFamily="34" charset="0"/>
-            </a:endParaRPr>
-          </a:p>
-          <a:p>
-            <a:pPr marL="0" indent="0">
-              <a:buNone/>
-            </a:pPr>
-            <a:r>
-              <a:rPr lang="en-US" sz="1800" dirty="0">
-                <a:effectLst/>
-                <a:latin typeface="Calibri" panose="020F0502020204030204" pitchFamily="34" charset="0"/>
-              </a:rPr>
-              <a:t>Context</a:t>
-            </a:r>
-            <a:br>
-              <a:rPr lang="en-US" sz="1800" dirty="0">
-                <a:effectLst/>
-                <a:latin typeface="Calibri" panose="020F0502020204030204" pitchFamily="34" charset="0"/>
-              </a:rPr>
-            </a:br>
-            <a:r>
-              <a:rPr lang="en-US" sz="1800" dirty="0">
-                <a:effectLst/>
-                <a:latin typeface="Calibri" panose="020F0502020204030204" pitchFamily="34" charset="0"/>
-              </a:rPr>
-              <a:t>A good research topic must positively answer the following questions: </a:t>
-            </a:r>
-            <a:endParaRPr lang="en-US" dirty="0"/>
-          </a:p>
-          <a:p>
-            <a:pPr>
-              <a:buFont typeface="+mj-lt"/>
-              <a:buAutoNum type="arabicPeriod"/>
-            </a:pPr>
-            <a:r>
-              <a:rPr lang="en-US" sz="1800" dirty="0">
-                <a:effectLst/>
-                <a:latin typeface="Calibri" panose="020F0502020204030204" pitchFamily="34" charset="0"/>
-              </a:rPr>
-              <a:t>Does it have a significant computer science component? (Does it require your computer science background to do the research?) </a:t>
-            </a:r>
-          </a:p>
-          <a:p>
-            <a:pPr>
-              <a:buFont typeface="+mj-lt"/>
-              <a:buAutoNum type="arabicPeriod"/>
-            </a:pPr>
-            <a:r>
-              <a:rPr lang="en-US" sz="1800" dirty="0">
-                <a:effectLst/>
-                <a:latin typeface="Calibri" panose="020F0502020204030204" pitchFamily="34" charset="0"/>
-              </a:rPr>
-              <a:t>Are there sufficient high-quality resources at your disposal? </a:t>
-            </a:r>
-          </a:p>
-          <a:p>
-            <a:pPr>
-              <a:buFont typeface="+mj-lt"/>
-              <a:buAutoNum type="arabicPeriod"/>
-            </a:pPr>
-            <a:r>
-              <a:rPr lang="en-US" sz="1800" dirty="0">
-                <a:effectLst/>
-                <a:latin typeface="Calibri" panose="020F0502020204030204" pitchFamily="34" charset="0"/>
-              </a:rPr>
-              <a:t>Is it an active field in the computer science community? </a:t>
-            </a:r>
-          </a:p>
-          <a:p>
-            <a:pPr>
-              <a:buFont typeface="+mj-lt"/>
-              <a:buAutoNum type="arabicPeriod"/>
-            </a:pPr>
-            <a:r>
-              <a:rPr lang="en-US" sz="1800" dirty="0">
-                <a:effectLst/>
-                <a:latin typeface="Calibri" panose="020F0502020204030204" pitchFamily="34" charset="0"/>
-              </a:rPr>
-              <a:t>Can I develop a demonstration or prototype capability in this topic area? </a:t>
-            </a:r>
-          </a:p>
-          <a:p>
-            <a:pPr>
-              <a:buFont typeface="+mj-lt"/>
-              <a:buAutoNum type="arabicPeriod"/>
-            </a:pPr>
-            <a:r>
-              <a:rPr lang="en-US" sz="1800" dirty="0">
-                <a:effectLst/>
-                <a:latin typeface="Calibri" panose="020F0502020204030204" pitchFamily="34" charset="0"/>
-              </a:rPr>
-              <a:t>Is there intellectual substance to this topic? </a:t>
-            </a:r>
-          </a:p>
-          <a:p>
-            <a:pPr marL="0" indent="0">
-              <a:buNone/>
-            </a:pPr>
-            <a:r>
-              <a:rPr lang="en-US" sz="1800" dirty="0">
-                <a:effectLst/>
-                <a:latin typeface="Calibri" panose="020F0502020204030204" pitchFamily="34" charset="0"/>
-              </a:rPr>
-              <a:t>Task: Generate a list of possible research topics I could pursue for my semester-long capstone course in computer science </a:t>
-            </a:r>
-            <a:endParaRPr lang="en-US" dirty="0"/>
-          </a:p>
-          <a:p>
-            <a:pPr marL="0" indent="0">
-              <a:buNone/>
-            </a:pPr>
-            <a:endParaRPr lang="en-US" dirty="0"/>
-          </a:p>
-        </p:txBody>
-      </p:sp>
-    </p:spTree>
-    <p:extLst>
-      <p:ext uri="{BB962C8B-B14F-4D97-AF65-F5344CB8AC3E}">
-        <p14:creationId xmlns:p14="http://schemas.microsoft.com/office/powerpoint/2010/main" val="180471200"/>
-      </p:ext>
-    </p:extLst>
-  </p:cSld>
-  <p:clrMapOvr>
-    <a:masterClrMapping/>
-  </p:clrMapOvr>
-</p:sld>
-</file>
-
-<file path=ppt/slides/slide11.xml><?xml version="1.0" encoding="utf-8"?>
-<p:sld xmlns:a="http://schemas.openxmlformats.org/drawingml/2006/main" xmlns:r="http://schemas.openxmlformats.org/officeDocument/2006/relationships" xmlns:p="http://schemas.openxmlformats.org/presentationml/2006/main">
-  <p:cSld>
-    <p:spTree>
-      <p:nvGrpSpPr>
-        <p:cNvPr id="1" name=""/>
-        <p:cNvGrpSpPr/>
-        <p:nvPr/>
-      </p:nvGrpSpPr>
-      <p:grpSpPr>
-        <a:xfrm>
-          <a:off x="0" y="0"/>
-          <a:ext cx="0" cy="0"/>
-          <a:chOff x="0" y="0"/>
-          <a:chExt cx="0" cy="0"/>
-        </a:xfrm>
-      </p:grpSpPr>
-      <p:sp>
-        <p:nvSpPr>
-          <p:cNvPr id="2" name="Title 1">
-            <a:extLst>
-              <a:ext uri="{FF2B5EF4-FFF2-40B4-BE49-F238E27FC236}">
-                <a16:creationId xmlns:a16="http://schemas.microsoft.com/office/drawing/2014/main" id="{71216B3F-9AA7-C384-4C92-CC8D37E02DA4}"/>
-              </a:ext>
-            </a:extLst>
-          </p:cNvPr>
-          <p:cNvSpPr>
-            <a:spLocks noGrp="1"/>
-          </p:cNvSpPr>
-          <p:nvPr>
-            <p:ph type="title"/>
-          </p:nvPr>
-        </p:nvSpPr>
-        <p:spPr/>
-        <p:txBody>
-          <a:bodyPr>
-            <a:normAutofit fontScale="90000"/>
-          </a:bodyPr>
-          <a:lstStyle/>
-          <a:p>
-            <a:r>
-              <a:rPr lang="en-US" sz="1800" b="1" dirty="0">
-                <a:effectLst/>
-                <a:latin typeface="Calibri" panose="020F0502020204030204" pitchFamily="34" charset="0"/>
-              </a:rPr>
-              <a:t>ChatGPT 4.0 Response</a:t>
-            </a:r>
-            <a:br>
-              <a:rPr lang="en-US" sz="1800" b="1" dirty="0">
-                <a:effectLst/>
-                <a:latin typeface="Calibri" panose="020F0502020204030204" pitchFamily="34" charset="0"/>
-              </a:rPr>
-            </a:br>
-            <a:r>
-              <a:rPr lang="en-US" sz="1800" dirty="0">
-                <a:effectLst/>
-                <a:latin typeface="Calibri" panose="020F0502020204030204" pitchFamily="34" charset="0"/>
-              </a:rPr>
-              <a:t>Certainly, Mike! Based on your coursework, interests, and the provided context, here's a list of research topics that might align with your requirements for your semester-long capstone course: </a:t>
-            </a:r>
-            <a:endParaRPr lang="en-US" dirty="0"/>
-          </a:p>
-        </p:txBody>
-      </p:sp>
-      <p:sp>
-        <p:nvSpPr>
-          <p:cNvPr id="4" name="Content Placeholder 3">
-            <a:extLst>
-              <a:ext uri="{FF2B5EF4-FFF2-40B4-BE49-F238E27FC236}">
-                <a16:creationId xmlns:a16="http://schemas.microsoft.com/office/drawing/2014/main" id="{786AF14A-222E-C9EB-9C71-EE043AAD64D4}"/>
-              </a:ext>
-            </a:extLst>
-          </p:cNvPr>
-          <p:cNvSpPr>
-            <a:spLocks noGrp="1"/>
-          </p:cNvSpPr>
-          <p:nvPr>
-            <p:ph sz="half" idx="1"/>
-          </p:nvPr>
-        </p:nvSpPr>
-        <p:spPr/>
-        <p:txBody>
-          <a:bodyPr>
-            <a:normAutofit fontScale="47500" lnSpcReduction="20000"/>
-          </a:bodyPr>
-          <a:lstStyle/>
-          <a:p>
-            <a:pPr marL="0" indent="0">
-              <a:buNone/>
-            </a:pPr>
-            <a:r>
-              <a:rPr lang="en-US" sz="1800" b="1" dirty="0">
-                <a:effectLst/>
-                <a:latin typeface="Calibri" panose="020F0502020204030204" pitchFamily="34" charset="0"/>
-              </a:rPr>
-              <a:t>1. AI in Computer Gaming: </a:t>
-            </a:r>
-            <a:endParaRPr lang="en-US" dirty="0"/>
-          </a:p>
-          <a:p>
-            <a:pPr marL="171450" indent="-171450"/>
-            <a:r>
-              <a:rPr lang="en-US" sz="1800" dirty="0">
-                <a:effectLst/>
-                <a:latin typeface="Calibri" panose="020F0502020204030204" pitchFamily="34" charset="0"/>
-              </a:rPr>
-              <a:t>Significant computer science component: AI and Machine Learning algorithms.</a:t>
-            </a:r>
-          </a:p>
-          <a:p>
-            <a:pPr marL="171450" indent="-171450"/>
-            <a:r>
-              <a:rPr lang="en-US" sz="1800" dirty="0">
-                <a:effectLst/>
-                <a:latin typeface="Calibri" panose="020F0502020204030204" pitchFamily="34" charset="0"/>
-              </a:rPr>
-              <a:t>Resources: Game engines, AI frameworks</a:t>
-            </a:r>
-          </a:p>
-          <a:p>
-            <a:pPr marL="171450" indent="-171450"/>
-            <a:r>
-              <a:rPr lang="en-US" sz="1800" dirty="0">
-                <a:effectLst/>
-                <a:latin typeface="Calibri" panose="020F0502020204030204" pitchFamily="34" charset="0"/>
-              </a:rPr>
-              <a:t>Active field: Continual development in AI and gaming</a:t>
-            </a:r>
-          </a:p>
-          <a:p>
-            <a:pPr marL="171450" indent="-171450"/>
-            <a:r>
-              <a:rPr lang="en-US" sz="1800" dirty="0">
-                <a:effectLst/>
-                <a:latin typeface="Calibri" panose="020F0502020204030204" pitchFamily="34" charset="0"/>
-              </a:rPr>
-              <a:t>Prototype: Develop an AI-driven non-player character in a game</a:t>
-            </a:r>
-            <a:endParaRPr lang="en-US" dirty="0"/>
-          </a:p>
-          <a:p>
-            <a:pPr marL="171450" indent="-171450"/>
-            <a:r>
-              <a:rPr lang="en-US" sz="1800" dirty="0">
-                <a:effectLst/>
-                <a:latin typeface="Calibri" panose="020F0502020204030204" pitchFamily="34" charset="0"/>
-              </a:rPr>
-              <a:t>Intellectual substance: Exploration of cognitive behaviors, decision-making, and learning techniques</a:t>
-            </a:r>
-          </a:p>
-          <a:p>
-            <a:pPr marL="0" indent="0">
-              <a:buNone/>
-            </a:pPr>
-            <a:endParaRPr lang="en-US" dirty="0"/>
-          </a:p>
-          <a:p>
-            <a:pPr marL="0" indent="0">
-              <a:buNone/>
-            </a:pPr>
-            <a:r>
-              <a:rPr lang="en-US" sz="1800" b="1" dirty="0">
-                <a:effectLst/>
-                <a:latin typeface="Calibri" panose="020F0502020204030204" pitchFamily="34" charset="0"/>
-              </a:rPr>
-              <a:t>2. Algorithmic Trading Strategies in Baseball Player Performance Prediction: </a:t>
-            </a:r>
-            <a:endParaRPr lang="en-US" dirty="0"/>
-          </a:p>
-          <a:p>
-            <a:pPr marL="171450" indent="-171450"/>
-            <a:r>
-              <a:rPr lang="en-US" sz="1800" dirty="0">
-                <a:effectLst/>
-                <a:latin typeface="Calibri" panose="020F0502020204030204" pitchFamily="34" charset="0"/>
-              </a:rPr>
-              <a:t>Significant computer science component: Data analysis, algorithms</a:t>
-            </a:r>
-          </a:p>
-          <a:p>
-            <a:pPr marL="171450" indent="-171450"/>
-            <a:r>
-              <a:rPr lang="en-US" sz="1800" dirty="0">
-                <a:effectLst/>
-                <a:latin typeface="Calibri" panose="020F0502020204030204" pitchFamily="34" charset="0"/>
-              </a:rPr>
-              <a:t>Resources: Publicly available baseball statistics, machine learning libraries</a:t>
-            </a:r>
-          </a:p>
-          <a:p>
-            <a:pPr marL="171450" indent="-171450"/>
-            <a:r>
-              <a:rPr lang="en-US" sz="1800" dirty="0">
-                <a:effectLst/>
-                <a:latin typeface="Calibri" panose="020F0502020204030204" pitchFamily="34" charset="0"/>
-              </a:rPr>
-              <a:t>Active field: Sports analytics</a:t>
-            </a:r>
-          </a:p>
-          <a:p>
-            <a:pPr marL="171450" indent="-171450"/>
-            <a:r>
-              <a:rPr lang="en-US" sz="1800" dirty="0">
-                <a:effectLst/>
-                <a:latin typeface="Calibri" panose="020F0502020204030204" pitchFamily="34" charset="0"/>
-              </a:rPr>
-              <a:t>Prototype: Implement a predictive model for player performance</a:t>
-            </a:r>
-          </a:p>
-          <a:p>
-            <a:pPr marL="171450" indent="-171450"/>
-            <a:r>
-              <a:rPr lang="en-US" sz="1800" dirty="0">
-                <a:effectLst/>
-                <a:latin typeface="Calibri" panose="020F0502020204030204" pitchFamily="34" charset="0"/>
-              </a:rPr>
-              <a:t>Intellectual substance: Statistical modeling, algorithm development</a:t>
-            </a:r>
-          </a:p>
-          <a:p>
-            <a:pPr marL="0" indent="0">
-              <a:buNone/>
-            </a:pPr>
-            <a:endParaRPr lang="en-US" dirty="0"/>
-          </a:p>
-          <a:p>
-            <a:pPr marL="0" indent="0">
-              <a:buNone/>
-            </a:pPr>
-            <a:r>
-              <a:rPr lang="en-US" sz="1800" b="1" dirty="0">
-                <a:effectLst/>
-                <a:latin typeface="Calibri" panose="020F0502020204030204" pitchFamily="34" charset="0"/>
-              </a:rPr>
-              <a:t>3. Quantum Computing in Chess Algorithms: </a:t>
-            </a:r>
-            <a:endParaRPr lang="en-US" dirty="0"/>
-          </a:p>
-          <a:p>
-            <a:pPr marL="171450" indent="-171450"/>
-            <a:r>
-              <a:rPr lang="en-US" sz="1800" dirty="0">
-                <a:effectLst/>
-                <a:latin typeface="Calibri" panose="020F0502020204030204" pitchFamily="34" charset="0"/>
-              </a:rPr>
-              <a:t>Significant computer science component: Quantum computing, algorithms</a:t>
-            </a:r>
-          </a:p>
-          <a:p>
-            <a:pPr marL="171450" indent="-171450"/>
-            <a:r>
-              <a:rPr lang="en-US" sz="1800" dirty="0">
-                <a:effectLst/>
-                <a:latin typeface="Calibri" panose="020F0502020204030204" pitchFamily="34" charset="0"/>
-              </a:rPr>
-              <a:t>Resources: Quantum development kits, chess databases</a:t>
-            </a:r>
-          </a:p>
-          <a:p>
-            <a:pPr marL="171450" indent="-171450"/>
-            <a:r>
-              <a:rPr lang="en-US" sz="1800" dirty="0">
-                <a:effectLst/>
-                <a:latin typeface="Calibri" panose="020F0502020204030204" pitchFamily="34" charset="0"/>
-              </a:rPr>
-              <a:t>Active field: Quantum computing</a:t>
-            </a:r>
-          </a:p>
-          <a:p>
-            <a:pPr marL="171450" indent="-171450"/>
-            <a:r>
-              <a:rPr lang="en-US" sz="1800" dirty="0">
-                <a:effectLst/>
-                <a:latin typeface="Calibri" panose="020F0502020204030204" pitchFamily="34" charset="0"/>
-              </a:rPr>
-              <a:t>Prototype: Implement a quantum chess-playing algorithm</a:t>
-            </a:r>
-          </a:p>
-          <a:p>
-            <a:pPr marL="171450" indent="-171450"/>
-            <a:r>
-              <a:rPr lang="en-US" sz="1800" dirty="0">
-                <a:effectLst/>
-                <a:latin typeface="Calibri" panose="020F0502020204030204" pitchFamily="34" charset="0"/>
-              </a:rPr>
-              <a:t>Intellectual substance: Quantum mechanics, algorithmic complexity</a:t>
-            </a:r>
-          </a:p>
-          <a:p>
-            <a:pPr marL="0" indent="0">
-              <a:buNone/>
-            </a:pPr>
-            <a:endParaRPr lang="en-US" dirty="0"/>
-          </a:p>
-          <a:p>
-            <a:pPr marL="0" indent="0">
-              <a:buNone/>
-            </a:pPr>
-            <a:r>
-              <a:rPr lang="en-US" sz="1800" b="1" dirty="0">
-                <a:effectLst/>
-                <a:latin typeface="Calibri" panose="020F0502020204030204" pitchFamily="34" charset="0"/>
-              </a:rPr>
-              <a:t>4. Blockchain Technology for Secure Data Management in Databases: </a:t>
-            </a:r>
-            <a:endParaRPr lang="en-US" dirty="0"/>
-          </a:p>
-          <a:p>
-            <a:pPr marL="171450" indent="-171450"/>
-            <a:r>
-              <a:rPr lang="en-US" sz="1800" dirty="0">
-                <a:effectLst/>
-                <a:latin typeface="Calibri" panose="020F0502020204030204" pitchFamily="34" charset="0"/>
-              </a:rPr>
-              <a:t>Significant computer science component: Cryptography, databases</a:t>
-            </a:r>
-          </a:p>
-          <a:p>
-            <a:pPr marL="171450" indent="-171450"/>
-            <a:r>
-              <a:rPr lang="en-US" sz="1800" dirty="0">
-                <a:effectLst/>
-                <a:latin typeface="Calibri" panose="020F0502020204030204" pitchFamily="34" charset="0"/>
-              </a:rPr>
-              <a:t>Resources: Blockchain platforms, database systems</a:t>
-            </a:r>
-          </a:p>
-          <a:p>
-            <a:pPr marL="171450" indent="-171450"/>
-            <a:r>
-              <a:rPr lang="en-US" sz="1800" dirty="0">
-                <a:effectLst/>
-                <a:latin typeface="Calibri" panose="020F0502020204030204" pitchFamily="34" charset="0"/>
-              </a:rPr>
-              <a:t>Active field: Data security</a:t>
-            </a:r>
-          </a:p>
-          <a:p>
-            <a:pPr marL="171450" indent="-171450"/>
-            <a:r>
-              <a:rPr lang="en-US" sz="1800" dirty="0">
-                <a:effectLst/>
-                <a:latin typeface="Calibri" panose="020F0502020204030204" pitchFamily="34" charset="0"/>
-              </a:rPr>
-              <a:t>Prototype: Develop a blockchain-secured database</a:t>
-            </a:r>
-          </a:p>
-          <a:p>
-            <a:pPr marL="171450" indent="-171450"/>
-            <a:r>
-              <a:rPr lang="en-US" sz="1800" dirty="0">
-                <a:effectLst/>
-                <a:latin typeface="Calibri" panose="020F0502020204030204" pitchFamily="34" charset="0"/>
-              </a:rPr>
-              <a:t>Intellectual substance: Security measures, decentralization</a:t>
-            </a:r>
-            <a:endParaRPr lang="en-US" dirty="0"/>
-          </a:p>
-          <a:p>
-            <a:pPr marL="0" indent="0">
-              <a:buNone/>
-            </a:pPr>
-            <a:endParaRPr lang="en-US" dirty="0"/>
-          </a:p>
-        </p:txBody>
-      </p:sp>
-      <p:sp>
-        <p:nvSpPr>
-          <p:cNvPr id="5" name="Content Placeholder 4">
-            <a:extLst>
-              <a:ext uri="{FF2B5EF4-FFF2-40B4-BE49-F238E27FC236}">
-                <a16:creationId xmlns:a16="http://schemas.microsoft.com/office/drawing/2014/main" id="{BEE3826B-2285-3ECB-0DE8-C003806AC1EC}"/>
-              </a:ext>
-            </a:extLst>
-          </p:cNvPr>
-          <p:cNvSpPr>
-            <a:spLocks noGrp="1"/>
-          </p:cNvSpPr>
-          <p:nvPr>
-            <p:ph sz="half" idx="2"/>
-          </p:nvPr>
-        </p:nvSpPr>
-        <p:spPr/>
-        <p:txBody>
-          <a:bodyPr>
-            <a:normAutofit fontScale="47500" lnSpcReduction="20000"/>
-          </a:bodyPr>
-          <a:lstStyle/>
-          <a:p>
-            <a:pPr marL="0" indent="0">
-              <a:buNone/>
-            </a:pPr>
-            <a:r>
-              <a:rPr lang="en-US" sz="1800" b="1" dirty="0">
-                <a:effectLst/>
-                <a:latin typeface="Calibri" panose="020F0502020204030204" pitchFamily="34" charset="0"/>
-              </a:rPr>
-              <a:t>5. Ethics and Bias in AI Algorithms: </a:t>
-            </a:r>
-            <a:endParaRPr lang="en-US" dirty="0"/>
-          </a:p>
-          <a:p>
-            <a:pPr marL="171450" indent="-171450"/>
-            <a:r>
-              <a:rPr lang="en-US" sz="1800">
-                <a:effectLst/>
-                <a:latin typeface="Calibri" panose="020F0502020204030204" pitchFamily="34" charset="0"/>
-              </a:rPr>
-              <a:t>Significant computer science component: AI</a:t>
-            </a:r>
-            <a:r>
-              <a:rPr lang="en-US" sz="1800" dirty="0">
-                <a:effectLst/>
-                <a:latin typeface="Calibri" panose="020F0502020204030204" pitchFamily="34" charset="0"/>
-              </a:rPr>
-              <a:t>, Ethics</a:t>
-            </a:r>
-          </a:p>
-          <a:p>
-            <a:pPr marL="171450" indent="-171450"/>
-            <a:r>
-              <a:rPr lang="en-US" sz="1800" dirty="0">
-                <a:effectLst/>
-                <a:latin typeface="Calibri" panose="020F0502020204030204" pitchFamily="34" charset="0"/>
-              </a:rPr>
-              <a:t>Resources: AI frameworks, literature on ethics</a:t>
-            </a:r>
-          </a:p>
-          <a:p>
-            <a:pPr marL="171450" indent="-171450"/>
-            <a:r>
-              <a:rPr lang="en-US" sz="1800" dirty="0">
-                <a:effectLst/>
-                <a:latin typeface="Calibri" panose="020F0502020204030204" pitchFamily="34" charset="0"/>
-              </a:rPr>
-              <a:t>Active field: AI ethics, bias detection</a:t>
-            </a:r>
-          </a:p>
-          <a:p>
-            <a:pPr marL="171450" indent="-171450"/>
-            <a:r>
-              <a:rPr lang="en-US" sz="1800" dirty="0">
-                <a:effectLst/>
-                <a:latin typeface="Calibri" panose="020F0502020204030204" pitchFamily="34" charset="0"/>
-              </a:rPr>
-              <a:t>Prototype: Develop a bias-detection system</a:t>
-            </a:r>
-          </a:p>
-          <a:p>
-            <a:pPr marL="171450" indent="-171450"/>
-            <a:r>
-              <a:rPr lang="en-US" sz="1800" dirty="0">
-                <a:effectLst/>
-                <a:latin typeface="Calibri" panose="020F0502020204030204" pitchFamily="34" charset="0"/>
-              </a:rPr>
-              <a:t>Intellectual substance: Ethical considerations, algorithm fairness. </a:t>
-            </a:r>
-            <a:endParaRPr lang="en-US" dirty="0"/>
-          </a:p>
-          <a:p>
-            <a:pPr marL="0" indent="0">
-              <a:buNone/>
-            </a:pPr>
-            <a:endParaRPr lang="en-US" sz="1800" b="1" dirty="0">
-              <a:effectLst/>
-              <a:latin typeface="Calibri" panose="020F0502020204030204" pitchFamily="34" charset="0"/>
-            </a:endParaRPr>
-          </a:p>
-          <a:p>
-            <a:pPr marL="0" indent="0">
-              <a:buNone/>
-            </a:pPr>
-            <a:r>
-              <a:rPr lang="en-US" sz="1800" b="1" dirty="0">
-                <a:effectLst/>
-                <a:latin typeface="Calibri" panose="020F0502020204030204" pitchFamily="34" charset="0"/>
-              </a:rPr>
-              <a:t>6. VR/AR Applications in Agile Software Development Environments: </a:t>
-            </a:r>
-            <a:endParaRPr lang="en-US" dirty="0"/>
-          </a:p>
-          <a:p>
-            <a:pPr marL="171450" indent="-171450"/>
-            <a:r>
-              <a:rPr lang="en-US" sz="1800">
-                <a:effectLst/>
-                <a:latin typeface="Calibri" panose="020F0502020204030204" pitchFamily="34" charset="0"/>
-              </a:rPr>
-              <a:t>Significant computer science component: Virtual </a:t>
-            </a:r>
-            <a:r>
-              <a:rPr lang="en-US" sz="1800" dirty="0">
-                <a:effectLst/>
-                <a:latin typeface="Calibri" panose="020F0502020204030204" pitchFamily="34" charset="0"/>
-              </a:rPr>
-              <a:t>Reality/Augmented Reality, Software Development</a:t>
-            </a:r>
-          </a:p>
-          <a:p>
-            <a:pPr marL="171450" indent="-171450"/>
-            <a:r>
-              <a:rPr lang="en-US" sz="1800" dirty="0">
-                <a:effectLst/>
-                <a:latin typeface="Calibri" panose="020F0502020204030204" pitchFamily="34" charset="0"/>
-              </a:rPr>
-              <a:t>Resources: VR/AR development tools, agile methodologies</a:t>
-            </a:r>
-          </a:p>
-          <a:p>
-            <a:pPr marL="171450" indent="-171450"/>
-            <a:r>
-              <a:rPr lang="en-US" sz="1800" dirty="0">
-                <a:effectLst/>
-                <a:latin typeface="Calibri" panose="020F0502020204030204" pitchFamily="34" charset="0"/>
-              </a:rPr>
-              <a:t>Active field: Agile development, human-computer interaction</a:t>
-            </a:r>
-          </a:p>
-          <a:p>
-            <a:pPr marL="171450" indent="-171450"/>
-            <a:r>
-              <a:rPr lang="en-US" sz="1800" dirty="0">
-                <a:effectLst/>
-                <a:latin typeface="Calibri" panose="020F0502020204030204" pitchFamily="34" charset="0"/>
-              </a:rPr>
-              <a:t>Prototype: Create a VR/AR tool for agile project management</a:t>
-            </a:r>
-          </a:p>
-          <a:p>
-            <a:pPr marL="171450" indent="-171450"/>
-            <a:r>
-              <a:rPr lang="en-US" sz="1800" dirty="0">
-                <a:effectLst/>
-                <a:latin typeface="Calibri" panose="020F0502020204030204" pitchFamily="34" charset="0"/>
-              </a:rPr>
-              <a:t>Intellectual substance: Human interaction, software engineering principles</a:t>
-            </a:r>
-            <a:endParaRPr lang="en-US" dirty="0"/>
-          </a:p>
-          <a:p>
-            <a:pPr marL="0" indent="0">
-              <a:buNone/>
-            </a:pPr>
-            <a:endParaRPr lang="en-US" sz="1800" b="1" dirty="0">
-              <a:effectLst/>
-              <a:latin typeface="Calibri" panose="020F0502020204030204" pitchFamily="34" charset="0"/>
-            </a:endParaRPr>
-          </a:p>
-          <a:p>
-            <a:pPr marL="0" indent="0">
-              <a:buNone/>
-            </a:pPr>
-            <a:r>
-              <a:rPr lang="en-US" sz="1800" b="1" dirty="0">
-                <a:effectLst/>
-                <a:latin typeface="Calibri" panose="020F0502020204030204" pitchFamily="34" charset="0"/>
-              </a:rPr>
-              <a:t>7. Personalized Education through Machine Learning: </a:t>
-            </a:r>
-            <a:endParaRPr lang="en-US" dirty="0"/>
-          </a:p>
-          <a:p>
-            <a:pPr marL="171450" indent="-171450"/>
-            <a:r>
-              <a:rPr lang="en-US" sz="1800">
-                <a:effectLst/>
-                <a:latin typeface="Calibri" panose="020F0502020204030204" pitchFamily="34" charset="0"/>
-              </a:rPr>
-              <a:t>Significant computer science component: AI</a:t>
-            </a:r>
-            <a:r>
-              <a:rPr lang="en-US" sz="1800" dirty="0">
-                <a:effectLst/>
-                <a:latin typeface="Calibri" panose="020F0502020204030204" pitchFamily="34" charset="0"/>
-              </a:rPr>
-              <a:t>, personalized learning</a:t>
-            </a:r>
-          </a:p>
-          <a:p>
-            <a:pPr marL="171450" indent="-171450"/>
-            <a:r>
-              <a:rPr lang="en-US" sz="1800" dirty="0">
-                <a:effectLst/>
-                <a:latin typeface="Calibri" panose="020F0502020204030204" pitchFamily="34" charset="0"/>
-              </a:rPr>
-              <a:t>Resources: Educational datasets, machine learning frameworks</a:t>
-            </a:r>
-          </a:p>
-          <a:p>
-            <a:pPr marL="171450" indent="-171450"/>
-            <a:r>
-              <a:rPr lang="en-US" sz="1800" dirty="0">
-                <a:effectLst/>
-                <a:latin typeface="Calibri" panose="020F0502020204030204" pitchFamily="34" charset="0"/>
-              </a:rPr>
-              <a:t>Active field: EdTech, AI in education</a:t>
-            </a:r>
-          </a:p>
-          <a:p>
-            <a:pPr marL="171450" indent="-171450"/>
-            <a:r>
-              <a:rPr lang="en-US" sz="1800" dirty="0">
-                <a:effectLst/>
-                <a:latin typeface="Calibri" panose="020F0502020204030204" pitchFamily="34" charset="0"/>
-              </a:rPr>
-              <a:t>Prototype: Develop a personalized learning algorithm</a:t>
-            </a:r>
-          </a:p>
-          <a:p>
-            <a:pPr marL="171450" indent="-171450"/>
-            <a:r>
-              <a:rPr lang="en-US" sz="1800" dirty="0">
-                <a:effectLst/>
-                <a:latin typeface="Calibri" panose="020F0502020204030204" pitchFamily="34" charset="0"/>
-              </a:rPr>
-              <a:t>Intellectual substance: Learning theory, algorithm design</a:t>
-            </a:r>
-            <a:endParaRPr lang="en-US" dirty="0"/>
-          </a:p>
-          <a:p>
-            <a:pPr marL="171450" indent="-171450"/>
-            <a:endParaRPr lang="en-US" sz="1800" dirty="0">
-              <a:effectLst/>
-              <a:latin typeface="Calibri" panose="020F0502020204030204" pitchFamily="34" charset="0"/>
-            </a:endParaRPr>
-          </a:p>
-          <a:p>
-            <a:pPr marL="0" indent="0">
-              <a:buNone/>
-            </a:pPr>
-            <a:r>
-              <a:rPr lang="en-US" sz="1800" dirty="0">
-                <a:effectLst/>
-                <a:latin typeface="Calibri" panose="020F0502020204030204" pitchFamily="34" charset="0"/>
-              </a:rPr>
-              <a:t>These topics should provide a rich ground for exploration, aligning with your background and interests in computer science, and satisfying the requirements outlined for your capstone course. </a:t>
-            </a:r>
-            <a:endParaRPr lang="en-US" dirty="0"/>
-          </a:p>
-          <a:p>
-            <a:pPr marL="0" indent="0">
-              <a:buNone/>
-            </a:pPr>
-            <a:endParaRPr lang="en-US" dirty="0"/>
-          </a:p>
-        </p:txBody>
-      </p:sp>
-    </p:spTree>
-    <p:extLst>
-      <p:ext uri="{BB962C8B-B14F-4D97-AF65-F5344CB8AC3E}">
-        <p14:creationId xmlns:p14="http://schemas.microsoft.com/office/powerpoint/2010/main" val="2619956268"/>
-      </p:ext>
-    </p:extLst>
-  </p:cSld>
-  <p:clrMapOvr>
-    <a:masterClrMapping/>
-  </p:clrMapOvr>
-</p:sld>
-</file>
-
-<file path=ppt/slides/slide12.xml><?xml version="1.0" encoding="utf-8"?>
-<p:sld xmlns:a="http://schemas.openxmlformats.org/drawingml/2006/main" xmlns:r="http://schemas.openxmlformats.org/officeDocument/2006/relationships" xmlns:p="http://schemas.openxmlformats.org/presentationml/2006/main">
-  <p:cSld>
     <p:bg>
       <p:bgPr>
         <a:solidFill>
@@ -33327,7 +26970,7 @@
 </p:sld>
 </file>
 
-<file path=ppt/slides/slide13.xml><?xml version="1.0" encoding="utf-8"?>
+<file path=ppt/slides/slide11.xml><?xml version="1.0" encoding="utf-8"?>
 <p:sld xmlns:a="http://schemas.openxmlformats.org/drawingml/2006/main" xmlns:r="http://schemas.openxmlformats.org/officeDocument/2006/relationships" xmlns:p="http://schemas.openxmlformats.org/presentationml/2006/main">
   <p:cSld>
     <p:bg>
@@ -34574,584 +28217,6 @@
 </file>
 
 <file path=ppt/slides/slide2.xml><?xml version="1.0" encoding="utf-8"?>
-<p:sld xmlns:a="http://schemas.openxmlformats.org/drawingml/2006/main" xmlns:r="http://schemas.openxmlformats.org/officeDocument/2006/relationships" xmlns:p="http://schemas.openxmlformats.org/presentationml/2006/main">
-  <p:cSld>
-    <p:bg>
-      <p:bgPr>
-        <a:solidFill>
-          <a:schemeClr val="bg1"/>
-        </a:solidFill>
-        <a:effectLst/>
-      </p:bgPr>
-    </p:bg>
-    <p:spTree>
-      <p:nvGrpSpPr>
-        <p:cNvPr id="1" name=""/>
-        <p:cNvGrpSpPr/>
-        <p:nvPr/>
-      </p:nvGrpSpPr>
-      <p:grpSpPr>
-        <a:xfrm>
-          <a:off x="0" y="0"/>
-          <a:ext cx="0" cy="0"/>
-          <a:chOff x="0" y="0"/>
-          <a:chExt cx="0" cy="0"/>
-        </a:xfrm>
-      </p:grpSpPr>
-      <p:sp useBgFill="1">
-        <p:nvSpPr>
-          <p:cNvPr id="9" name="Rectangle 8">
-            <a:extLst>
-              <a:ext uri="{FF2B5EF4-FFF2-40B4-BE49-F238E27FC236}">
-                <a16:creationId xmlns:a16="http://schemas.microsoft.com/office/drawing/2014/main" id="{53B021B3-DE93-4AB7-8A18-CF5F1CED88B8}"/>
-              </a:ext>
-              <a:ext uri="{C183D7F6-B498-43B3-948B-1728B52AA6E4}">
-                <adec:decorative xmlns:adec="http://schemas.microsoft.com/office/drawing/2017/decorative" val="1"/>
-              </a:ext>
-            </a:extLst>
-          </p:cNvPr>
-          <p:cNvSpPr>
-            <a:spLocks noGrp="1" noRot="1" noChangeAspect="1" noMove="1" noResize="1" noEditPoints="1" noAdjustHandles="1" noChangeArrowheads="1" noChangeShapeType="1" noTextEdit="1"/>
-          </p:cNvSpPr>
-          <p:nvPr>
-            <p:extLst>
-              <p:ext uri="{386F3935-93C4-4BCD-93E2-E3B085C9AB24}">
-                <p16:designElem xmlns:p16="http://schemas.microsoft.com/office/powerpoint/2015/main" val="1"/>
-              </p:ext>
-            </p:extLst>
-          </p:nvPr>
-        </p:nvSpPr>
-        <p:spPr>
-          <a:xfrm>
-            <a:off x="0" y="0"/>
-            <a:ext cx="9144000" cy="6858000"/>
-          </a:xfrm>
-          <a:prstGeom prst="rect">
-            <a:avLst/>
-          </a:prstGeom>
-          <a:ln>
-            <a:noFill/>
-          </a:ln>
-        </p:spPr>
-        <p:style>
-          <a:lnRef idx="2">
-            <a:schemeClr val="accent1">
-              <a:shade val="50000"/>
-            </a:schemeClr>
-          </a:lnRef>
-          <a:fillRef idx="1">
-            <a:schemeClr val="accent1"/>
-          </a:fillRef>
-          <a:effectRef idx="0">
-            <a:schemeClr val="accent1"/>
-          </a:effectRef>
-          <a:fontRef idx="minor">
-            <a:schemeClr val="lt1"/>
-          </a:fontRef>
-        </p:style>
-        <p:txBody>
-          <a:bodyPr rtlCol="0" anchor="ctr"/>
-          <a:lstStyle/>
-          <a:p>
-            <a:pPr algn="ctr"/>
-            <a:endParaRPr lang="en-US"/>
-          </a:p>
-        </p:txBody>
-      </p:sp>
-      <p:sp>
-        <p:nvSpPr>
-          <p:cNvPr id="2" name="Title 1"/>
-          <p:cNvSpPr>
-            <a:spLocks noGrp="1"/>
-          </p:cNvSpPr>
-          <p:nvPr>
-            <p:ph type="title"/>
-          </p:nvPr>
-        </p:nvSpPr>
-        <p:spPr>
-          <a:xfrm>
-            <a:off x="630936" y="256032"/>
-            <a:ext cx="7879842" cy="1014984"/>
-          </a:xfrm>
-        </p:spPr>
-        <p:txBody>
-          <a:bodyPr anchor="b">
-            <a:normAutofit/>
-          </a:bodyPr>
-          <a:lstStyle/>
-          <a:p>
-            <a:r>
-              <a:t>Spring 2023 Recap</a:t>
-            </a:r>
-          </a:p>
-        </p:txBody>
-      </p:sp>
-      <p:sp>
-        <p:nvSpPr>
-          <p:cNvPr id="11" name="Rectangle 10">
-            <a:extLst>
-              <a:ext uri="{FF2B5EF4-FFF2-40B4-BE49-F238E27FC236}">
-                <a16:creationId xmlns:a16="http://schemas.microsoft.com/office/drawing/2014/main" id="{52D502E5-F6B4-4D58-B4AE-FC466FF15EE8}"/>
-              </a:ext>
-              <a:ext uri="{C183D7F6-B498-43B3-948B-1728B52AA6E4}">
-                <adec:decorative xmlns:adec="http://schemas.microsoft.com/office/drawing/2017/decorative" val="1"/>
-              </a:ext>
-            </a:extLst>
-          </p:cNvPr>
-          <p:cNvSpPr>
-            <a:spLocks noGrp="1" noRot="1" noChangeAspect="1" noMove="1" noResize="1" noEditPoints="1" noAdjustHandles="1" noChangeArrowheads="1" noChangeShapeType="1" noTextEdit="1"/>
-          </p:cNvSpPr>
-          <p:nvPr>
-            <p:extLst>
-              <p:ext uri="{386F3935-93C4-4BCD-93E2-E3B085C9AB24}">
-                <p16:designElem xmlns:p16="http://schemas.microsoft.com/office/powerpoint/2015/main" val="1"/>
-              </p:ext>
-            </p:extLst>
-          </p:nvPr>
-        </p:nvSpPr>
-        <p:spPr>
-          <a:xfrm>
-            <a:off x="649464" y="1634502"/>
-            <a:ext cx="7838694" cy="18288"/>
-          </a:xfrm>
-          <a:prstGeom prst="rect">
-            <a:avLst/>
-          </a:prstGeom>
-          <a:solidFill>
-            <a:srgbClr val="D5D5D5"/>
-          </a:solidFill>
-          <a:ln w="3175">
-            <a:noFill/>
-          </a:ln>
-          <a:effectLst/>
-        </p:spPr>
-        <p:style>
-          <a:lnRef idx="2">
-            <a:schemeClr val="accent1">
-              <a:shade val="50000"/>
-            </a:schemeClr>
-          </a:lnRef>
-          <a:fillRef idx="1">
-            <a:schemeClr val="accent1"/>
-          </a:fillRef>
-          <a:effectRef idx="0">
-            <a:schemeClr val="accent1"/>
-          </a:effectRef>
-          <a:fontRef idx="minor">
-            <a:schemeClr val="lt1"/>
-          </a:fontRef>
-        </p:style>
-        <p:txBody>
-          <a:bodyPr rtlCol="0" anchor="ctr"/>
-          <a:lstStyle/>
-          <a:p>
-            <a:pPr algn="ctr"/>
-            <a:endParaRPr lang="en-US">
-              <a:solidFill>
-                <a:prstClr val="white"/>
-              </a:solidFill>
-              <a:latin typeface="Calibri" panose="020F0502020204030204"/>
-            </a:endParaRPr>
-          </a:p>
-        </p:txBody>
-      </p:sp>
-      <p:sp>
-        <p:nvSpPr>
-          <p:cNvPr id="13" name="Rectangle 12">
-            <a:extLst>
-              <a:ext uri="{FF2B5EF4-FFF2-40B4-BE49-F238E27FC236}">
-                <a16:creationId xmlns:a16="http://schemas.microsoft.com/office/drawing/2014/main" id="{9DECDBF4-02B6-4BB4-B65B-B8107AD6A9E8}"/>
-              </a:ext>
-              <a:ext uri="{C183D7F6-B498-43B3-948B-1728B52AA6E4}">
-                <adec:decorative xmlns:adec="http://schemas.microsoft.com/office/drawing/2017/decorative" val="1"/>
-              </a:ext>
-            </a:extLst>
-          </p:cNvPr>
-          <p:cNvSpPr>
-            <a:spLocks noGrp="1" noRot="1" noChangeAspect="1" noMove="1" noResize="1" noEditPoints="1" noAdjustHandles="1" noChangeArrowheads="1" noChangeShapeType="1" noTextEdit="1"/>
-          </p:cNvSpPr>
-          <p:nvPr>
-            <p:extLst>
-              <p:ext uri="{386F3935-93C4-4BCD-93E2-E3B085C9AB24}">
-                <p16:designElem xmlns:p16="http://schemas.microsoft.com/office/powerpoint/2015/main" val="1"/>
-              </p:ext>
-            </p:extLst>
-          </p:nvPr>
-        </p:nvSpPr>
-        <p:spPr>
-          <a:xfrm flipV="1">
-            <a:off x="630936" y="1538176"/>
-            <a:ext cx="1405092" cy="109814"/>
-          </a:xfrm>
-          <a:prstGeom prst="rect">
-            <a:avLst/>
-          </a:prstGeom>
-          <a:solidFill>
-            <a:schemeClr val="accent2"/>
-          </a:solidFill>
-          <a:ln>
-            <a:noFill/>
-          </a:ln>
-        </p:spPr>
-        <p:style>
-          <a:lnRef idx="2">
-            <a:schemeClr val="accent1">
-              <a:shade val="50000"/>
-            </a:schemeClr>
-          </a:lnRef>
-          <a:fillRef idx="1">
-            <a:schemeClr val="accent1"/>
-          </a:fillRef>
-          <a:effectRef idx="0">
-            <a:schemeClr val="accent1"/>
-          </a:effectRef>
-          <a:fontRef idx="minor">
-            <a:schemeClr val="lt1"/>
-          </a:fontRef>
-        </p:style>
-        <p:txBody>
-          <a:bodyPr rtlCol="0" anchor="ctr"/>
-          <a:lstStyle/>
-          <a:p>
-            <a:pPr algn="ctr"/>
-            <a:endParaRPr lang="en-US">
-              <a:solidFill>
-                <a:prstClr val="white"/>
-              </a:solidFill>
-              <a:latin typeface="Calibri" panose="020F0502020204030204"/>
-            </a:endParaRPr>
-          </a:p>
-        </p:txBody>
-      </p:sp>
-      <p:graphicFrame>
-        <p:nvGraphicFramePr>
-          <p:cNvPr id="5" name="Content Placeholder 2">
-            <a:extLst>
-              <a:ext uri="{FF2B5EF4-FFF2-40B4-BE49-F238E27FC236}">
-                <a16:creationId xmlns:a16="http://schemas.microsoft.com/office/drawing/2014/main" id="{90220FA1-1D56-C998-C54F-1C140B52B344}"/>
-              </a:ext>
-            </a:extLst>
-          </p:cNvPr>
-          <p:cNvGraphicFramePr>
-            <a:graphicFrameLocks noGrp="1"/>
-          </p:cNvGraphicFramePr>
-          <p:nvPr>
-            <p:ph idx="1"/>
-            <p:extLst>
-              <p:ext uri="{D42A27DB-BD31-4B8C-83A1-F6EECF244321}">
-                <p14:modId xmlns:p14="http://schemas.microsoft.com/office/powerpoint/2010/main" val="266352848"/>
-              </p:ext>
-            </p:extLst>
-          </p:nvPr>
-        </p:nvGraphicFramePr>
-        <p:xfrm>
-          <a:off x="628650" y="1926266"/>
-          <a:ext cx="7886700" cy="4357524"/>
-        </p:xfrm>
-        <a:graphic>
-          <a:graphicData uri="http://schemas.openxmlformats.org/drawingml/2006/diagram">
-            <dgm:relIds xmlns:dgm="http://schemas.openxmlformats.org/drawingml/2006/diagram" xmlns:r="http://schemas.openxmlformats.org/officeDocument/2006/relationships" r:dm="rId2" r:lo="rId3" r:qs="rId4" r:cs="rId5"/>
-          </a:graphicData>
-        </a:graphic>
-      </p:graphicFrame>
-    </p:spTree>
-  </p:cSld>
-  <p:clrMapOvr>
-    <a:masterClrMapping/>
-  </p:clrMapOvr>
-</p:sld>
-</file>
-
-<file path=ppt/slides/slide3.xml><?xml version="1.0" encoding="utf-8"?>
-<p:sld xmlns:a="http://schemas.openxmlformats.org/drawingml/2006/main" xmlns:r="http://schemas.openxmlformats.org/officeDocument/2006/relationships" xmlns:p="http://schemas.openxmlformats.org/presentationml/2006/main">
-  <p:cSld>
-    <p:bg>
-      <p:bgPr>
-        <a:solidFill>
-          <a:schemeClr val="bg1"/>
-        </a:solidFill>
-        <a:effectLst/>
-      </p:bgPr>
-    </p:bg>
-    <p:spTree>
-      <p:nvGrpSpPr>
-        <p:cNvPr id="1" name=""/>
-        <p:cNvGrpSpPr/>
-        <p:nvPr/>
-      </p:nvGrpSpPr>
-      <p:grpSpPr>
-        <a:xfrm>
-          <a:off x="0" y="0"/>
-          <a:ext cx="0" cy="0"/>
-          <a:chOff x="0" y="0"/>
-          <a:chExt cx="0" cy="0"/>
-        </a:xfrm>
-      </p:grpSpPr>
-      <p:sp useBgFill="1">
-        <p:nvSpPr>
-          <p:cNvPr id="9" name="Rectangle 8">
-            <a:extLst>
-              <a:ext uri="{FF2B5EF4-FFF2-40B4-BE49-F238E27FC236}">
-                <a16:creationId xmlns:a16="http://schemas.microsoft.com/office/drawing/2014/main" id="{53B021B3-DE93-4AB7-8A18-CF5F1CED88B8}"/>
-              </a:ext>
-              <a:ext uri="{C183D7F6-B498-43B3-948B-1728B52AA6E4}">
-                <adec:decorative xmlns:adec="http://schemas.microsoft.com/office/drawing/2017/decorative" val="1"/>
-              </a:ext>
-            </a:extLst>
-          </p:cNvPr>
-          <p:cNvSpPr>
-            <a:spLocks noGrp="1" noRot="1" noChangeAspect="1" noMove="1" noResize="1" noEditPoints="1" noAdjustHandles="1" noChangeArrowheads="1" noChangeShapeType="1" noTextEdit="1"/>
-          </p:cNvSpPr>
-          <p:nvPr>
-            <p:extLst>
-              <p:ext uri="{386F3935-93C4-4BCD-93E2-E3B085C9AB24}">
-                <p16:designElem xmlns:p16="http://schemas.microsoft.com/office/powerpoint/2015/main" val="1"/>
-              </p:ext>
-            </p:extLst>
-          </p:nvPr>
-        </p:nvSpPr>
-        <p:spPr>
-          <a:xfrm>
-            <a:off x="0" y="0"/>
-            <a:ext cx="9144000" cy="6858000"/>
-          </a:xfrm>
-          <a:prstGeom prst="rect">
-            <a:avLst/>
-          </a:prstGeom>
-          <a:ln>
-            <a:noFill/>
-          </a:ln>
-        </p:spPr>
-        <p:style>
-          <a:lnRef idx="2">
-            <a:schemeClr val="accent1">
-              <a:shade val="50000"/>
-            </a:schemeClr>
-          </a:lnRef>
-          <a:fillRef idx="1">
-            <a:schemeClr val="accent1"/>
-          </a:fillRef>
-          <a:effectRef idx="0">
-            <a:schemeClr val="accent1"/>
-          </a:effectRef>
-          <a:fontRef idx="minor">
-            <a:schemeClr val="lt1"/>
-          </a:fontRef>
-        </p:style>
-        <p:txBody>
-          <a:bodyPr rtlCol="0" anchor="ctr"/>
-          <a:lstStyle/>
-          <a:p>
-            <a:pPr algn="ctr"/>
-            <a:endParaRPr lang="en-US"/>
-          </a:p>
-        </p:txBody>
-      </p:sp>
-      <p:sp>
-        <p:nvSpPr>
-          <p:cNvPr id="2" name="Title 1"/>
-          <p:cNvSpPr>
-            <a:spLocks noGrp="1"/>
-          </p:cNvSpPr>
-          <p:nvPr>
-            <p:ph type="title"/>
-          </p:nvPr>
-        </p:nvSpPr>
-        <p:spPr>
-          <a:xfrm>
-            <a:off x="630936" y="256032"/>
-            <a:ext cx="7879842" cy="1014984"/>
-          </a:xfrm>
-        </p:spPr>
-        <p:txBody>
-          <a:bodyPr anchor="b">
-            <a:normAutofit/>
-          </a:bodyPr>
-          <a:lstStyle/>
-          <a:p>
-            <a:r>
-              <a:t>Fall 2023 Plan</a:t>
-            </a:r>
-          </a:p>
-        </p:txBody>
-      </p:sp>
-      <p:sp>
-        <p:nvSpPr>
-          <p:cNvPr id="11" name="Rectangle 10">
-            <a:extLst>
-              <a:ext uri="{FF2B5EF4-FFF2-40B4-BE49-F238E27FC236}">
-                <a16:creationId xmlns:a16="http://schemas.microsoft.com/office/drawing/2014/main" id="{52D502E5-F6B4-4D58-B4AE-FC466FF15EE8}"/>
-              </a:ext>
-              <a:ext uri="{C183D7F6-B498-43B3-948B-1728B52AA6E4}">
-                <adec:decorative xmlns:adec="http://schemas.microsoft.com/office/drawing/2017/decorative" val="1"/>
-              </a:ext>
-            </a:extLst>
-          </p:cNvPr>
-          <p:cNvSpPr>
-            <a:spLocks noGrp="1" noRot="1" noChangeAspect="1" noMove="1" noResize="1" noEditPoints="1" noAdjustHandles="1" noChangeArrowheads="1" noChangeShapeType="1" noTextEdit="1"/>
-          </p:cNvSpPr>
-          <p:nvPr>
-            <p:extLst>
-              <p:ext uri="{386F3935-93C4-4BCD-93E2-E3B085C9AB24}">
-                <p16:designElem xmlns:p16="http://schemas.microsoft.com/office/powerpoint/2015/main" val="1"/>
-              </p:ext>
-            </p:extLst>
-          </p:nvPr>
-        </p:nvSpPr>
-        <p:spPr>
-          <a:xfrm>
-            <a:off x="649464" y="1634502"/>
-            <a:ext cx="7838694" cy="18288"/>
-          </a:xfrm>
-          <a:prstGeom prst="rect">
-            <a:avLst/>
-          </a:prstGeom>
-          <a:solidFill>
-            <a:srgbClr val="D5D5D5"/>
-          </a:solidFill>
-          <a:ln w="3175">
-            <a:noFill/>
-          </a:ln>
-          <a:effectLst/>
-        </p:spPr>
-        <p:style>
-          <a:lnRef idx="2">
-            <a:schemeClr val="accent1">
-              <a:shade val="50000"/>
-            </a:schemeClr>
-          </a:lnRef>
-          <a:fillRef idx="1">
-            <a:schemeClr val="accent1"/>
-          </a:fillRef>
-          <a:effectRef idx="0">
-            <a:schemeClr val="accent1"/>
-          </a:effectRef>
-          <a:fontRef idx="minor">
-            <a:schemeClr val="lt1"/>
-          </a:fontRef>
-        </p:style>
-        <p:txBody>
-          <a:bodyPr rtlCol="0" anchor="ctr"/>
-          <a:lstStyle/>
-          <a:p>
-            <a:pPr algn="ctr"/>
-            <a:endParaRPr lang="en-US">
-              <a:solidFill>
-                <a:prstClr val="white"/>
-              </a:solidFill>
-              <a:latin typeface="Calibri" panose="020F0502020204030204"/>
-            </a:endParaRPr>
-          </a:p>
-        </p:txBody>
-      </p:sp>
-      <p:sp>
-        <p:nvSpPr>
-          <p:cNvPr id="13" name="Rectangle 12">
-            <a:extLst>
-              <a:ext uri="{FF2B5EF4-FFF2-40B4-BE49-F238E27FC236}">
-                <a16:creationId xmlns:a16="http://schemas.microsoft.com/office/drawing/2014/main" id="{9DECDBF4-02B6-4BB4-B65B-B8107AD6A9E8}"/>
-              </a:ext>
-              <a:ext uri="{C183D7F6-B498-43B3-948B-1728B52AA6E4}">
-                <adec:decorative xmlns:adec="http://schemas.microsoft.com/office/drawing/2017/decorative" val="1"/>
-              </a:ext>
-            </a:extLst>
-          </p:cNvPr>
-          <p:cNvSpPr>
-            <a:spLocks noGrp="1" noRot="1" noChangeAspect="1" noMove="1" noResize="1" noEditPoints="1" noAdjustHandles="1" noChangeArrowheads="1" noChangeShapeType="1" noTextEdit="1"/>
-          </p:cNvSpPr>
-          <p:nvPr>
-            <p:extLst>
-              <p:ext uri="{386F3935-93C4-4BCD-93E2-E3B085C9AB24}">
-                <p16:designElem xmlns:p16="http://schemas.microsoft.com/office/powerpoint/2015/main" val="1"/>
-              </p:ext>
-            </p:extLst>
-          </p:nvPr>
-        </p:nvSpPr>
-        <p:spPr>
-          <a:xfrm flipV="1">
-            <a:off x="630936" y="1538176"/>
-            <a:ext cx="1405092" cy="109814"/>
-          </a:xfrm>
-          <a:prstGeom prst="rect">
-            <a:avLst/>
-          </a:prstGeom>
-          <a:solidFill>
-            <a:schemeClr val="accent2"/>
-          </a:solidFill>
-          <a:ln>
-            <a:noFill/>
-          </a:ln>
-        </p:spPr>
-        <p:style>
-          <a:lnRef idx="2">
-            <a:schemeClr val="accent1">
-              <a:shade val="50000"/>
-            </a:schemeClr>
-          </a:lnRef>
-          <a:fillRef idx="1">
-            <a:schemeClr val="accent1"/>
-          </a:fillRef>
-          <a:effectRef idx="0">
-            <a:schemeClr val="accent1"/>
-          </a:effectRef>
-          <a:fontRef idx="minor">
-            <a:schemeClr val="lt1"/>
-          </a:fontRef>
-        </p:style>
-        <p:txBody>
-          <a:bodyPr rtlCol="0" anchor="ctr"/>
-          <a:lstStyle/>
-          <a:p>
-            <a:pPr algn="ctr"/>
-            <a:endParaRPr lang="en-US">
-              <a:solidFill>
-                <a:prstClr val="white"/>
-              </a:solidFill>
-              <a:latin typeface="Calibri" panose="020F0502020204030204"/>
-            </a:endParaRPr>
-          </a:p>
-        </p:txBody>
-      </p:sp>
-      <p:graphicFrame>
-        <p:nvGraphicFramePr>
-          <p:cNvPr id="5" name="Content Placeholder 2">
-            <a:extLst>
-              <a:ext uri="{FF2B5EF4-FFF2-40B4-BE49-F238E27FC236}">
-                <a16:creationId xmlns:a16="http://schemas.microsoft.com/office/drawing/2014/main" id="{CBC94C74-5BA7-9939-2A27-75B1897C3E6C}"/>
-              </a:ext>
-            </a:extLst>
-          </p:cNvPr>
-          <p:cNvGraphicFramePr>
-            <a:graphicFrameLocks noGrp="1"/>
-          </p:cNvGraphicFramePr>
-          <p:nvPr>
-            <p:ph idx="1"/>
-            <p:extLst>
-              <p:ext uri="{D42A27DB-BD31-4B8C-83A1-F6EECF244321}">
-                <p14:modId xmlns:p14="http://schemas.microsoft.com/office/powerpoint/2010/main" val="3337888442"/>
-              </p:ext>
-            </p:extLst>
-          </p:nvPr>
-        </p:nvGraphicFramePr>
-        <p:xfrm>
-          <a:off x="628650" y="1926266"/>
-          <a:ext cx="7886700" cy="4357524"/>
-        </p:xfrm>
-        <a:graphic>
-          <a:graphicData uri="http://schemas.openxmlformats.org/drawingml/2006/diagram">
-            <dgm:relIds xmlns:dgm="http://schemas.openxmlformats.org/drawingml/2006/diagram" xmlns:r="http://schemas.openxmlformats.org/officeDocument/2006/relationships" r:dm="rId2" r:lo="rId3" r:qs="rId4" r:cs="rId5"/>
-          </a:graphicData>
-        </a:graphic>
-      </p:graphicFrame>
-    </p:spTree>
-  </p:cSld>
-  <p:clrMapOvr>
-    <a:masterClrMapping/>
-  </p:clrMapOvr>
-</p:sld>
-</file>
-
-<file path=ppt/slides/slide4.xml><?xml version="1.0" encoding="utf-8"?>
 <p:sld xmlns:a="http://schemas.openxmlformats.org/drawingml/2006/main" xmlns:r="http://schemas.openxmlformats.org/officeDocument/2006/relationships" xmlns:p="http://schemas.openxmlformats.org/presentationml/2006/main">
   <p:cSld>
     <p:bg>
@@ -36460,7 +29525,7 @@
 </p:sld>
 </file>
 
-<file path=ppt/slides/slide5.xml><?xml version="1.0" encoding="utf-8"?>
+<file path=ppt/slides/slide3.xml><?xml version="1.0" encoding="utf-8"?>
 <p:sld xmlns:a="http://schemas.openxmlformats.org/drawingml/2006/main" xmlns:r="http://schemas.openxmlformats.org/officeDocument/2006/relationships" xmlns:p="http://schemas.openxmlformats.org/presentationml/2006/main">
   <p:cSld>
     <p:bg>
@@ -37764,7 +30829,7 @@
 </p:sld>
 </file>
 
-<file path=ppt/slides/slide6.xml><?xml version="1.0" encoding="utf-8"?>
+<file path=ppt/slides/slide4.xml><?xml version="1.0" encoding="utf-8"?>
 <p:sld xmlns:a="http://schemas.openxmlformats.org/drawingml/2006/main" xmlns:r="http://schemas.openxmlformats.org/officeDocument/2006/relationships" xmlns:p="http://schemas.openxmlformats.org/presentationml/2006/main">
   <p:cSld>
     <p:bg>
@@ -39010,7 +32075,7 @@
 </p:sld>
 </file>
 
-<file path=ppt/slides/slide7.xml><?xml version="1.0" encoding="utf-8"?>
+<file path=ppt/slides/slide5.xml><?xml version="1.0" encoding="utf-8"?>
 <p:sld xmlns:a="http://schemas.openxmlformats.org/drawingml/2006/main" xmlns:r="http://schemas.openxmlformats.org/officeDocument/2006/relationships" xmlns:p="http://schemas.openxmlformats.org/presentationml/2006/main">
   <p:cSld>
     <p:bg>
@@ -39568,7 +32633,7 @@
 </p:sld>
 </file>
 
-<file path=ppt/slides/slide8.xml><?xml version="1.0" encoding="utf-8"?>
+<file path=ppt/slides/slide6.xml><?xml version="1.0" encoding="utf-8"?>
 <p:sld xmlns:a="http://schemas.openxmlformats.org/drawingml/2006/main" xmlns:r="http://schemas.openxmlformats.org/officeDocument/2006/relationships" xmlns:p="http://schemas.openxmlformats.org/presentationml/2006/main">
   <p:cSld>
     <p:bg>
@@ -50252,7 +43317,7 @@
 </p:sld>
 </file>
 
-<file path=ppt/slides/slide9.xml><?xml version="1.0" encoding="utf-8"?>
+<file path=ppt/slides/slide7.xml><?xml version="1.0" encoding="utf-8"?>
 <p:sld xmlns:a="http://schemas.openxmlformats.org/drawingml/2006/main" xmlns:r="http://schemas.openxmlformats.org/officeDocument/2006/relationships" xmlns:p="http://schemas.openxmlformats.org/presentationml/2006/main">
   <p:cSld>
     <p:bg>
@@ -50813,6 +43878,998 @@
     <p:extLst>
       <p:ext uri="{BB962C8B-B14F-4D97-AF65-F5344CB8AC3E}">
         <p14:creationId xmlns:p14="http://schemas.microsoft.com/office/powerpoint/2010/main" val="3463104093"/>
+      </p:ext>
+    </p:extLst>
+  </p:cSld>
+  <p:clrMapOvr>
+    <a:masterClrMapping/>
+  </p:clrMapOvr>
+</p:sld>
+</file>
+
+<file path=ppt/slides/slide8.xml><?xml version="1.0" encoding="utf-8"?>
+<p:sld xmlns:a="http://schemas.openxmlformats.org/drawingml/2006/main" xmlns:r="http://schemas.openxmlformats.org/officeDocument/2006/relationships" xmlns:p="http://schemas.openxmlformats.org/presentationml/2006/main">
+  <p:cSld>
+    <p:spTree>
+      <p:nvGrpSpPr>
+        <p:cNvPr id="1" name=""/>
+        <p:cNvGrpSpPr/>
+        <p:nvPr/>
+      </p:nvGrpSpPr>
+      <p:grpSpPr>
+        <a:xfrm>
+          <a:off x="0" y="0"/>
+          <a:ext cx="0" cy="0"/>
+          <a:chOff x="0" y="0"/>
+          <a:chExt cx="0" cy="0"/>
+        </a:xfrm>
+      </p:grpSpPr>
+      <p:sp>
+        <p:nvSpPr>
+          <p:cNvPr id="2" name="Title 1">
+            <a:extLst>
+              <a:ext uri="{FF2B5EF4-FFF2-40B4-BE49-F238E27FC236}">
+                <a16:creationId xmlns:a16="http://schemas.microsoft.com/office/drawing/2014/main" id="{252CCE77-7ADD-4335-6A0D-B7BA40F28BBF}"/>
+              </a:ext>
+            </a:extLst>
+          </p:cNvPr>
+          <p:cNvSpPr>
+            <a:spLocks noGrp="1"/>
+          </p:cNvSpPr>
+          <p:nvPr>
+            <p:ph type="title"/>
+          </p:nvPr>
+        </p:nvSpPr>
+        <p:spPr/>
+        <p:txBody>
+          <a:bodyPr>
+            <a:normAutofit fontScale="90000"/>
+          </a:bodyPr>
+          <a:lstStyle/>
+          <a:p>
+            <a:r>
+              <a:rPr lang="en-US" sz="1800" b="1" dirty="0">
+                <a:effectLst/>
+                <a:latin typeface="Calibri" panose="020F0502020204030204" pitchFamily="34" charset="0"/>
+              </a:rPr>
+              <a:t>Scenario: Suggest capstone course research topic</a:t>
+            </a:r>
+            <a:br>
+              <a:rPr lang="en-US" sz="1800" b="1" dirty="0">
+                <a:effectLst/>
+                <a:latin typeface="Calibri" panose="020F0502020204030204" pitchFamily="34" charset="0"/>
+              </a:rPr>
+            </a:br>
+            <a:r>
+              <a:rPr lang="en-US" sz="1800" dirty="0">
+                <a:effectLst/>
+                <a:latin typeface="Calibri" panose="020F0502020204030204" pitchFamily="34" charset="0"/>
+              </a:rPr>
+              <a:t>---- Copy and paste into ChatGPT 4.0 text window (</a:t>
+            </a:r>
+            <a:r>
+              <a:rPr lang="en-US" sz="1800" dirty="0">
+                <a:solidFill>
+                  <a:srgbClr val="0260BF"/>
+                </a:solidFill>
+                <a:effectLst/>
+                <a:latin typeface="Calibri" panose="020F0502020204030204" pitchFamily="34" charset="0"/>
+              </a:rPr>
+              <a:t>https://</a:t>
+            </a:r>
+            <a:r>
+              <a:rPr lang="en-US" sz="1800" dirty="0" err="1">
+                <a:solidFill>
+                  <a:srgbClr val="0260BF"/>
+                </a:solidFill>
+                <a:effectLst/>
+                <a:latin typeface="Calibri" panose="020F0502020204030204" pitchFamily="34" charset="0"/>
+              </a:rPr>
+              <a:t>chat.openai.com</a:t>
+            </a:r>
+            <a:r>
+              <a:rPr lang="en-US" sz="1800" dirty="0">
+                <a:solidFill>
+                  <a:srgbClr val="0260BF"/>
+                </a:solidFill>
+                <a:effectLst/>
+                <a:latin typeface="Calibri" panose="020F0502020204030204" pitchFamily="34" charset="0"/>
+              </a:rPr>
+              <a:t>/?model=gpt-4</a:t>
+            </a:r>
+            <a:r>
+              <a:rPr lang="en-US" sz="1800" dirty="0">
+                <a:effectLst/>
+                <a:latin typeface="Calibri" panose="020F0502020204030204" pitchFamily="34" charset="0"/>
+              </a:rPr>
+              <a:t>) ---- </a:t>
+            </a:r>
+            <a:br>
+              <a:rPr lang="en-US" sz="900" dirty="0"/>
+            </a:br>
+            <a:r>
+              <a:rPr lang="en-US" sz="1800" b="1" dirty="0">
+                <a:effectLst/>
+                <a:latin typeface="Calibri" panose="020F0502020204030204" pitchFamily="34" charset="0"/>
+              </a:rPr>
+              <a:t>s </a:t>
+            </a:r>
+            <a:endParaRPr lang="en-US" dirty="0"/>
+          </a:p>
+        </p:txBody>
+      </p:sp>
+      <p:sp>
+        <p:nvSpPr>
+          <p:cNvPr id="3" name="Content Placeholder 2">
+            <a:extLst>
+              <a:ext uri="{FF2B5EF4-FFF2-40B4-BE49-F238E27FC236}">
+                <a16:creationId xmlns:a16="http://schemas.microsoft.com/office/drawing/2014/main" id="{D61CD088-9323-347E-F2C8-9342E14F0720}"/>
+              </a:ext>
+            </a:extLst>
+          </p:cNvPr>
+          <p:cNvSpPr>
+            <a:spLocks noGrp="1"/>
+          </p:cNvSpPr>
+          <p:nvPr>
+            <p:ph idx="1"/>
+          </p:nvPr>
+        </p:nvSpPr>
+        <p:spPr/>
+        <p:txBody>
+          <a:bodyPr>
+            <a:normAutofit fontScale="92500" lnSpcReduction="20000"/>
+          </a:bodyPr>
+          <a:lstStyle/>
+          <a:p>
+            <a:pPr marL="0" indent="0">
+              <a:buNone/>
+            </a:pPr>
+            <a:r>
+              <a:rPr lang="en-US" sz="1800" dirty="0">
+                <a:effectLst/>
+                <a:latin typeface="Calibri" panose="020F0502020204030204" pitchFamily="34" charset="0"/>
+              </a:rPr>
+              <a:t>Persona</a:t>
+            </a:r>
+            <a:br>
+              <a:rPr lang="en-US" sz="1800" dirty="0">
+                <a:effectLst/>
+                <a:latin typeface="Calibri" panose="020F0502020204030204" pitchFamily="34" charset="0"/>
+              </a:rPr>
+            </a:br>
+            <a:r>
+              <a:rPr lang="en-US" sz="1800" dirty="0">
+                <a:effectLst/>
+                <a:latin typeface="Calibri" panose="020F0502020204030204" pitchFamily="34" charset="0"/>
+              </a:rPr>
+              <a:t>Name: Mike Herman</a:t>
+            </a:r>
+            <a:br>
+              <a:rPr lang="en-US" sz="1800" dirty="0">
+                <a:effectLst/>
+                <a:latin typeface="Calibri" panose="020F0502020204030204" pitchFamily="34" charset="0"/>
+              </a:rPr>
+            </a:br>
+            <a:r>
+              <a:rPr lang="en-US" sz="1800" dirty="0">
+                <a:effectLst/>
+                <a:latin typeface="Calibri" panose="020F0502020204030204" pitchFamily="34" charset="0"/>
+              </a:rPr>
+              <a:t>Coursework: Intro to computer science, software development, algorithms, computer organization, databases, computer ethics, agile software development, differential and integral calculus, intro psychology, intro social science</a:t>
+            </a:r>
+            <a:br>
+              <a:rPr lang="en-US" sz="1800" dirty="0">
+                <a:effectLst/>
+                <a:latin typeface="Calibri" panose="020F0502020204030204" pitchFamily="34" charset="0"/>
+              </a:rPr>
+            </a:br>
+            <a:r>
+              <a:rPr lang="en-US" sz="1800" dirty="0">
+                <a:effectLst/>
+                <a:latin typeface="Calibri" panose="020F0502020204030204" pitchFamily="34" charset="0"/>
+              </a:rPr>
+              <a:t>Interests: Computer gaming, chess, baseball, new ideas in technology</a:t>
+            </a:r>
+            <a:br>
+              <a:rPr lang="en-US" sz="1800" dirty="0">
+                <a:effectLst/>
+                <a:latin typeface="Calibri" panose="020F0502020204030204" pitchFamily="34" charset="0"/>
+              </a:rPr>
+            </a:br>
+            <a:r>
+              <a:rPr lang="en-US" sz="1800" dirty="0">
+                <a:effectLst/>
+                <a:latin typeface="Calibri" panose="020F0502020204030204" pitchFamily="34" charset="0"/>
+              </a:rPr>
+              <a:t>Things I don’t find interesting: Cooking, sophisticated movies, loud music </a:t>
+            </a:r>
+            <a:endParaRPr lang="en-US" dirty="0"/>
+          </a:p>
+          <a:p>
+            <a:pPr marL="0" indent="0">
+              <a:buNone/>
+            </a:pPr>
+            <a:endParaRPr lang="en-US" sz="1800" dirty="0">
+              <a:effectLst/>
+              <a:latin typeface="Calibri" panose="020F0502020204030204" pitchFamily="34" charset="0"/>
+            </a:endParaRPr>
+          </a:p>
+          <a:p>
+            <a:pPr marL="0" indent="0">
+              <a:buNone/>
+            </a:pPr>
+            <a:r>
+              <a:rPr lang="en-US" sz="1800" dirty="0">
+                <a:effectLst/>
+                <a:latin typeface="Calibri" panose="020F0502020204030204" pitchFamily="34" charset="0"/>
+              </a:rPr>
+              <a:t>Context</a:t>
+            </a:r>
+            <a:br>
+              <a:rPr lang="en-US" sz="1800" dirty="0">
+                <a:effectLst/>
+                <a:latin typeface="Calibri" panose="020F0502020204030204" pitchFamily="34" charset="0"/>
+              </a:rPr>
+            </a:br>
+            <a:r>
+              <a:rPr lang="en-US" sz="1800" dirty="0">
+                <a:effectLst/>
+                <a:latin typeface="Calibri" panose="020F0502020204030204" pitchFamily="34" charset="0"/>
+              </a:rPr>
+              <a:t>A good research topic must positively answer the following questions: </a:t>
+            </a:r>
+            <a:endParaRPr lang="en-US" dirty="0"/>
+          </a:p>
+          <a:p>
+            <a:pPr>
+              <a:buFont typeface="+mj-lt"/>
+              <a:buAutoNum type="arabicPeriod"/>
+            </a:pPr>
+            <a:r>
+              <a:rPr lang="en-US" sz="1800" dirty="0">
+                <a:effectLst/>
+                <a:latin typeface="Calibri" panose="020F0502020204030204" pitchFamily="34" charset="0"/>
+              </a:rPr>
+              <a:t>Does it have a significant computer science component? (Does it require your computer science background to do the research?) </a:t>
+            </a:r>
+          </a:p>
+          <a:p>
+            <a:pPr>
+              <a:buFont typeface="+mj-lt"/>
+              <a:buAutoNum type="arabicPeriod"/>
+            </a:pPr>
+            <a:r>
+              <a:rPr lang="en-US" sz="1800" dirty="0">
+                <a:effectLst/>
+                <a:latin typeface="Calibri" panose="020F0502020204030204" pitchFamily="34" charset="0"/>
+              </a:rPr>
+              <a:t>Are there sufficient high-quality resources at your disposal? </a:t>
+            </a:r>
+          </a:p>
+          <a:p>
+            <a:pPr>
+              <a:buFont typeface="+mj-lt"/>
+              <a:buAutoNum type="arabicPeriod"/>
+            </a:pPr>
+            <a:r>
+              <a:rPr lang="en-US" sz="1800" dirty="0">
+                <a:effectLst/>
+                <a:latin typeface="Calibri" panose="020F0502020204030204" pitchFamily="34" charset="0"/>
+              </a:rPr>
+              <a:t>Is it an active field in the computer science community? </a:t>
+            </a:r>
+          </a:p>
+          <a:p>
+            <a:pPr>
+              <a:buFont typeface="+mj-lt"/>
+              <a:buAutoNum type="arabicPeriod"/>
+            </a:pPr>
+            <a:r>
+              <a:rPr lang="en-US" sz="1800" dirty="0">
+                <a:effectLst/>
+                <a:latin typeface="Calibri" panose="020F0502020204030204" pitchFamily="34" charset="0"/>
+              </a:rPr>
+              <a:t>Can I develop a demonstration or prototype capability in this topic area? </a:t>
+            </a:r>
+          </a:p>
+          <a:p>
+            <a:pPr>
+              <a:buFont typeface="+mj-lt"/>
+              <a:buAutoNum type="arabicPeriod"/>
+            </a:pPr>
+            <a:r>
+              <a:rPr lang="en-US" sz="1800" dirty="0">
+                <a:effectLst/>
+                <a:latin typeface="Calibri" panose="020F0502020204030204" pitchFamily="34" charset="0"/>
+              </a:rPr>
+              <a:t>Is there intellectual substance to this topic? </a:t>
+            </a:r>
+          </a:p>
+          <a:p>
+            <a:pPr marL="0" indent="0">
+              <a:buNone/>
+            </a:pPr>
+            <a:r>
+              <a:rPr lang="en-US" sz="1800" dirty="0">
+                <a:effectLst/>
+                <a:latin typeface="Calibri" panose="020F0502020204030204" pitchFamily="34" charset="0"/>
+              </a:rPr>
+              <a:t>Task: Generate a list of possible research topics I could pursue for my semester-long capstone course in computer science </a:t>
+            </a:r>
+            <a:endParaRPr lang="en-US" dirty="0"/>
+          </a:p>
+          <a:p>
+            <a:pPr marL="0" indent="0">
+              <a:buNone/>
+            </a:pPr>
+            <a:endParaRPr lang="en-US" dirty="0"/>
+          </a:p>
+        </p:txBody>
+      </p:sp>
+    </p:spTree>
+    <p:extLst>
+      <p:ext uri="{BB962C8B-B14F-4D97-AF65-F5344CB8AC3E}">
+        <p14:creationId xmlns:p14="http://schemas.microsoft.com/office/powerpoint/2010/main" val="180471200"/>
+      </p:ext>
+    </p:extLst>
+  </p:cSld>
+  <p:clrMapOvr>
+    <a:masterClrMapping/>
+  </p:clrMapOvr>
+</p:sld>
+</file>
+
+<file path=ppt/slides/slide9.xml><?xml version="1.0" encoding="utf-8"?>
+<p:sld xmlns:a="http://schemas.openxmlformats.org/drawingml/2006/main" xmlns:r="http://schemas.openxmlformats.org/officeDocument/2006/relationships" xmlns:p="http://schemas.openxmlformats.org/presentationml/2006/main">
+  <p:cSld>
+    <p:spTree>
+      <p:nvGrpSpPr>
+        <p:cNvPr id="1" name=""/>
+        <p:cNvGrpSpPr/>
+        <p:nvPr/>
+      </p:nvGrpSpPr>
+      <p:grpSpPr>
+        <a:xfrm>
+          <a:off x="0" y="0"/>
+          <a:ext cx="0" cy="0"/>
+          <a:chOff x="0" y="0"/>
+          <a:chExt cx="0" cy="0"/>
+        </a:xfrm>
+      </p:grpSpPr>
+      <p:sp>
+        <p:nvSpPr>
+          <p:cNvPr id="2" name="Title 1">
+            <a:extLst>
+              <a:ext uri="{FF2B5EF4-FFF2-40B4-BE49-F238E27FC236}">
+                <a16:creationId xmlns:a16="http://schemas.microsoft.com/office/drawing/2014/main" id="{71216B3F-9AA7-C384-4C92-CC8D37E02DA4}"/>
+              </a:ext>
+            </a:extLst>
+          </p:cNvPr>
+          <p:cNvSpPr>
+            <a:spLocks noGrp="1"/>
+          </p:cNvSpPr>
+          <p:nvPr>
+            <p:ph type="title"/>
+          </p:nvPr>
+        </p:nvSpPr>
+        <p:spPr/>
+        <p:txBody>
+          <a:bodyPr>
+            <a:normAutofit fontScale="90000"/>
+          </a:bodyPr>
+          <a:lstStyle/>
+          <a:p>
+            <a:r>
+              <a:rPr lang="en-US" sz="1800" b="1" dirty="0">
+                <a:effectLst/>
+                <a:latin typeface="Calibri" panose="020F0502020204030204" pitchFamily="34" charset="0"/>
+              </a:rPr>
+              <a:t>ChatGPT 4.0 Response</a:t>
+            </a:r>
+            <a:br>
+              <a:rPr lang="en-US" sz="1800" b="1" dirty="0">
+                <a:effectLst/>
+                <a:latin typeface="Calibri" panose="020F0502020204030204" pitchFamily="34" charset="0"/>
+              </a:rPr>
+            </a:br>
+            <a:r>
+              <a:rPr lang="en-US" sz="1800" dirty="0">
+                <a:effectLst/>
+                <a:latin typeface="Calibri" panose="020F0502020204030204" pitchFamily="34" charset="0"/>
+              </a:rPr>
+              <a:t>Certainly, Mike! Based on your coursework, interests, and the provided context, here's a list of research topics that might align with your requirements for your semester-long capstone course: </a:t>
+            </a:r>
+            <a:endParaRPr lang="en-US" dirty="0"/>
+          </a:p>
+        </p:txBody>
+      </p:sp>
+      <p:sp>
+        <p:nvSpPr>
+          <p:cNvPr id="4" name="Content Placeholder 3">
+            <a:extLst>
+              <a:ext uri="{FF2B5EF4-FFF2-40B4-BE49-F238E27FC236}">
+                <a16:creationId xmlns:a16="http://schemas.microsoft.com/office/drawing/2014/main" id="{786AF14A-222E-C9EB-9C71-EE043AAD64D4}"/>
+              </a:ext>
+            </a:extLst>
+          </p:cNvPr>
+          <p:cNvSpPr>
+            <a:spLocks noGrp="1"/>
+          </p:cNvSpPr>
+          <p:nvPr>
+            <p:ph sz="half" idx="1"/>
+          </p:nvPr>
+        </p:nvSpPr>
+        <p:spPr/>
+        <p:txBody>
+          <a:bodyPr>
+            <a:normAutofit fontScale="47500" lnSpcReduction="20000"/>
+          </a:bodyPr>
+          <a:lstStyle/>
+          <a:p>
+            <a:pPr marL="0" indent="0">
+              <a:buNone/>
+            </a:pPr>
+            <a:r>
+              <a:rPr lang="en-US" sz="1800" b="1" dirty="0">
+                <a:effectLst/>
+                <a:latin typeface="Calibri" panose="020F0502020204030204" pitchFamily="34" charset="0"/>
+              </a:rPr>
+              <a:t>1. AI in Computer Gaming: </a:t>
+            </a:r>
+            <a:endParaRPr lang="en-US" dirty="0"/>
+          </a:p>
+          <a:p>
+            <a:pPr marL="171450" indent="-171450"/>
+            <a:r>
+              <a:rPr lang="en-US" sz="1800" dirty="0">
+                <a:effectLst/>
+                <a:latin typeface="Calibri" panose="020F0502020204030204" pitchFamily="34" charset="0"/>
+              </a:rPr>
+              <a:t>Significant computer science component: AI and Machine Learning algorithms.</a:t>
+            </a:r>
+          </a:p>
+          <a:p>
+            <a:pPr marL="171450" indent="-171450"/>
+            <a:r>
+              <a:rPr lang="en-US" sz="1800" dirty="0">
+                <a:effectLst/>
+                <a:latin typeface="Calibri" panose="020F0502020204030204" pitchFamily="34" charset="0"/>
+              </a:rPr>
+              <a:t>Resources: Game engines, AI frameworks</a:t>
+            </a:r>
+          </a:p>
+          <a:p>
+            <a:pPr marL="171450" indent="-171450"/>
+            <a:r>
+              <a:rPr lang="en-US" sz="1800" dirty="0">
+                <a:effectLst/>
+                <a:latin typeface="Calibri" panose="020F0502020204030204" pitchFamily="34" charset="0"/>
+              </a:rPr>
+              <a:t>Active field: Continual development in AI and gaming</a:t>
+            </a:r>
+          </a:p>
+          <a:p>
+            <a:pPr marL="171450" indent="-171450"/>
+            <a:r>
+              <a:rPr lang="en-US" sz="1800" dirty="0">
+                <a:effectLst/>
+                <a:latin typeface="Calibri" panose="020F0502020204030204" pitchFamily="34" charset="0"/>
+              </a:rPr>
+              <a:t>Prototype: Develop an AI-driven non-player character in a game</a:t>
+            </a:r>
+            <a:endParaRPr lang="en-US" dirty="0"/>
+          </a:p>
+          <a:p>
+            <a:pPr marL="171450" indent="-171450"/>
+            <a:r>
+              <a:rPr lang="en-US" sz="1800" dirty="0">
+                <a:effectLst/>
+                <a:latin typeface="Calibri" panose="020F0502020204030204" pitchFamily="34" charset="0"/>
+              </a:rPr>
+              <a:t>Intellectual substance: Exploration of cognitive behaviors, decision-making, and learning techniques</a:t>
+            </a:r>
+          </a:p>
+          <a:p>
+            <a:pPr marL="0" indent="0">
+              <a:buNone/>
+            </a:pPr>
+            <a:endParaRPr lang="en-US" dirty="0"/>
+          </a:p>
+          <a:p>
+            <a:pPr marL="0" indent="0">
+              <a:buNone/>
+            </a:pPr>
+            <a:r>
+              <a:rPr lang="en-US" sz="1800" b="1" dirty="0">
+                <a:effectLst/>
+                <a:latin typeface="Calibri" panose="020F0502020204030204" pitchFamily="34" charset="0"/>
+              </a:rPr>
+              <a:t>2. Algorithmic Trading Strategies in Baseball Player Performance Prediction: </a:t>
+            </a:r>
+            <a:endParaRPr lang="en-US" dirty="0"/>
+          </a:p>
+          <a:p>
+            <a:pPr marL="171450" indent="-171450"/>
+            <a:r>
+              <a:rPr lang="en-US" sz="1800" dirty="0">
+                <a:effectLst/>
+                <a:latin typeface="Calibri" panose="020F0502020204030204" pitchFamily="34" charset="0"/>
+              </a:rPr>
+              <a:t>Significant computer science component: Data analysis, algorithms</a:t>
+            </a:r>
+          </a:p>
+          <a:p>
+            <a:pPr marL="171450" indent="-171450"/>
+            <a:r>
+              <a:rPr lang="en-US" sz="1800" dirty="0">
+                <a:effectLst/>
+                <a:latin typeface="Calibri" panose="020F0502020204030204" pitchFamily="34" charset="0"/>
+              </a:rPr>
+              <a:t>Resources: Publicly available baseball statistics, machine learning libraries</a:t>
+            </a:r>
+          </a:p>
+          <a:p>
+            <a:pPr marL="171450" indent="-171450"/>
+            <a:r>
+              <a:rPr lang="en-US" sz="1800" dirty="0">
+                <a:effectLst/>
+                <a:latin typeface="Calibri" panose="020F0502020204030204" pitchFamily="34" charset="0"/>
+              </a:rPr>
+              <a:t>Active field: Sports analytics</a:t>
+            </a:r>
+          </a:p>
+          <a:p>
+            <a:pPr marL="171450" indent="-171450"/>
+            <a:r>
+              <a:rPr lang="en-US" sz="1800" dirty="0">
+                <a:effectLst/>
+                <a:latin typeface="Calibri" panose="020F0502020204030204" pitchFamily="34" charset="0"/>
+              </a:rPr>
+              <a:t>Prototype: Implement a predictive model for player performance</a:t>
+            </a:r>
+          </a:p>
+          <a:p>
+            <a:pPr marL="171450" indent="-171450"/>
+            <a:r>
+              <a:rPr lang="en-US" sz="1800" dirty="0">
+                <a:effectLst/>
+                <a:latin typeface="Calibri" panose="020F0502020204030204" pitchFamily="34" charset="0"/>
+              </a:rPr>
+              <a:t>Intellectual substance: Statistical modeling, algorithm development</a:t>
+            </a:r>
+          </a:p>
+          <a:p>
+            <a:pPr marL="0" indent="0">
+              <a:buNone/>
+            </a:pPr>
+            <a:endParaRPr lang="en-US" dirty="0"/>
+          </a:p>
+          <a:p>
+            <a:pPr marL="0" indent="0">
+              <a:buNone/>
+            </a:pPr>
+            <a:r>
+              <a:rPr lang="en-US" sz="1800" b="1" dirty="0">
+                <a:effectLst/>
+                <a:latin typeface="Calibri" panose="020F0502020204030204" pitchFamily="34" charset="0"/>
+              </a:rPr>
+              <a:t>3. Quantum Computing in Chess Algorithms: </a:t>
+            </a:r>
+            <a:endParaRPr lang="en-US" dirty="0"/>
+          </a:p>
+          <a:p>
+            <a:pPr marL="171450" indent="-171450"/>
+            <a:r>
+              <a:rPr lang="en-US" sz="1800" dirty="0">
+                <a:effectLst/>
+                <a:latin typeface="Calibri" panose="020F0502020204030204" pitchFamily="34" charset="0"/>
+              </a:rPr>
+              <a:t>Significant computer science component: Quantum computing, algorithms</a:t>
+            </a:r>
+          </a:p>
+          <a:p>
+            <a:pPr marL="171450" indent="-171450"/>
+            <a:r>
+              <a:rPr lang="en-US" sz="1800" dirty="0">
+                <a:effectLst/>
+                <a:latin typeface="Calibri" panose="020F0502020204030204" pitchFamily="34" charset="0"/>
+              </a:rPr>
+              <a:t>Resources: Quantum development kits, chess databases</a:t>
+            </a:r>
+          </a:p>
+          <a:p>
+            <a:pPr marL="171450" indent="-171450"/>
+            <a:r>
+              <a:rPr lang="en-US" sz="1800" dirty="0">
+                <a:effectLst/>
+                <a:latin typeface="Calibri" panose="020F0502020204030204" pitchFamily="34" charset="0"/>
+              </a:rPr>
+              <a:t>Active field: Quantum computing</a:t>
+            </a:r>
+          </a:p>
+          <a:p>
+            <a:pPr marL="171450" indent="-171450"/>
+            <a:r>
+              <a:rPr lang="en-US" sz="1800" dirty="0">
+                <a:effectLst/>
+                <a:latin typeface="Calibri" panose="020F0502020204030204" pitchFamily="34" charset="0"/>
+              </a:rPr>
+              <a:t>Prototype: Implement a quantum chess-playing algorithm</a:t>
+            </a:r>
+          </a:p>
+          <a:p>
+            <a:pPr marL="171450" indent="-171450"/>
+            <a:r>
+              <a:rPr lang="en-US" sz="1800" dirty="0">
+                <a:effectLst/>
+                <a:latin typeface="Calibri" panose="020F0502020204030204" pitchFamily="34" charset="0"/>
+              </a:rPr>
+              <a:t>Intellectual substance: Quantum mechanics, algorithmic complexity</a:t>
+            </a:r>
+          </a:p>
+          <a:p>
+            <a:pPr marL="0" indent="0">
+              <a:buNone/>
+            </a:pPr>
+            <a:endParaRPr lang="en-US" dirty="0"/>
+          </a:p>
+          <a:p>
+            <a:pPr marL="0" indent="0">
+              <a:buNone/>
+            </a:pPr>
+            <a:r>
+              <a:rPr lang="en-US" sz="1800" b="1" dirty="0">
+                <a:effectLst/>
+                <a:latin typeface="Calibri" panose="020F0502020204030204" pitchFamily="34" charset="0"/>
+              </a:rPr>
+              <a:t>4. Blockchain Technology for Secure Data Management in Databases: </a:t>
+            </a:r>
+            <a:endParaRPr lang="en-US" dirty="0"/>
+          </a:p>
+          <a:p>
+            <a:pPr marL="171450" indent="-171450"/>
+            <a:r>
+              <a:rPr lang="en-US" sz="1800" dirty="0">
+                <a:effectLst/>
+                <a:latin typeface="Calibri" panose="020F0502020204030204" pitchFamily="34" charset="0"/>
+              </a:rPr>
+              <a:t>Significant computer science component: Cryptography, databases</a:t>
+            </a:r>
+          </a:p>
+          <a:p>
+            <a:pPr marL="171450" indent="-171450"/>
+            <a:r>
+              <a:rPr lang="en-US" sz="1800" dirty="0">
+                <a:effectLst/>
+                <a:latin typeface="Calibri" panose="020F0502020204030204" pitchFamily="34" charset="0"/>
+              </a:rPr>
+              <a:t>Resources: Blockchain platforms, database systems</a:t>
+            </a:r>
+          </a:p>
+          <a:p>
+            <a:pPr marL="171450" indent="-171450"/>
+            <a:r>
+              <a:rPr lang="en-US" sz="1800" dirty="0">
+                <a:effectLst/>
+                <a:latin typeface="Calibri" panose="020F0502020204030204" pitchFamily="34" charset="0"/>
+              </a:rPr>
+              <a:t>Active field: Data security</a:t>
+            </a:r>
+          </a:p>
+          <a:p>
+            <a:pPr marL="171450" indent="-171450"/>
+            <a:r>
+              <a:rPr lang="en-US" sz="1800" dirty="0">
+                <a:effectLst/>
+                <a:latin typeface="Calibri" panose="020F0502020204030204" pitchFamily="34" charset="0"/>
+              </a:rPr>
+              <a:t>Prototype: Develop a blockchain-secured database</a:t>
+            </a:r>
+          </a:p>
+          <a:p>
+            <a:pPr marL="171450" indent="-171450"/>
+            <a:r>
+              <a:rPr lang="en-US" sz="1800" dirty="0">
+                <a:effectLst/>
+                <a:latin typeface="Calibri" panose="020F0502020204030204" pitchFamily="34" charset="0"/>
+              </a:rPr>
+              <a:t>Intellectual substance: Security measures, decentralization</a:t>
+            </a:r>
+            <a:endParaRPr lang="en-US" dirty="0"/>
+          </a:p>
+          <a:p>
+            <a:pPr marL="0" indent="0">
+              <a:buNone/>
+            </a:pPr>
+            <a:endParaRPr lang="en-US" dirty="0"/>
+          </a:p>
+        </p:txBody>
+      </p:sp>
+      <p:sp>
+        <p:nvSpPr>
+          <p:cNvPr id="5" name="Content Placeholder 4">
+            <a:extLst>
+              <a:ext uri="{FF2B5EF4-FFF2-40B4-BE49-F238E27FC236}">
+                <a16:creationId xmlns:a16="http://schemas.microsoft.com/office/drawing/2014/main" id="{BEE3826B-2285-3ECB-0DE8-C003806AC1EC}"/>
+              </a:ext>
+            </a:extLst>
+          </p:cNvPr>
+          <p:cNvSpPr>
+            <a:spLocks noGrp="1"/>
+          </p:cNvSpPr>
+          <p:nvPr>
+            <p:ph sz="half" idx="2"/>
+          </p:nvPr>
+        </p:nvSpPr>
+        <p:spPr/>
+        <p:txBody>
+          <a:bodyPr>
+            <a:normAutofit fontScale="47500" lnSpcReduction="20000"/>
+          </a:bodyPr>
+          <a:lstStyle/>
+          <a:p>
+            <a:pPr marL="0" indent="0">
+              <a:buNone/>
+            </a:pPr>
+            <a:r>
+              <a:rPr lang="en-US" sz="1800" b="1" dirty="0">
+                <a:effectLst/>
+                <a:latin typeface="Calibri" panose="020F0502020204030204" pitchFamily="34" charset="0"/>
+              </a:rPr>
+              <a:t>5. Ethics and Bias in AI Algorithms: </a:t>
+            </a:r>
+            <a:endParaRPr lang="en-US" dirty="0"/>
+          </a:p>
+          <a:p>
+            <a:pPr marL="171450" indent="-171450"/>
+            <a:r>
+              <a:rPr lang="en-US" sz="1800">
+                <a:effectLst/>
+                <a:latin typeface="Calibri" panose="020F0502020204030204" pitchFamily="34" charset="0"/>
+              </a:rPr>
+              <a:t>Significant computer science component: AI</a:t>
+            </a:r>
+            <a:r>
+              <a:rPr lang="en-US" sz="1800" dirty="0">
+                <a:effectLst/>
+                <a:latin typeface="Calibri" panose="020F0502020204030204" pitchFamily="34" charset="0"/>
+              </a:rPr>
+              <a:t>, Ethics</a:t>
+            </a:r>
+          </a:p>
+          <a:p>
+            <a:pPr marL="171450" indent="-171450"/>
+            <a:r>
+              <a:rPr lang="en-US" sz="1800" dirty="0">
+                <a:effectLst/>
+                <a:latin typeface="Calibri" panose="020F0502020204030204" pitchFamily="34" charset="0"/>
+              </a:rPr>
+              <a:t>Resources: AI frameworks, literature on ethics</a:t>
+            </a:r>
+          </a:p>
+          <a:p>
+            <a:pPr marL="171450" indent="-171450"/>
+            <a:r>
+              <a:rPr lang="en-US" sz="1800" dirty="0">
+                <a:effectLst/>
+                <a:latin typeface="Calibri" panose="020F0502020204030204" pitchFamily="34" charset="0"/>
+              </a:rPr>
+              <a:t>Active field: AI ethics, bias detection</a:t>
+            </a:r>
+          </a:p>
+          <a:p>
+            <a:pPr marL="171450" indent="-171450"/>
+            <a:r>
+              <a:rPr lang="en-US" sz="1800" dirty="0">
+                <a:effectLst/>
+                <a:latin typeface="Calibri" panose="020F0502020204030204" pitchFamily="34" charset="0"/>
+              </a:rPr>
+              <a:t>Prototype: Develop a bias-detection system</a:t>
+            </a:r>
+          </a:p>
+          <a:p>
+            <a:pPr marL="171450" indent="-171450"/>
+            <a:r>
+              <a:rPr lang="en-US" sz="1800" dirty="0">
+                <a:effectLst/>
+                <a:latin typeface="Calibri" panose="020F0502020204030204" pitchFamily="34" charset="0"/>
+              </a:rPr>
+              <a:t>Intellectual substance: Ethical considerations, algorithm fairness. </a:t>
+            </a:r>
+            <a:endParaRPr lang="en-US" dirty="0"/>
+          </a:p>
+          <a:p>
+            <a:pPr marL="0" indent="0">
+              <a:buNone/>
+            </a:pPr>
+            <a:endParaRPr lang="en-US" sz="1800" b="1" dirty="0">
+              <a:effectLst/>
+              <a:latin typeface="Calibri" panose="020F0502020204030204" pitchFamily="34" charset="0"/>
+            </a:endParaRPr>
+          </a:p>
+          <a:p>
+            <a:pPr marL="0" indent="0">
+              <a:buNone/>
+            </a:pPr>
+            <a:r>
+              <a:rPr lang="en-US" sz="1800" b="1" dirty="0">
+                <a:effectLst/>
+                <a:latin typeface="Calibri" panose="020F0502020204030204" pitchFamily="34" charset="0"/>
+              </a:rPr>
+              <a:t>6. VR/AR Applications in Agile Software Development Environments: </a:t>
+            </a:r>
+            <a:endParaRPr lang="en-US" dirty="0"/>
+          </a:p>
+          <a:p>
+            <a:pPr marL="171450" indent="-171450"/>
+            <a:r>
+              <a:rPr lang="en-US" sz="1800">
+                <a:effectLst/>
+                <a:latin typeface="Calibri" panose="020F0502020204030204" pitchFamily="34" charset="0"/>
+              </a:rPr>
+              <a:t>Significant computer science component: Virtual </a:t>
+            </a:r>
+            <a:r>
+              <a:rPr lang="en-US" sz="1800" dirty="0">
+                <a:effectLst/>
+                <a:latin typeface="Calibri" panose="020F0502020204030204" pitchFamily="34" charset="0"/>
+              </a:rPr>
+              <a:t>Reality/Augmented Reality, Software Development</a:t>
+            </a:r>
+          </a:p>
+          <a:p>
+            <a:pPr marL="171450" indent="-171450"/>
+            <a:r>
+              <a:rPr lang="en-US" sz="1800" dirty="0">
+                <a:effectLst/>
+                <a:latin typeface="Calibri" panose="020F0502020204030204" pitchFamily="34" charset="0"/>
+              </a:rPr>
+              <a:t>Resources: VR/AR development tools, agile methodologies</a:t>
+            </a:r>
+          </a:p>
+          <a:p>
+            <a:pPr marL="171450" indent="-171450"/>
+            <a:r>
+              <a:rPr lang="en-US" sz="1800" dirty="0">
+                <a:effectLst/>
+                <a:latin typeface="Calibri" panose="020F0502020204030204" pitchFamily="34" charset="0"/>
+              </a:rPr>
+              <a:t>Active field: Agile development, human-computer interaction</a:t>
+            </a:r>
+          </a:p>
+          <a:p>
+            <a:pPr marL="171450" indent="-171450"/>
+            <a:r>
+              <a:rPr lang="en-US" sz="1800" dirty="0">
+                <a:effectLst/>
+                <a:latin typeface="Calibri" panose="020F0502020204030204" pitchFamily="34" charset="0"/>
+              </a:rPr>
+              <a:t>Prototype: Create a VR/AR tool for agile project management</a:t>
+            </a:r>
+          </a:p>
+          <a:p>
+            <a:pPr marL="171450" indent="-171450"/>
+            <a:r>
+              <a:rPr lang="en-US" sz="1800" dirty="0">
+                <a:effectLst/>
+                <a:latin typeface="Calibri" panose="020F0502020204030204" pitchFamily="34" charset="0"/>
+              </a:rPr>
+              <a:t>Intellectual substance: Human interaction, software engineering principles</a:t>
+            </a:r>
+            <a:endParaRPr lang="en-US" dirty="0"/>
+          </a:p>
+          <a:p>
+            <a:pPr marL="0" indent="0">
+              <a:buNone/>
+            </a:pPr>
+            <a:endParaRPr lang="en-US" sz="1800" b="1" dirty="0">
+              <a:effectLst/>
+              <a:latin typeface="Calibri" panose="020F0502020204030204" pitchFamily="34" charset="0"/>
+            </a:endParaRPr>
+          </a:p>
+          <a:p>
+            <a:pPr marL="0" indent="0">
+              <a:buNone/>
+            </a:pPr>
+            <a:r>
+              <a:rPr lang="en-US" sz="1800" b="1" dirty="0">
+                <a:effectLst/>
+                <a:latin typeface="Calibri" panose="020F0502020204030204" pitchFamily="34" charset="0"/>
+              </a:rPr>
+              <a:t>7. Personalized Education through Machine Learning: </a:t>
+            </a:r>
+            <a:endParaRPr lang="en-US" dirty="0"/>
+          </a:p>
+          <a:p>
+            <a:pPr marL="171450" indent="-171450"/>
+            <a:r>
+              <a:rPr lang="en-US" sz="1800">
+                <a:effectLst/>
+                <a:latin typeface="Calibri" panose="020F0502020204030204" pitchFamily="34" charset="0"/>
+              </a:rPr>
+              <a:t>Significant computer science component: AI</a:t>
+            </a:r>
+            <a:r>
+              <a:rPr lang="en-US" sz="1800" dirty="0">
+                <a:effectLst/>
+                <a:latin typeface="Calibri" panose="020F0502020204030204" pitchFamily="34" charset="0"/>
+              </a:rPr>
+              <a:t>, personalized learning</a:t>
+            </a:r>
+          </a:p>
+          <a:p>
+            <a:pPr marL="171450" indent="-171450"/>
+            <a:r>
+              <a:rPr lang="en-US" sz="1800" dirty="0">
+                <a:effectLst/>
+                <a:latin typeface="Calibri" panose="020F0502020204030204" pitchFamily="34" charset="0"/>
+              </a:rPr>
+              <a:t>Resources: Educational datasets, machine learning frameworks</a:t>
+            </a:r>
+          </a:p>
+          <a:p>
+            <a:pPr marL="171450" indent="-171450"/>
+            <a:r>
+              <a:rPr lang="en-US" sz="1800" dirty="0">
+                <a:effectLst/>
+                <a:latin typeface="Calibri" panose="020F0502020204030204" pitchFamily="34" charset="0"/>
+              </a:rPr>
+              <a:t>Active field: EdTech, AI in education</a:t>
+            </a:r>
+          </a:p>
+          <a:p>
+            <a:pPr marL="171450" indent="-171450"/>
+            <a:r>
+              <a:rPr lang="en-US" sz="1800" dirty="0">
+                <a:effectLst/>
+                <a:latin typeface="Calibri" panose="020F0502020204030204" pitchFamily="34" charset="0"/>
+              </a:rPr>
+              <a:t>Prototype: Develop a personalized learning algorithm</a:t>
+            </a:r>
+          </a:p>
+          <a:p>
+            <a:pPr marL="171450" indent="-171450"/>
+            <a:r>
+              <a:rPr lang="en-US" sz="1800" dirty="0">
+                <a:effectLst/>
+                <a:latin typeface="Calibri" panose="020F0502020204030204" pitchFamily="34" charset="0"/>
+              </a:rPr>
+              <a:t>Intellectual substance: Learning theory, algorithm design</a:t>
+            </a:r>
+            <a:endParaRPr lang="en-US" dirty="0"/>
+          </a:p>
+          <a:p>
+            <a:pPr marL="171450" indent="-171450"/>
+            <a:endParaRPr lang="en-US" sz="1800" dirty="0">
+              <a:effectLst/>
+              <a:latin typeface="Calibri" panose="020F0502020204030204" pitchFamily="34" charset="0"/>
+            </a:endParaRPr>
+          </a:p>
+          <a:p>
+            <a:pPr marL="0" indent="0">
+              <a:buNone/>
+            </a:pPr>
+            <a:r>
+              <a:rPr lang="en-US" sz="1800" dirty="0">
+                <a:effectLst/>
+                <a:latin typeface="Calibri" panose="020F0502020204030204" pitchFamily="34" charset="0"/>
+              </a:rPr>
+              <a:t>These topics should provide a rich ground for exploration, aligning with your background and interests in computer science, and satisfying the requirements outlined for your capstone course. </a:t>
+            </a:r>
+            <a:endParaRPr lang="en-US" dirty="0"/>
+          </a:p>
+          <a:p>
+            <a:pPr marL="0" indent="0">
+              <a:buNone/>
+            </a:pPr>
+            <a:endParaRPr lang="en-US" dirty="0"/>
+          </a:p>
+        </p:txBody>
+      </p:sp>
+    </p:spTree>
+    <p:extLst>
+      <p:ext uri="{BB962C8B-B14F-4D97-AF65-F5344CB8AC3E}">
+        <p14:creationId xmlns:p14="http://schemas.microsoft.com/office/powerpoint/2010/main" val="2619956268"/>
       </p:ext>
     </p:extLst>
   </p:cSld>
